--- a/kmppt.pptx
+++ b/kmppt.pptx
@@ -1,28 +1,28 @@
 
 <file path=ppt/presentation.xml><?xml version="1.0" encoding="utf-8"?>
-<p:presentation xmlns:a="http://schemas.openxmlformats.org/drawingml/2006/main" xmlns:r="http://schemas.openxmlformats.org/officeDocument/2006/relationships" xmlns:p="http://schemas.openxmlformats.org/presentationml/2006/main">
+<p:presentation xmlns:a="http://schemas.openxmlformats.org/drawingml/2006/main" xmlns:r="http://schemas.openxmlformats.org/officeDocument/2006/relationships" xmlns:p="http://schemas.openxmlformats.org/presentationml/2006/main" xmlns:m="http://schemas.openxmlformats.org/officeDocument/2006/math" xmlns:a14="http://schemas.microsoft.com/office/drawing/2010/main">
   <p:sldMasterIdLst>
-    <p:sldMasterId id="2147483648" r:id="rId1"/>
+    <p:sldMasterId id="2147483648" r:id="rId5"/>
   </p:sldMasterIdLst>
   <p:notesMasterIdLst>
-    <p:notesMasterId r:id="rId15"/>
+    <p:notesMasterId r:id="rId7"/>
   </p:notesMasterIdLst>
   <p:sldIdLst>
-    <p:sldId id="256" r:id="rId2"/>
-    <p:sldId id="257" r:id="rId3"/>
-    <p:sldId id="258" r:id="rId4"/>
-    <p:sldId id="259" r:id="rId5"/>
-    <p:sldId id="260" r:id="rId6"/>
-    <p:sldId id="261" r:id="rId7"/>
-    <p:sldId id="262" r:id="rId8"/>
-    <p:sldId id="263" r:id="rId9"/>
-    <p:sldId id="264" r:id="rId10"/>
-    <p:sldId id="265" r:id="rId11"/>
-    <p:sldId id="266" r:id="rId12"/>
-    <p:sldId id="267" r:id="rId13"/>
-    <p:sldId id="268" r:id="rId14"/>
+    <p:sldId id="256" r:id="rId8"/>
+    <p:sldId id="257" r:id="rId9"/>
+    <p:sldId id="258" r:id="rId10"/>
+    <p:sldId id="259" r:id="rId11"/>
+    <p:sldId id="260" r:id="rId12"/>
+    <p:sldId id="261" r:id="rId13"/>
+    <p:sldId id="262" r:id="rId14"/>
+    <p:sldId id="263" r:id="rId15"/>
+    <p:sldId id="264" r:id="rId16"/>
+    <p:sldId id="265" r:id="rId17"/>
+    <p:sldId id="266" r:id="rId18"/>
+    <p:sldId id="267" r:id="rId19"/>
+    <p:sldId id="268" r:id="rId20"/>
   </p:sldIdLst>
-  <p:sldSz cx="9144000" cy="6858000" type="screen4x3"/>
+  <p:sldSz cx="9144000" cy="6858000"/>
   <p:notesSz cx="6858000" cy="9144000"/>
   <p:defaultTextStyle>
     <a:defPPr marL="0" marR="0" indent="0" algn="l" defTabSz="914400" rtl="0" fontAlgn="auto" latinLnBrk="1" hangingPunct="0">
@@ -40,7 +40,7 @@
       <a:buFontTx/>
       <a:buNone/>
       <a:tabLst/>
-      <a:defRPr kumimoji="0" sz="1800" b="0" i="0" u="none" strike="noStrike" cap="none" spc="0" normalizeH="0" baseline="0">
+      <a:defRPr b="0" baseline="0" cap="none" i="0" spc="0" strike="noStrike" sz="1800" u="none" kumimoji="0" normalizeH="0">
         <a:ln>
           <a:noFill/>
         </a:ln>
@@ -66,7 +66,7 @@
       <a:buFontTx/>
       <a:buNone/>
       <a:tabLst/>
-      <a:defRPr kumimoji="0" sz="1400" b="0" i="0" u="none" strike="noStrike" cap="none" spc="0" normalizeH="0" baseline="0">
+      <a:defRPr b="0" baseline="0" cap="none" i="0" spc="0" strike="noStrike" sz="1400" u="none" kumimoji="0" normalizeH="0">
         <a:ln>
           <a:noFill/>
         </a:ln>
@@ -78,7 +78,7 @@
         <a:latin typeface="+mj-lt"/>
         <a:ea typeface="+mj-ea"/>
         <a:cs typeface="+mj-cs"/>
-        <a:sym typeface="Arial"/>
+        <a:sym typeface="Helvetica"/>
       </a:defRPr>
     </a:lvl1pPr>
     <a:lvl2pPr marL="0" marR="0" indent="0" algn="l" defTabSz="914400" rtl="0" fontAlgn="auto" latinLnBrk="0" hangingPunct="0">
@@ -96,7 +96,7 @@
       <a:buFontTx/>
       <a:buNone/>
       <a:tabLst/>
-      <a:defRPr kumimoji="0" sz="1400" b="0" i="0" u="none" strike="noStrike" cap="none" spc="0" normalizeH="0" baseline="0">
+      <a:defRPr b="0" baseline="0" cap="none" i="0" spc="0" strike="noStrike" sz="1400" u="none" kumimoji="0" normalizeH="0">
         <a:ln>
           <a:noFill/>
         </a:ln>
@@ -108,7 +108,7 @@
         <a:latin typeface="+mj-lt"/>
         <a:ea typeface="+mj-ea"/>
         <a:cs typeface="+mj-cs"/>
-        <a:sym typeface="Arial"/>
+        <a:sym typeface="Helvetica"/>
       </a:defRPr>
     </a:lvl2pPr>
     <a:lvl3pPr marL="0" marR="0" indent="0" algn="l" defTabSz="914400" rtl="0" fontAlgn="auto" latinLnBrk="0" hangingPunct="0">
@@ -126,7 +126,7 @@
       <a:buFontTx/>
       <a:buNone/>
       <a:tabLst/>
-      <a:defRPr kumimoji="0" sz="1400" b="0" i="0" u="none" strike="noStrike" cap="none" spc="0" normalizeH="0" baseline="0">
+      <a:defRPr b="0" baseline="0" cap="none" i="0" spc="0" strike="noStrike" sz="1400" u="none" kumimoji="0" normalizeH="0">
         <a:ln>
           <a:noFill/>
         </a:ln>
@@ -138,7 +138,7 @@
         <a:latin typeface="+mj-lt"/>
         <a:ea typeface="+mj-ea"/>
         <a:cs typeface="+mj-cs"/>
-        <a:sym typeface="Arial"/>
+        <a:sym typeface="Helvetica"/>
       </a:defRPr>
     </a:lvl3pPr>
     <a:lvl4pPr marL="0" marR="0" indent="0" algn="l" defTabSz="914400" rtl="0" fontAlgn="auto" latinLnBrk="0" hangingPunct="0">
@@ -156,7 +156,7 @@
       <a:buFontTx/>
       <a:buNone/>
       <a:tabLst/>
-      <a:defRPr kumimoji="0" sz="1400" b="0" i="0" u="none" strike="noStrike" cap="none" spc="0" normalizeH="0" baseline="0">
+      <a:defRPr b="0" baseline="0" cap="none" i="0" spc="0" strike="noStrike" sz="1400" u="none" kumimoji="0" normalizeH="0">
         <a:ln>
           <a:noFill/>
         </a:ln>
@@ -168,7 +168,7 @@
         <a:latin typeface="+mj-lt"/>
         <a:ea typeface="+mj-ea"/>
         <a:cs typeface="+mj-cs"/>
-        <a:sym typeface="Arial"/>
+        <a:sym typeface="Helvetica"/>
       </a:defRPr>
     </a:lvl4pPr>
     <a:lvl5pPr marL="0" marR="0" indent="0" algn="l" defTabSz="914400" rtl="0" fontAlgn="auto" latinLnBrk="0" hangingPunct="0">
@@ -186,7 +186,7 @@
       <a:buFontTx/>
       <a:buNone/>
       <a:tabLst/>
-      <a:defRPr kumimoji="0" sz="1400" b="0" i="0" u="none" strike="noStrike" cap="none" spc="0" normalizeH="0" baseline="0">
+      <a:defRPr b="0" baseline="0" cap="none" i="0" spc="0" strike="noStrike" sz="1400" u="none" kumimoji="0" normalizeH="0">
         <a:ln>
           <a:noFill/>
         </a:ln>
@@ -198,7 +198,7 @@
         <a:latin typeface="+mj-lt"/>
         <a:ea typeface="+mj-ea"/>
         <a:cs typeface="+mj-cs"/>
-        <a:sym typeface="Arial"/>
+        <a:sym typeface="Helvetica"/>
       </a:defRPr>
     </a:lvl5pPr>
     <a:lvl6pPr marL="0" marR="0" indent="0" algn="l" defTabSz="914400" rtl="0" fontAlgn="auto" latinLnBrk="0" hangingPunct="0">
@@ -216,7 +216,7 @@
       <a:buFontTx/>
       <a:buNone/>
       <a:tabLst/>
-      <a:defRPr kumimoji="0" sz="1400" b="0" i="0" u="none" strike="noStrike" cap="none" spc="0" normalizeH="0" baseline="0">
+      <a:defRPr b="0" baseline="0" cap="none" i="0" spc="0" strike="noStrike" sz="1400" u="none" kumimoji="0" normalizeH="0">
         <a:ln>
           <a:noFill/>
         </a:ln>
@@ -228,7 +228,7 @@
         <a:latin typeface="+mj-lt"/>
         <a:ea typeface="+mj-ea"/>
         <a:cs typeface="+mj-cs"/>
-        <a:sym typeface="Arial"/>
+        <a:sym typeface="Helvetica"/>
       </a:defRPr>
     </a:lvl6pPr>
     <a:lvl7pPr marL="0" marR="0" indent="0" algn="l" defTabSz="914400" rtl="0" fontAlgn="auto" latinLnBrk="0" hangingPunct="0">
@@ -246,7 +246,7 @@
       <a:buFontTx/>
       <a:buNone/>
       <a:tabLst/>
-      <a:defRPr kumimoji="0" sz="1400" b="0" i="0" u="none" strike="noStrike" cap="none" spc="0" normalizeH="0" baseline="0">
+      <a:defRPr b="0" baseline="0" cap="none" i="0" spc="0" strike="noStrike" sz="1400" u="none" kumimoji="0" normalizeH="0">
         <a:ln>
           <a:noFill/>
         </a:ln>
@@ -258,7 +258,7 @@
         <a:latin typeface="+mj-lt"/>
         <a:ea typeface="+mj-ea"/>
         <a:cs typeface="+mj-cs"/>
-        <a:sym typeface="Arial"/>
+        <a:sym typeface="Helvetica"/>
       </a:defRPr>
     </a:lvl7pPr>
     <a:lvl8pPr marL="0" marR="0" indent="0" algn="l" defTabSz="914400" rtl="0" fontAlgn="auto" latinLnBrk="0" hangingPunct="0">
@@ -276,7 +276,7 @@
       <a:buFontTx/>
       <a:buNone/>
       <a:tabLst/>
-      <a:defRPr kumimoji="0" sz="1400" b="0" i="0" u="none" strike="noStrike" cap="none" spc="0" normalizeH="0" baseline="0">
+      <a:defRPr b="0" baseline="0" cap="none" i="0" spc="0" strike="noStrike" sz="1400" u="none" kumimoji="0" normalizeH="0">
         <a:ln>
           <a:noFill/>
         </a:ln>
@@ -288,7 +288,7 @@
         <a:latin typeface="+mj-lt"/>
         <a:ea typeface="+mj-ea"/>
         <a:cs typeface="+mj-cs"/>
-        <a:sym typeface="Arial"/>
+        <a:sym typeface="Helvetica"/>
       </a:defRPr>
     </a:lvl8pPr>
     <a:lvl9pPr marL="0" marR="0" indent="0" algn="l" defTabSz="914400" rtl="0" fontAlgn="auto" latinLnBrk="0" hangingPunct="0">
@@ -306,7 +306,7 @@
       <a:buFontTx/>
       <a:buNone/>
       <a:tabLst/>
-      <a:defRPr kumimoji="0" sz="1400" b="0" i="0" u="none" strike="noStrike" cap="none" spc="0" normalizeH="0" baseline="0">
+      <a:defRPr b="0" baseline="0" cap="none" i="0" spc="0" strike="noStrike" sz="1400" u="none" kumimoji="0" normalizeH="0">
         <a:ln>
           <a:noFill/>
         </a:ln>
@@ -318,26 +318,20 @@
         <a:latin typeface="+mj-lt"/>
         <a:ea typeface="+mj-ea"/>
         <a:cs typeface="+mj-cs"/>
-        <a:sym typeface="Arial"/>
+        <a:sym typeface="Helvetica"/>
       </a:defRPr>
     </a:lvl9pPr>
   </p:defaultTextStyle>
-  <p:extLst>
-    <p:ext uri="{EFAFB233-063F-42B5-8137-9DF3F51BA10A}">
-      <p15:sldGuideLst xmlns:p15="http://schemas.microsoft.com/office/powerpoint/2012/main"/>
-    </p:ext>
-  </p:extLst>
 </p:presentation>
 </file>
 
+<file path=ppt/commentAuthors.xml><?xml version="1.0" encoding="utf-8"?>
+<p:cmAuthorLst xmlns:a="http://schemas.openxmlformats.org/drawingml/2006/main" xmlns:r="http://schemas.openxmlformats.org/officeDocument/2006/relationships" xmlns:p="http://schemas.openxmlformats.org/presentationml/2006/main" xmlns:m="http://schemas.openxmlformats.org/officeDocument/2006/math" xmlns:a14="http://schemas.microsoft.com/office/drawing/2010/main"/>
+</file>
+
 <file path=ppt/notesMasters/notesMaster1.xml><?xml version="1.0" encoding="utf-8"?>
-<p:notesMaster xmlns:a="http://schemas.openxmlformats.org/drawingml/2006/main" xmlns:r="http://schemas.openxmlformats.org/officeDocument/2006/relationships" xmlns:p="http://schemas.openxmlformats.org/presentationml/2006/main">
+<p:notesMaster xmlns:a="http://schemas.openxmlformats.org/drawingml/2006/main" xmlns:r="http://schemas.openxmlformats.org/officeDocument/2006/relationships" xmlns:p="http://schemas.openxmlformats.org/presentationml/2006/main" xmlns:m="http://schemas.openxmlformats.org/officeDocument/2006/math" xmlns:a14="http://schemas.microsoft.com/office/drawing/2010/main">
   <p:cSld>
-    <p:bg>
-      <p:bgRef idx="1001">
-        <a:schemeClr val="bg1"/>
-      </p:bgRef>
-    </p:bg>
     <p:spTree>
       <p:nvGrpSpPr>
         <p:cNvPr id="1" name=""/>
@@ -355,9 +349,7 @@
       <p:sp>
         <p:nvSpPr>
           <p:cNvPr id="24" name="Shape 24"/>
-          <p:cNvSpPr>
-            <a:spLocks noGrp="1" noRot="1" noChangeAspect="1"/>
-          </p:cNvSpPr>
+          <p:cNvSpPr/>
           <p:nvPr>
             <p:ph type="sldImg"/>
           </p:nvPr>
@@ -375,16 +367,14 @@
           <a:bodyPr/>
           <a:lstStyle/>
           <a:p>
-            <a:endParaRPr/>
+            <a:pPr/>
           </a:p>
         </p:txBody>
       </p:sp>
       <p:sp>
         <p:nvSpPr>
           <p:cNvPr id="25" name="Shape 25"/>
-          <p:cNvSpPr>
-            <a:spLocks noGrp="1"/>
-          </p:cNvSpPr>
+          <p:cNvSpPr/>
           <p:nvPr>
             <p:ph type="body" sz="quarter" idx="1"/>
           </p:nvPr>
@@ -402,7 +392,7 @@
           <a:bodyPr/>
           <a:lstStyle/>
           <a:p>
-            <a:endParaRPr/>
+            <a:pPr/>
           </a:p>
         </p:txBody>
       </p:sp>
@@ -412,73 +402,73 @@
   <p:notesStyle>
     <a:lvl1pPr latinLnBrk="0">
       <a:defRPr sz="1400">
-        <a:latin typeface="+mj-lt"/>
-        <a:ea typeface="+mj-ea"/>
-        <a:cs typeface="+mj-cs"/>
+        <a:latin typeface="+mn-lt"/>
+        <a:ea typeface="+mn-ea"/>
+        <a:cs typeface="+mn-cs"/>
         <a:sym typeface="Arial"/>
       </a:defRPr>
     </a:lvl1pPr>
     <a:lvl2pPr indent="228600" latinLnBrk="0">
       <a:defRPr sz="1400">
-        <a:latin typeface="+mj-lt"/>
-        <a:ea typeface="+mj-ea"/>
-        <a:cs typeface="+mj-cs"/>
+        <a:latin typeface="+mn-lt"/>
+        <a:ea typeface="+mn-ea"/>
+        <a:cs typeface="+mn-cs"/>
         <a:sym typeface="Arial"/>
       </a:defRPr>
     </a:lvl2pPr>
     <a:lvl3pPr indent="457200" latinLnBrk="0">
       <a:defRPr sz="1400">
-        <a:latin typeface="+mj-lt"/>
-        <a:ea typeface="+mj-ea"/>
-        <a:cs typeface="+mj-cs"/>
+        <a:latin typeface="+mn-lt"/>
+        <a:ea typeface="+mn-ea"/>
+        <a:cs typeface="+mn-cs"/>
         <a:sym typeface="Arial"/>
       </a:defRPr>
     </a:lvl3pPr>
     <a:lvl4pPr indent="685800" latinLnBrk="0">
       <a:defRPr sz="1400">
-        <a:latin typeface="+mj-lt"/>
-        <a:ea typeface="+mj-ea"/>
-        <a:cs typeface="+mj-cs"/>
+        <a:latin typeface="+mn-lt"/>
+        <a:ea typeface="+mn-ea"/>
+        <a:cs typeface="+mn-cs"/>
         <a:sym typeface="Arial"/>
       </a:defRPr>
     </a:lvl4pPr>
     <a:lvl5pPr indent="914400" latinLnBrk="0">
       <a:defRPr sz="1400">
-        <a:latin typeface="+mj-lt"/>
-        <a:ea typeface="+mj-ea"/>
-        <a:cs typeface="+mj-cs"/>
+        <a:latin typeface="+mn-lt"/>
+        <a:ea typeface="+mn-ea"/>
+        <a:cs typeface="+mn-cs"/>
         <a:sym typeface="Arial"/>
       </a:defRPr>
     </a:lvl5pPr>
     <a:lvl6pPr indent="1143000" latinLnBrk="0">
       <a:defRPr sz="1400">
-        <a:latin typeface="+mj-lt"/>
-        <a:ea typeface="+mj-ea"/>
-        <a:cs typeface="+mj-cs"/>
+        <a:latin typeface="+mn-lt"/>
+        <a:ea typeface="+mn-ea"/>
+        <a:cs typeface="+mn-cs"/>
         <a:sym typeface="Arial"/>
       </a:defRPr>
     </a:lvl6pPr>
     <a:lvl7pPr indent="1371600" latinLnBrk="0">
       <a:defRPr sz="1400">
-        <a:latin typeface="+mj-lt"/>
-        <a:ea typeface="+mj-ea"/>
-        <a:cs typeface="+mj-cs"/>
+        <a:latin typeface="+mn-lt"/>
+        <a:ea typeface="+mn-ea"/>
+        <a:cs typeface="+mn-cs"/>
         <a:sym typeface="Arial"/>
       </a:defRPr>
     </a:lvl7pPr>
     <a:lvl8pPr indent="1600200" latinLnBrk="0">
       <a:defRPr sz="1400">
-        <a:latin typeface="+mj-lt"/>
-        <a:ea typeface="+mj-ea"/>
-        <a:cs typeface="+mj-cs"/>
+        <a:latin typeface="+mn-lt"/>
+        <a:ea typeface="+mn-ea"/>
+        <a:cs typeface="+mn-cs"/>
         <a:sym typeface="Arial"/>
       </a:defRPr>
     </a:lvl8pPr>
     <a:lvl9pPr indent="1828800" latinLnBrk="0">
       <a:defRPr sz="1400">
-        <a:latin typeface="+mj-lt"/>
-        <a:ea typeface="+mj-ea"/>
-        <a:cs typeface="+mj-cs"/>
+        <a:latin typeface="+mn-lt"/>
+        <a:ea typeface="+mn-ea"/>
+        <a:cs typeface="+mn-cs"/>
         <a:sym typeface="Arial"/>
       </a:defRPr>
     </a:lvl9pPr>
@@ -487,7 +477,7 @@
 </file>
 
 <file path=ppt/slideLayouts/slideLayout1.xml><?xml version="1.0" encoding="utf-8"?>
-<p:sldLayout xmlns:a="http://schemas.openxmlformats.org/drawingml/2006/main" xmlns:r="http://schemas.openxmlformats.org/officeDocument/2006/relationships" xmlns:p="http://schemas.openxmlformats.org/presentationml/2006/main" type="title">
+<p:sldLayout xmlns:a="http://schemas.openxmlformats.org/drawingml/2006/main" xmlns:r="http://schemas.openxmlformats.org/officeDocument/2006/relationships" xmlns:p="http://schemas.openxmlformats.org/presentationml/2006/main" xmlns:m="http://schemas.openxmlformats.org/officeDocument/2006/math" xmlns:a14="http://schemas.microsoft.com/office/drawing/2010/main" type="title" showMasterSp="1" showMasterPhAnim="1">
   <p:cSld name="BLANK">
     <p:spTree>
       <p:nvGrpSpPr>
@@ -506,9 +496,7 @@
       <p:sp>
         <p:nvSpPr>
           <p:cNvPr id="18" name="Slide Number"/>
-          <p:cNvSpPr txBox="1">
-            <a:spLocks noGrp="1"/>
-          </p:cNvSpPr>
+          <p:cNvSpPr txBox="1"/>
           <p:nvPr>
             <p:ph type="sldNum" sz="quarter" idx="2"/>
           </p:nvPr>
@@ -522,10 +510,8 @@
           <a:bodyPr/>
           <a:lstStyle/>
           <a:p>
-            <a:fld id="{86CB4B4D-7CA3-9044-876B-883B54F8677D}" type="slidenum">
-              <a:t>‹#›</a:t>
-            </a:fld>
-            <a:endParaRPr/>
+            <a:pPr/>
+            <a:fld id="{86CB4B4D-7CA3-9044-876B-883B54F8677D}" type="slidenum"/>
           </a:p>
         </p:txBody>
       </p:sp>
@@ -534,21 +520,18 @@
   <p:clrMapOvr>
     <a:masterClrMapping/>
   </p:clrMapOvr>
-  <p:transition spd="med"/>
+  <p:transition xmlns:p14="http://schemas.microsoft.com/office/powerpoint/2010/main" spd="med" advClick="1"/>
 </p:sldLayout>
 </file>
 
 <file path=ppt/slideMasters/slideMaster1.xml><?xml version="1.0" encoding="utf-8"?>
-<p:sldMaster xmlns:a="http://schemas.openxmlformats.org/drawingml/2006/main" xmlns:r="http://schemas.openxmlformats.org/officeDocument/2006/relationships" xmlns:p="http://schemas.openxmlformats.org/presentationml/2006/main">
+<p:sldMaster xmlns:a="http://schemas.openxmlformats.org/drawingml/2006/main" xmlns:r="http://schemas.openxmlformats.org/officeDocument/2006/relationships" xmlns:p="http://schemas.openxmlformats.org/presentationml/2006/main" xmlns:m="http://schemas.openxmlformats.org/officeDocument/2006/math" xmlns:a14="http://schemas.microsoft.com/office/drawing/2010/main">
   <p:cSld>
     <p:bg>
       <p:bgPr>
         <a:solidFill>
-          <a:schemeClr val="accent3">
-            <a:lumOff val="44000"/>
-          </a:schemeClr>
+          <a:srgbClr val="FFFFFF"/>
         </a:solidFill>
-        <a:effectLst/>
       </p:bgPr>
     </p:bg>
     <p:spTree>
@@ -574,7 +557,9 @@
           <p:nvPr/>
         </p:nvPicPr>
         <p:blipFill>
-          <a:blip r:embed="rId3"/>
+          <a:blip r:embed="rId2">
+            <a:extLst/>
+          </a:blip>
           <a:stretch>
             <a:fillRect/>
           </a:stretch>
@@ -607,22 +592,24 @@
             <a:avLst/>
           </a:prstGeom>
           <a:solidFill>
-            <a:schemeClr val="accent3">
-              <a:lumOff val="44000"/>
-            </a:schemeClr>
+            <a:srgbClr val="FFFFFF"/>
           </a:solidFill>
           <a:ln w="12700">
             <a:miter lim="400000"/>
           </a:ln>
         </p:spPr>
         <p:txBody>
-          <a:bodyPr lIns="45719" rIns="45719"/>
+          <a:bodyPr lIns="45718" tIns="45718" rIns="45718" bIns="45718"/>
           <a:lstStyle/>
           <a:p>
             <a:pPr>
-              <a:defRPr sz="1800"/>
-            </a:pPr>
-            <a:endParaRPr/>
+              <a:defRPr sz="1800">
+                <a:latin typeface="+mn-lt"/>
+                <a:ea typeface="+mn-ea"/>
+                <a:cs typeface="+mn-cs"/>
+                <a:sym typeface="Arial"/>
+              </a:defRPr>
+            </a:pPr>
           </a:p>
         </p:txBody>
       </p:sp>
@@ -635,7 +622,9 @@
           <p:nvPr/>
         </p:nvPicPr>
         <p:blipFill>
-          <a:blip r:embed="rId4"/>
+          <a:blip r:embed="rId3">
+            <a:extLst/>
+          </a:blip>
           <a:stretch>
             <a:fillRect/>
           </a:stretch>
@@ -668,22 +657,24 @@
             <a:avLst/>
           </a:prstGeom>
           <a:solidFill>
-            <a:schemeClr val="accent3">
-              <a:lumOff val="44000"/>
-            </a:schemeClr>
+            <a:srgbClr val="FFFFFF"/>
           </a:solidFill>
           <a:ln w="12700">
             <a:miter lim="400000"/>
           </a:ln>
         </p:spPr>
         <p:txBody>
-          <a:bodyPr lIns="45719" rIns="45719"/>
+          <a:bodyPr lIns="45718" tIns="45718" rIns="45718" bIns="45718"/>
           <a:lstStyle/>
           <a:p>
             <a:pPr>
-              <a:defRPr sz="1800"/>
-            </a:pPr>
-            <a:endParaRPr/>
+              <a:defRPr sz="1800">
+                <a:latin typeface="+mn-lt"/>
+                <a:ea typeface="+mn-ea"/>
+                <a:cs typeface="+mn-cs"/>
+                <a:sym typeface="Arial"/>
+              </a:defRPr>
+            </a:pPr>
           </a:p>
         </p:txBody>
       </p:sp>
@@ -696,7 +687,9 @@
           <p:nvPr/>
         </p:nvPicPr>
         <p:blipFill>
-          <a:blip r:embed="rId4"/>
+          <a:blip r:embed="rId3">
+            <a:extLst/>
+          </a:blip>
           <a:stretch>
             <a:fillRect/>
           </a:stretch>
@@ -704,7 +697,7 @@
         <p:spPr>
           <a:xfrm>
             <a:off x="179695" y="152400"/>
-            <a:ext cx="868726" cy="972000"/>
+            <a:ext cx="868727" cy="972000"/>
           </a:xfrm>
           <a:prstGeom prst="rect">
             <a:avLst/>
@@ -723,7 +716,9 @@
           <p:nvPr/>
         </p:nvPicPr>
         <p:blipFill>
-          <a:blip r:embed="rId5"/>
+          <a:blip r:embed="rId4">
+            <a:extLst/>
+          </a:blip>
           <a:stretch>
             <a:fillRect/>
           </a:stretch>
@@ -731,7 +726,7 @@
         <p:spPr>
           <a:xfrm>
             <a:off x="7530151" y="1676400"/>
-            <a:ext cx="1600201" cy="5050808"/>
+            <a:ext cx="1600202" cy="5050808"/>
           </a:xfrm>
           <a:prstGeom prst="rect">
             <a:avLst/>
@@ -750,7 +745,9 @@
           <p:nvPr/>
         </p:nvPicPr>
         <p:blipFill>
-          <a:blip r:embed="rId6"/>
+          <a:blip r:embed="rId5">
+            <a:extLst/>
+          </a:blip>
           <a:stretch>
             <a:fillRect/>
           </a:stretch>
@@ -771,17 +768,15 @@
       <p:sp>
         <p:nvSpPr>
           <p:cNvPr id="9" name="Title Text"/>
-          <p:cNvSpPr txBox="1">
-            <a:spLocks noGrp="1"/>
-          </p:cNvSpPr>
+          <p:cNvSpPr txBox="1"/>
           <p:nvPr>
             <p:ph type="title"/>
           </p:nvPr>
         </p:nvSpPr>
         <p:spPr>
           <a:xfrm>
-            <a:off x="457200" y="92074"/>
-            <a:ext cx="8229600" cy="1508127"/>
+            <a:off x="685800" y="1844675"/>
+            <a:ext cx="7772400" cy="2041525"/>
           </a:xfrm>
           <a:prstGeom prst="rect">
             <a:avLst/>
@@ -791,14 +786,15 @@
           </a:ln>
           <a:extLst>
             <a:ext uri="{C572A759-6A51-4108-AA02-DFA0A04FC94B}">
-              <ma14:wrappingTextBoxFlag xmlns:ma14="http://schemas.microsoft.com/office/mac/drawingml/2011/main" xmlns:a14="http://schemas.microsoft.com/office/drawing/2010/main" xmlns:m="http://schemas.openxmlformats.org/officeDocument/2006/math" xmlns="" val="1"/>
+              <ma14:wrappingTextBoxFlag xmlns:ma14="http://schemas.microsoft.com/office/mac/drawingml/2011/main" val="1"/>
             </a:ext>
           </a:extLst>
         </p:spPr>
         <p:txBody>
-          <a:bodyPr lIns="45719" rIns="45719" anchor="ctr"/>
+          <a:bodyPr lIns="45718" tIns="45718" rIns="45718" bIns="45718" anchor="ctr"/>
           <a:lstStyle/>
           <a:p>
+            <a:pPr/>
             <a:r>
               <a:t>Title Text</a:t>
             </a:r>
@@ -808,17 +804,15 @@
       <p:sp>
         <p:nvSpPr>
           <p:cNvPr id="10" name="Body Level One…"/>
-          <p:cNvSpPr txBox="1">
-            <a:spLocks noGrp="1"/>
-          </p:cNvSpPr>
+          <p:cNvSpPr txBox="1"/>
           <p:nvPr>
             <p:ph type="body" idx="1"/>
           </p:nvPr>
         </p:nvSpPr>
         <p:spPr>
           <a:xfrm>
-            <a:off x="457200" y="1600200"/>
-            <a:ext cx="8229600" cy="5257800"/>
+            <a:off x="1371600" y="3886200"/>
+            <a:ext cx="6400800" cy="2971800"/>
           </a:xfrm>
           <a:prstGeom prst="rect">
             <a:avLst/>
@@ -828,14 +822,15 @@
           </a:ln>
           <a:extLst>
             <a:ext uri="{C572A759-6A51-4108-AA02-DFA0A04FC94B}">
-              <ma14:wrappingTextBoxFlag xmlns:ma14="http://schemas.microsoft.com/office/mac/drawingml/2011/main" xmlns:a14="http://schemas.microsoft.com/office/drawing/2010/main" xmlns:m="http://schemas.openxmlformats.org/officeDocument/2006/math" xmlns="" val="1"/>
+              <ma14:wrappingTextBoxFlag xmlns:ma14="http://schemas.microsoft.com/office/mac/drawingml/2011/main" val="1"/>
             </a:ext>
           </a:extLst>
         </p:spPr>
         <p:txBody>
-          <a:bodyPr lIns="45719" rIns="45719"/>
+          <a:bodyPr lIns="45718" tIns="45718" rIns="45718" bIns="45718"/>
           <a:lstStyle/>
           <a:p>
+            <a:pPr/>
             <a:r>
               <a:t>Body Level One</a:t>
             </a:r>
@@ -869,17 +864,15 @@
       <p:sp>
         <p:nvSpPr>
           <p:cNvPr id="11" name="Slide Number"/>
-          <p:cNvSpPr txBox="1">
-            <a:spLocks noGrp="1"/>
-          </p:cNvSpPr>
+          <p:cNvSpPr txBox="1"/>
           <p:nvPr>
             <p:ph type="sldNum" sz="quarter" idx="2"/>
           </p:nvPr>
         </p:nvSpPr>
         <p:spPr>
           <a:xfrm>
-            <a:off x="4419600" y="6172200"/>
-            <a:ext cx="2133600" cy="368301"/>
+            <a:off x="6279546" y="6224224"/>
+            <a:ext cx="273654" cy="264253"/>
           </a:xfrm>
           <a:prstGeom prst="rect">
             <a:avLst/>
@@ -889,19 +882,22 @@
           </a:ln>
         </p:spPr>
         <p:txBody>
-          <a:bodyPr wrap="none" lIns="45719" rIns="45719" anchor="ctr">
+          <a:bodyPr wrap="none" lIns="45718" tIns="45718" rIns="45718" bIns="45718" anchor="ctr">
             <a:spAutoFit/>
           </a:bodyPr>
           <a:lstStyle>
             <a:lvl1pPr algn="r">
-              <a:defRPr sz="1200"/>
+              <a:defRPr sz="1200">
+                <a:latin typeface="+mn-lt"/>
+                <a:ea typeface="+mn-ea"/>
+                <a:cs typeface="+mn-cs"/>
+                <a:sym typeface="Arial"/>
+              </a:defRPr>
             </a:lvl1pPr>
           </a:lstStyle>
           <a:p>
-            <a:fld id="{86CB4B4D-7CA3-9044-876B-883B54F8677D}" type="slidenum">
-              <a:t>‹#›</a:t>
-            </a:fld>
-            <a:endParaRPr/>
+            <a:pPr/>
+            <a:fld id="{86CB4B4D-7CA3-9044-876B-883B54F8677D}" type="slidenum"/>
           </a:p>
         </p:txBody>
       </p:sp>
@@ -909,9 +905,9 @@
   </p:cSld>
   <p:clrMap bg1="lt1" tx1="dk1" bg2="lt2" tx2="dk2" accent1="accent1" accent2="accent2" accent3="accent3" accent4="accent4" accent5="accent5" accent6="accent6" hlink="hlink" folHlink="folHlink"/>
   <p:sldLayoutIdLst>
-    <p:sldLayoutId id="2147483649" r:id="rId1"/>
+    <p:sldLayoutId id="2147483649" r:id="rId6"/>
   </p:sldLayoutIdLst>
-  <p:transition spd="med"/>
+  <p:transition xmlns:p14="http://schemas.microsoft.com/office/powerpoint/2010/main" spd="med" advClick="1"/>
   <p:txStyles>
     <p:titleStyle>
       <a:lvl1pPr marL="0" marR="0" indent="0" algn="l" defTabSz="914400" rtl="0" latinLnBrk="0">
@@ -929,17 +925,14 @@
         <a:buFontTx/>
         <a:buNone/>
         <a:tabLst/>
-        <a:defRPr sz="1400" b="0" i="0" u="none" strike="noStrike" cap="none" spc="0" baseline="0">
-          <a:ln>
-            <a:noFill/>
-          </a:ln>
+        <a:defRPr b="0" baseline="0" cap="none" i="0" spc="0" strike="noStrike" sz="1400" u="none">
           <a:solidFill>
             <a:srgbClr val="000000"/>
           </a:solidFill>
           <a:uFillTx/>
-          <a:latin typeface="+mj-lt"/>
-          <a:ea typeface="+mj-ea"/>
-          <a:cs typeface="+mj-cs"/>
+          <a:latin typeface="+mn-lt"/>
+          <a:ea typeface="+mn-ea"/>
+          <a:cs typeface="+mn-cs"/>
           <a:sym typeface="Arial"/>
         </a:defRPr>
       </a:lvl1pPr>
@@ -958,17 +951,14 @@
         <a:buFontTx/>
         <a:buNone/>
         <a:tabLst/>
-        <a:defRPr sz="1400" b="0" i="0" u="none" strike="noStrike" cap="none" spc="0" baseline="0">
-          <a:ln>
-            <a:noFill/>
-          </a:ln>
+        <a:defRPr b="0" baseline="0" cap="none" i="0" spc="0" strike="noStrike" sz="1400" u="none">
           <a:solidFill>
             <a:srgbClr val="000000"/>
           </a:solidFill>
           <a:uFillTx/>
-          <a:latin typeface="+mj-lt"/>
-          <a:ea typeface="+mj-ea"/>
-          <a:cs typeface="+mj-cs"/>
+          <a:latin typeface="+mn-lt"/>
+          <a:ea typeface="+mn-ea"/>
+          <a:cs typeface="+mn-cs"/>
           <a:sym typeface="Arial"/>
         </a:defRPr>
       </a:lvl2pPr>
@@ -987,17 +977,14 @@
         <a:buFontTx/>
         <a:buNone/>
         <a:tabLst/>
-        <a:defRPr sz="1400" b="0" i="0" u="none" strike="noStrike" cap="none" spc="0" baseline="0">
-          <a:ln>
-            <a:noFill/>
-          </a:ln>
+        <a:defRPr b="0" baseline="0" cap="none" i="0" spc="0" strike="noStrike" sz="1400" u="none">
           <a:solidFill>
             <a:srgbClr val="000000"/>
           </a:solidFill>
           <a:uFillTx/>
-          <a:latin typeface="+mj-lt"/>
-          <a:ea typeface="+mj-ea"/>
-          <a:cs typeface="+mj-cs"/>
+          <a:latin typeface="+mn-lt"/>
+          <a:ea typeface="+mn-ea"/>
+          <a:cs typeface="+mn-cs"/>
           <a:sym typeface="Arial"/>
         </a:defRPr>
       </a:lvl3pPr>
@@ -1016,17 +1003,14 @@
         <a:buFontTx/>
         <a:buNone/>
         <a:tabLst/>
-        <a:defRPr sz="1400" b="0" i="0" u="none" strike="noStrike" cap="none" spc="0" baseline="0">
-          <a:ln>
-            <a:noFill/>
-          </a:ln>
+        <a:defRPr b="0" baseline="0" cap="none" i="0" spc="0" strike="noStrike" sz="1400" u="none">
           <a:solidFill>
             <a:srgbClr val="000000"/>
           </a:solidFill>
           <a:uFillTx/>
-          <a:latin typeface="+mj-lt"/>
-          <a:ea typeface="+mj-ea"/>
-          <a:cs typeface="+mj-cs"/>
+          <a:latin typeface="+mn-lt"/>
+          <a:ea typeface="+mn-ea"/>
+          <a:cs typeface="+mn-cs"/>
           <a:sym typeface="Arial"/>
         </a:defRPr>
       </a:lvl4pPr>
@@ -1045,17 +1029,14 @@
         <a:buFontTx/>
         <a:buNone/>
         <a:tabLst/>
-        <a:defRPr sz="1400" b="0" i="0" u="none" strike="noStrike" cap="none" spc="0" baseline="0">
-          <a:ln>
-            <a:noFill/>
-          </a:ln>
+        <a:defRPr b="0" baseline="0" cap="none" i="0" spc="0" strike="noStrike" sz="1400" u="none">
           <a:solidFill>
             <a:srgbClr val="000000"/>
           </a:solidFill>
           <a:uFillTx/>
-          <a:latin typeface="+mj-lt"/>
-          <a:ea typeface="+mj-ea"/>
-          <a:cs typeface="+mj-cs"/>
+          <a:latin typeface="+mn-lt"/>
+          <a:ea typeface="+mn-ea"/>
+          <a:cs typeface="+mn-cs"/>
           <a:sym typeface="Arial"/>
         </a:defRPr>
       </a:lvl5pPr>
@@ -1074,17 +1055,14 @@
         <a:buFontTx/>
         <a:buNone/>
         <a:tabLst/>
-        <a:defRPr sz="1400" b="0" i="0" u="none" strike="noStrike" cap="none" spc="0" baseline="0">
-          <a:ln>
-            <a:noFill/>
-          </a:ln>
+        <a:defRPr b="0" baseline="0" cap="none" i="0" spc="0" strike="noStrike" sz="1400" u="none">
           <a:solidFill>
             <a:srgbClr val="000000"/>
           </a:solidFill>
           <a:uFillTx/>
-          <a:latin typeface="+mj-lt"/>
-          <a:ea typeface="+mj-ea"/>
-          <a:cs typeface="+mj-cs"/>
+          <a:latin typeface="+mn-lt"/>
+          <a:ea typeface="+mn-ea"/>
+          <a:cs typeface="+mn-cs"/>
           <a:sym typeface="Arial"/>
         </a:defRPr>
       </a:lvl6pPr>
@@ -1103,17 +1081,14 @@
         <a:buFontTx/>
         <a:buNone/>
         <a:tabLst/>
-        <a:defRPr sz="1400" b="0" i="0" u="none" strike="noStrike" cap="none" spc="0" baseline="0">
-          <a:ln>
-            <a:noFill/>
-          </a:ln>
+        <a:defRPr b="0" baseline="0" cap="none" i="0" spc="0" strike="noStrike" sz="1400" u="none">
           <a:solidFill>
             <a:srgbClr val="000000"/>
           </a:solidFill>
           <a:uFillTx/>
-          <a:latin typeface="+mj-lt"/>
-          <a:ea typeface="+mj-ea"/>
-          <a:cs typeface="+mj-cs"/>
+          <a:latin typeface="+mn-lt"/>
+          <a:ea typeface="+mn-ea"/>
+          <a:cs typeface="+mn-cs"/>
           <a:sym typeface="Arial"/>
         </a:defRPr>
       </a:lvl7pPr>
@@ -1132,17 +1107,14 @@
         <a:buFontTx/>
         <a:buNone/>
         <a:tabLst/>
-        <a:defRPr sz="1400" b="0" i="0" u="none" strike="noStrike" cap="none" spc="0" baseline="0">
-          <a:ln>
-            <a:noFill/>
-          </a:ln>
+        <a:defRPr b="0" baseline="0" cap="none" i="0" spc="0" strike="noStrike" sz="1400" u="none">
           <a:solidFill>
             <a:srgbClr val="000000"/>
           </a:solidFill>
           <a:uFillTx/>
-          <a:latin typeface="+mj-lt"/>
-          <a:ea typeface="+mj-ea"/>
-          <a:cs typeface="+mj-cs"/>
+          <a:latin typeface="+mn-lt"/>
+          <a:ea typeface="+mn-ea"/>
+          <a:cs typeface="+mn-cs"/>
           <a:sym typeface="Arial"/>
         </a:defRPr>
       </a:lvl8pPr>
@@ -1161,17 +1133,14 @@
         <a:buFontTx/>
         <a:buNone/>
         <a:tabLst/>
-        <a:defRPr sz="1400" b="0" i="0" u="none" strike="noStrike" cap="none" spc="0" baseline="0">
-          <a:ln>
-            <a:noFill/>
-          </a:ln>
+        <a:defRPr b="0" baseline="0" cap="none" i="0" spc="0" strike="noStrike" sz="1400" u="none">
           <a:solidFill>
             <a:srgbClr val="000000"/>
           </a:solidFill>
           <a:uFillTx/>
-          <a:latin typeface="+mj-lt"/>
-          <a:ea typeface="+mj-ea"/>
-          <a:cs typeface="+mj-cs"/>
+          <a:latin typeface="+mn-lt"/>
+          <a:ea typeface="+mn-ea"/>
+          <a:cs typeface="+mn-cs"/>
           <a:sym typeface="Arial"/>
         </a:defRPr>
       </a:lvl9pPr>
@@ -1192,17 +1161,14 @@
         <a:buFontTx/>
         <a:buNone/>
         <a:tabLst/>
-        <a:defRPr sz="1400" b="0" i="0" u="none" strike="noStrike" cap="none" spc="0" baseline="0">
-          <a:ln>
-            <a:noFill/>
-          </a:ln>
+        <a:defRPr b="0" baseline="0" cap="none" i="0" spc="0" strike="noStrike" sz="1400" u="none">
           <a:solidFill>
             <a:srgbClr val="000000"/>
           </a:solidFill>
           <a:uFillTx/>
-          <a:latin typeface="+mj-lt"/>
-          <a:ea typeface="+mj-ea"/>
-          <a:cs typeface="+mj-cs"/>
+          <a:latin typeface="+mn-lt"/>
+          <a:ea typeface="+mn-ea"/>
+          <a:cs typeface="+mn-cs"/>
           <a:sym typeface="Arial"/>
         </a:defRPr>
       </a:lvl1pPr>
@@ -1221,17 +1187,14 @@
         <a:buFontTx/>
         <a:buNone/>
         <a:tabLst/>
-        <a:defRPr sz="1400" b="0" i="0" u="none" strike="noStrike" cap="none" spc="0" baseline="0">
-          <a:ln>
-            <a:noFill/>
-          </a:ln>
+        <a:defRPr b="0" baseline="0" cap="none" i="0" spc="0" strike="noStrike" sz="1400" u="none">
           <a:solidFill>
             <a:srgbClr val="000000"/>
           </a:solidFill>
           <a:uFillTx/>
-          <a:latin typeface="+mj-lt"/>
-          <a:ea typeface="+mj-ea"/>
-          <a:cs typeface="+mj-cs"/>
+          <a:latin typeface="+mn-lt"/>
+          <a:ea typeface="+mn-ea"/>
+          <a:cs typeface="+mn-cs"/>
           <a:sym typeface="Arial"/>
         </a:defRPr>
       </a:lvl2pPr>
@@ -1250,17 +1213,14 @@
         <a:buFontTx/>
         <a:buNone/>
         <a:tabLst/>
-        <a:defRPr sz="1400" b="0" i="0" u="none" strike="noStrike" cap="none" spc="0" baseline="0">
-          <a:ln>
-            <a:noFill/>
-          </a:ln>
+        <a:defRPr b="0" baseline="0" cap="none" i="0" spc="0" strike="noStrike" sz="1400" u="none">
           <a:solidFill>
             <a:srgbClr val="000000"/>
           </a:solidFill>
           <a:uFillTx/>
-          <a:latin typeface="+mj-lt"/>
-          <a:ea typeface="+mj-ea"/>
-          <a:cs typeface="+mj-cs"/>
+          <a:latin typeface="+mn-lt"/>
+          <a:ea typeface="+mn-ea"/>
+          <a:cs typeface="+mn-cs"/>
           <a:sym typeface="Arial"/>
         </a:defRPr>
       </a:lvl3pPr>
@@ -1279,17 +1239,14 @@
         <a:buFontTx/>
         <a:buNone/>
         <a:tabLst/>
-        <a:defRPr sz="1400" b="0" i="0" u="none" strike="noStrike" cap="none" spc="0" baseline="0">
-          <a:ln>
-            <a:noFill/>
-          </a:ln>
+        <a:defRPr b="0" baseline="0" cap="none" i="0" spc="0" strike="noStrike" sz="1400" u="none">
           <a:solidFill>
             <a:srgbClr val="000000"/>
           </a:solidFill>
           <a:uFillTx/>
-          <a:latin typeface="+mj-lt"/>
-          <a:ea typeface="+mj-ea"/>
-          <a:cs typeface="+mj-cs"/>
+          <a:latin typeface="+mn-lt"/>
+          <a:ea typeface="+mn-ea"/>
+          <a:cs typeface="+mn-cs"/>
           <a:sym typeface="Arial"/>
         </a:defRPr>
       </a:lvl4pPr>
@@ -1308,17 +1265,14 @@
         <a:buFontTx/>
         <a:buNone/>
         <a:tabLst/>
-        <a:defRPr sz="1400" b="0" i="0" u="none" strike="noStrike" cap="none" spc="0" baseline="0">
-          <a:ln>
-            <a:noFill/>
-          </a:ln>
+        <a:defRPr b="0" baseline="0" cap="none" i="0" spc="0" strike="noStrike" sz="1400" u="none">
           <a:solidFill>
             <a:srgbClr val="000000"/>
           </a:solidFill>
           <a:uFillTx/>
-          <a:latin typeface="+mj-lt"/>
-          <a:ea typeface="+mj-ea"/>
-          <a:cs typeface="+mj-cs"/>
+          <a:latin typeface="+mn-lt"/>
+          <a:ea typeface="+mn-ea"/>
+          <a:cs typeface="+mn-cs"/>
           <a:sym typeface="Arial"/>
         </a:defRPr>
       </a:lvl5pPr>
@@ -1337,17 +1291,14 @@
         <a:buFontTx/>
         <a:buNone/>
         <a:tabLst/>
-        <a:defRPr sz="1400" b="0" i="0" u="none" strike="noStrike" cap="none" spc="0" baseline="0">
-          <a:ln>
-            <a:noFill/>
-          </a:ln>
+        <a:defRPr b="0" baseline="0" cap="none" i="0" spc="0" strike="noStrike" sz="1400" u="none">
           <a:solidFill>
             <a:srgbClr val="000000"/>
           </a:solidFill>
           <a:uFillTx/>
-          <a:latin typeface="+mj-lt"/>
-          <a:ea typeface="+mj-ea"/>
-          <a:cs typeface="+mj-cs"/>
+          <a:latin typeface="+mn-lt"/>
+          <a:ea typeface="+mn-ea"/>
+          <a:cs typeface="+mn-cs"/>
           <a:sym typeface="Arial"/>
         </a:defRPr>
       </a:lvl6pPr>
@@ -1366,17 +1317,14 @@
         <a:buFontTx/>
         <a:buNone/>
         <a:tabLst/>
-        <a:defRPr sz="1400" b="0" i="0" u="none" strike="noStrike" cap="none" spc="0" baseline="0">
-          <a:ln>
-            <a:noFill/>
-          </a:ln>
+        <a:defRPr b="0" baseline="0" cap="none" i="0" spc="0" strike="noStrike" sz="1400" u="none">
           <a:solidFill>
             <a:srgbClr val="000000"/>
           </a:solidFill>
           <a:uFillTx/>
-          <a:latin typeface="+mj-lt"/>
-          <a:ea typeface="+mj-ea"/>
-          <a:cs typeface="+mj-cs"/>
+          <a:latin typeface="+mn-lt"/>
+          <a:ea typeface="+mn-ea"/>
+          <a:cs typeface="+mn-cs"/>
           <a:sym typeface="Arial"/>
         </a:defRPr>
       </a:lvl7pPr>
@@ -1395,17 +1343,14 @@
         <a:buFontTx/>
         <a:buNone/>
         <a:tabLst/>
-        <a:defRPr sz="1400" b="0" i="0" u="none" strike="noStrike" cap="none" spc="0" baseline="0">
-          <a:ln>
-            <a:noFill/>
-          </a:ln>
+        <a:defRPr b="0" baseline="0" cap="none" i="0" spc="0" strike="noStrike" sz="1400" u="none">
           <a:solidFill>
             <a:srgbClr val="000000"/>
           </a:solidFill>
           <a:uFillTx/>
-          <a:latin typeface="+mj-lt"/>
-          <a:ea typeface="+mj-ea"/>
-          <a:cs typeface="+mj-cs"/>
+          <a:latin typeface="+mn-lt"/>
+          <a:ea typeface="+mn-ea"/>
+          <a:cs typeface="+mn-cs"/>
           <a:sym typeface="Arial"/>
         </a:defRPr>
       </a:lvl8pPr>
@@ -1424,17 +1369,14 @@
         <a:buFontTx/>
         <a:buNone/>
         <a:tabLst/>
-        <a:defRPr sz="1400" b="0" i="0" u="none" strike="noStrike" cap="none" spc="0" baseline="0">
-          <a:ln>
-            <a:noFill/>
-          </a:ln>
+        <a:defRPr b="0" baseline="0" cap="none" i="0" spc="0" strike="noStrike" sz="1400" u="none">
           <a:solidFill>
             <a:srgbClr val="000000"/>
           </a:solidFill>
           <a:uFillTx/>
-          <a:latin typeface="+mj-lt"/>
-          <a:ea typeface="+mj-ea"/>
-          <a:cs typeface="+mj-cs"/>
+          <a:latin typeface="+mn-lt"/>
+          <a:ea typeface="+mn-ea"/>
+          <a:cs typeface="+mn-cs"/>
           <a:sym typeface="Arial"/>
         </a:defRPr>
       </a:lvl9pPr>
@@ -1455,10 +1397,7 @@
         <a:buFontTx/>
         <a:buNone/>
         <a:tabLst/>
-        <a:defRPr sz="1200" b="0" i="0" u="none" strike="noStrike" cap="none" spc="0" baseline="0">
-          <a:ln>
-            <a:noFill/>
-          </a:ln>
+        <a:defRPr b="0" baseline="0" cap="none" i="0" spc="0" strike="noStrike" sz="1200" u="none">
           <a:solidFill>
             <a:schemeClr val="tx1"/>
           </a:solidFill>
@@ -1484,10 +1423,7 @@
         <a:buFontTx/>
         <a:buNone/>
         <a:tabLst/>
-        <a:defRPr sz="1200" b="0" i="0" u="none" strike="noStrike" cap="none" spc="0" baseline="0">
-          <a:ln>
-            <a:noFill/>
-          </a:ln>
+        <a:defRPr b="0" baseline="0" cap="none" i="0" spc="0" strike="noStrike" sz="1200" u="none">
           <a:solidFill>
             <a:schemeClr val="tx1"/>
           </a:solidFill>
@@ -1513,10 +1449,7 @@
         <a:buFontTx/>
         <a:buNone/>
         <a:tabLst/>
-        <a:defRPr sz="1200" b="0" i="0" u="none" strike="noStrike" cap="none" spc="0" baseline="0">
-          <a:ln>
-            <a:noFill/>
-          </a:ln>
+        <a:defRPr b="0" baseline="0" cap="none" i="0" spc="0" strike="noStrike" sz="1200" u="none">
           <a:solidFill>
             <a:schemeClr val="tx1"/>
           </a:solidFill>
@@ -1542,10 +1475,7 @@
         <a:buFontTx/>
         <a:buNone/>
         <a:tabLst/>
-        <a:defRPr sz="1200" b="0" i="0" u="none" strike="noStrike" cap="none" spc="0" baseline="0">
-          <a:ln>
-            <a:noFill/>
-          </a:ln>
+        <a:defRPr b="0" baseline="0" cap="none" i="0" spc="0" strike="noStrike" sz="1200" u="none">
           <a:solidFill>
             <a:schemeClr val="tx1"/>
           </a:solidFill>
@@ -1571,10 +1501,7 @@
         <a:buFontTx/>
         <a:buNone/>
         <a:tabLst/>
-        <a:defRPr sz="1200" b="0" i="0" u="none" strike="noStrike" cap="none" spc="0" baseline="0">
-          <a:ln>
-            <a:noFill/>
-          </a:ln>
+        <a:defRPr b="0" baseline="0" cap="none" i="0" spc="0" strike="noStrike" sz="1200" u="none">
           <a:solidFill>
             <a:schemeClr val="tx1"/>
           </a:solidFill>
@@ -1600,10 +1527,7 @@
         <a:buFontTx/>
         <a:buNone/>
         <a:tabLst/>
-        <a:defRPr sz="1200" b="0" i="0" u="none" strike="noStrike" cap="none" spc="0" baseline="0">
-          <a:ln>
-            <a:noFill/>
-          </a:ln>
+        <a:defRPr b="0" baseline="0" cap="none" i="0" spc="0" strike="noStrike" sz="1200" u="none">
           <a:solidFill>
             <a:schemeClr val="tx1"/>
           </a:solidFill>
@@ -1629,10 +1553,7 @@
         <a:buFontTx/>
         <a:buNone/>
         <a:tabLst/>
-        <a:defRPr sz="1200" b="0" i="0" u="none" strike="noStrike" cap="none" spc="0" baseline="0">
-          <a:ln>
-            <a:noFill/>
-          </a:ln>
+        <a:defRPr b="0" baseline="0" cap="none" i="0" spc="0" strike="noStrike" sz="1200" u="none">
           <a:solidFill>
             <a:schemeClr val="tx1"/>
           </a:solidFill>
@@ -1658,10 +1579,7 @@
         <a:buFontTx/>
         <a:buNone/>
         <a:tabLst/>
-        <a:defRPr sz="1200" b="0" i="0" u="none" strike="noStrike" cap="none" spc="0" baseline="0">
-          <a:ln>
-            <a:noFill/>
-          </a:ln>
+        <a:defRPr b="0" baseline="0" cap="none" i="0" spc="0" strike="noStrike" sz="1200" u="none">
           <a:solidFill>
             <a:schemeClr val="tx1"/>
           </a:solidFill>
@@ -1687,10 +1605,7 @@
         <a:buFontTx/>
         <a:buNone/>
         <a:tabLst/>
-        <a:defRPr sz="1200" b="0" i="0" u="none" strike="noStrike" cap="none" spc="0" baseline="0">
-          <a:ln>
-            <a:noFill/>
-          </a:ln>
+        <a:defRPr b="0" baseline="0" cap="none" i="0" spc="0" strike="noStrike" sz="1200" u="none">
           <a:solidFill>
             <a:schemeClr val="tx1"/>
           </a:solidFill>
@@ -1707,7 +1622,7 @@
 </file>
 
 <file path=ppt/slides/slide1.xml><?xml version="1.0" encoding="utf-8"?>
-<p:sld xmlns:a="http://schemas.openxmlformats.org/drawingml/2006/main" xmlns:r="http://schemas.openxmlformats.org/officeDocument/2006/relationships" xmlns:p="http://schemas.openxmlformats.org/presentationml/2006/main">
+<p:sld xmlns:a="http://schemas.openxmlformats.org/drawingml/2006/main" xmlns:r="http://schemas.openxmlformats.org/officeDocument/2006/relationships" xmlns:p="http://schemas.openxmlformats.org/presentationml/2006/main" xmlns:m="http://schemas.openxmlformats.org/officeDocument/2006/math" xmlns:a14="http://schemas.microsoft.com/office/drawing/2010/main" showMasterSp="1" showMasterPhAnim="1">
   <p:cSld>
     <p:spTree>
       <p:nvGrpSpPr>
@@ -1731,8 +1646,8 @@
         </p:nvSpPr>
         <p:spPr>
           <a:xfrm>
-            <a:off x="494831" y="1519288"/>
-            <a:ext cx="7851116" cy="1437641"/>
+            <a:off x="548398" y="1519288"/>
+            <a:ext cx="7743983" cy="1437639"/>
           </a:xfrm>
           <a:prstGeom prst="rect">
             <a:avLst/>
@@ -1742,12 +1657,12 @@
           </a:ln>
           <a:extLst>
             <a:ext uri="{C572A759-6A51-4108-AA02-DFA0A04FC94B}">
-              <ma14:wrappingTextBoxFlag xmlns:ma14="http://schemas.microsoft.com/office/mac/drawingml/2011/main" xmlns:a14="http://schemas.microsoft.com/office/drawing/2010/main" xmlns:m="http://schemas.openxmlformats.org/officeDocument/2006/math" xmlns="" val="1"/>
+              <ma14:wrappingTextBoxFlag xmlns:ma14="http://schemas.microsoft.com/office/mac/drawingml/2011/main" val="1"/>
             </a:ext>
           </a:extLst>
         </p:spPr>
         <p:txBody>
-          <a:bodyPr wrap="none" lIns="45719" rIns="45719">
+          <a:bodyPr wrap="none" lIns="45718" tIns="45718" rIns="45718" bIns="45718">
             <a:spAutoFit/>
           </a:bodyPr>
           <a:lstStyle/>
@@ -1764,7 +1679,6 @@
               </a:defRPr>
             </a:pPr>
             <a:r>
-              <a:rPr dirty="0"/>
               <a:t>Department of Computer Science &amp; Engineering</a:t>
             </a:r>
           </a:p>
@@ -1780,7 +1694,6 @@
                 <a:sym typeface="Trebuchet MS"/>
               </a:defRPr>
             </a:pPr>
-            <a:endParaRPr dirty="0"/>
           </a:p>
           <a:p>
             <a:pPr algn="ctr">
@@ -1795,7 +1708,6 @@
               </a:defRPr>
             </a:pPr>
             <a:r>
-              <a:rPr dirty="0"/>
               <a:t>UE17CS342 – knowledge management</a:t>
             </a:r>
           </a:p>
@@ -1809,8 +1721,8 @@
         </p:nvSpPr>
         <p:spPr>
           <a:xfrm>
-            <a:off x="800887" y="3351816"/>
-            <a:ext cx="4977743" cy="2797689"/>
+            <a:off x="229386" y="3249278"/>
+            <a:ext cx="4977745" cy="2854959"/>
           </a:xfrm>
           <a:prstGeom prst="rect">
             <a:avLst/>
@@ -1820,12 +1732,12 @@
           </a:ln>
           <a:extLst>
             <a:ext uri="{C572A759-6A51-4108-AA02-DFA0A04FC94B}">
-              <ma14:wrappingTextBoxFlag xmlns:ma14="http://schemas.microsoft.com/office/mac/drawingml/2011/main" xmlns:a14="http://schemas.microsoft.com/office/drawing/2010/main" xmlns:m="http://schemas.openxmlformats.org/officeDocument/2006/math" xmlns="" val="1"/>
+              <ma14:wrappingTextBoxFlag xmlns:ma14="http://schemas.microsoft.com/office/mac/drawingml/2011/main" val="1"/>
             </a:ext>
           </a:extLst>
         </p:spPr>
         <p:txBody>
-          <a:bodyPr wrap="square" lIns="45719" rIns="45719">
+          <a:bodyPr lIns="45718" tIns="45718" rIns="45718" bIns="45718">
             <a:spAutoFit/>
           </a:bodyPr>
           <a:lstStyle/>
@@ -1837,37 +1749,37 @@
               <a:spcBef>
                 <a:spcPts val="1500"/>
               </a:spcBef>
-              <a:defRPr sz="1800" spc="-18">
+              <a:defRPr spc="-18" sz="1800">
+                <a:latin typeface="Bahnschrift SemiBold"/>
+                <a:ea typeface="Bahnschrift SemiBold"/>
+                <a:cs typeface="Bahnschrift SemiBold"/>
+                <a:sym typeface="Bahnschrift SemiBold"/>
+              </a:defRPr>
+            </a:pPr>
+            <a:r>
+              <a:t>Project team</a:t>
+            </a:r>
+            <a:r>
+              <a:rPr>
                 <a:solidFill>
                   <a:srgbClr val="008CB4"/>
                 </a:solidFill>
-                <a:latin typeface="Didot"/>
-                <a:ea typeface="Didot"/>
-                <a:cs typeface="Didot"/>
-                <a:sym typeface="Didot"/>
-              </a:defRPr>
-            </a:pPr>
-            <a:r>
-              <a:rPr dirty="0">
-                <a:solidFill>
-                  <a:srgbClr val="000000"/>
-                </a:solidFill>
-                <a:latin typeface="Bahnschrift SemiBold" panose="020B0502040204020203" pitchFamily="34" charset="0"/>
-              </a:rPr>
-              <a:t>Project team</a:t>
-            </a:r>
-            <a:r>
-              <a:rPr dirty="0">
-                <a:latin typeface="Bahnschrift SemiBold" panose="020B0502040204020203" pitchFamily="34" charset="0"/>
               </a:rPr>
               <a:t> </a:t>
             </a:r>
             <a:r>
-              <a:rPr lang="en-IN" dirty="0">
-                <a:latin typeface="Bahnschrift SemiBold" panose="020B0502040204020203" pitchFamily="34" charset="0"/>
+              <a:rPr>
+                <a:solidFill>
+                  <a:srgbClr val="008CB4"/>
+                </a:solidFill>
               </a:rPr>
               <a:t>–</a:t>
             </a:r>
+            <a:endParaRPr>
+              <a:solidFill>
+                <a:srgbClr val="008CB4"/>
+              </a:solidFill>
+            </a:endParaRPr>
           </a:p>
           <a:p>
             <a:pPr defTabSz="457200">
@@ -1877,58 +1789,22 @@
               <a:spcBef>
                 <a:spcPts val="1500"/>
               </a:spcBef>
-              <a:defRPr sz="1800" spc="-18">
-                <a:solidFill>
-                  <a:srgbClr val="008CB4"/>
-                </a:solidFill>
-                <a:latin typeface="Didot"/>
-                <a:ea typeface="Didot"/>
-                <a:cs typeface="Didot"/>
-                <a:sym typeface="Didot"/>
-              </a:defRPr>
-            </a:pPr>
-            <a:r>
-              <a:rPr dirty="0" err="1">
+              <a:defRPr spc="-18" sz="1800">
                 <a:solidFill>
                   <a:srgbClr val="020202"/>
                 </a:solidFill>
-                <a:latin typeface="Bahnschrift SemiLight SemiConde" panose="020B0502040204020203" pitchFamily="34" charset="0"/>
-              </a:rPr>
-              <a:t>Jasraj</a:t>
-            </a:r>
-            <a:r>
-              <a:rPr dirty="0">
-                <a:solidFill>
-                  <a:srgbClr val="020202"/>
-                </a:solidFill>
-                <a:latin typeface="Bahnschrift SemiLight SemiConde" panose="020B0502040204020203" pitchFamily="34" charset="0"/>
-              </a:rPr>
-              <a:t> </a:t>
-            </a:r>
-            <a:r>
-              <a:rPr dirty="0" err="1">
-                <a:solidFill>
-                  <a:srgbClr val="020202"/>
-                </a:solidFill>
-                <a:latin typeface="Bahnschrift SemiLight SemiConde" panose="020B0502040204020203" pitchFamily="34" charset="0"/>
-              </a:rPr>
-              <a:t>anand</a:t>
-            </a:r>
-            <a:r>
-              <a:rPr lang="en-IN" dirty="0">
-                <a:solidFill>
-                  <a:srgbClr val="020202"/>
-                </a:solidFill>
-                <a:latin typeface="Bahnschrift SemiLight SemiConde" panose="020B0502040204020203" pitchFamily="34" charset="0"/>
-              </a:rPr>
-              <a:t> : PES1201700171</a:t>
-            </a:r>
-            <a:endParaRPr dirty="0">
-              <a:solidFill>
-                <a:srgbClr val="020202"/>
-              </a:solidFill>
-              <a:latin typeface="Bahnschrift SemiLight SemiConde" panose="020B0502040204020203" pitchFamily="34" charset="0"/>
-            </a:endParaRPr>
+                <a:latin typeface="Bahnschrift SemiLight SemiConde"/>
+                <a:ea typeface="Bahnschrift SemiLight SemiConde"/>
+                <a:cs typeface="Bahnschrift SemiLight SemiConde"/>
+                <a:sym typeface="Bahnschrift SemiLight SemiConde"/>
+              </a:defRPr>
+            </a:pPr>
+            <a:r>
+              <a:t>Nikunj Goyal:</a:t>
+            </a:r>
+            <a:r>
+              <a:t> PES1201700020</a:t>
+            </a:r>
           </a:p>
           <a:p>
             <a:pPr defTabSz="457200">
@@ -1938,39 +1814,27 @@
               <a:spcBef>
                 <a:spcPts val="1500"/>
               </a:spcBef>
-              <a:defRPr sz="1800" spc="-18">
+              <a:defRPr spc="-18" sz="1800">
                 <a:solidFill>
-                  <a:srgbClr val="020202"/>
+                  <a:srgbClr val="000001"/>
                 </a:solidFill>
-                <a:latin typeface="Didot"/>
-                <a:ea typeface="Didot"/>
-                <a:cs typeface="Didot"/>
-                <a:sym typeface="Didot"/>
-              </a:defRPr>
-            </a:pPr>
-            <a:r>
-              <a:rPr dirty="0">
-                <a:latin typeface="Bahnschrift SemiLight SemiConde" panose="020B0502040204020203" pitchFamily="34" charset="0"/>
-              </a:rPr>
-              <a:t>Anand Singhania</a:t>
-            </a:r>
-            <a:r>
-              <a:rPr lang="en-IN" dirty="0">
-                <a:latin typeface="Bahnschrift SemiLight SemiConde" panose="020B0502040204020203" pitchFamily="34" charset="0"/>
-              </a:rPr>
-              <a:t> </a:t>
-            </a:r>
-            <a:r>
-              <a:rPr dirty="0">
-                <a:latin typeface="Bahnschrift SemiLight SemiConde" panose="020B0502040204020203" pitchFamily="34" charset="0"/>
-              </a:rPr>
+                <a:latin typeface="Bahnschrift SemiLight SemiConde"/>
+                <a:ea typeface="Bahnschrift SemiLight SemiConde"/>
+                <a:cs typeface="Bahnschrift SemiLight SemiConde"/>
+                <a:sym typeface="Bahnschrift SemiLight SemiConde"/>
+              </a:defRPr>
+            </a:pPr>
+            <a:r>
+              <a:t>Ritwik</a:t>
+            </a:r>
+            <a:r>
+              <a:t> Sinha</a:t>
+            </a:r>
+            <a:r>
               <a:t>:</a:t>
             </a:r>
             <a:r>
-              <a:rPr lang="en-IN" dirty="0">
-                <a:latin typeface="Bahnschrift SemiLight SemiConde" panose="020B0502040204020203" pitchFamily="34" charset="0"/>
-              </a:rPr>
-              <a:t> PES1201700130</a:t>
+              <a:t> PES1201700085</a:t>
             </a:r>
           </a:p>
           <a:p>
@@ -1981,31 +1845,22 @@
               <a:spcBef>
                 <a:spcPts val="1500"/>
               </a:spcBef>
-              <a:defRPr sz="1800" spc="-18">
+              <a:defRPr spc="-18" sz="1800">
                 <a:solidFill>
                   <a:srgbClr val="020202"/>
                 </a:solidFill>
-                <a:latin typeface="Didot"/>
-                <a:ea typeface="Didot"/>
-                <a:cs typeface="Didot"/>
-                <a:sym typeface="Didot"/>
-              </a:defRPr>
-            </a:pPr>
-            <a:r>
-              <a:rPr dirty="0">
-                <a:latin typeface="Bahnschrift SemiLight SemiConde" panose="020B0502040204020203" pitchFamily="34" charset="0"/>
-              </a:rPr>
+                <a:latin typeface="Bahnschrift SemiLight SemiConde"/>
+                <a:ea typeface="Bahnschrift SemiLight SemiConde"/>
+                <a:cs typeface="Bahnschrift SemiLight SemiConde"/>
+                <a:sym typeface="Bahnschrift SemiLight SemiConde"/>
+              </a:defRPr>
+            </a:pPr>
+            <a:r>
               <a:t>Priyanshu Gupta:</a:t>
             </a:r>
             <a:r>
-              <a:rPr lang="en-IN" dirty="0">
-                <a:latin typeface="Bahnschrift SemiLight SemiConde" panose="020B0502040204020203" pitchFamily="34" charset="0"/>
-              </a:rPr>
               <a:t> PES1201700110</a:t>
             </a:r>
-            <a:endParaRPr dirty="0">
-              <a:latin typeface="Bahnschrift SemiLight SemiConde" panose="020B0502040204020203" pitchFamily="34" charset="0"/>
-            </a:endParaRPr>
           </a:p>
           <a:p>
             <a:pPr defTabSz="457200">
@@ -2015,28 +1870,37 @@
               <a:spcBef>
                 <a:spcPts val="1500"/>
               </a:spcBef>
-              <a:defRPr sz="1800" spc="-18">
+              <a:defRPr spc="-18" sz="1800">
                 <a:solidFill>
                   <a:srgbClr val="020202"/>
                 </a:solidFill>
-                <a:latin typeface="Didot"/>
-                <a:ea typeface="Didot"/>
-                <a:cs typeface="Didot"/>
-                <a:sym typeface="Didot"/>
-              </a:defRPr>
-            </a:pPr>
-            <a:r>
-              <a:rPr dirty="0">
-                <a:latin typeface="Bahnschrift SemiLight SemiConde" panose="020B0502040204020203" pitchFamily="34" charset="0"/>
-              </a:rPr>
-              <a:t>Nikunj Goyal:</a:t>
-            </a:r>
-            <a:r>
-              <a:rPr lang="en-IN" dirty="0">
-                <a:latin typeface="Bahnschrift SemiLight SemiConde" panose="020B0502040204020203" pitchFamily="34" charset="0"/>
-              </a:rPr>
-              <a:t> PES1201700020</a:t>
-            </a:r>
+                <a:latin typeface="Bahnschrift SemiLight SemiConde"/>
+                <a:ea typeface="Bahnschrift SemiLight SemiConde"/>
+                <a:cs typeface="Bahnschrift SemiLight SemiConde"/>
+                <a:sym typeface="Bahnschrift SemiLight SemiConde"/>
+              </a:defRPr>
+            </a:pPr>
+            <a:r>
+              <a:t>Anand Singhania</a:t>
+            </a:r>
+            <a:r>
+              <a:t> </a:t>
+            </a:r>
+            <a:r>
+              <a:t>:</a:t>
+            </a:r>
+            <a:r>
+              <a:t> PES1201700130</a:t>
+            </a:r>
+            <a:endParaRPr>
+              <a:solidFill>
+                <a:srgbClr val="008CB4"/>
+              </a:solidFill>
+              <a:latin typeface="Didot"/>
+              <a:ea typeface="Didot"/>
+              <a:cs typeface="Didot"/>
+              <a:sym typeface="Didot"/>
+            </a:endParaRPr>
           </a:p>
           <a:p>
             <a:pPr defTabSz="457200">
@@ -2046,39 +1910,21 @@
               <a:spcBef>
                 <a:spcPts val="1500"/>
               </a:spcBef>
-              <a:defRPr sz="1800" spc="-18">
+              <a:defRPr spc="-18" sz="1800">
                 <a:solidFill>
-                  <a:srgbClr val="000001"/>
+                  <a:srgbClr val="020202"/>
                 </a:solidFill>
-                <a:latin typeface="Didot"/>
-                <a:ea typeface="Didot"/>
-                <a:cs typeface="Didot"/>
-                <a:sym typeface="Didot"/>
-              </a:defRPr>
-            </a:pPr>
-            <a:r>
-              <a:rPr dirty="0" err="1">
-                <a:latin typeface="Bahnschrift SemiLight SemiConde" panose="020B0502040204020203" pitchFamily="34" charset="0"/>
-              </a:rPr>
-              <a:t>Ritwik</a:t>
-            </a:r>
-            <a:r>
-              <a:rPr lang="en-IN" dirty="0">
-                <a:latin typeface="Bahnschrift SemiLight SemiConde" panose="020B0502040204020203" pitchFamily="34" charset="0"/>
-              </a:rPr>
-              <a:t> Sinha</a:t>
-            </a:r>
-            <a:r>
-              <a:rPr dirty="0">
-                <a:latin typeface="Bahnschrift SemiLight SemiConde" panose="020B0502040204020203" pitchFamily="34" charset="0"/>
-              </a:rPr>
-              <a:t>:</a:t>
-            </a:r>
-            <a:r>
-              <a:rPr lang="en-IN" dirty="0">
-                <a:latin typeface="Bahnschrift SemiLight SemiConde" panose="020B0502040204020203" pitchFamily="34" charset="0"/>
-              </a:rPr>
-              <a:t> PES1201700085</a:t>
+                <a:latin typeface="Bahnschrift SemiLight SemiConde"/>
+                <a:ea typeface="Bahnschrift SemiLight SemiConde"/>
+                <a:cs typeface="Bahnschrift SemiLight SemiConde"/>
+                <a:sym typeface="Bahnschrift SemiLight SemiConde"/>
+              </a:defRPr>
+            </a:pPr>
+            <a:r>
+              <a:t>Jasraj Anand</a:t>
+            </a:r>
+            <a:r>
+              <a:t>: PES1201700171</a:t>
             </a:r>
           </a:p>
           <a:p>
@@ -2089,25 +1935,19 @@
               <a:spcBef>
                 <a:spcPts val="1500"/>
               </a:spcBef>
-              <a:defRPr sz="1800" spc="-18">
+              <a:defRPr spc="-18" sz="1800">
                 <a:solidFill>
-                  <a:srgbClr val="000001"/>
+                  <a:srgbClr val="020202"/>
                 </a:solidFill>
-                <a:latin typeface="Didot"/>
-                <a:ea typeface="Didot"/>
-                <a:cs typeface="Didot"/>
-                <a:sym typeface="Didot"/>
-              </a:defRPr>
-            </a:pPr>
-            <a:r>
-              <a:rPr lang="en-IN" dirty="0">
-                <a:latin typeface="Bahnschrift SemiLight SemiConde" panose="020B0502040204020203" pitchFamily="34" charset="0"/>
-              </a:rPr>
-              <a:t>Keshav Agrawal: PES120700289</a:t>
-            </a:r>
-            <a:endParaRPr dirty="0">
-              <a:latin typeface="Bahnschrift SemiLight SemiConde" panose="020B0502040204020203" pitchFamily="34" charset="0"/>
-            </a:endParaRPr>
+                <a:latin typeface="Bahnschrift SemiLight SemiConde"/>
+                <a:ea typeface="Bahnschrift SemiLight SemiConde"/>
+                <a:cs typeface="Bahnschrift SemiLight SemiConde"/>
+                <a:sym typeface="Bahnschrift SemiLight SemiConde"/>
+              </a:defRPr>
+            </a:pPr>
+            <a:r>
+              <a:t>Keshav Agarwal: PES120700289</a:t>
+            </a:r>
           </a:p>
         </p:txBody>
       </p:sp>
@@ -2120,16 +1960,17 @@
           <p:nvPr/>
         </p:nvPicPr>
         <p:blipFill>
-          <a:blip r:embed="rId2"/>
-          <a:srcRect/>
+          <a:blip r:embed="rId2">
+            <a:extLst/>
+          </a:blip>
           <a:stretch>
             <a:fillRect/>
           </a:stretch>
         </p:blipFill>
         <p:spPr>
           <a:xfrm>
-            <a:off x="4651899" y="3072547"/>
-            <a:ext cx="2842019" cy="2266165"/>
+            <a:off x="4651898" y="3072546"/>
+            <a:ext cx="2842020" cy="2266166"/>
           </a:xfrm>
           <a:prstGeom prst="rect">
             <a:avLst/>
@@ -2144,12 +1985,12 @@
   <p:clrMapOvr>
     <a:masterClrMapping/>
   </p:clrMapOvr>
-  <p:transition spd="med"/>
+  <p:transition xmlns:p14="http://schemas.microsoft.com/office/powerpoint/2010/main" spd="med" advClick="1"/>
 </p:sld>
 </file>
 
 <file path=ppt/slides/slide10.xml><?xml version="1.0" encoding="utf-8"?>
-<p:sld xmlns:a="http://schemas.openxmlformats.org/drawingml/2006/main" xmlns:r="http://schemas.openxmlformats.org/officeDocument/2006/relationships" xmlns:p="http://schemas.openxmlformats.org/presentationml/2006/main">
+<p:sld xmlns:a="http://schemas.openxmlformats.org/drawingml/2006/main" xmlns:r="http://schemas.openxmlformats.org/officeDocument/2006/relationships" xmlns:p="http://schemas.openxmlformats.org/presentationml/2006/main" xmlns:m="http://schemas.openxmlformats.org/officeDocument/2006/math" xmlns:a14="http://schemas.microsoft.com/office/drawing/2010/main" showMasterSp="1" showMasterPhAnim="1">
   <p:cSld>
     <p:spTree>
       <p:nvGrpSpPr>
@@ -2173,8 +2014,8 @@
         </p:nvSpPr>
         <p:spPr>
           <a:xfrm>
-            <a:off x="3430257" y="989887"/>
-            <a:ext cx="5636479" cy="447041"/>
+            <a:off x="3430256" y="989887"/>
+            <a:ext cx="5636478" cy="608329"/>
           </a:xfrm>
           <a:prstGeom prst="rect">
             <a:avLst/>
@@ -2184,12 +2025,12 @@
           </a:ln>
           <a:extLst>
             <a:ext uri="{C572A759-6A51-4108-AA02-DFA0A04FC94B}">
-              <ma14:wrappingTextBoxFlag xmlns:ma14="http://schemas.microsoft.com/office/mac/drawingml/2011/main" xmlns:a14="http://schemas.microsoft.com/office/drawing/2010/main" xmlns:m="http://schemas.openxmlformats.org/officeDocument/2006/math" xmlns="" val="1"/>
+              <ma14:wrappingTextBoxFlag xmlns:ma14="http://schemas.microsoft.com/office/mac/drawingml/2011/main" val="1"/>
             </a:ext>
           </a:extLst>
         </p:spPr>
         <p:txBody>
-          <a:bodyPr wrap="none" lIns="45719" rIns="45719">
+          <a:bodyPr wrap="none" lIns="45718" tIns="45718" rIns="45718" bIns="45718">
             <a:spAutoFit/>
           </a:bodyPr>
           <a:lstStyle>
@@ -2204,14 +2045,15 @@
                 <a:solidFill>
                   <a:srgbClr val="FF2600"/>
                 </a:solidFill>
-                <a:latin typeface="Times"/>
-                <a:ea typeface="Times"/>
-                <a:cs typeface="Times"/>
-                <a:sym typeface="Times"/>
+                <a:latin typeface="Times Roman"/>
+                <a:ea typeface="Times Roman"/>
+                <a:cs typeface="Times Roman"/>
+                <a:sym typeface="Times Roman"/>
               </a:defRPr>
             </a:lvl1pPr>
           </a:lstStyle>
           <a:p>
+            <a:pPr/>
             <a:r>
               <a:t>Issues relating to knowledge management system</a:t>
             </a:r>
@@ -2220,14 +2062,14 @@
       </p:sp>
       <p:sp>
         <p:nvSpPr>
-          <p:cNvPr id="60" name="Balancing data overload and useful content – This is vital issue that occurs in Walmart as the increase in both size and diversity involves implicit trade-off between present content and vital information.In addition, if the system is wider, then the risk of overloading of unrelated information may take place.…"/>
+          <p:cNvPr id="60" name="Balancing data overload and useful content – This is vital issue that occurs in Walmart as the increase in both size and diversity involves implicit trade-off between present content and vital information.In addition, if the system is wider, then the ris"/>
           <p:cNvSpPr txBox="1"/>
           <p:nvPr/>
         </p:nvSpPr>
         <p:spPr>
           <a:xfrm>
-            <a:off x="219640" y="1313179"/>
-            <a:ext cx="8572744" cy="5565563"/>
+            <a:off x="219639" y="1313179"/>
+            <a:ext cx="8572746" cy="5529732"/>
           </a:xfrm>
           <a:prstGeom prst="rect">
             <a:avLst/>
@@ -2237,12 +2079,12 @@
           </a:ln>
           <a:extLst>
             <a:ext uri="{C572A759-6A51-4108-AA02-DFA0A04FC94B}">
-              <ma14:wrappingTextBoxFlag xmlns:ma14="http://schemas.microsoft.com/office/mac/drawingml/2011/main" xmlns:a14="http://schemas.microsoft.com/office/drawing/2010/main" xmlns:m="http://schemas.openxmlformats.org/officeDocument/2006/math" xmlns="" val="1"/>
+              <ma14:wrappingTextBoxFlag xmlns:ma14="http://schemas.microsoft.com/office/mac/drawingml/2011/main" val="1"/>
             </a:ext>
           </a:extLst>
         </p:spPr>
         <p:txBody>
-          <a:bodyPr lIns="45719" rIns="45719">
+          <a:bodyPr lIns="45718" tIns="45718" rIns="45718" bIns="45718">
             <a:spAutoFit/>
           </a:bodyPr>
           <a:lstStyle/>
@@ -2262,16 +2104,7 @@
               </a:defRPr>
             </a:pPr>
             <a:r>
-              <a:rPr dirty="0"/>
-              <a:t>Balancing data overload and useful content – This is vital issue that occurs in Walmart as the increase in both size and diversity involves implicit trade-off between present content and vital </a:t>
-            </a:r>
-            <a:r>
-              <a:rPr dirty="0" err="1"/>
-              <a:t>information.In</a:t>
-            </a:r>
-            <a:r>
-              <a:rPr dirty="0"/>
-              <a:t> addition, if the system is wider, then the risk of overloading of unrelated information may take place. </a:t>
+              <a:t>Balancing data overload and useful content – This is vital issue that occurs in Walmart as the increase in both size and diversity involves implicit trade-off between present content and vital information.In addition, if the system is wider, then the risk of overloading of unrelated information may take place. </a:t>
             </a:r>
           </a:p>
           <a:p>
@@ -2290,16 +2123,7 @@
               </a:defRPr>
             </a:pPr>
             <a:r>
-              <a:rPr dirty="0"/>
-              <a:t>Improper flow of knowledge-When the content of knowledge is highly framed, proper effort is needed for ensuring appropriate </a:t>
-            </a:r>
-            <a:r>
-              <a:rPr dirty="0" err="1"/>
-              <a:t>structuring.The</a:t>
-            </a:r>
-            <a:r>
-              <a:rPr dirty="0"/>
-              <a:t> workers are also needed to append proper keywords and data on their documents for filling out questionnaires and extensive skills.</a:t>
+              <a:t>Improper flow of knowledge-When the content of knowledge is highly framed, proper effort is needed for ensuring appropriate structuring.The workers are also needed to append proper keywords and data on their documents for filling out questionnaires and extensive skills.</a:t>
             </a:r>
           </a:p>
           <a:p>
@@ -2318,7 +2142,6 @@
               </a:defRPr>
             </a:pPr>
             <a:r>
-              <a:rPr dirty="0"/>
               <a:t>Long term impact of KMS – Exploitation as well as exploration – Another issue that has been raised in the long term effect of utilization of KMS on innovation and learning. The existing solutions bias the workers in adopting it rather than developing new solutions that might be effective .</a:t>
             </a:r>
           </a:p>
@@ -2338,20 +2161,10 @@
               </a:defRPr>
             </a:pPr>
             <a:r>
-              <a:rPr dirty="0"/>
-              <a:t>Additionally, implementation of new technology in Wal -Mart generates new kind of problems and challenges. Some of the employees in this organization face difficulties in adopting with this technology and this adversely affects the organizational </a:t>
-            </a:r>
-            <a:r>
-              <a:rPr dirty="0" err="1"/>
-              <a:t>performa</a:t>
-            </a:r>
-            <a:r>
-              <a:rPr lang="en-IN" dirty="0" err="1"/>
-              <a:t>nce</a:t>
-            </a:r>
-            <a:r>
-              <a:rPr lang="en-IN" dirty="0"/>
-              <a:t>. </a:t>
+              <a:t>Additionally, implementation of new technology in Wal -Mart generates new kind of problems and challenges. Some of the employees in this organization face difficulties in adopting with this technology and this adversely affects the organizational performa</a:t>
+            </a:r>
+            <a:r>
+              <a:t>nce. </a:t>
             </a:r>
           </a:p>
         </p:txBody>
@@ -2361,12 +2174,12 @@
   <p:clrMapOvr>
     <a:masterClrMapping/>
   </p:clrMapOvr>
-  <p:transition spd="med"/>
+  <p:transition xmlns:p14="http://schemas.microsoft.com/office/powerpoint/2010/main" spd="med" advClick="1"/>
 </p:sld>
 </file>
 
 <file path=ppt/slides/slide11.xml><?xml version="1.0" encoding="utf-8"?>
-<p:sld xmlns:a="http://schemas.openxmlformats.org/drawingml/2006/main" xmlns:r="http://schemas.openxmlformats.org/officeDocument/2006/relationships" xmlns:p="http://schemas.openxmlformats.org/presentationml/2006/main">
+<p:sld xmlns:a="http://schemas.openxmlformats.org/drawingml/2006/main" xmlns:r="http://schemas.openxmlformats.org/officeDocument/2006/relationships" xmlns:p="http://schemas.openxmlformats.org/presentationml/2006/main" xmlns:m="http://schemas.openxmlformats.org/officeDocument/2006/math" xmlns:a14="http://schemas.microsoft.com/office/drawing/2010/main" showMasterSp="1" showMasterPhAnim="1">
   <p:cSld>
     <p:spTree>
       <p:nvGrpSpPr>
@@ -2390,8 +2203,8 @@
         </p:nvSpPr>
         <p:spPr>
           <a:xfrm>
-            <a:off x="4580748" y="1253548"/>
-            <a:ext cx="4463813" cy="396241"/>
+            <a:off x="4580747" y="1253548"/>
+            <a:ext cx="4463811" cy="581659"/>
           </a:xfrm>
           <a:prstGeom prst="rect">
             <a:avLst/>
@@ -2401,12 +2214,12 @@
           </a:ln>
           <a:extLst>
             <a:ext uri="{C572A759-6A51-4108-AA02-DFA0A04FC94B}">
-              <ma14:wrappingTextBoxFlag xmlns:ma14="http://schemas.microsoft.com/office/mac/drawingml/2011/main" xmlns:a14="http://schemas.microsoft.com/office/drawing/2010/main" xmlns:m="http://schemas.openxmlformats.org/officeDocument/2006/math" xmlns="" val="1"/>
+              <ma14:wrappingTextBoxFlag xmlns:ma14="http://schemas.microsoft.com/office/mac/drawingml/2011/main" val="1"/>
             </a:ext>
           </a:extLst>
         </p:spPr>
         <p:txBody>
-          <a:bodyPr wrap="none" lIns="45719" rIns="45719">
+          <a:bodyPr wrap="none" lIns="45718" tIns="45718" rIns="45718" bIns="45718">
             <a:spAutoFit/>
           </a:bodyPr>
           <a:lstStyle>
@@ -2421,16 +2234,16 @@
                 <a:solidFill>
                   <a:srgbClr val="FF7E79"/>
                 </a:solidFill>
-                <a:latin typeface="Times"/>
-                <a:ea typeface="Times"/>
-                <a:cs typeface="Times"/>
-                <a:sym typeface="Times"/>
+                <a:latin typeface="Times Roman"/>
+                <a:ea typeface="Times Roman"/>
+                <a:cs typeface="Times Roman"/>
+                <a:sym typeface="Times Roman"/>
               </a:defRPr>
             </a:lvl1pPr>
           </a:lstStyle>
           <a:p>
-            <a:r>
-              <a:rPr dirty="0"/>
+            <a:pPr/>
+            <a:r>
               <a:t>Recommendations on improvement in KM</a:t>
             </a:r>
           </a:p>
@@ -2438,14 +2251,14 @@
       </p:sp>
       <p:sp>
         <p:nvSpPr>
-          <p:cNvPr id="63" name="Wal- Mart invests huge money in adopting new technology for dealing with huge sales and track total production (Wu 2012). Therefore, it is suggested that the company must order their suppliers to provide them microchips for RFID in order to improve the system that is created by bar codes.…"/>
+          <p:cNvPr id="63" name="Wal- Mart invests huge money in adopting new technology for dealing with huge sales and track total production (Wu 2012). Therefore, it is suggested that the company must order their suppliers to provide them microchips for RFID in order to improve the s"/>
           <p:cNvSpPr txBox="1"/>
           <p:nvPr/>
         </p:nvSpPr>
         <p:spPr>
           <a:xfrm>
             <a:off x="128799" y="1837458"/>
-            <a:ext cx="8886401" cy="5020542"/>
+            <a:ext cx="8886402" cy="4988712"/>
           </a:xfrm>
           <a:prstGeom prst="rect">
             <a:avLst/>
@@ -2455,12 +2268,12 @@
           </a:ln>
           <a:extLst>
             <a:ext uri="{C572A759-6A51-4108-AA02-DFA0A04FC94B}">
-              <ma14:wrappingTextBoxFlag xmlns:ma14="http://schemas.microsoft.com/office/mac/drawingml/2011/main" xmlns:a14="http://schemas.microsoft.com/office/drawing/2010/main" xmlns:m="http://schemas.openxmlformats.org/officeDocument/2006/math" xmlns="" val="1"/>
+              <ma14:wrappingTextBoxFlag xmlns:ma14="http://schemas.microsoft.com/office/mac/drawingml/2011/main" val="1"/>
             </a:ext>
           </a:extLst>
         </p:spPr>
         <p:txBody>
-          <a:bodyPr lIns="45719" rIns="45719">
+          <a:bodyPr lIns="45718" tIns="45718" rIns="45718" bIns="45718">
             <a:spAutoFit/>
           </a:bodyPr>
           <a:lstStyle/>
@@ -2485,11 +2298,10 @@
               </a:defRPr>
             </a:pPr>
             <a:r>
-              <a:rPr dirty="0"/>
               <a:t>Wal- Mart invests huge money in adopting new technology for dealing with huge sales and track total production (</a:t>
             </a:r>
             <a:r>
-              <a:rPr dirty="0">
+              <a:rPr>
                 <a:solidFill>
                   <a:srgbClr val="222222"/>
                 </a:solidFill>
@@ -2497,14 +2309,13 @@
               <a:t>Wu 2012)</a:t>
             </a:r>
             <a:r>
-              <a:rPr dirty="0"/>
               <a:t>. Therefore, it is suggested that the company must order their suppliers to provide them microchips for RFID in order to improve the system that is created by bar codes. </a:t>
             </a:r>
-            <a:endParaRPr dirty="0">
-              <a:latin typeface="Times"/>
-              <a:ea typeface="Times"/>
-              <a:cs typeface="Times"/>
-              <a:sym typeface="Times"/>
+            <a:endParaRPr>
+              <a:latin typeface="Times Roman"/>
+              <a:ea typeface="Times Roman"/>
+              <a:cs typeface="Times Roman"/>
+              <a:sym typeface="Times Roman"/>
             </a:endParaRPr>
           </a:p>
           <a:p>
@@ -2528,14 +2339,13 @@
               </a:defRPr>
             </a:pPr>
             <a:r>
-              <a:rPr dirty="0"/>
               <a:t>It is suggested that Wal- Mart must adopt DSS (decision support system resources) in order to improve the productivity of individual employees. As it is a web based knowledge repository, it will help this corporation in improving decision quality and solve the problem in less time. It will also facilitate Wal- Mart in increasing control within the organization. </a:t>
             </a:r>
-            <a:endParaRPr dirty="0">
-              <a:latin typeface="Times"/>
-              <a:ea typeface="Times"/>
-              <a:cs typeface="Times"/>
-              <a:sym typeface="Times"/>
+            <a:endParaRPr>
+              <a:latin typeface="Times Roman"/>
+              <a:ea typeface="Times Roman"/>
+              <a:cs typeface="Times Roman"/>
+              <a:sym typeface="Times Roman"/>
             </a:endParaRPr>
           </a:p>
           <a:p>
@@ -2560,14 +2370,13 @@
               </a:defRPr>
             </a:pPr>
             <a:r>
-              <a:rPr dirty="0"/>
               <a:t>Wal-Mart should recruit skilled workers so that they have the ability in adopting with the new technology and increase their efficiency. </a:t>
             </a:r>
-            <a:endParaRPr dirty="0">
-              <a:latin typeface="Times"/>
-              <a:ea typeface="Times"/>
-              <a:cs typeface="Times"/>
-              <a:sym typeface="Times"/>
+            <a:endParaRPr>
+              <a:latin typeface="Times Roman"/>
+              <a:ea typeface="Times Roman"/>
+              <a:cs typeface="Times Roman"/>
+              <a:sym typeface="Times Roman"/>
             </a:endParaRPr>
           </a:p>
           <a:p>
@@ -2592,23 +2401,9 @@
               </a:defRPr>
             </a:pPr>
             <a:r>
-              <a:rPr dirty="0"/>
               <a:t>It is recommended that the Wal- Mart should provide incentives or bonus to the employees for knowledge sharing in order to make KMS successful within the organization. </a:t>
             </a:r>
-            <a:br>
-              <a:rPr dirty="0">
-                <a:latin typeface="Times"/>
-                <a:ea typeface="Times"/>
-                <a:cs typeface="Times"/>
-                <a:sym typeface="Times"/>
-              </a:rPr>
-            </a:br>
-            <a:endParaRPr dirty="0">
-              <a:latin typeface="Times"/>
-              <a:ea typeface="Times"/>
-              <a:cs typeface="Times"/>
-              <a:sym typeface="Times"/>
-            </a:endParaRPr>
+            <a:br/>
           </a:p>
         </p:txBody>
       </p:sp>
@@ -2617,12 +2412,12 @@
   <p:clrMapOvr>
     <a:masterClrMapping/>
   </p:clrMapOvr>
-  <p:transition spd="med"/>
+  <p:transition xmlns:p14="http://schemas.microsoft.com/office/powerpoint/2010/main" spd="med" advClick="1"/>
 </p:sld>
 </file>
 
 <file path=ppt/slides/slide12.xml><?xml version="1.0" encoding="utf-8"?>
-<p:sld xmlns:a="http://schemas.openxmlformats.org/drawingml/2006/main" xmlns:r="http://schemas.openxmlformats.org/officeDocument/2006/relationships" xmlns:p="http://schemas.openxmlformats.org/presentationml/2006/main">
+<p:sld xmlns:a="http://schemas.openxmlformats.org/drawingml/2006/main" xmlns:r="http://schemas.openxmlformats.org/officeDocument/2006/relationships" xmlns:p="http://schemas.openxmlformats.org/presentationml/2006/main" xmlns:m="http://schemas.openxmlformats.org/officeDocument/2006/math" xmlns:a14="http://schemas.microsoft.com/office/drawing/2010/main" showMasterSp="1" showMasterPhAnim="1">
   <p:cSld>
     <p:spTree>
       <p:nvGrpSpPr>
@@ -2646,8 +2441,8 @@
         </p:nvSpPr>
         <p:spPr>
           <a:xfrm>
-            <a:off x="7297636" y="1220431"/>
-            <a:ext cx="1550565" cy="472441"/>
+            <a:off x="7297635" y="1220431"/>
+            <a:ext cx="1550563" cy="658495"/>
           </a:xfrm>
           <a:prstGeom prst="rect">
             <a:avLst/>
@@ -2657,12 +2452,12 @@
           </a:ln>
           <a:extLst>
             <a:ext uri="{C572A759-6A51-4108-AA02-DFA0A04FC94B}">
-              <ma14:wrappingTextBoxFlag xmlns:ma14="http://schemas.microsoft.com/office/mac/drawingml/2011/main" xmlns:a14="http://schemas.microsoft.com/office/drawing/2010/main" xmlns:m="http://schemas.openxmlformats.org/officeDocument/2006/math" xmlns="" val="1"/>
+              <ma14:wrappingTextBoxFlag xmlns:ma14="http://schemas.microsoft.com/office/mac/drawingml/2011/main" val="1"/>
             </a:ext>
           </a:extLst>
         </p:spPr>
         <p:txBody>
-          <a:bodyPr wrap="none" lIns="45719" rIns="45719">
+          <a:bodyPr wrap="none" lIns="45718" tIns="45718" rIns="45718" bIns="45718">
             <a:spAutoFit/>
           </a:bodyPr>
           <a:lstStyle>
@@ -2677,29 +2472,16 @@
                 <a:solidFill>
                   <a:srgbClr val="FF2600"/>
                 </a:solidFill>
-                <a:latin typeface="Times"/>
-                <a:ea typeface="Times"/>
-                <a:cs typeface="Times"/>
-                <a:sym typeface="Times"/>
+                <a:latin typeface="Times Roman"/>
+                <a:ea typeface="Times Roman"/>
+                <a:cs typeface="Times Roman"/>
+                <a:sym typeface="Times Roman"/>
               </a:defRPr>
             </a:lvl1pPr>
           </a:lstStyle>
           <a:p>
-            <a:pPr>
-              <a:defRPr sz="1600">
-                <a:latin typeface="Times New Roman"/>
-                <a:ea typeface="Times New Roman"/>
-                <a:cs typeface="Times New Roman"/>
-                <a:sym typeface="Times New Roman"/>
-              </a:defRPr>
-            </a:pPr>
-            <a:r>
-              <a:rPr sz="2500">
-                <a:latin typeface="Times"/>
-                <a:ea typeface="Times"/>
-                <a:cs typeface="Times"/>
-                <a:sym typeface="Times"/>
-              </a:rPr>
+            <a:pPr/>
+            <a:r>
               <a:t>Conclusion</a:t>
             </a:r>
           </a:p>
@@ -2713,8 +2495,8 @@
         </p:nvSpPr>
         <p:spPr>
           <a:xfrm>
-            <a:off x="148774" y="1798450"/>
-            <a:ext cx="8846452" cy="4176977"/>
+            <a:off x="148773" y="1798450"/>
+            <a:ext cx="8846454" cy="4156006"/>
           </a:xfrm>
           <a:prstGeom prst="rect">
             <a:avLst/>
@@ -2724,17 +2506,17 @@
           </a:ln>
           <a:extLst>
             <a:ext uri="{C572A759-6A51-4108-AA02-DFA0A04FC94B}">
-              <ma14:wrappingTextBoxFlag xmlns:ma14="http://schemas.microsoft.com/office/mac/drawingml/2011/main" xmlns:a14="http://schemas.microsoft.com/office/drawing/2010/main" xmlns:m="http://schemas.openxmlformats.org/officeDocument/2006/math" xmlns="" val="1"/>
+              <ma14:wrappingTextBoxFlag xmlns:ma14="http://schemas.microsoft.com/office/mac/drawingml/2011/main" val="1"/>
             </a:ext>
           </a:extLst>
         </p:spPr>
         <p:txBody>
-          <a:bodyPr lIns="45719" rIns="45719">
+          <a:bodyPr lIns="45718" tIns="45718" rIns="45718" bIns="45718">
             <a:spAutoFit/>
           </a:bodyPr>
           <a:lstStyle/>
           <a:p>
-            <a:pPr marL="130342" indent="-130342" defTabSz="457200">
+            <a:pPr marL="130341" indent="-130341" defTabSz="457200">
               <a:lnSpc>
                 <a:spcPts val="3600"/>
               </a:lnSpc>
@@ -2751,12 +2533,11 @@
               </a:defRPr>
             </a:pPr>
             <a:r>
-              <a:rPr dirty="0"/>
               <a:t>From the above discussion, it can be concluded that knowledge management system improves the performance of the organization. It also improves team effectiveness as well as delivery of outcomes.</a:t>
             </a:r>
           </a:p>
           <a:p>
-            <a:pPr marL="130342" indent="-130342" defTabSz="457200">
+            <a:pPr marL="130341" indent="-130341" defTabSz="457200">
               <a:lnSpc>
                 <a:spcPts val="3600"/>
               </a:lnSpc>
@@ -2773,12 +2554,11 @@
               </a:defRPr>
             </a:pPr>
             <a:r>
-              <a:rPr dirty="0"/>
               <a:t> At Wal- Mart stores, KMS is used for solving the conflicts within the organization. Moreover, integration of KMS helps them in enhancing communication within the company. </a:t>
             </a:r>
           </a:p>
           <a:p>
-            <a:pPr marL="130342" indent="-130342" defTabSz="457200">
+            <a:pPr marL="130341" indent="-130341" defTabSz="457200">
               <a:lnSpc>
                 <a:spcPts val="3600"/>
               </a:lnSpc>
@@ -2795,12 +2575,11 @@
               </a:defRPr>
             </a:pPr>
             <a:r>
-              <a:rPr dirty="0"/>
               <a:t>As a part of KM, HRM (human resource management) strategies in Wal- Mart are also used for managing their business activities through employee’s coordination. </a:t>
             </a:r>
           </a:p>
           <a:p>
-            <a:pPr marL="130342" indent="-130342" defTabSz="457200">
+            <a:pPr marL="130341" indent="-130341" defTabSz="457200">
               <a:lnSpc>
                 <a:spcPts val="3600"/>
               </a:lnSpc>
@@ -2817,7 +2596,6 @@
               </a:defRPr>
             </a:pPr>
             <a:r>
-              <a:rPr dirty="0"/>
               <a:t>Thus, effective KM also guides the employees in acknowledging their significance within the organization. Overall, it helps this corporation in gaining competitive advantage against the competitors. </a:t>
             </a:r>
           </a:p>
@@ -2828,12 +2606,12 @@
   <p:clrMapOvr>
     <a:masterClrMapping/>
   </p:clrMapOvr>
-  <p:transition spd="med"/>
+  <p:transition xmlns:p14="http://schemas.microsoft.com/office/powerpoint/2010/main" spd="med" advClick="1"/>
 </p:sld>
 </file>
 
 <file path=ppt/slides/slide13.xml><?xml version="1.0" encoding="utf-8"?>
-<p:sld xmlns:a="http://schemas.openxmlformats.org/drawingml/2006/main" xmlns:r="http://schemas.openxmlformats.org/officeDocument/2006/relationships" xmlns:p="http://schemas.openxmlformats.org/presentationml/2006/main">
+<p:sld xmlns:a="http://schemas.openxmlformats.org/drawingml/2006/main" xmlns:r="http://schemas.openxmlformats.org/officeDocument/2006/relationships" xmlns:p="http://schemas.openxmlformats.org/presentationml/2006/main" xmlns:m="http://schemas.openxmlformats.org/officeDocument/2006/math" xmlns:a14="http://schemas.microsoft.com/office/drawing/2010/main" showMasterSp="1" showMasterPhAnim="1">
   <p:cSld>
     <p:spTree>
       <p:nvGrpSpPr>
@@ -2857,8 +2635,8 @@
         </p:nvSpPr>
         <p:spPr>
           <a:xfrm>
-            <a:off x="1198485" y="2423603"/>
-            <a:ext cx="3488925" cy="661720"/>
+            <a:off x="1198484" y="2423604"/>
+            <a:ext cx="3488927" cy="609466"/>
           </a:xfrm>
           <a:prstGeom prst="rect">
             <a:avLst/>
@@ -2868,12 +2646,12 @@
           </a:ln>
           <a:extLst>
             <a:ext uri="{C572A759-6A51-4108-AA02-DFA0A04FC94B}">
-              <ma14:wrappingTextBoxFlag xmlns:ma14="http://schemas.microsoft.com/office/mac/drawingml/2011/main" xmlns:a14="http://schemas.microsoft.com/office/drawing/2010/main" xmlns:m="http://schemas.openxmlformats.org/officeDocument/2006/math" xmlns="" val="1"/>
+              <ma14:wrappingTextBoxFlag xmlns:ma14="http://schemas.microsoft.com/office/mac/drawingml/2011/main" val="1"/>
             </a:ext>
           </a:extLst>
         </p:spPr>
         <p:txBody>
-          <a:bodyPr wrap="square" lIns="45719" rIns="45719">
+          <a:bodyPr lIns="45718" tIns="45718" rIns="45718" bIns="45718">
             <a:spAutoFit/>
           </a:bodyPr>
           <a:lstStyle>
@@ -2882,12 +2660,16 @@
                 <a:solidFill>
                   <a:srgbClr val="FF2600"/>
                 </a:solidFill>
+                <a:latin typeface="+mn-lt"/>
+                <a:ea typeface="+mn-ea"/>
+                <a:cs typeface="+mn-cs"/>
+                <a:sym typeface="Arial"/>
               </a:defRPr>
             </a:lvl1pPr>
           </a:lstStyle>
           <a:p>
-            <a:r>
-              <a:rPr dirty="0"/>
+            <a:pPr/>
+            <a:r>
               <a:t>Thank You!!!</a:t>
             </a:r>
           </a:p>
@@ -2898,12 +2680,12 @@
   <p:clrMapOvr>
     <a:masterClrMapping/>
   </p:clrMapOvr>
-  <p:transition spd="med"/>
+  <p:transition xmlns:p14="http://schemas.microsoft.com/office/powerpoint/2010/main" spd="med" advClick="1"/>
 </p:sld>
 </file>
 
 <file path=ppt/slides/slide2.xml><?xml version="1.0" encoding="utf-8"?>
-<p:sld xmlns:a="http://schemas.openxmlformats.org/drawingml/2006/main" xmlns:r="http://schemas.openxmlformats.org/officeDocument/2006/relationships" xmlns:p="http://schemas.openxmlformats.org/presentationml/2006/main">
+<p:sld xmlns:a="http://schemas.openxmlformats.org/drawingml/2006/main" xmlns:r="http://schemas.openxmlformats.org/officeDocument/2006/relationships" xmlns:p="http://schemas.openxmlformats.org/presentationml/2006/main" xmlns:m="http://schemas.openxmlformats.org/officeDocument/2006/math" xmlns:a14="http://schemas.microsoft.com/office/drawing/2010/main" showMasterSp="1" showMasterPhAnim="1">
   <p:cSld>
     <p:spTree>
       <p:nvGrpSpPr>
@@ -2941,13 +2723,17 @@
           </a:ln>
         </p:spPr>
         <p:txBody>
-          <a:bodyPr lIns="45719" rIns="45719" anchor="ctr"/>
+          <a:bodyPr lIns="45718" tIns="45718" rIns="45718" bIns="45718" anchor="ctr"/>
           <a:lstStyle/>
           <a:p>
             <a:pPr>
-              <a:defRPr sz="1800"/>
-            </a:pPr>
-            <a:endParaRPr/>
+              <a:defRPr sz="1800">
+                <a:latin typeface="+mn-lt"/>
+                <a:ea typeface="+mn-ea"/>
+                <a:cs typeface="+mn-cs"/>
+                <a:sym typeface="Arial"/>
+              </a:defRPr>
+            </a:pPr>
           </a:p>
         </p:txBody>
       </p:sp>
@@ -2960,7 +2746,7 @@
         <p:spPr>
           <a:xfrm>
             <a:off x="2667000" y="1143000"/>
-            <a:ext cx="6477000" cy="447001"/>
+            <a:ext cx="6477000" cy="446999"/>
           </a:xfrm>
           <a:prstGeom prst="rect">
             <a:avLst/>
@@ -2970,7 +2756,7 @@
           </a:ln>
           <a:extLst>
             <a:ext uri="{C572A759-6A51-4108-AA02-DFA0A04FC94B}">
-              <ma14:wrappingTextBoxFlag xmlns:ma14="http://schemas.microsoft.com/office/mac/drawingml/2011/main" xmlns:a14="http://schemas.microsoft.com/office/drawing/2010/main" xmlns:m="http://schemas.openxmlformats.org/officeDocument/2006/math" xmlns="" val="1"/>
+              <ma14:wrappingTextBoxFlag xmlns:ma14="http://schemas.microsoft.com/office/mac/drawingml/2011/main" val="1"/>
             </a:ext>
           </a:extLst>
         </p:spPr>
@@ -2992,6 +2778,7 @@
             </a:lvl1pPr>
           </a:lstStyle>
           <a:p>
+            <a:pPr/>
             <a:r>
               <a:t>About walmart</a:t>
             </a:r>
@@ -3006,8 +2793,8 @@
         </p:nvSpPr>
         <p:spPr>
           <a:xfrm>
-            <a:off x="109261" y="1953276"/>
-            <a:ext cx="8483190" cy="4271939"/>
+            <a:off x="109261" y="1953277"/>
+            <a:ext cx="8483190" cy="4493259"/>
           </a:xfrm>
           <a:prstGeom prst="rect">
             <a:avLst/>
@@ -3017,17 +2804,17 @@
           </a:ln>
           <a:extLst>
             <a:ext uri="{C572A759-6A51-4108-AA02-DFA0A04FC94B}">
-              <ma14:wrappingTextBoxFlag xmlns:ma14="http://schemas.microsoft.com/office/mac/drawingml/2011/main" xmlns:a14="http://schemas.microsoft.com/office/drawing/2010/main" xmlns:m="http://schemas.openxmlformats.org/officeDocument/2006/math" xmlns="" val="1"/>
+              <ma14:wrappingTextBoxFlag xmlns:ma14="http://schemas.microsoft.com/office/mac/drawingml/2011/main" val="1"/>
             </a:ext>
           </a:extLst>
         </p:spPr>
         <p:txBody>
-          <a:bodyPr wrap="square" lIns="45719" rIns="45719">
+          <a:bodyPr lIns="45718" tIns="45718" rIns="45718" bIns="45718">
             <a:spAutoFit/>
           </a:bodyPr>
           <a:lstStyle/>
           <a:p>
-            <a:pPr marL="511342" indent="-130342" defTabSz="457200">
+            <a:pPr marL="511341" indent="-130341" defTabSz="457200">
               <a:lnSpc>
                 <a:spcPct val="120000"/>
               </a:lnSpc>
@@ -3041,17 +2828,14 @@
               </a:defRPr>
             </a:pPr>
             <a:r>
-              <a:rPr dirty="0"/>
               <a:t>Walmart is the multinational corporation in US that runs a chain of huge departmental </a:t>
             </a:r>
-            <a:endParaRPr lang="en-IN" dirty="0"/>
-          </a:p>
-          <a:p>
-            <a:pPr marL="381000" defTabSz="457200">
+          </a:p>
+          <a:p>
+            <a:pPr indent="381000" defTabSz="457200">
               <a:lnSpc>
                 <a:spcPct val="120000"/>
               </a:lnSpc>
-              <a:buSzPct val="100000"/>
               <a:defRPr>
                 <a:latin typeface="Palatino"/>
                 <a:ea typeface="Palatino"/>
@@ -3060,17 +2844,14 @@
               </a:defRPr>
             </a:pPr>
             <a:r>
-              <a:rPr dirty="0"/>
               <a:t>stores as well as warehouse in various nations</a:t>
             </a:r>
             <a:r>
-              <a:rPr lang="en-IN" dirty="0"/>
               <a:t>.</a:t>
             </a:r>
-            <a:endParaRPr dirty="0"/>
-          </a:p>
-          <a:p>
-            <a:pPr marL="511342" indent="-130342" defTabSz="457200">
+          </a:p>
+          <a:p>
+            <a:pPr marL="511341" indent="-130341" defTabSz="457200">
               <a:lnSpc>
                 <a:spcPct val="120000"/>
               </a:lnSpc>
@@ -3083,10 +2864,9 @@
                 <a:sym typeface="Palatino"/>
               </a:defRPr>
             </a:pPr>
-            <a:endParaRPr dirty="0"/>
-          </a:p>
-          <a:p>
-            <a:pPr marL="511342" indent="-130342" defTabSz="457200">
+          </a:p>
+          <a:p>
+            <a:pPr marL="511341" indent="-130341" defTabSz="457200">
               <a:lnSpc>
                 <a:spcPct val="120000"/>
               </a:lnSpc>
@@ -3100,12 +2880,11 @@
               </a:defRPr>
             </a:pPr>
             <a:r>
-              <a:rPr dirty="0"/>
               <a:t> It is also one of the biggest private employers in globe with around 2.3 million total staffs</a:t>
             </a:r>
           </a:p>
           <a:p>
-            <a:pPr marL="511342" indent="-130342" defTabSz="457200">
+            <a:pPr marL="511341" indent="-130341" defTabSz="457200">
               <a:lnSpc>
                 <a:spcPct val="120000"/>
               </a:lnSpc>
@@ -3118,10 +2897,9 @@
                 <a:sym typeface="Palatino"/>
               </a:defRPr>
             </a:pPr>
-            <a:endParaRPr dirty="0"/>
-          </a:p>
-          <a:p>
-            <a:pPr marL="511342" indent="-130342" defTabSz="457200">
+          </a:p>
+          <a:p>
+            <a:pPr marL="511341" indent="-130341" defTabSz="457200">
               <a:lnSpc>
                 <a:spcPct val="120000"/>
               </a:lnSpc>
@@ -3135,174 +2913,137 @@
               </a:defRPr>
             </a:pPr>
             <a:r>
-              <a:rPr dirty="0"/>
               <a:t>Although it operates under various banners in the international stores, all of them work towards one common goal that is enabling their consumers to save the cash for living in the better way.</a:t>
             </a:r>
           </a:p>
           <a:p>
-            <a:pPr marL="140368" indent="-140368" defTabSz="457200">
+            <a:pPr marL="140367" indent="-140367" defTabSz="457200">
               <a:buSzPct val="100000"/>
               <a:buChar char="•"/>
               <a:defRPr>
                 <a:solidFill>
                   <a:srgbClr val="222222"/>
                 </a:solidFill>
-                <a:latin typeface="+mn-lt"/>
-                <a:ea typeface="+mn-ea"/>
-                <a:cs typeface="+mn-cs"/>
-                <a:sym typeface="Helvetica"/>
-              </a:defRPr>
-            </a:pPr>
-            <a:endParaRPr dirty="0"/>
-          </a:p>
-          <a:p>
-            <a:pPr marL="140368" indent="-140368" defTabSz="457200">
+              </a:defRPr>
+            </a:pPr>
+          </a:p>
+          <a:p>
+            <a:pPr marL="140367" indent="-140367" defTabSz="457200">
               <a:buSzPct val="100000"/>
               <a:buChar char="•"/>
               <a:defRPr>
                 <a:solidFill>
                   <a:srgbClr val="222222"/>
                 </a:solidFill>
-                <a:latin typeface="+mn-lt"/>
-                <a:ea typeface="+mn-ea"/>
-                <a:cs typeface="+mn-cs"/>
-                <a:sym typeface="Helvetica"/>
-              </a:defRPr>
-            </a:pPr>
-            <a:r>
-              <a:rPr dirty="0"/>
+              </a:defRPr>
+            </a:pPr>
+            <a:r>
               <a:t>It is a publicly traded family-owned business, as the company is controlled by the </a:t>
             </a:r>
             <a:r>
-              <a:rPr dirty="0">
+              <a:rPr u="sng">
+                <a:solidFill>
+                  <a:srgbClr val="0000FF"/>
+                </a:solidFill>
+                <a:uFill>
+                  <a:solidFill>
+                    <a:srgbClr val="0000FF"/>
+                  </a:solidFill>
+                </a:uFill>
+                <a:hlinkClick r:id="rId2" invalidUrl="" action="" tgtFrame="" tooltip="" history="1" highlightClick="0" endSnd="0"/>
+              </a:rPr>
+              <a:t>Walton family</a:t>
+            </a:r>
+          </a:p>
+          <a:p>
+            <a:pPr marL="140367" indent="-140367" defTabSz="457200">
+              <a:buSzPct val="100000"/>
+              <a:buChar char="•"/>
+              <a:defRPr>
                 <a:solidFill>
                   <a:srgbClr val="0645AD"/>
                 </a:solidFill>
-                <a:hlinkClick r:id="rId2"/>
-              </a:rPr>
-              <a:t>Walton family</a:t>
-            </a:r>
-          </a:p>
-          <a:p>
-            <a:pPr marL="140368" indent="-140368" defTabSz="457200">
+              </a:defRPr>
+            </a:pPr>
+          </a:p>
+          <a:p>
+            <a:pPr marL="140367" indent="-140367" defTabSz="457200">
               <a:buSzPct val="100000"/>
               <a:buChar char="•"/>
               <a:defRPr>
                 <a:solidFill>
                   <a:srgbClr val="222222"/>
                 </a:solidFill>
-                <a:latin typeface="+mn-lt"/>
-                <a:ea typeface="+mn-ea"/>
-                <a:cs typeface="+mn-cs"/>
-                <a:sym typeface="Helvetica"/>
-              </a:defRPr>
-            </a:pPr>
-            <a:endParaRPr dirty="0">
-              <a:solidFill>
-                <a:srgbClr val="0645AD"/>
-              </a:solidFill>
-              <a:hlinkClick r:id="rId2"/>
-            </a:endParaRPr>
-          </a:p>
-          <a:p>
-            <a:pPr marL="140368" indent="-140368" defTabSz="457200">
+              </a:defRPr>
+            </a:pPr>
+            <a:r>
+              <a:t>Sam Walton's heirs own over 50 percent of Walmart through their holding company Walton Enterprises and through their individual holdings</a:t>
+            </a:r>
+          </a:p>
+          <a:p>
+            <a:pPr marL="140367" indent="-140367" defTabSz="457200">
               <a:buSzPct val="100000"/>
               <a:buChar char="•"/>
               <a:defRPr>
                 <a:solidFill>
                   <a:srgbClr val="222222"/>
                 </a:solidFill>
-                <a:latin typeface="+mn-lt"/>
-                <a:ea typeface="+mn-ea"/>
-                <a:cs typeface="+mn-cs"/>
-                <a:sym typeface="Helvetica"/>
-              </a:defRPr>
-            </a:pPr>
-            <a:r>
-              <a:rPr dirty="0"/>
-              <a:t>Sam Walton's heirs own over 50 percent of Walmart through their holding company Walton Enterprises and through their individual holdings</a:t>
-            </a:r>
-          </a:p>
-          <a:p>
-            <a:pPr marL="140368" indent="-140368" defTabSz="457200">
+              </a:defRPr>
+            </a:pPr>
+          </a:p>
+          <a:p>
+            <a:pPr marL="140367" indent="-140367" defTabSz="457200">
               <a:buSzPct val="100000"/>
               <a:buChar char="•"/>
               <a:defRPr>
                 <a:solidFill>
                   <a:srgbClr val="222222"/>
                 </a:solidFill>
-                <a:latin typeface="+mn-lt"/>
-                <a:ea typeface="+mn-ea"/>
-                <a:cs typeface="+mn-cs"/>
-                <a:sym typeface="Helvetica"/>
-              </a:defRPr>
-            </a:pPr>
-            <a:endParaRPr dirty="0"/>
-          </a:p>
-          <a:p>
-            <a:pPr marL="140368" indent="-140368" defTabSz="457200">
+              </a:defRPr>
+            </a:pPr>
+            <a:r>
+              <a:t>Walmart was listed on the </a:t>
+            </a:r>
+            <a:r>
+              <a:rPr u="sng">
+                <a:solidFill>
+                  <a:srgbClr val="0000FF"/>
+                </a:solidFill>
+                <a:uFill>
+                  <a:solidFill>
+                    <a:srgbClr val="0000FF"/>
+                  </a:solidFill>
+                </a:uFill>
+                <a:hlinkClick r:id="rId3" invalidUrl="" action="" tgtFrame="" tooltip="" history="1" highlightClick="0" endSnd="0"/>
+              </a:rPr>
+              <a:t>New York Stock Exchange</a:t>
+            </a:r>
+            <a:r>
+              <a:t> in 1972. By 1988, it was the most profitable retailer in the U.S</a:t>
+            </a:r>
+          </a:p>
+          <a:p>
+            <a:pPr marL="140367" indent="-140367" defTabSz="457200">
               <a:buSzPct val="100000"/>
               <a:buChar char="•"/>
               <a:defRPr>
                 <a:solidFill>
                   <a:srgbClr val="222222"/>
                 </a:solidFill>
-                <a:latin typeface="+mn-lt"/>
-                <a:ea typeface="+mn-ea"/>
-                <a:cs typeface="+mn-cs"/>
-                <a:sym typeface="Helvetica"/>
-              </a:defRPr>
-            </a:pPr>
-            <a:r>
-              <a:rPr dirty="0"/>
-              <a:t>Walmart was listed on the </a:t>
-            </a:r>
-            <a:r>
-              <a:rPr dirty="0">
-                <a:solidFill>
-                  <a:srgbClr val="0645AD"/>
-                </a:solidFill>
-                <a:hlinkClick r:id="rId3"/>
-              </a:rPr>
-              <a:t>New York Stock Exchange</a:t>
-            </a:r>
-            <a:r>
-              <a:rPr dirty="0"/>
-              <a:t> in 1972. By 1988, it was the most profitable retailer in the U.S</a:t>
-            </a:r>
-          </a:p>
-          <a:p>
-            <a:pPr marL="140368" indent="-140368" defTabSz="457200">
+              </a:defRPr>
+            </a:pPr>
+          </a:p>
+          <a:p>
+            <a:pPr marL="140367" indent="-140367" defTabSz="457200">
               <a:buSzPct val="100000"/>
               <a:buChar char="•"/>
               <a:defRPr>
                 <a:solidFill>
                   <a:srgbClr val="222222"/>
                 </a:solidFill>
-                <a:latin typeface="+mn-lt"/>
-                <a:ea typeface="+mn-ea"/>
-                <a:cs typeface="+mn-cs"/>
-                <a:sym typeface="Helvetica"/>
-              </a:defRPr>
-            </a:pPr>
-            <a:endParaRPr dirty="0"/>
-          </a:p>
-          <a:p>
-            <a:pPr marL="140368" indent="-140368" defTabSz="457200">
-              <a:buSzPct val="100000"/>
-              <a:buChar char="•"/>
-              <a:defRPr>
-                <a:solidFill>
-                  <a:srgbClr val="222222"/>
-                </a:solidFill>
-                <a:latin typeface="+mn-lt"/>
-                <a:ea typeface="+mn-ea"/>
-                <a:cs typeface="+mn-cs"/>
-                <a:sym typeface="Helvetica"/>
-              </a:defRPr>
-            </a:pPr>
-            <a:r>
-              <a:rPr dirty="0"/>
+              </a:defRPr>
+            </a:pPr>
+            <a:r>
               <a:t>Its operations and subsidiaries in Canada, the United Kingdom, Central America, South America and China are highly successful, whereas its ventures failed in Germany and South Korea</a:t>
             </a:r>
           </a:p>
@@ -3313,12 +3054,12 @@
   <p:clrMapOvr>
     <a:masterClrMapping/>
   </p:clrMapOvr>
-  <p:transition spd="med"/>
+  <p:transition xmlns:p14="http://schemas.microsoft.com/office/powerpoint/2010/main" spd="med" advClick="1"/>
 </p:sld>
 </file>
 
 <file path=ppt/slides/slide3.xml><?xml version="1.0" encoding="utf-8"?>
-<p:sld xmlns:a="http://schemas.openxmlformats.org/drawingml/2006/main" xmlns:r="http://schemas.openxmlformats.org/officeDocument/2006/relationships" xmlns:p="http://schemas.openxmlformats.org/presentationml/2006/main">
+<p:sld xmlns:a="http://schemas.openxmlformats.org/drawingml/2006/main" xmlns:r="http://schemas.openxmlformats.org/officeDocument/2006/relationships" xmlns:p="http://schemas.openxmlformats.org/presentationml/2006/main" xmlns:m="http://schemas.openxmlformats.org/officeDocument/2006/math" xmlns:a14="http://schemas.microsoft.com/office/drawing/2010/main" showMasterSp="1" showMasterPhAnim="1">
   <p:cSld>
     <p:spTree>
       <p:nvGrpSpPr>
@@ -3356,13 +3097,17 @@
           </a:ln>
         </p:spPr>
         <p:txBody>
-          <a:bodyPr lIns="45719" rIns="45719" anchor="ctr"/>
+          <a:bodyPr lIns="45718" tIns="45718" rIns="45718" bIns="45718" anchor="ctr"/>
           <a:lstStyle/>
           <a:p>
             <a:pPr>
-              <a:defRPr sz="1800"/>
-            </a:pPr>
-            <a:endParaRPr/>
+              <a:defRPr sz="1800">
+                <a:latin typeface="+mn-lt"/>
+                <a:ea typeface="+mn-ea"/>
+                <a:cs typeface="+mn-cs"/>
+                <a:sym typeface="Arial"/>
+              </a:defRPr>
+            </a:pPr>
           </a:p>
         </p:txBody>
       </p:sp>
@@ -3375,7 +3120,7 @@
         <p:spPr>
           <a:xfrm>
             <a:off x="2667000" y="1143000"/>
-            <a:ext cx="6477000" cy="447001"/>
+            <a:ext cx="6477000" cy="446999"/>
           </a:xfrm>
           <a:prstGeom prst="rect">
             <a:avLst/>
@@ -3385,7 +3130,7 @@
           </a:ln>
           <a:extLst>
             <a:ext uri="{C572A759-6A51-4108-AA02-DFA0A04FC94B}">
-              <ma14:wrappingTextBoxFlag xmlns:ma14="http://schemas.microsoft.com/office/mac/drawingml/2011/main" xmlns:a14="http://schemas.microsoft.com/office/drawing/2010/main" xmlns:m="http://schemas.openxmlformats.org/officeDocument/2006/math" xmlns="" val="1"/>
+              <ma14:wrappingTextBoxFlag xmlns:ma14="http://schemas.microsoft.com/office/mac/drawingml/2011/main" val="1"/>
             </a:ext>
           </a:extLst>
         </p:spPr>
@@ -3407,6 +3152,7 @@
             </a:lvl1pPr>
           </a:lstStyle>
           <a:p>
+            <a:pPr/>
             <a:r>
               <a:t>Why organisations should consider KM</a:t>
             </a:r>
@@ -3421,8 +3167,8 @@
         </p:nvSpPr>
         <p:spPr>
           <a:xfrm>
-            <a:off x="292963" y="2476083"/>
-            <a:ext cx="5064178" cy="2800767"/>
+            <a:off x="292962" y="2476083"/>
+            <a:ext cx="5064180" cy="2599392"/>
           </a:xfrm>
           <a:prstGeom prst="rect">
             <a:avLst/>
@@ -3432,118 +3178,162 @@
           </a:ln>
           <a:extLst>
             <a:ext uri="{C572A759-6A51-4108-AA02-DFA0A04FC94B}">
-              <ma14:wrappingTextBoxFlag xmlns:ma14="http://schemas.microsoft.com/office/mac/drawingml/2011/main" xmlns:a14="http://schemas.microsoft.com/office/drawing/2010/main" xmlns:m="http://schemas.openxmlformats.org/officeDocument/2006/math" xmlns="" val="1"/>
+              <ma14:wrappingTextBoxFlag xmlns:ma14="http://schemas.microsoft.com/office/mac/drawingml/2011/main" val="1"/>
             </a:ext>
           </a:extLst>
         </p:spPr>
         <p:txBody>
-          <a:bodyPr wrap="square" lIns="45719" rIns="45719">
+          <a:bodyPr lIns="45718" tIns="45718" rIns="45718" bIns="45718">
             <a:spAutoFit/>
           </a:bodyPr>
           <a:lstStyle/>
           <a:p>
-            <a:pPr marL="140368" indent="-140368">
+            <a:pPr marL="140367" indent="-140367">
               <a:buSzPct val="100000"/>
               <a:buChar char="•"/>
-              <a:defRPr sz="1600"/>
-            </a:pPr>
-            <a:r>
-              <a:rPr dirty="0"/>
+              <a:defRPr sz="1600">
+                <a:latin typeface="+mn-lt"/>
+                <a:ea typeface="+mn-ea"/>
+                <a:cs typeface="+mn-cs"/>
+                <a:sym typeface="Arial"/>
+              </a:defRPr>
+            </a:pPr>
+            <a:r>
               <a:t>Speed up access to information and knowledge</a:t>
             </a:r>
           </a:p>
           <a:p>
-            <a:pPr marL="140368" indent="-140368">
+            <a:pPr marL="140367" indent="-140367">
               <a:buSzPct val="100000"/>
               <a:buChar char="•"/>
-              <a:defRPr sz="1600"/>
-            </a:pPr>
-            <a:endParaRPr dirty="0"/>
-          </a:p>
-          <a:p>
-            <a:pPr marL="140368" indent="-140368">
+              <a:defRPr sz="1600">
+                <a:latin typeface="+mn-lt"/>
+                <a:ea typeface="+mn-ea"/>
+                <a:cs typeface="+mn-cs"/>
+                <a:sym typeface="Arial"/>
+              </a:defRPr>
+            </a:pPr>
+          </a:p>
+          <a:p>
+            <a:pPr marL="140367" indent="-140367">
               <a:buSzPct val="100000"/>
               <a:buChar char="•"/>
-              <a:defRPr sz="1600"/>
-            </a:pPr>
-            <a:r>
-              <a:rPr dirty="0"/>
+              <a:defRPr sz="1600">
+                <a:latin typeface="+mn-lt"/>
+                <a:ea typeface="+mn-ea"/>
+                <a:cs typeface="+mn-cs"/>
+                <a:sym typeface="Arial"/>
+              </a:defRPr>
+            </a:pPr>
+            <a:r>
               <a:t>Improve decision-making processes</a:t>
             </a:r>
           </a:p>
           <a:p>
-            <a:pPr marL="140368" indent="-140368">
+            <a:pPr marL="140367" indent="-140367">
               <a:buSzPct val="100000"/>
               <a:buChar char="•"/>
-              <a:defRPr sz="1600"/>
-            </a:pPr>
-            <a:endParaRPr dirty="0"/>
-          </a:p>
-          <a:p>
-            <a:pPr marL="140368" indent="-140368">
+              <a:defRPr sz="1600">
+                <a:latin typeface="+mn-lt"/>
+                <a:ea typeface="+mn-ea"/>
+                <a:cs typeface="+mn-cs"/>
+                <a:sym typeface="Arial"/>
+              </a:defRPr>
+            </a:pPr>
+          </a:p>
+          <a:p>
+            <a:pPr marL="140367" indent="-140367">
               <a:buSzPct val="100000"/>
               <a:buChar char="•"/>
-              <a:defRPr sz="1600"/>
-            </a:pPr>
-            <a:r>
-              <a:rPr dirty="0"/>
+              <a:defRPr sz="1600">
+                <a:latin typeface="+mn-lt"/>
+                <a:ea typeface="+mn-ea"/>
+                <a:cs typeface="+mn-cs"/>
+                <a:sym typeface="Arial"/>
+              </a:defRPr>
+            </a:pPr>
+            <a:r>
               <a:t>Promote innovation and cultural change</a:t>
             </a:r>
           </a:p>
           <a:p>
-            <a:pPr marL="140368" indent="-140368">
+            <a:pPr marL="140367" indent="-140367">
               <a:buSzPct val="100000"/>
               <a:buChar char="•"/>
-              <a:defRPr sz="1600"/>
-            </a:pPr>
-            <a:endParaRPr dirty="0"/>
-          </a:p>
-          <a:p>
-            <a:pPr marL="140368" indent="-140368">
+              <a:defRPr sz="1600">
+                <a:latin typeface="+mn-lt"/>
+                <a:ea typeface="+mn-ea"/>
+                <a:cs typeface="+mn-cs"/>
+                <a:sym typeface="Arial"/>
+              </a:defRPr>
+            </a:pPr>
+          </a:p>
+          <a:p>
+            <a:pPr marL="140367" indent="-140367">
               <a:buSzPct val="100000"/>
               <a:buChar char="•"/>
-              <a:defRPr sz="1600"/>
-            </a:pPr>
-            <a:r>
-              <a:rPr dirty="0"/>
+              <a:defRPr sz="1600">
+                <a:latin typeface="+mn-lt"/>
+                <a:ea typeface="+mn-ea"/>
+                <a:cs typeface="+mn-cs"/>
+                <a:sym typeface="Arial"/>
+              </a:defRPr>
+            </a:pPr>
+            <a:r>
               <a:t>Improve the efficiency of an organization’s operating</a:t>
             </a:r>
           </a:p>
           <a:p>
-            <a:pPr marL="140368" indent="-140368">
+            <a:pPr marL="140367" indent="-140367">
               <a:buSzPct val="100000"/>
               <a:buChar char="•"/>
-              <a:defRPr sz="1600"/>
-            </a:pPr>
-            <a:endParaRPr dirty="0"/>
-          </a:p>
-          <a:p>
-            <a:pPr marL="140368" indent="-140368">
+              <a:defRPr sz="1600">
+                <a:latin typeface="+mn-lt"/>
+                <a:ea typeface="+mn-ea"/>
+                <a:cs typeface="+mn-cs"/>
+                <a:sym typeface="Arial"/>
+              </a:defRPr>
+            </a:pPr>
+          </a:p>
+          <a:p>
+            <a:pPr marL="140367" indent="-140367">
               <a:buSzPct val="100000"/>
               <a:buChar char="•"/>
-              <a:defRPr sz="1600"/>
-            </a:pPr>
-            <a:r>
-              <a:rPr dirty="0"/>
+              <a:defRPr sz="1600">
+                <a:latin typeface="+mn-lt"/>
+                <a:ea typeface="+mn-ea"/>
+                <a:cs typeface="+mn-cs"/>
+                <a:sym typeface="Arial"/>
+              </a:defRPr>
+            </a:pPr>
+            <a:r>
               <a:t>units and business processes.</a:t>
             </a:r>
           </a:p>
           <a:p>
-            <a:pPr marL="140368" indent="-140368">
+            <a:pPr marL="140367" indent="-140367">
               <a:buSzPct val="100000"/>
               <a:buChar char="•"/>
-              <a:defRPr sz="1600"/>
-            </a:pPr>
-            <a:endParaRPr dirty="0"/>
-          </a:p>
-          <a:p>
-            <a:pPr marL="140368" indent="-140368">
+              <a:defRPr sz="1600">
+                <a:latin typeface="+mn-lt"/>
+                <a:ea typeface="+mn-ea"/>
+                <a:cs typeface="+mn-cs"/>
+                <a:sym typeface="Arial"/>
+              </a:defRPr>
+            </a:pPr>
+          </a:p>
+          <a:p>
+            <a:pPr marL="140367" indent="-140367">
               <a:buSzPct val="100000"/>
               <a:buChar char="•"/>
-              <a:defRPr sz="1600"/>
-            </a:pPr>
-            <a:r>
-              <a:rPr dirty="0"/>
+              <a:defRPr sz="1600">
+                <a:latin typeface="+mn-lt"/>
+                <a:ea typeface="+mn-ea"/>
+                <a:cs typeface="+mn-cs"/>
+                <a:sym typeface="Arial"/>
+              </a:defRPr>
+            </a:pPr>
+            <a:r>
               <a:t>Increase customer satisfaction.</a:t>
             </a:r>
           </a:p>
@@ -3554,12 +3344,12 @@
   <p:clrMapOvr>
     <a:masterClrMapping/>
   </p:clrMapOvr>
-  <p:transition spd="med"/>
+  <p:transition xmlns:p14="http://schemas.microsoft.com/office/powerpoint/2010/main" spd="med" advClick="1"/>
 </p:sld>
 </file>
 
 <file path=ppt/slides/slide4.xml><?xml version="1.0" encoding="utf-8"?>
-<p:sld xmlns:a="http://schemas.openxmlformats.org/drawingml/2006/main" xmlns:r="http://schemas.openxmlformats.org/officeDocument/2006/relationships" xmlns:p="http://schemas.openxmlformats.org/presentationml/2006/main">
+<p:sld xmlns:a="http://schemas.openxmlformats.org/drawingml/2006/main" xmlns:r="http://schemas.openxmlformats.org/officeDocument/2006/relationships" xmlns:p="http://schemas.openxmlformats.org/presentationml/2006/main" xmlns:m="http://schemas.openxmlformats.org/officeDocument/2006/math" xmlns:a14="http://schemas.microsoft.com/office/drawing/2010/main" showMasterSp="1" showMasterPhAnim="1">
   <p:cSld>
     <p:spTree>
       <p:nvGrpSpPr>
@@ -3597,13 +3387,17 @@
           </a:ln>
         </p:spPr>
         <p:txBody>
-          <a:bodyPr lIns="45719" rIns="45719" anchor="ctr"/>
+          <a:bodyPr lIns="45718" tIns="45718" rIns="45718" bIns="45718" anchor="ctr"/>
           <a:lstStyle/>
           <a:p>
             <a:pPr>
-              <a:defRPr sz="1800"/>
-            </a:pPr>
-            <a:endParaRPr/>
+              <a:defRPr sz="1800">
+                <a:latin typeface="+mn-lt"/>
+                <a:ea typeface="+mn-ea"/>
+                <a:cs typeface="+mn-cs"/>
+                <a:sym typeface="Arial"/>
+              </a:defRPr>
+            </a:pPr>
           </a:p>
         </p:txBody>
       </p:sp>
@@ -3616,7 +3410,7 @@
         <p:spPr>
           <a:xfrm>
             <a:off x="2667000" y="1152405"/>
-            <a:ext cx="6477000" cy="447001"/>
+            <a:ext cx="6477000" cy="446999"/>
           </a:xfrm>
           <a:prstGeom prst="rect">
             <a:avLst/>
@@ -3626,7 +3420,7 @@
           </a:ln>
           <a:extLst>
             <a:ext uri="{C572A759-6A51-4108-AA02-DFA0A04FC94B}">
-              <ma14:wrappingTextBoxFlag xmlns:ma14="http://schemas.microsoft.com/office/mac/drawingml/2011/main" xmlns:a14="http://schemas.microsoft.com/office/drawing/2010/main" xmlns:m="http://schemas.openxmlformats.org/officeDocument/2006/math" xmlns="" val="1"/>
+              <ma14:wrappingTextBoxFlag xmlns:ma14="http://schemas.microsoft.com/office/mac/drawingml/2011/main" val="1"/>
             </a:ext>
           </a:extLst>
         </p:spPr>
@@ -3648,8 +3442,8 @@
             </a:lvl1pPr>
           </a:lstStyle>
           <a:p>
-            <a:r>
-              <a:rPr dirty="0"/>
+            <a:pPr/>
+            <a:r>
               <a:t>Knowledge management</a:t>
             </a:r>
           </a:p>
@@ -3663,8 +3457,8 @@
         </p:nvSpPr>
         <p:spPr>
           <a:xfrm>
-            <a:off x="147218" y="1438553"/>
-            <a:ext cx="8336905" cy="5301580"/>
+            <a:off x="147217" y="1438554"/>
+            <a:ext cx="8336907" cy="5273108"/>
           </a:xfrm>
           <a:prstGeom prst="rect">
             <a:avLst/>
@@ -3674,17 +3468,17 @@
           </a:ln>
           <a:extLst>
             <a:ext uri="{C572A759-6A51-4108-AA02-DFA0A04FC94B}">
-              <ma14:wrappingTextBoxFlag xmlns:ma14="http://schemas.microsoft.com/office/mac/drawingml/2011/main" xmlns:a14="http://schemas.microsoft.com/office/drawing/2010/main" xmlns:m="http://schemas.openxmlformats.org/officeDocument/2006/math" xmlns="" val="1"/>
+              <ma14:wrappingTextBoxFlag xmlns:ma14="http://schemas.microsoft.com/office/mac/drawingml/2011/main" val="1"/>
             </a:ext>
           </a:extLst>
         </p:spPr>
         <p:txBody>
-          <a:bodyPr wrap="square" lIns="45719" rIns="45719">
+          <a:bodyPr lIns="45718" tIns="45718" rIns="45718" bIns="45718">
             <a:spAutoFit/>
           </a:bodyPr>
           <a:lstStyle/>
           <a:p>
-            <a:pPr marL="130342" indent="-130342" defTabSz="457200">
+            <a:pPr marL="130341" indent="-130341" defTabSz="457200">
               <a:lnSpc>
                 <a:spcPts val="3300"/>
               </a:lnSpc>
@@ -3701,12 +3495,11 @@
               </a:defRPr>
             </a:pPr>
             <a:r>
-              <a:rPr dirty="0"/>
               <a:t>Knowledge management system in Walmart indicates that the practices as well as strategies that are used by the company are to create and enable implementation of particular experiences.</a:t>
             </a:r>
           </a:p>
           <a:p>
-            <a:pPr marL="130342" indent="-130342" defTabSz="457200">
+            <a:pPr marL="130341" indent="-130341" defTabSz="457200">
               <a:lnSpc>
                 <a:spcPts val="3300"/>
               </a:lnSpc>
@@ -3723,12 +3516,11 @@
               </a:defRPr>
             </a:pPr>
             <a:r>
-              <a:rPr dirty="0"/>
               <a:t>It identified four different dimensions of the KMS. These dimensions include connectedness, perspective, congruency and completeness. </a:t>
             </a:r>
           </a:p>
           <a:p>
-            <a:pPr marL="130342" indent="-130342" defTabSz="457200">
+            <a:pPr marL="130341" indent="-130341" defTabSz="457200">
               <a:lnSpc>
                 <a:spcPts val="3300"/>
               </a:lnSpc>
@@ -3745,17 +3537,11 @@
               </a:defRPr>
             </a:pPr>
             <a:r>
-              <a:rPr dirty="0"/>
-              <a:t>It is identified that the gaps that occur within knowledge management might hinder in developing new goods and can create difficulty in making decision and solving any problem within the </a:t>
-            </a:r>
-            <a:r>
-              <a:rPr dirty="0" err="1"/>
-              <a:t>organisation</a:t>
-            </a:r>
-            <a:endParaRPr dirty="0"/>
-          </a:p>
-          <a:p>
-            <a:pPr marL="130342" indent="-130342" defTabSz="457200">
+              <a:t>It is identified that the gaps that occur within knowledge management might hinder in developing new goods and can create difficulty in making decision and solving any problem within the organisation</a:t>
+            </a:r>
+          </a:p>
+          <a:p>
+            <a:pPr marL="130341" indent="-130341" defTabSz="457200">
               <a:lnSpc>
                 <a:spcPts val="3300"/>
               </a:lnSpc>
@@ -3772,12 +3558,11 @@
               </a:defRPr>
             </a:pPr>
             <a:r>
-              <a:rPr dirty="0"/>
               <a:t>There are few models for decision making that facilitate in the knowledge management. This framework generally involves assessment and identification of alternatives by processing data as well as knowledge that is gathered until date.</a:t>
             </a:r>
           </a:p>
           <a:p>
-            <a:pPr marL="130342" indent="-130342" defTabSz="457200">
+            <a:pPr marL="130341" indent="-130341" defTabSz="457200">
               <a:lnSpc>
                 <a:spcPts val="3300"/>
               </a:lnSpc>
@@ -3794,16 +3579,7 @@
               </a:defRPr>
             </a:pPr>
             <a:r>
-              <a:rPr dirty="0"/>
-              <a:t>The </a:t>
-            </a:r>
-            <a:r>
-              <a:rPr dirty="0" err="1"/>
-              <a:t>organisations</a:t>
-            </a:r>
-            <a:r>
-              <a:rPr dirty="0"/>
-              <a:t> knowledge management integrates some vital issues that include formal apprenticeship, corporate libraries, professional training, discussion forums and mentoring </a:t>
+              <a:t>The organisations knowledge management integrates some vital issues that include formal apprenticeship, corporate libraries, professional training, discussion forums and mentoring </a:t>
             </a:r>
           </a:p>
         </p:txBody>
@@ -3813,12 +3589,12 @@
   <p:clrMapOvr>
     <a:masterClrMapping/>
   </p:clrMapOvr>
-  <p:transition spd="med"/>
+  <p:transition xmlns:p14="http://schemas.microsoft.com/office/powerpoint/2010/main" spd="med" advClick="1"/>
 </p:sld>
 </file>
 
 <file path=ppt/slides/slide5.xml><?xml version="1.0" encoding="utf-8"?>
-<p:sld xmlns:a="http://schemas.openxmlformats.org/drawingml/2006/main" xmlns:r="http://schemas.openxmlformats.org/officeDocument/2006/relationships" xmlns:p="http://schemas.openxmlformats.org/presentationml/2006/main">
+<p:sld xmlns:a="http://schemas.openxmlformats.org/drawingml/2006/main" xmlns:r="http://schemas.openxmlformats.org/officeDocument/2006/relationships" xmlns:p="http://schemas.openxmlformats.org/presentationml/2006/main" xmlns:m="http://schemas.openxmlformats.org/officeDocument/2006/math" xmlns:a14="http://schemas.microsoft.com/office/drawing/2010/main" showMasterSp="1" showMasterPhAnim="1">
   <p:cSld>
     <p:spTree>
       <p:nvGrpSpPr>
@@ -3856,13 +3632,17 @@
           </a:ln>
         </p:spPr>
         <p:txBody>
-          <a:bodyPr lIns="45719" rIns="45719" anchor="ctr"/>
+          <a:bodyPr lIns="45718" tIns="45718" rIns="45718" bIns="45718" anchor="ctr"/>
           <a:lstStyle/>
           <a:p>
             <a:pPr>
-              <a:defRPr sz="1800"/>
-            </a:pPr>
-            <a:endParaRPr/>
+              <a:defRPr sz="1800">
+                <a:latin typeface="+mn-lt"/>
+                <a:ea typeface="+mn-ea"/>
+                <a:cs typeface="+mn-cs"/>
+                <a:sym typeface="Arial"/>
+              </a:defRPr>
+            </a:pPr>
           </a:p>
         </p:txBody>
       </p:sp>
@@ -3875,7 +3655,7 @@
         <p:spPr>
           <a:xfrm>
             <a:off x="2667000" y="1036468"/>
-            <a:ext cx="6477000" cy="726401"/>
+            <a:ext cx="6477000" cy="558124"/>
           </a:xfrm>
           <a:prstGeom prst="rect">
             <a:avLst/>
@@ -3885,7 +3665,7 @@
           </a:ln>
           <a:extLst>
             <a:ext uri="{C572A759-6A51-4108-AA02-DFA0A04FC94B}">
-              <ma14:wrappingTextBoxFlag xmlns:ma14="http://schemas.microsoft.com/office/mac/drawingml/2011/main" xmlns:a14="http://schemas.microsoft.com/office/drawing/2010/main" xmlns:m="http://schemas.openxmlformats.org/officeDocument/2006/math" xmlns="" val="1"/>
+              <ma14:wrappingTextBoxFlag xmlns:ma14="http://schemas.microsoft.com/office/mac/drawingml/2011/main" val="1"/>
             </a:ext>
           </a:extLst>
         </p:spPr>
@@ -3902,38 +3682,36 @@
               <a:spcBef>
                 <a:spcPts val="1200"/>
               </a:spcBef>
-              <a:defRPr sz="1466">
+              <a:defRPr sz="1900">
                 <a:solidFill>
                   <a:srgbClr val="FF3411"/>
                 </a:solidFill>
-                <a:latin typeface="Times"/>
-                <a:ea typeface="Times"/>
-                <a:cs typeface="Times"/>
-                <a:sym typeface="Times"/>
-              </a:defRPr>
-            </a:pPr>
-            <a:r>
-              <a:rPr sz="1966" dirty="0"/>
+                <a:latin typeface="Times Roman"/>
+                <a:ea typeface="Times Roman"/>
+                <a:cs typeface="Times Roman"/>
+                <a:sym typeface="Times Roman"/>
+              </a:defRPr>
+            </a:pPr>
+            <a:r>
               <a:t>Importance of knowledge management at the Wal-Mart stores</a:t>
             </a:r>
             <a:r>
-              <a:rPr dirty="0"/>
+              <a:rPr sz="1400"/>
               <a:t> </a:t>
             </a:r>
-            <a:endParaRPr sz="1200" dirty="0"/>
           </a:p>
         </p:txBody>
       </p:sp>
       <p:sp>
         <p:nvSpPr>
-          <p:cNvPr id="45" name="The giant chain store has an overwhelmingly effective knowledge management program that has enabled it to retain its competitive advantage even at times of turbulent economic situations. The corporation’s goals are being achieved simultaneously by strictly adhering to business aims and balancing operations with the economic growth.…"/>
+          <p:cNvPr id="45" name="The giant chain store has an overwhelmingly effective knowledge management program that has enabled it to retain its competitive advantage even at times of turbulent economic situations. The corporation’s goals are being achieved simultaneously by strict"/>
           <p:cNvSpPr txBox="1"/>
           <p:nvPr/>
         </p:nvSpPr>
         <p:spPr>
           <a:xfrm>
-            <a:off x="159045" y="1762869"/>
-            <a:ext cx="8197581" cy="2834641"/>
+            <a:off x="159044" y="1762869"/>
+            <a:ext cx="8197583" cy="4300219"/>
           </a:xfrm>
           <a:prstGeom prst="rect">
             <a:avLst/>
@@ -3943,12 +3721,12 @@
           </a:ln>
           <a:extLst>
             <a:ext uri="{C572A759-6A51-4108-AA02-DFA0A04FC94B}">
-              <ma14:wrappingTextBoxFlag xmlns:ma14="http://schemas.microsoft.com/office/mac/drawingml/2011/main" xmlns:a14="http://schemas.microsoft.com/office/drawing/2010/main" xmlns:m="http://schemas.openxmlformats.org/officeDocument/2006/math" xmlns="" val="1"/>
+              <ma14:wrappingTextBoxFlag xmlns:ma14="http://schemas.microsoft.com/office/mac/drawingml/2011/main" val="1"/>
             </a:ext>
           </a:extLst>
         </p:spPr>
         <p:txBody>
-          <a:bodyPr lIns="45719" rIns="45719">
+          <a:bodyPr lIns="45718" tIns="45718" rIns="45718" bIns="45718">
             <a:spAutoFit/>
           </a:bodyPr>
           <a:lstStyle/>
@@ -3960,14 +3738,17 @@
               <a:spcBef>
                 <a:spcPts val="1200"/>
               </a:spcBef>
-              <a:defRPr sz="1466">
+              <a:defRPr>
                 <a:solidFill>
                   <a:srgbClr val="333333"/>
                 </a:solidFill>
-              </a:defRPr>
-            </a:pPr>
-            <a:r>
-              <a:rPr dirty="0"/>
+                <a:latin typeface="+mn-lt"/>
+                <a:ea typeface="+mn-ea"/>
+                <a:cs typeface="+mn-cs"/>
+                <a:sym typeface="Arial"/>
+              </a:defRPr>
+            </a:pPr>
+            <a:r>
               <a:t> The giant chain store has an overwhelmingly effective knowledge management program that has enabled it to retain its competitive advantage even at times of turbulent economic situations. The corporation’s goals are being achieved simultaneously by strictly adhering to business aims and balancing operations with the economic growth.</a:t>
             </a:r>
           </a:p>
@@ -3979,24 +3760,24 @@
               <a:spcBef>
                 <a:spcPts val="1200"/>
               </a:spcBef>
-              <a:defRPr sz="1466">
+              <a:defRPr>
                 <a:solidFill>
                   <a:srgbClr val="333333"/>
                 </a:solidFill>
-              </a:defRPr>
-            </a:pPr>
-            <a:r>
-              <a:rPr dirty="0"/>
+                <a:latin typeface="+mn-lt"/>
+                <a:ea typeface="+mn-ea"/>
+                <a:cs typeface="+mn-cs"/>
+                <a:sym typeface="Arial"/>
+              </a:defRPr>
+            </a:pPr>
+            <a:r>
               <a:t> Accordingly, economic gin as a result of positive knowledge management strategies is achieved throughout. The corporations’ knowledge management strategies have enabled it to focus its strategic business operations into cutting operational cots and building up a value for its shareholders. </a:t>
             </a:r>
-            <a:endParaRPr sz="1200" dirty="0">
-              <a:solidFill>
-                <a:srgbClr val="000000"/>
-              </a:solidFill>
-              <a:latin typeface="Times"/>
-              <a:ea typeface="Times"/>
-              <a:cs typeface="Times"/>
-              <a:sym typeface="Times"/>
+            <a:endParaRPr sz="1200">
+              <a:latin typeface="Times Roman"/>
+              <a:ea typeface="Times Roman"/>
+              <a:cs typeface="Times Roman"/>
+              <a:sym typeface="Times Roman"/>
             </a:endParaRPr>
           </a:p>
           <a:p>
@@ -4005,21 +3786,12 @@
                 <a:spcPts val="2800"/>
               </a:lnSpc>
               <a:defRPr sz="1200">
-                <a:latin typeface="Times"/>
-                <a:ea typeface="Times"/>
-                <a:cs typeface="Times"/>
-                <a:sym typeface="Times"/>
-              </a:defRPr>
-            </a:pPr>
-            <a:endParaRPr sz="1200" dirty="0">
-              <a:solidFill>
-                <a:srgbClr val="000000"/>
-              </a:solidFill>
-              <a:latin typeface="Times"/>
-              <a:ea typeface="Times"/>
-              <a:cs typeface="Times"/>
-              <a:sym typeface="Times"/>
-            </a:endParaRPr>
+                <a:latin typeface="Times Roman"/>
+                <a:ea typeface="Times Roman"/>
+                <a:cs typeface="Times Roman"/>
+                <a:sym typeface="Times Roman"/>
+              </a:defRPr>
+            </a:pPr>
           </a:p>
           <a:p>
             <a:pPr defTabSz="457200">
@@ -4027,43 +3799,12 @@
                 <a:spcPts val="2800"/>
               </a:lnSpc>
               <a:defRPr sz="1200">
-                <a:latin typeface="Times"/>
-                <a:ea typeface="Times"/>
-                <a:cs typeface="Times"/>
-                <a:sym typeface="Times"/>
-              </a:defRPr>
-            </a:pPr>
-            <a:endParaRPr sz="1200" dirty="0">
-              <a:solidFill>
-                <a:srgbClr val="000000"/>
-              </a:solidFill>
-              <a:latin typeface="Times"/>
-              <a:ea typeface="Times"/>
-              <a:cs typeface="Times"/>
-              <a:sym typeface="Times"/>
-            </a:endParaRPr>
-          </a:p>
-          <a:p>
-            <a:pPr defTabSz="457200">
-              <a:lnSpc>
-                <a:spcPts val="2800"/>
-              </a:lnSpc>
-              <a:defRPr sz="1200">
-                <a:latin typeface="Times"/>
-                <a:ea typeface="Times"/>
-                <a:cs typeface="Times"/>
-                <a:sym typeface="Times"/>
-              </a:defRPr>
-            </a:pPr>
-            <a:endParaRPr sz="1200" dirty="0">
-              <a:solidFill>
-                <a:srgbClr val="000000"/>
-              </a:solidFill>
-              <a:latin typeface="Times"/>
-              <a:ea typeface="Times"/>
-              <a:cs typeface="Times"/>
-              <a:sym typeface="Times"/>
-            </a:endParaRPr>
+                <a:latin typeface="Times Roman"/>
+                <a:ea typeface="Times Roman"/>
+                <a:cs typeface="Times Roman"/>
+                <a:sym typeface="Times Roman"/>
+              </a:defRPr>
+            </a:pPr>
           </a:p>
         </p:txBody>
       </p:sp>
@@ -4072,12 +3813,12 @@
   <p:clrMapOvr>
     <a:masterClrMapping/>
   </p:clrMapOvr>
-  <p:transition spd="med"/>
+  <p:transition xmlns:p14="http://schemas.microsoft.com/office/powerpoint/2010/main" spd="med" advClick="1"/>
 </p:sld>
 </file>
 
 <file path=ppt/slides/slide6.xml><?xml version="1.0" encoding="utf-8"?>
-<p:sld xmlns:a="http://schemas.openxmlformats.org/drawingml/2006/main" xmlns:r="http://schemas.openxmlformats.org/officeDocument/2006/relationships" xmlns:p="http://schemas.openxmlformats.org/presentationml/2006/main">
+<p:sld xmlns:a="http://schemas.openxmlformats.org/drawingml/2006/main" xmlns:r="http://schemas.openxmlformats.org/officeDocument/2006/relationships" xmlns:p="http://schemas.openxmlformats.org/presentationml/2006/main" xmlns:m="http://schemas.openxmlformats.org/officeDocument/2006/math" xmlns:a14="http://schemas.microsoft.com/office/drawing/2010/main" showMasterSp="1" showMasterPhAnim="1">
   <p:cSld>
     <p:spTree>
       <p:nvGrpSpPr>
@@ -4102,7 +3843,7 @@
         <p:spPr>
           <a:xfrm>
             <a:off x="834560" y="1276337"/>
-            <a:ext cx="8312868" cy="350663"/>
+            <a:ext cx="8312865" cy="350661"/>
           </a:xfrm>
           <a:prstGeom prst="rect">
             <a:avLst/>
@@ -4112,12 +3853,12 @@
           </a:ln>
           <a:extLst>
             <a:ext uri="{C572A759-6A51-4108-AA02-DFA0A04FC94B}">
-              <ma14:wrappingTextBoxFlag xmlns:ma14="http://schemas.microsoft.com/office/mac/drawingml/2011/main" xmlns:a14="http://schemas.microsoft.com/office/drawing/2010/main" xmlns:m="http://schemas.openxmlformats.org/officeDocument/2006/math" xmlns="" val="1"/>
+              <ma14:wrappingTextBoxFlag xmlns:ma14="http://schemas.microsoft.com/office/mac/drawingml/2011/main" val="1"/>
             </a:ext>
           </a:extLst>
         </p:spPr>
         <p:txBody>
-          <a:bodyPr wrap="none" lIns="45719" rIns="45719">
+          <a:bodyPr wrap="none" lIns="45718" tIns="45718" rIns="45718" bIns="45718">
             <a:spAutoFit/>
           </a:bodyPr>
           <a:lstStyle>
@@ -4126,10 +3867,15 @@
                 <a:solidFill>
                   <a:srgbClr val="FF2600"/>
                 </a:solidFill>
+                <a:latin typeface="+mn-lt"/>
+                <a:ea typeface="+mn-ea"/>
+                <a:cs typeface="+mn-cs"/>
+                <a:sym typeface="Arial"/>
               </a:defRPr>
             </a:lvl1pPr>
           </a:lstStyle>
           <a:p>
+            <a:pPr/>
             <a:r>
               <a:t>How the stores apply Knowledge Management in Human Resource Management</a:t>
             </a:r>
@@ -4144,8 +3890,8 @@
         </p:nvSpPr>
         <p:spPr>
           <a:xfrm>
-            <a:off x="275966" y="2270656"/>
-            <a:ext cx="8236390" cy="2117625"/>
+            <a:off x="275965" y="2270656"/>
+            <a:ext cx="8236392" cy="2117623"/>
           </a:xfrm>
           <a:prstGeom prst="rect">
             <a:avLst/>
@@ -4155,34 +3901,73 @@
           </a:ln>
           <a:extLst>
             <a:ext uri="{C572A759-6A51-4108-AA02-DFA0A04FC94B}">
-              <ma14:wrappingTextBoxFlag xmlns:ma14="http://schemas.microsoft.com/office/mac/drawingml/2011/main" xmlns:a14="http://schemas.microsoft.com/office/drawing/2010/main" xmlns:m="http://schemas.openxmlformats.org/officeDocument/2006/math" xmlns="" val="1"/>
+              <ma14:wrappingTextBoxFlag xmlns:ma14="http://schemas.microsoft.com/office/mac/drawingml/2011/main" val="1"/>
             </a:ext>
           </a:extLst>
         </p:spPr>
         <p:txBody>
-          <a:bodyPr lIns="45719" rIns="45719">
+          <a:bodyPr lIns="45718" tIns="45718" rIns="45718" bIns="45718">
             <a:spAutoFit/>
           </a:bodyPr>
           <a:lstStyle/>
           <a:p>
+            <a:pPr>
+              <a:defRPr>
+                <a:latin typeface="+mn-lt"/>
+                <a:ea typeface="+mn-ea"/>
+                <a:cs typeface="+mn-cs"/>
+                <a:sym typeface="Arial"/>
+              </a:defRPr>
+            </a:pPr>
             <a:r>
               <a:t>Human resource strategies refer to the ways in organizations and business firms select, recruit, train and nurture their workforces for effective performance and delivery of services. Different human</a:t>
             </a:r>
           </a:p>
           <a:p>
+            <a:pPr>
+              <a:defRPr>
+                <a:latin typeface="+mn-lt"/>
+                <a:ea typeface="+mn-ea"/>
+                <a:cs typeface="+mn-cs"/>
+                <a:sym typeface="Arial"/>
+              </a:defRPr>
+            </a:pPr>
             <a:r>
               <a:t>resource strategies are implemented by different organization and much as this would be different, they all achieve similar or almost same goals.</a:t>
             </a:r>
           </a:p>
           <a:p>
-            <a:endParaRPr/>
-          </a:p>
-          <a:p>
+            <a:pPr>
+              <a:defRPr>
+                <a:latin typeface="+mn-lt"/>
+                <a:ea typeface="+mn-ea"/>
+                <a:cs typeface="+mn-cs"/>
+                <a:sym typeface="Arial"/>
+              </a:defRPr>
+            </a:pPr>
+          </a:p>
+          <a:p>
+            <a:pPr>
+              <a:defRPr>
+                <a:latin typeface="+mn-lt"/>
+                <a:ea typeface="+mn-ea"/>
+                <a:cs typeface="+mn-cs"/>
+                <a:sym typeface="Arial"/>
+              </a:defRPr>
+            </a:pPr>
             <a:r>
               <a:t> </a:t>
             </a:r>
           </a:p>
           <a:p>
+            <a:pPr>
+              <a:defRPr>
+                <a:latin typeface="+mn-lt"/>
+                <a:ea typeface="+mn-ea"/>
+                <a:cs typeface="+mn-cs"/>
+                <a:sym typeface="Arial"/>
+              </a:defRPr>
+            </a:pPr>
             <a:r>
               <a:t>Effective human resource strategies have enabled Wal-Mart to implement policies for management of its vast human resource. The application of effective human resource management strategies in the company is not a new phenomenon and this has enabled it receive much recognition in the recent years all over the world.</a:t>
             </a:r>
@@ -4194,12 +3979,12 @@
   <p:clrMapOvr>
     <a:masterClrMapping/>
   </p:clrMapOvr>
-  <p:transition spd="med"/>
+  <p:transition xmlns:p14="http://schemas.microsoft.com/office/powerpoint/2010/main" spd="med" advClick="1"/>
 </p:sld>
 </file>
 
 <file path=ppt/slides/slide7.xml><?xml version="1.0" encoding="utf-8"?>
-<p:sld xmlns:a="http://schemas.openxmlformats.org/drawingml/2006/main" xmlns:r="http://schemas.openxmlformats.org/officeDocument/2006/relationships" xmlns:p="http://schemas.openxmlformats.org/presentationml/2006/main">
+<p:sld xmlns:a="http://schemas.openxmlformats.org/drawingml/2006/main" xmlns:r="http://schemas.openxmlformats.org/officeDocument/2006/relationships" xmlns:p="http://schemas.openxmlformats.org/presentationml/2006/main" xmlns:m="http://schemas.openxmlformats.org/officeDocument/2006/math" xmlns:a14="http://schemas.microsoft.com/office/drawing/2010/main" showMasterSp="1" showMasterPhAnim="1">
   <p:cSld>
     <p:spTree>
       <p:nvGrpSpPr>
@@ -4223,8 +4008,8 @@
         </p:nvSpPr>
         <p:spPr>
           <a:xfrm>
-            <a:off x="847424" y="1282480"/>
-            <a:ext cx="8256685" cy="338377"/>
+            <a:off x="847423" y="1282480"/>
+            <a:ext cx="8256684" cy="338376"/>
           </a:xfrm>
           <a:prstGeom prst="rect">
             <a:avLst/>
@@ -4234,12 +4019,12 @@
           </a:ln>
           <a:extLst>
             <a:ext uri="{C572A759-6A51-4108-AA02-DFA0A04FC94B}">
-              <ma14:wrappingTextBoxFlag xmlns:ma14="http://schemas.microsoft.com/office/mac/drawingml/2011/main" xmlns:a14="http://schemas.microsoft.com/office/drawing/2010/main" xmlns:m="http://schemas.openxmlformats.org/officeDocument/2006/math" xmlns="" val="1"/>
+              <ma14:wrappingTextBoxFlag xmlns:ma14="http://schemas.microsoft.com/office/mac/drawingml/2011/main" val="1"/>
             </a:ext>
           </a:extLst>
         </p:spPr>
         <p:txBody>
-          <a:bodyPr wrap="none" lIns="45719" rIns="45719">
+          <a:bodyPr wrap="none" lIns="45718" tIns="45718" rIns="45718" bIns="45718">
             <a:spAutoFit/>
           </a:bodyPr>
           <a:lstStyle>
@@ -4248,10 +4033,15 @@
                 <a:solidFill>
                   <a:srgbClr val="FF2600"/>
                 </a:solidFill>
+                <a:latin typeface="+mn-lt"/>
+                <a:ea typeface="+mn-ea"/>
+                <a:cs typeface="+mn-cs"/>
+                <a:sym typeface="Arial"/>
               </a:defRPr>
             </a:lvl1pPr>
           </a:lstStyle>
           <a:p>
+            <a:pPr/>
             <a:r>
               <a:t>Knowledge management with regard to communication and feedback at the Wal-Mart</a:t>
             </a:r>
@@ -4266,8 +4056,8 @@
         </p:nvSpPr>
         <p:spPr>
           <a:xfrm>
-            <a:off x="236676" y="2414686"/>
-            <a:ext cx="8040306" cy="1914424"/>
+            <a:off x="236675" y="2414686"/>
+            <a:ext cx="8040308" cy="1914423"/>
           </a:xfrm>
           <a:prstGeom prst="rect">
             <a:avLst/>
@@ -4277,32 +4067,70 @@
           </a:ln>
           <a:extLst>
             <a:ext uri="{C572A759-6A51-4108-AA02-DFA0A04FC94B}">
-              <ma14:wrappingTextBoxFlag xmlns:ma14="http://schemas.microsoft.com/office/mac/drawingml/2011/main" xmlns:a14="http://schemas.microsoft.com/office/drawing/2010/main" xmlns:m="http://schemas.openxmlformats.org/officeDocument/2006/math" xmlns="" val="1"/>
+              <ma14:wrappingTextBoxFlag xmlns:ma14="http://schemas.microsoft.com/office/mac/drawingml/2011/main" val="1"/>
             </a:ext>
           </a:extLst>
         </p:spPr>
         <p:txBody>
-          <a:bodyPr lIns="45719" rIns="45719">
+          <a:bodyPr lIns="45718" tIns="45718" rIns="45718" bIns="45718">
             <a:spAutoFit/>
           </a:bodyPr>
           <a:lstStyle/>
           <a:p>
+            <a:pPr>
+              <a:defRPr>
+                <a:latin typeface="+mn-lt"/>
+                <a:ea typeface="+mn-ea"/>
+                <a:cs typeface="+mn-cs"/>
+                <a:sym typeface="Arial"/>
+              </a:defRPr>
+            </a:pPr>
             <a:r>
               <a:t>At the Wal-Mart stores, knowledge management is made into use with regard to conflict</a:t>
             </a:r>
           </a:p>
           <a:p>
+            <a:pPr>
+              <a:defRPr>
+                <a:latin typeface="+mn-lt"/>
+                <a:ea typeface="+mn-ea"/>
+                <a:cs typeface="+mn-cs"/>
+                <a:sym typeface="Arial"/>
+              </a:defRPr>
+            </a:pPr>
             <a:r>
               <a:t>management and as such, a complex system of solving conflicts has been created. The company’s intellectual negotiation capability enables it to differentiate between principles and discover prone areas and discard them. </a:t>
             </a:r>
           </a:p>
           <a:p>
-            <a:endParaRPr/>
-          </a:p>
-          <a:p>
-            <a:endParaRPr/>
-          </a:p>
-          <a:p>
+            <a:pPr>
+              <a:defRPr>
+                <a:latin typeface="+mn-lt"/>
+                <a:ea typeface="+mn-ea"/>
+                <a:cs typeface="+mn-cs"/>
+                <a:sym typeface="Arial"/>
+              </a:defRPr>
+            </a:pPr>
+          </a:p>
+          <a:p>
+            <a:pPr>
+              <a:defRPr>
+                <a:latin typeface="+mn-lt"/>
+                <a:ea typeface="+mn-ea"/>
+                <a:cs typeface="+mn-cs"/>
+                <a:sym typeface="Arial"/>
+              </a:defRPr>
+            </a:pPr>
+          </a:p>
+          <a:p>
+            <a:pPr>
+              <a:defRPr>
+                <a:latin typeface="+mn-lt"/>
+                <a:ea typeface="+mn-ea"/>
+                <a:cs typeface="+mn-cs"/>
+                <a:sym typeface="Arial"/>
+              </a:defRPr>
+            </a:pPr>
             <a:r>
               <a:t>Ascending principles and self-esteem are two key issues that have been addressed appropriately through subjective application of knowledge management in enhancing effective communication in company (Zetie, 2003)</a:t>
             </a:r>
@@ -4314,12 +4142,12 @@
   <p:clrMapOvr>
     <a:masterClrMapping/>
   </p:clrMapOvr>
-  <p:transition spd="med"/>
+  <p:transition xmlns:p14="http://schemas.microsoft.com/office/powerpoint/2010/main" spd="med" advClick="1"/>
 </p:sld>
 </file>
 
 <file path=ppt/slides/slide8.xml><?xml version="1.0" encoding="utf-8"?>
-<p:sld xmlns:a="http://schemas.openxmlformats.org/drawingml/2006/main" xmlns:r="http://schemas.openxmlformats.org/officeDocument/2006/relationships" xmlns:p="http://schemas.openxmlformats.org/presentationml/2006/main">
+<p:sld xmlns:a="http://schemas.openxmlformats.org/drawingml/2006/main" xmlns:r="http://schemas.openxmlformats.org/officeDocument/2006/relationships" xmlns:p="http://schemas.openxmlformats.org/presentationml/2006/main" xmlns:m="http://schemas.openxmlformats.org/officeDocument/2006/math" xmlns:a14="http://schemas.microsoft.com/office/drawing/2010/main" showMasterSp="1" showMasterPhAnim="1">
   <p:cSld>
     <p:spTree>
       <p:nvGrpSpPr>
@@ -4344,7 +4172,7 @@
         <p:spPr>
           <a:xfrm>
             <a:off x="5619191" y="1307256"/>
-            <a:ext cx="3350027" cy="362947"/>
+            <a:ext cx="3350024" cy="362945"/>
           </a:xfrm>
           <a:prstGeom prst="rect">
             <a:avLst/>
@@ -4354,12 +4182,12 @@
           </a:ln>
           <a:extLst>
             <a:ext uri="{C572A759-6A51-4108-AA02-DFA0A04FC94B}">
-              <ma14:wrappingTextBoxFlag xmlns:ma14="http://schemas.microsoft.com/office/mac/drawingml/2011/main" xmlns:a14="http://schemas.microsoft.com/office/drawing/2010/main" xmlns:m="http://schemas.openxmlformats.org/officeDocument/2006/math" xmlns="" val="1"/>
+              <ma14:wrappingTextBoxFlag xmlns:ma14="http://schemas.microsoft.com/office/mac/drawingml/2011/main" val="1"/>
             </a:ext>
           </a:extLst>
         </p:spPr>
         <p:txBody>
-          <a:bodyPr wrap="none" lIns="45719" rIns="45719">
+          <a:bodyPr wrap="none" lIns="45718" tIns="45718" rIns="45718" bIns="45718">
             <a:spAutoFit/>
           </a:bodyPr>
           <a:lstStyle>
@@ -4368,10 +4196,15 @@
                 <a:solidFill>
                   <a:srgbClr val="FF2600"/>
                 </a:solidFill>
+                <a:latin typeface="+mn-lt"/>
+                <a:ea typeface="+mn-ea"/>
+                <a:cs typeface="+mn-cs"/>
+                <a:sym typeface="Arial"/>
               </a:defRPr>
             </a:lvl1pPr>
           </a:lstStyle>
           <a:p>
+            <a:pPr/>
             <a:r>
               <a:t>Technology-push model of KM</a:t>
             </a:r>
@@ -4387,15 +4220,17 @@
           <p:nvPr/>
         </p:nvPicPr>
         <p:blipFill>
-          <a:blip r:embed="rId2"/>
+          <a:blip r:embed="rId2">
+            <a:extLst/>
+          </a:blip>
           <a:stretch>
             <a:fillRect/>
           </a:stretch>
         </p:blipFill>
         <p:spPr>
           <a:xfrm>
-            <a:off x="230820" y="2244534"/>
-            <a:ext cx="7191660" cy="3747767"/>
+            <a:off x="230819" y="2244533"/>
+            <a:ext cx="7191662" cy="3747768"/>
           </a:xfrm>
           <a:prstGeom prst="rect">
             <a:avLst/>
@@ -4410,12 +4245,12 @@
   <p:clrMapOvr>
     <a:masterClrMapping/>
   </p:clrMapOvr>
-  <p:transition spd="med"/>
+  <p:transition xmlns:p14="http://schemas.microsoft.com/office/powerpoint/2010/main" spd="med" advClick="1"/>
 </p:sld>
 </file>
 
 <file path=ppt/slides/slide9.xml><?xml version="1.0" encoding="utf-8"?>
-<p:sld xmlns:a="http://schemas.openxmlformats.org/drawingml/2006/main" xmlns:r="http://schemas.openxmlformats.org/officeDocument/2006/relationships" xmlns:p="http://schemas.openxmlformats.org/presentationml/2006/main">
+<p:sld xmlns:a="http://schemas.openxmlformats.org/drawingml/2006/main" xmlns:r="http://schemas.openxmlformats.org/officeDocument/2006/relationships" xmlns:p="http://schemas.openxmlformats.org/presentationml/2006/main" xmlns:m="http://schemas.openxmlformats.org/officeDocument/2006/math" xmlns:a14="http://schemas.microsoft.com/office/drawing/2010/main" showMasterSp="1" showMasterPhAnim="1">
   <p:cSld>
     <p:spTree>
       <p:nvGrpSpPr>
@@ -4439,8 +4274,8 @@
         </p:nvSpPr>
         <p:spPr>
           <a:xfrm>
-            <a:off x="5559657" y="1270195"/>
-            <a:ext cx="3350027" cy="362947"/>
+            <a:off x="5559657" y="1270196"/>
+            <a:ext cx="3350024" cy="362944"/>
           </a:xfrm>
           <a:prstGeom prst="rect">
             <a:avLst/>
@@ -4450,12 +4285,12 @@
           </a:ln>
           <a:extLst>
             <a:ext uri="{C572A759-6A51-4108-AA02-DFA0A04FC94B}">
-              <ma14:wrappingTextBoxFlag xmlns:ma14="http://schemas.microsoft.com/office/mac/drawingml/2011/main" xmlns:a14="http://schemas.microsoft.com/office/drawing/2010/main" xmlns:m="http://schemas.openxmlformats.org/officeDocument/2006/math" xmlns="" val="1"/>
+              <ma14:wrappingTextBoxFlag xmlns:ma14="http://schemas.microsoft.com/office/mac/drawingml/2011/main" val="1"/>
             </a:ext>
           </a:extLst>
         </p:spPr>
         <p:txBody>
-          <a:bodyPr wrap="none" lIns="45719" rIns="45719">
+          <a:bodyPr wrap="none" lIns="45718" tIns="45718" rIns="45718" bIns="45718">
             <a:spAutoFit/>
           </a:bodyPr>
           <a:lstStyle>
@@ -4464,10 +4299,15 @@
                 <a:solidFill>
                   <a:srgbClr val="FF2600"/>
                 </a:solidFill>
+                <a:latin typeface="+mn-lt"/>
+                <a:ea typeface="+mn-ea"/>
+                <a:cs typeface="+mn-cs"/>
+                <a:sym typeface="Arial"/>
               </a:defRPr>
             </a:lvl1pPr>
           </a:lstStyle>
           <a:p>
+            <a:pPr/>
             <a:r>
               <a:t>Technology-push model of KM</a:t>
             </a:r>
@@ -4483,7 +4323,7 @@
         <p:spPr>
           <a:xfrm>
             <a:off x="118699" y="1336199"/>
-            <a:ext cx="8118221" cy="5437194"/>
+            <a:ext cx="8118221" cy="5402939"/>
           </a:xfrm>
           <a:prstGeom prst="rect">
             <a:avLst/>
@@ -4493,17 +4333,17 @@
           </a:ln>
           <a:extLst>
             <a:ext uri="{C572A759-6A51-4108-AA02-DFA0A04FC94B}">
-              <ma14:wrappingTextBoxFlag xmlns:ma14="http://schemas.microsoft.com/office/mac/drawingml/2011/main" xmlns:a14="http://schemas.microsoft.com/office/drawing/2010/main" xmlns:m="http://schemas.openxmlformats.org/officeDocument/2006/math" xmlns="" val="1"/>
+              <ma14:wrappingTextBoxFlag xmlns:ma14="http://schemas.microsoft.com/office/mac/drawingml/2011/main" val="1"/>
             </a:ext>
           </a:extLst>
         </p:spPr>
         <p:txBody>
-          <a:bodyPr wrap="square" lIns="45719" rIns="45719">
+          <a:bodyPr lIns="45718" tIns="45718" rIns="45718" bIns="45718">
             <a:spAutoFit/>
           </a:bodyPr>
           <a:lstStyle/>
           <a:p>
-            <a:pPr marL="140368" indent="-140368" defTabSz="457200">
+            <a:pPr marL="140367" indent="-140367" defTabSz="457200">
               <a:lnSpc>
                 <a:spcPts val="3400"/>
               </a:lnSpc>
@@ -4520,12 +4360,11 @@
               </a:defRPr>
             </a:pPr>
             <a:r>
-              <a:rPr dirty="0"/>
               <a:t>This framework generally serves the requirements of organizational performance given proper information and lesser types of systems within particular business environment. </a:t>
             </a:r>
           </a:p>
           <a:p>
-            <a:pPr marL="140368" indent="-140368" defTabSz="457200">
+            <a:pPr marL="140367" indent="-140367" defTabSz="457200">
               <a:lnSpc>
                 <a:spcPts val="3400"/>
               </a:lnSpc>
@@ -4542,12 +4381,11 @@
               </a:defRPr>
             </a:pPr>
             <a:r>
-              <a:rPr dirty="0"/>
               <a:t>Therefore, with unprecedented increase in information, huge variety of new technologies and rapidly changing business environment, this particular framework has outlived utility.</a:t>
             </a:r>
           </a:p>
           <a:p>
-            <a:pPr marL="140368" indent="-140368" defTabSz="457200">
+            <a:pPr marL="140367" indent="-140367" defTabSz="457200">
               <a:lnSpc>
                 <a:spcPts val="3400"/>
               </a:lnSpc>
@@ -4564,11 +4402,10 @@
               </a:defRPr>
             </a:pPr>
             <a:r>
-              <a:rPr dirty="0"/>
               <a:t> This framework is specially attributable for inputs as well as processing drives the adoption of KM with greater emphasis on the information and business decisions (</a:t>
             </a:r>
             <a:r>
-              <a:rPr dirty="0">
+              <a:rPr>
                 <a:solidFill>
                   <a:srgbClr val="222222"/>
                 </a:solidFill>
@@ -4576,12 +4413,11 @@
               <a:t>Wang and Wang 2012)</a:t>
             </a:r>
             <a:r>
-              <a:rPr dirty="0"/>
               <a:t>.</a:t>
             </a:r>
           </a:p>
           <a:p>
-            <a:pPr marL="140368" indent="-140368" defTabSz="457200">
+            <a:pPr marL="140367" indent="-140367" defTabSz="457200">
               <a:lnSpc>
                 <a:spcPts val="3400"/>
               </a:lnSpc>
@@ -4598,20 +4434,11 @@
               </a:defRPr>
             </a:pPr>
             <a:r>
-              <a:rPr dirty="0"/>
-              <a:t> It mainly relies upon only one loop automated, automatic and pre-program response for receiving stimulus. </a:t>
-            </a:r>
-            <a:r>
-              <a:rPr dirty="0" err="1"/>
-              <a:t>Wal-mart</a:t>
-            </a:r>
-            <a:r>
-              <a:rPr dirty="0"/>
-              <a:t> applies this model for enhancing the processes of creating knowledge, transfer, retrieval and application. </a:t>
-            </a:r>
-          </a:p>
-          <a:p>
-            <a:pPr marL="140368" indent="-140368" defTabSz="457200">
+              <a:t> It mainly relies upon only one loop automated, automatic and pre-program response for receiving stimulus. Wal-mart applies this model for enhancing the processes of creating knowledge, transfer, retrieval and application. </a:t>
+            </a:r>
+          </a:p>
+          <a:p>
+            <a:pPr marL="140367" indent="-140367" defTabSz="457200">
               <a:lnSpc>
                 <a:spcPts val="3400"/>
               </a:lnSpc>
@@ -4628,7 +4455,6 @@
               </a:defRPr>
             </a:pPr>
             <a:r>
-              <a:rPr dirty="0"/>
               <a:t>The integration of this type of technology facilitates them in communicating with their customer and employee. Moreover, it also enhances the efficiency of the employees, which in increases overall productivity. </a:t>
             </a:r>
           </a:p>
@@ -4639,12 +4465,12 @@
   <p:clrMapOvr>
     <a:masterClrMapping/>
   </p:clrMapOvr>
-  <p:transition spd="med"/>
+  <p:transition xmlns:p14="http://schemas.microsoft.com/office/powerpoint/2010/main" spd="med" advClick="1"/>
 </p:sld>
 </file>
 
 <file path=ppt/theme/theme1.xml><?xml version="1.0" encoding="utf-8"?>
-<a:theme xmlns:a="http://schemas.openxmlformats.org/drawingml/2006/main" name="Default Design">
+<a:theme xmlns:a="http://schemas.openxmlformats.org/drawingml/2006/main" xmlns:r="http://schemas.openxmlformats.org/officeDocument/2006/relationships" name="Default Design">
   <a:themeElements>
     <a:clrScheme name="Default Design">
       <a:dk1>
@@ -4686,14 +4512,14 @@
     </a:clrScheme>
     <a:fontScheme name="Default Design">
       <a:majorFont>
+        <a:latin typeface="Helvetica"/>
+        <a:ea typeface="Helvetica"/>
+        <a:cs typeface="Helvetica"/>
+      </a:majorFont>
+      <a:minorFont>
         <a:latin typeface="Arial"/>
         <a:ea typeface="Arial"/>
         <a:cs typeface="Arial"/>
-      </a:majorFont>
-      <a:minorFont>
-        <a:latin typeface="Helvetica"/>
-        <a:ea typeface="Helvetica"/>
-        <a:cs typeface="Helvetica"/>
       </a:minorFont>
     </a:fontScheme>
     <a:fmtScheme name="Default Design">
@@ -4770,7 +4596,7 @@
       <a:effectStyleLst>
         <a:effectStyle>
           <a:effectLst>
-            <a:outerShdw blurRad="38100" dist="23000" dir="5400000" rotWithShape="0">
+            <a:outerShdw sx="100000" sy="100000" kx="0" ky="0" algn="b" rotWithShape="0" blurRad="38100" dist="23000" dir="5400000">
               <a:srgbClr val="000000">
                 <a:alpha val="35000"/>
               </a:srgbClr>
@@ -4779,7 +4605,7 @@
         </a:effectStyle>
         <a:effectStyle>
           <a:effectLst>
-            <a:outerShdw blurRad="38100" dist="23000" dir="5400000" rotWithShape="0">
+            <a:outerShdw sx="100000" sy="100000" kx="0" ky="0" algn="b" rotWithShape="0" blurRad="38100" dist="23000" dir="5400000">
               <a:srgbClr val="000000">
                 <a:alpha val="35000"/>
               </a:srgbClr>
@@ -4788,9 +4614,9 @@
         </a:effectStyle>
         <a:effectStyle>
           <a:effectLst>
-            <a:outerShdw blurRad="38100" dist="20000" dir="5400000" rotWithShape="0">
+            <a:outerShdw sx="100000" sy="100000" kx="0" ky="0" algn="b" rotWithShape="0" blurRad="38100" dist="23000" dir="5400000">
               <a:srgbClr val="000000">
-                <a:alpha val="38000"/>
+                <a:alpha val="35000"/>
               </a:srgbClr>
             </a:outerShdw>
           </a:effectLst>
@@ -4852,9 +4678,7 @@
     <a:spDef>
       <a:spPr>
         <a:solidFill>
-          <a:schemeClr val="accent3">
-            <a:lumOff val="44000"/>
-          </a:schemeClr>
+          <a:srgbClr val="FFFFFF"/>
         </a:solidFill>
         <a:ln w="25400" cap="flat">
           <a:solidFill>
@@ -4864,7 +4688,7 @@
           <a:round/>
         </a:ln>
         <a:effectLst>
-          <a:outerShdw blurRad="38100" dist="23000" dir="5400000" rotWithShape="0">
+          <a:outerShdw sx="100000" sy="100000" kx="0" ky="0" algn="b" rotWithShape="0" blurRad="38100" dist="23000" dir="5400000">
             <a:srgbClr val="000000">
               <a:alpha val="35000"/>
             </a:srgbClr>
@@ -4872,7 +4696,7 @@
         </a:effectLst>
         <a:sp3d/>
       </a:spPr>
-      <a:bodyPr rot="0" spcFirstLastPara="1" vertOverflow="overflow" horzOverflow="overflow" vert="horz" wrap="square" lIns="45719" tIns="45719" rIns="45719" bIns="45719" numCol="1" spcCol="38100" rtlCol="0" anchor="ctr">
+      <a:bodyPr rot="0" spcFirstLastPara="1" vertOverflow="overflow" horzOverflow="overflow" vert="horz" wrap="square" lIns="45718" tIns="45718" rIns="45718" bIns="45718" numCol="1" spcCol="38100" rtlCol="0" anchor="ctr" upright="0">
         <a:spAutoFit/>
       </a:bodyPr>
       <a:lstStyle>
@@ -4891,7 +4715,7 @@
           <a:buFontTx/>
           <a:buNone/>
           <a:tabLst/>
-          <a:defRPr kumimoji="0" sz="1400" b="0" i="0" u="none" strike="noStrike" cap="none" spc="0" normalizeH="0" baseline="0">
+          <a:defRPr b="0" baseline="0" cap="none" i="0" spc="0" strike="noStrike" sz="1400" u="none" kumimoji="0" normalizeH="0">
             <a:ln>
               <a:noFill/>
             </a:ln>
@@ -4903,7 +4727,7 @@
             <a:latin typeface="+mj-lt"/>
             <a:ea typeface="+mj-ea"/>
             <a:cs typeface="+mj-cs"/>
-            <a:sym typeface="Arial"/>
+            <a:sym typeface="Helvetica"/>
           </a:defRPr>
         </a:defPPr>
         <a:lvl1pPr marL="0" marR="0" indent="0" algn="l" defTabSz="914400" rtl="0" fontAlgn="auto" latinLnBrk="1" hangingPunct="0">
@@ -4921,7 +4745,7 @@
           <a:buFontTx/>
           <a:buNone/>
           <a:tabLst/>
-          <a:defRPr kumimoji="0" sz="1800" b="0" i="0" u="none" strike="noStrike" cap="none" spc="0" normalizeH="0" baseline="0">
+          <a:defRPr b="0" baseline="0" cap="none" i="0" spc="0" strike="noStrike" sz="1800" u="none" kumimoji="0" normalizeH="0">
             <a:ln>
               <a:noFill/>
             </a:ln>
@@ -4947,7 +4771,7 @@
           <a:buFontTx/>
           <a:buNone/>
           <a:tabLst/>
-          <a:defRPr kumimoji="0" sz="1800" b="0" i="0" u="none" strike="noStrike" cap="none" spc="0" normalizeH="0" baseline="0">
+          <a:defRPr b="0" baseline="0" cap="none" i="0" spc="0" strike="noStrike" sz="1800" u="none" kumimoji="0" normalizeH="0">
             <a:ln>
               <a:noFill/>
             </a:ln>
@@ -4973,7 +4797,7 @@
           <a:buFontTx/>
           <a:buNone/>
           <a:tabLst/>
-          <a:defRPr kumimoji="0" sz="1800" b="0" i="0" u="none" strike="noStrike" cap="none" spc="0" normalizeH="0" baseline="0">
+          <a:defRPr b="0" baseline="0" cap="none" i="0" spc="0" strike="noStrike" sz="1800" u="none" kumimoji="0" normalizeH="0">
             <a:ln>
               <a:noFill/>
             </a:ln>
@@ -4999,7 +4823,7 @@
           <a:buFontTx/>
           <a:buNone/>
           <a:tabLst/>
-          <a:defRPr kumimoji="0" sz="1800" b="0" i="0" u="none" strike="noStrike" cap="none" spc="0" normalizeH="0" baseline="0">
+          <a:defRPr b="0" baseline="0" cap="none" i="0" spc="0" strike="noStrike" sz="1800" u="none" kumimoji="0" normalizeH="0">
             <a:ln>
               <a:noFill/>
             </a:ln>
@@ -5025,7 +4849,7 @@
           <a:buFontTx/>
           <a:buNone/>
           <a:tabLst/>
-          <a:defRPr kumimoji="0" sz="1800" b="0" i="0" u="none" strike="noStrike" cap="none" spc="0" normalizeH="0" baseline="0">
+          <a:defRPr b="0" baseline="0" cap="none" i="0" spc="0" strike="noStrike" sz="1800" u="none" kumimoji="0" normalizeH="0">
             <a:ln>
               <a:noFill/>
             </a:ln>
@@ -5051,7 +4875,7 @@
           <a:buFontTx/>
           <a:buNone/>
           <a:tabLst/>
-          <a:defRPr kumimoji="0" sz="1800" b="0" i="0" u="none" strike="noStrike" cap="none" spc="0" normalizeH="0" baseline="0">
+          <a:defRPr b="0" baseline="0" cap="none" i="0" spc="0" strike="noStrike" sz="1800" u="none" kumimoji="0" normalizeH="0">
             <a:ln>
               <a:noFill/>
             </a:ln>
@@ -5077,7 +4901,7 @@
           <a:buFontTx/>
           <a:buNone/>
           <a:tabLst/>
-          <a:defRPr kumimoji="0" sz="1800" b="0" i="0" u="none" strike="noStrike" cap="none" spc="0" normalizeH="0" baseline="0">
+          <a:defRPr b="0" baseline="0" cap="none" i="0" spc="0" strike="noStrike" sz="1800" u="none" kumimoji="0" normalizeH="0">
             <a:ln>
               <a:noFill/>
             </a:ln>
@@ -5103,7 +4927,7 @@
           <a:buFontTx/>
           <a:buNone/>
           <a:tabLst/>
-          <a:defRPr kumimoji="0" sz="1800" b="0" i="0" u="none" strike="noStrike" cap="none" spc="0" normalizeH="0" baseline="0">
+          <a:defRPr b="0" baseline="0" cap="none" i="0" spc="0" strike="noStrike" sz="1800" u="none" kumimoji="0" normalizeH="0">
             <a:ln>
               <a:noFill/>
             </a:ln>
@@ -5129,7 +4953,7 @@
           <a:buFontTx/>
           <a:buNone/>
           <a:tabLst/>
-          <a:defRPr kumimoji="0" sz="1800" b="0" i="0" u="none" strike="noStrike" cap="none" spc="0" normalizeH="0" baseline="0">
+          <a:defRPr b="0" baseline="0" cap="none" i="0" spc="0" strike="noStrike" sz="1800" u="none" kumimoji="0" normalizeH="0">
             <a:ln>
               <a:noFill/>
             </a:ln>
@@ -5142,15 +4966,9 @@
         </a:lvl9pPr>
       </a:lstStyle>
       <a:style>
-        <a:lnRef idx="0">
-          <a:scrgbClr r="0" g="0" b="0"/>
-        </a:lnRef>
-        <a:fillRef idx="0">
-          <a:scrgbClr r="0" g="0" b="0"/>
-        </a:fillRef>
-        <a:effectRef idx="0">
-          <a:scrgbClr r="0" g="0" b="0"/>
-        </a:effectRef>
+        <a:lnRef idx="0"/>
+        <a:fillRef idx="0"/>
+        <a:effectRef idx="0"/>
         <a:fontRef idx="none"/>
       </a:style>
     </a:spDef>
@@ -5165,15 +4983,15 @@
           <a:round/>
         </a:ln>
         <a:effectLst>
-          <a:outerShdw blurRad="38100" dist="20000" dir="5400000" rotWithShape="0">
+          <a:outerShdw sx="100000" sy="100000" kx="0" ky="0" algn="b" rotWithShape="0" blurRad="38100" dist="23000" dir="5400000">
             <a:srgbClr val="000000">
-              <a:alpha val="38000"/>
+              <a:alpha val="35000"/>
             </a:srgbClr>
           </a:outerShdw>
         </a:effectLst>
         <a:sp3d/>
       </a:spPr>
-      <a:bodyPr rot="0" spcFirstLastPara="1" vertOverflow="overflow" horzOverflow="overflow" vert="horz" wrap="square" lIns="91439" tIns="45719" rIns="91439" bIns="45719" numCol="1" spcCol="38100" rtlCol="0" anchor="t">
+      <a:bodyPr rot="0" spcFirstLastPara="1" vertOverflow="overflow" horzOverflow="overflow" vert="horz" wrap="square" lIns="91439" tIns="45719" rIns="91439" bIns="45719" numCol="1" spcCol="38100" rtlCol="0" anchor="t" upright="0">
         <a:noAutofit/>
       </a:bodyPr>
       <a:lstStyle>
@@ -5192,7 +5010,7 @@
           <a:buFontTx/>
           <a:buNone/>
           <a:tabLst/>
-          <a:defRPr kumimoji="0" sz="1800" b="0" i="0" u="none" strike="noStrike" cap="none" spc="0" normalizeH="0" baseline="0">
+          <a:defRPr b="0" baseline="0" cap="none" i="0" spc="0" strike="noStrike" sz="1800" u="none" kumimoji="0" normalizeH="0">
             <a:ln>
               <a:noFill/>
             </a:ln>
@@ -5218,7 +5036,7 @@
           <a:buFontTx/>
           <a:buNone/>
           <a:tabLst/>
-          <a:defRPr kumimoji="0" sz="1800" b="0" i="0" u="none" strike="noStrike" cap="none" spc="0" normalizeH="0" baseline="0">
+          <a:defRPr b="0" baseline="0" cap="none" i="0" spc="0" strike="noStrike" sz="1800" u="none" kumimoji="0" normalizeH="0">
             <a:ln>
               <a:noFill/>
             </a:ln>
@@ -5244,7 +5062,7 @@
           <a:buFontTx/>
           <a:buNone/>
           <a:tabLst/>
-          <a:defRPr kumimoji="0" sz="1800" b="0" i="0" u="none" strike="noStrike" cap="none" spc="0" normalizeH="0" baseline="0">
+          <a:defRPr b="0" baseline="0" cap="none" i="0" spc="0" strike="noStrike" sz="1800" u="none" kumimoji="0" normalizeH="0">
             <a:ln>
               <a:noFill/>
             </a:ln>
@@ -5270,7 +5088,7 @@
           <a:buFontTx/>
           <a:buNone/>
           <a:tabLst/>
-          <a:defRPr kumimoji="0" sz="1800" b="0" i="0" u="none" strike="noStrike" cap="none" spc="0" normalizeH="0" baseline="0">
+          <a:defRPr b="0" baseline="0" cap="none" i="0" spc="0" strike="noStrike" sz="1800" u="none" kumimoji="0" normalizeH="0">
             <a:ln>
               <a:noFill/>
             </a:ln>
@@ -5296,7 +5114,7 @@
           <a:buFontTx/>
           <a:buNone/>
           <a:tabLst/>
-          <a:defRPr kumimoji="0" sz="1800" b="0" i="0" u="none" strike="noStrike" cap="none" spc="0" normalizeH="0" baseline="0">
+          <a:defRPr b="0" baseline="0" cap="none" i="0" spc="0" strike="noStrike" sz="1800" u="none" kumimoji="0" normalizeH="0">
             <a:ln>
               <a:noFill/>
             </a:ln>
@@ -5322,7 +5140,7 @@
           <a:buFontTx/>
           <a:buNone/>
           <a:tabLst/>
-          <a:defRPr kumimoji="0" sz="1800" b="0" i="0" u="none" strike="noStrike" cap="none" spc="0" normalizeH="0" baseline="0">
+          <a:defRPr b="0" baseline="0" cap="none" i="0" spc="0" strike="noStrike" sz="1800" u="none" kumimoji="0" normalizeH="0">
             <a:ln>
               <a:noFill/>
             </a:ln>
@@ -5348,7 +5166,7 @@
           <a:buFontTx/>
           <a:buNone/>
           <a:tabLst/>
-          <a:defRPr kumimoji="0" sz="1800" b="0" i="0" u="none" strike="noStrike" cap="none" spc="0" normalizeH="0" baseline="0">
+          <a:defRPr b="0" baseline="0" cap="none" i="0" spc="0" strike="noStrike" sz="1800" u="none" kumimoji="0" normalizeH="0">
             <a:ln>
               <a:noFill/>
             </a:ln>
@@ -5374,7 +5192,7 @@
           <a:buFontTx/>
           <a:buNone/>
           <a:tabLst/>
-          <a:defRPr kumimoji="0" sz="1800" b="0" i="0" u="none" strike="noStrike" cap="none" spc="0" normalizeH="0" baseline="0">
+          <a:defRPr b="0" baseline="0" cap="none" i="0" spc="0" strike="noStrike" sz="1800" u="none" kumimoji="0" normalizeH="0">
             <a:ln>
               <a:noFill/>
             </a:ln>
@@ -5400,7 +5218,7 @@
           <a:buFontTx/>
           <a:buNone/>
           <a:tabLst/>
-          <a:defRPr kumimoji="0" sz="1800" b="0" i="0" u="none" strike="noStrike" cap="none" spc="0" normalizeH="0" baseline="0">
+          <a:defRPr b="0" baseline="0" cap="none" i="0" spc="0" strike="noStrike" sz="1800" u="none" kumimoji="0" normalizeH="0">
             <a:ln>
               <a:noFill/>
             </a:ln>
@@ -5426,7 +5244,7 @@
           <a:buFontTx/>
           <a:buNone/>
           <a:tabLst/>
-          <a:defRPr kumimoji="0" sz="1800" b="0" i="0" u="none" strike="noStrike" cap="none" spc="0" normalizeH="0" baseline="0">
+          <a:defRPr b="0" baseline="0" cap="none" i="0" spc="0" strike="noStrike" sz="1800" u="none" kumimoji="0" normalizeH="0">
             <a:ln>
               <a:noFill/>
             </a:ln>
@@ -5439,15 +5257,9 @@
         </a:lvl9pPr>
       </a:lstStyle>
       <a:style>
-        <a:lnRef idx="0">
-          <a:scrgbClr r="0" g="0" b="0"/>
-        </a:lnRef>
-        <a:fillRef idx="0">
-          <a:scrgbClr r="0" g="0" b="0"/>
-        </a:fillRef>
-        <a:effectRef idx="0">
-          <a:scrgbClr r="0" g="0" b="0"/>
-        </a:effectRef>
+        <a:lnRef idx="0"/>
+        <a:fillRef idx="0"/>
+        <a:effectRef idx="0"/>
         <a:fontRef idx="none"/>
       </a:style>
     </a:lnDef>
@@ -5461,7 +5273,7 @@
         <a:effectLst/>
         <a:sp3d/>
       </a:spPr>
-      <a:bodyPr rot="0" spcFirstLastPara="1" vertOverflow="overflow" horzOverflow="overflow" vert="horz" wrap="square" lIns="45719" tIns="45719" rIns="45719" bIns="45719" numCol="1" spcCol="38100" rtlCol="0" anchor="t">
+      <a:bodyPr rot="0" spcFirstLastPara="1" vertOverflow="overflow" horzOverflow="overflow" vert="horz" wrap="square" lIns="45718" tIns="45718" rIns="45718" bIns="45718" numCol="1" spcCol="38100" rtlCol="0" anchor="t" upright="0">
         <a:spAutoFit/>
       </a:bodyPr>
       <a:lstStyle>
@@ -5480,7 +5292,7 @@
           <a:buFontTx/>
           <a:buNone/>
           <a:tabLst/>
-          <a:defRPr kumimoji="0" sz="1400" b="0" i="0" u="none" strike="noStrike" cap="none" spc="0" normalizeH="0" baseline="0">
+          <a:defRPr b="0" baseline="0" cap="none" i="0" spc="0" strike="noStrike" sz="1400" u="none" kumimoji="0" normalizeH="0">
             <a:ln>
               <a:noFill/>
             </a:ln>
@@ -5492,7 +5304,7 @@
             <a:latin typeface="+mj-lt"/>
             <a:ea typeface="+mj-ea"/>
             <a:cs typeface="+mj-cs"/>
-            <a:sym typeface="Arial"/>
+            <a:sym typeface="Helvetica"/>
           </a:defRPr>
         </a:defPPr>
         <a:lvl1pPr marL="0" marR="0" indent="0" algn="l" defTabSz="914400" rtl="0" fontAlgn="auto" latinLnBrk="1" hangingPunct="0">
@@ -5510,7 +5322,7 @@
           <a:buFontTx/>
           <a:buNone/>
           <a:tabLst/>
-          <a:defRPr kumimoji="0" sz="1800" b="0" i="0" u="none" strike="noStrike" cap="none" spc="0" normalizeH="0" baseline="0">
+          <a:defRPr b="0" baseline="0" cap="none" i="0" spc="0" strike="noStrike" sz="1800" u="none" kumimoji="0" normalizeH="0">
             <a:ln>
               <a:noFill/>
             </a:ln>
@@ -5536,7 +5348,7 @@
           <a:buFontTx/>
           <a:buNone/>
           <a:tabLst/>
-          <a:defRPr kumimoji="0" sz="1800" b="0" i="0" u="none" strike="noStrike" cap="none" spc="0" normalizeH="0" baseline="0">
+          <a:defRPr b="0" baseline="0" cap="none" i="0" spc="0" strike="noStrike" sz="1800" u="none" kumimoji="0" normalizeH="0">
             <a:ln>
               <a:noFill/>
             </a:ln>
@@ -5562,7 +5374,7 @@
           <a:buFontTx/>
           <a:buNone/>
           <a:tabLst/>
-          <a:defRPr kumimoji="0" sz="1800" b="0" i="0" u="none" strike="noStrike" cap="none" spc="0" normalizeH="0" baseline="0">
+          <a:defRPr b="0" baseline="0" cap="none" i="0" spc="0" strike="noStrike" sz="1800" u="none" kumimoji="0" normalizeH="0">
             <a:ln>
               <a:noFill/>
             </a:ln>
@@ -5588,7 +5400,7 @@
           <a:buFontTx/>
           <a:buNone/>
           <a:tabLst/>
-          <a:defRPr kumimoji="0" sz="1800" b="0" i="0" u="none" strike="noStrike" cap="none" spc="0" normalizeH="0" baseline="0">
+          <a:defRPr b="0" baseline="0" cap="none" i="0" spc="0" strike="noStrike" sz="1800" u="none" kumimoji="0" normalizeH="0">
             <a:ln>
               <a:noFill/>
             </a:ln>
@@ -5614,7 +5426,7 @@
           <a:buFontTx/>
           <a:buNone/>
           <a:tabLst/>
-          <a:defRPr kumimoji="0" sz="1800" b="0" i="0" u="none" strike="noStrike" cap="none" spc="0" normalizeH="0" baseline="0">
+          <a:defRPr b="0" baseline="0" cap="none" i="0" spc="0" strike="noStrike" sz="1800" u="none" kumimoji="0" normalizeH="0">
             <a:ln>
               <a:noFill/>
             </a:ln>
@@ -5640,7 +5452,7 @@
           <a:buFontTx/>
           <a:buNone/>
           <a:tabLst/>
-          <a:defRPr kumimoji="0" sz="1800" b="0" i="0" u="none" strike="noStrike" cap="none" spc="0" normalizeH="0" baseline="0">
+          <a:defRPr b="0" baseline="0" cap="none" i="0" spc="0" strike="noStrike" sz="1800" u="none" kumimoji="0" normalizeH="0">
             <a:ln>
               <a:noFill/>
             </a:ln>
@@ -5666,7 +5478,7 @@
           <a:buFontTx/>
           <a:buNone/>
           <a:tabLst/>
-          <a:defRPr kumimoji="0" sz="1800" b="0" i="0" u="none" strike="noStrike" cap="none" spc="0" normalizeH="0" baseline="0">
+          <a:defRPr b="0" baseline="0" cap="none" i="0" spc="0" strike="noStrike" sz="1800" u="none" kumimoji="0" normalizeH="0">
             <a:ln>
               <a:noFill/>
             </a:ln>
@@ -5692,7 +5504,7 @@
           <a:buFontTx/>
           <a:buNone/>
           <a:tabLst/>
-          <a:defRPr kumimoji="0" sz="1800" b="0" i="0" u="none" strike="noStrike" cap="none" spc="0" normalizeH="0" baseline="0">
+          <a:defRPr b="0" baseline="0" cap="none" i="0" spc="0" strike="noStrike" sz="1800" u="none" kumimoji="0" normalizeH="0">
             <a:ln>
               <a:noFill/>
             </a:ln>
@@ -5718,7 +5530,7 @@
           <a:buFontTx/>
           <a:buNone/>
           <a:tabLst/>
-          <a:defRPr kumimoji="0" sz="1800" b="0" i="0" u="none" strike="noStrike" cap="none" spc="0" normalizeH="0" baseline="0">
+          <a:defRPr b="0" baseline="0" cap="none" i="0" spc="0" strike="noStrike" sz="1800" u="none" kumimoji="0" normalizeH="0">
             <a:ln>
               <a:noFill/>
             </a:ln>
@@ -5731,25 +5543,18 @@
         </a:lvl9pPr>
       </a:lstStyle>
       <a:style>
-        <a:lnRef idx="0">
-          <a:scrgbClr r="0" g="0" b="0"/>
-        </a:lnRef>
-        <a:fillRef idx="0">
-          <a:scrgbClr r="0" g="0" b="0"/>
-        </a:fillRef>
-        <a:effectRef idx="0">
-          <a:scrgbClr r="0" g="0" b="0"/>
-        </a:effectRef>
+        <a:lnRef idx="0"/>
+        <a:fillRef idx="0"/>
+        <a:effectRef idx="0"/>
         <a:fontRef idx="none"/>
       </a:style>
     </a:txDef>
   </a:objectDefaults>
-  <a:extraClrSchemeLst/>
 </a:theme>
 </file>
 
 <file path=ppt/theme/theme2.xml><?xml version="1.0" encoding="utf-8"?>
-<a:theme xmlns:a="http://schemas.openxmlformats.org/drawingml/2006/main" name="Default Design">
+<a:theme xmlns:a="http://schemas.openxmlformats.org/drawingml/2006/main" xmlns:r="http://schemas.openxmlformats.org/officeDocument/2006/relationships" name="Default Design">
   <a:themeElements>
     <a:clrScheme name="Default Design">
       <a:dk1>
@@ -5791,14 +5596,14 @@
     </a:clrScheme>
     <a:fontScheme name="Default Design">
       <a:majorFont>
+        <a:latin typeface="Helvetica"/>
+        <a:ea typeface="Helvetica"/>
+        <a:cs typeface="Helvetica"/>
+      </a:majorFont>
+      <a:minorFont>
         <a:latin typeface="Arial"/>
         <a:ea typeface="Arial"/>
         <a:cs typeface="Arial"/>
-      </a:majorFont>
-      <a:minorFont>
-        <a:latin typeface="Helvetica"/>
-        <a:ea typeface="Helvetica"/>
-        <a:cs typeface="Helvetica"/>
       </a:minorFont>
     </a:fontScheme>
     <a:fmtScheme name="Default Design">
@@ -5875,7 +5680,7 @@
       <a:effectStyleLst>
         <a:effectStyle>
           <a:effectLst>
-            <a:outerShdw blurRad="38100" dist="23000" dir="5400000" rotWithShape="0">
+            <a:outerShdw sx="100000" sy="100000" kx="0" ky="0" algn="b" rotWithShape="0" blurRad="38100" dist="23000" dir="5400000">
               <a:srgbClr val="000000">
                 <a:alpha val="35000"/>
               </a:srgbClr>
@@ -5884,7 +5689,7 @@
         </a:effectStyle>
         <a:effectStyle>
           <a:effectLst>
-            <a:outerShdw blurRad="38100" dist="23000" dir="5400000" rotWithShape="0">
+            <a:outerShdw sx="100000" sy="100000" kx="0" ky="0" algn="b" rotWithShape="0" blurRad="38100" dist="23000" dir="5400000">
               <a:srgbClr val="000000">
                 <a:alpha val="35000"/>
               </a:srgbClr>
@@ -5893,9 +5698,9 @@
         </a:effectStyle>
         <a:effectStyle>
           <a:effectLst>
-            <a:outerShdw blurRad="38100" dist="20000" dir="5400000" rotWithShape="0">
+            <a:outerShdw sx="100000" sy="100000" kx="0" ky="0" algn="b" rotWithShape="0" blurRad="38100" dist="23000" dir="5400000">
               <a:srgbClr val="000000">
-                <a:alpha val="38000"/>
+                <a:alpha val="35000"/>
               </a:srgbClr>
             </a:outerShdw>
           </a:effectLst>
@@ -5957,9 +5762,7 @@
     <a:spDef>
       <a:spPr>
         <a:solidFill>
-          <a:schemeClr val="accent3">
-            <a:lumOff val="44000"/>
-          </a:schemeClr>
+          <a:srgbClr val="FFFFFF"/>
         </a:solidFill>
         <a:ln w="25400" cap="flat">
           <a:solidFill>
@@ -5969,7 +5772,7 @@
           <a:round/>
         </a:ln>
         <a:effectLst>
-          <a:outerShdw blurRad="38100" dist="23000" dir="5400000" rotWithShape="0">
+          <a:outerShdw sx="100000" sy="100000" kx="0" ky="0" algn="b" rotWithShape="0" blurRad="38100" dist="23000" dir="5400000">
             <a:srgbClr val="000000">
               <a:alpha val="35000"/>
             </a:srgbClr>
@@ -5977,7 +5780,7 @@
         </a:effectLst>
         <a:sp3d/>
       </a:spPr>
-      <a:bodyPr rot="0" spcFirstLastPara="1" vertOverflow="overflow" horzOverflow="overflow" vert="horz" wrap="square" lIns="45719" tIns="45719" rIns="45719" bIns="45719" numCol="1" spcCol="38100" rtlCol="0" anchor="ctr">
+      <a:bodyPr rot="0" spcFirstLastPara="1" vertOverflow="overflow" horzOverflow="overflow" vert="horz" wrap="square" lIns="45718" tIns="45718" rIns="45718" bIns="45718" numCol="1" spcCol="38100" rtlCol="0" anchor="ctr" upright="0">
         <a:spAutoFit/>
       </a:bodyPr>
       <a:lstStyle>
@@ -5996,7 +5799,7 @@
           <a:buFontTx/>
           <a:buNone/>
           <a:tabLst/>
-          <a:defRPr kumimoji="0" sz="1400" b="0" i="0" u="none" strike="noStrike" cap="none" spc="0" normalizeH="0" baseline="0">
+          <a:defRPr b="0" baseline="0" cap="none" i="0" spc="0" strike="noStrike" sz="1400" u="none" kumimoji="0" normalizeH="0">
             <a:ln>
               <a:noFill/>
             </a:ln>
@@ -6008,7 +5811,7 @@
             <a:latin typeface="+mj-lt"/>
             <a:ea typeface="+mj-ea"/>
             <a:cs typeface="+mj-cs"/>
-            <a:sym typeface="Arial"/>
+            <a:sym typeface="Helvetica"/>
           </a:defRPr>
         </a:defPPr>
         <a:lvl1pPr marL="0" marR="0" indent="0" algn="l" defTabSz="914400" rtl="0" fontAlgn="auto" latinLnBrk="1" hangingPunct="0">
@@ -6026,7 +5829,7 @@
           <a:buFontTx/>
           <a:buNone/>
           <a:tabLst/>
-          <a:defRPr kumimoji="0" sz="1800" b="0" i="0" u="none" strike="noStrike" cap="none" spc="0" normalizeH="0" baseline="0">
+          <a:defRPr b="0" baseline="0" cap="none" i="0" spc="0" strike="noStrike" sz="1800" u="none" kumimoji="0" normalizeH="0">
             <a:ln>
               <a:noFill/>
             </a:ln>
@@ -6052,7 +5855,7 @@
           <a:buFontTx/>
           <a:buNone/>
           <a:tabLst/>
-          <a:defRPr kumimoji="0" sz="1800" b="0" i="0" u="none" strike="noStrike" cap="none" spc="0" normalizeH="0" baseline="0">
+          <a:defRPr b="0" baseline="0" cap="none" i="0" spc="0" strike="noStrike" sz="1800" u="none" kumimoji="0" normalizeH="0">
             <a:ln>
               <a:noFill/>
             </a:ln>
@@ -6078,7 +5881,7 @@
           <a:buFontTx/>
           <a:buNone/>
           <a:tabLst/>
-          <a:defRPr kumimoji="0" sz="1800" b="0" i="0" u="none" strike="noStrike" cap="none" spc="0" normalizeH="0" baseline="0">
+          <a:defRPr b="0" baseline="0" cap="none" i="0" spc="0" strike="noStrike" sz="1800" u="none" kumimoji="0" normalizeH="0">
             <a:ln>
               <a:noFill/>
             </a:ln>
@@ -6104,7 +5907,7 @@
           <a:buFontTx/>
           <a:buNone/>
           <a:tabLst/>
-          <a:defRPr kumimoji="0" sz="1800" b="0" i="0" u="none" strike="noStrike" cap="none" spc="0" normalizeH="0" baseline="0">
+          <a:defRPr b="0" baseline="0" cap="none" i="0" spc="0" strike="noStrike" sz="1800" u="none" kumimoji="0" normalizeH="0">
             <a:ln>
               <a:noFill/>
             </a:ln>
@@ -6130,7 +5933,7 @@
           <a:buFontTx/>
           <a:buNone/>
           <a:tabLst/>
-          <a:defRPr kumimoji="0" sz="1800" b="0" i="0" u="none" strike="noStrike" cap="none" spc="0" normalizeH="0" baseline="0">
+          <a:defRPr b="0" baseline="0" cap="none" i="0" spc="0" strike="noStrike" sz="1800" u="none" kumimoji="0" normalizeH="0">
             <a:ln>
               <a:noFill/>
             </a:ln>
@@ -6156,7 +5959,7 @@
           <a:buFontTx/>
           <a:buNone/>
           <a:tabLst/>
-          <a:defRPr kumimoji="0" sz="1800" b="0" i="0" u="none" strike="noStrike" cap="none" spc="0" normalizeH="0" baseline="0">
+          <a:defRPr b="0" baseline="0" cap="none" i="0" spc="0" strike="noStrike" sz="1800" u="none" kumimoji="0" normalizeH="0">
             <a:ln>
               <a:noFill/>
             </a:ln>
@@ -6182,7 +5985,7 @@
           <a:buFontTx/>
           <a:buNone/>
           <a:tabLst/>
-          <a:defRPr kumimoji="0" sz="1800" b="0" i="0" u="none" strike="noStrike" cap="none" spc="0" normalizeH="0" baseline="0">
+          <a:defRPr b="0" baseline="0" cap="none" i="0" spc="0" strike="noStrike" sz="1800" u="none" kumimoji="0" normalizeH="0">
             <a:ln>
               <a:noFill/>
             </a:ln>
@@ -6208,7 +6011,7 @@
           <a:buFontTx/>
           <a:buNone/>
           <a:tabLst/>
-          <a:defRPr kumimoji="0" sz="1800" b="0" i="0" u="none" strike="noStrike" cap="none" spc="0" normalizeH="0" baseline="0">
+          <a:defRPr b="0" baseline="0" cap="none" i="0" spc="0" strike="noStrike" sz="1800" u="none" kumimoji="0" normalizeH="0">
             <a:ln>
               <a:noFill/>
             </a:ln>
@@ -6234,7 +6037,7 @@
           <a:buFontTx/>
           <a:buNone/>
           <a:tabLst/>
-          <a:defRPr kumimoji="0" sz="1800" b="0" i="0" u="none" strike="noStrike" cap="none" spc="0" normalizeH="0" baseline="0">
+          <a:defRPr b="0" baseline="0" cap="none" i="0" spc="0" strike="noStrike" sz="1800" u="none" kumimoji="0" normalizeH="0">
             <a:ln>
               <a:noFill/>
             </a:ln>
@@ -6247,15 +6050,9 @@
         </a:lvl9pPr>
       </a:lstStyle>
       <a:style>
-        <a:lnRef idx="0">
-          <a:scrgbClr r="0" g="0" b="0"/>
-        </a:lnRef>
-        <a:fillRef idx="0">
-          <a:scrgbClr r="0" g="0" b="0"/>
-        </a:fillRef>
-        <a:effectRef idx="0">
-          <a:scrgbClr r="0" g="0" b="0"/>
-        </a:effectRef>
+        <a:lnRef idx="0"/>
+        <a:fillRef idx="0"/>
+        <a:effectRef idx="0"/>
         <a:fontRef idx="none"/>
       </a:style>
     </a:spDef>
@@ -6270,15 +6067,15 @@
           <a:round/>
         </a:ln>
         <a:effectLst>
-          <a:outerShdw blurRad="38100" dist="20000" dir="5400000" rotWithShape="0">
+          <a:outerShdw sx="100000" sy="100000" kx="0" ky="0" algn="b" rotWithShape="0" blurRad="38100" dist="23000" dir="5400000">
             <a:srgbClr val="000000">
-              <a:alpha val="38000"/>
+              <a:alpha val="35000"/>
             </a:srgbClr>
           </a:outerShdw>
         </a:effectLst>
         <a:sp3d/>
       </a:spPr>
-      <a:bodyPr rot="0" spcFirstLastPara="1" vertOverflow="overflow" horzOverflow="overflow" vert="horz" wrap="square" lIns="91439" tIns="45719" rIns="91439" bIns="45719" numCol="1" spcCol="38100" rtlCol="0" anchor="t">
+      <a:bodyPr rot="0" spcFirstLastPara="1" vertOverflow="overflow" horzOverflow="overflow" vert="horz" wrap="square" lIns="91439" tIns="45719" rIns="91439" bIns="45719" numCol="1" spcCol="38100" rtlCol="0" anchor="t" upright="0">
         <a:noAutofit/>
       </a:bodyPr>
       <a:lstStyle>
@@ -6297,7 +6094,7 @@
           <a:buFontTx/>
           <a:buNone/>
           <a:tabLst/>
-          <a:defRPr kumimoji="0" sz="1800" b="0" i="0" u="none" strike="noStrike" cap="none" spc="0" normalizeH="0" baseline="0">
+          <a:defRPr b="0" baseline="0" cap="none" i="0" spc="0" strike="noStrike" sz="1800" u="none" kumimoji="0" normalizeH="0">
             <a:ln>
               <a:noFill/>
             </a:ln>
@@ -6323,7 +6120,7 @@
           <a:buFontTx/>
           <a:buNone/>
           <a:tabLst/>
-          <a:defRPr kumimoji="0" sz="1800" b="0" i="0" u="none" strike="noStrike" cap="none" spc="0" normalizeH="0" baseline="0">
+          <a:defRPr b="0" baseline="0" cap="none" i="0" spc="0" strike="noStrike" sz="1800" u="none" kumimoji="0" normalizeH="0">
             <a:ln>
               <a:noFill/>
             </a:ln>
@@ -6349,7 +6146,7 @@
           <a:buFontTx/>
           <a:buNone/>
           <a:tabLst/>
-          <a:defRPr kumimoji="0" sz="1800" b="0" i="0" u="none" strike="noStrike" cap="none" spc="0" normalizeH="0" baseline="0">
+          <a:defRPr b="0" baseline="0" cap="none" i="0" spc="0" strike="noStrike" sz="1800" u="none" kumimoji="0" normalizeH="0">
             <a:ln>
               <a:noFill/>
             </a:ln>
@@ -6375,7 +6172,7 @@
           <a:buFontTx/>
           <a:buNone/>
           <a:tabLst/>
-          <a:defRPr kumimoji="0" sz="1800" b="0" i="0" u="none" strike="noStrike" cap="none" spc="0" normalizeH="0" baseline="0">
+          <a:defRPr b="0" baseline="0" cap="none" i="0" spc="0" strike="noStrike" sz="1800" u="none" kumimoji="0" normalizeH="0">
             <a:ln>
               <a:noFill/>
             </a:ln>
@@ -6401,7 +6198,7 @@
           <a:buFontTx/>
           <a:buNone/>
           <a:tabLst/>
-          <a:defRPr kumimoji="0" sz="1800" b="0" i="0" u="none" strike="noStrike" cap="none" spc="0" normalizeH="0" baseline="0">
+          <a:defRPr b="0" baseline="0" cap="none" i="0" spc="0" strike="noStrike" sz="1800" u="none" kumimoji="0" normalizeH="0">
             <a:ln>
               <a:noFill/>
             </a:ln>
@@ -6427,7 +6224,7 @@
           <a:buFontTx/>
           <a:buNone/>
           <a:tabLst/>
-          <a:defRPr kumimoji="0" sz="1800" b="0" i="0" u="none" strike="noStrike" cap="none" spc="0" normalizeH="0" baseline="0">
+          <a:defRPr b="0" baseline="0" cap="none" i="0" spc="0" strike="noStrike" sz="1800" u="none" kumimoji="0" normalizeH="0">
             <a:ln>
               <a:noFill/>
             </a:ln>
@@ -6453,7 +6250,7 @@
           <a:buFontTx/>
           <a:buNone/>
           <a:tabLst/>
-          <a:defRPr kumimoji="0" sz="1800" b="0" i="0" u="none" strike="noStrike" cap="none" spc="0" normalizeH="0" baseline="0">
+          <a:defRPr b="0" baseline="0" cap="none" i="0" spc="0" strike="noStrike" sz="1800" u="none" kumimoji="0" normalizeH="0">
             <a:ln>
               <a:noFill/>
             </a:ln>
@@ -6479,7 +6276,7 @@
           <a:buFontTx/>
           <a:buNone/>
           <a:tabLst/>
-          <a:defRPr kumimoji="0" sz="1800" b="0" i="0" u="none" strike="noStrike" cap="none" spc="0" normalizeH="0" baseline="0">
+          <a:defRPr b="0" baseline="0" cap="none" i="0" spc="0" strike="noStrike" sz="1800" u="none" kumimoji="0" normalizeH="0">
             <a:ln>
               <a:noFill/>
             </a:ln>
@@ -6505,7 +6302,7 @@
           <a:buFontTx/>
           <a:buNone/>
           <a:tabLst/>
-          <a:defRPr kumimoji="0" sz="1800" b="0" i="0" u="none" strike="noStrike" cap="none" spc="0" normalizeH="0" baseline="0">
+          <a:defRPr b="0" baseline="0" cap="none" i="0" spc="0" strike="noStrike" sz="1800" u="none" kumimoji="0" normalizeH="0">
             <a:ln>
               <a:noFill/>
             </a:ln>
@@ -6531,7 +6328,7 @@
           <a:buFontTx/>
           <a:buNone/>
           <a:tabLst/>
-          <a:defRPr kumimoji="0" sz="1800" b="0" i="0" u="none" strike="noStrike" cap="none" spc="0" normalizeH="0" baseline="0">
+          <a:defRPr b="0" baseline="0" cap="none" i="0" spc="0" strike="noStrike" sz="1800" u="none" kumimoji="0" normalizeH="0">
             <a:ln>
               <a:noFill/>
             </a:ln>
@@ -6544,15 +6341,9 @@
         </a:lvl9pPr>
       </a:lstStyle>
       <a:style>
-        <a:lnRef idx="0">
-          <a:scrgbClr r="0" g="0" b="0"/>
-        </a:lnRef>
-        <a:fillRef idx="0">
-          <a:scrgbClr r="0" g="0" b="0"/>
-        </a:fillRef>
-        <a:effectRef idx="0">
-          <a:scrgbClr r="0" g="0" b="0"/>
-        </a:effectRef>
+        <a:lnRef idx="0"/>
+        <a:fillRef idx="0"/>
+        <a:effectRef idx="0"/>
         <a:fontRef idx="none"/>
       </a:style>
     </a:lnDef>
@@ -6566,7 +6357,7 @@
         <a:effectLst/>
         <a:sp3d/>
       </a:spPr>
-      <a:bodyPr rot="0" spcFirstLastPara="1" vertOverflow="overflow" horzOverflow="overflow" vert="horz" wrap="square" lIns="45719" tIns="45719" rIns="45719" bIns="45719" numCol="1" spcCol="38100" rtlCol="0" anchor="t">
+      <a:bodyPr rot="0" spcFirstLastPara="1" vertOverflow="overflow" horzOverflow="overflow" vert="horz" wrap="square" lIns="45718" tIns="45718" rIns="45718" bIns="45718" numCol="1" spcCol="38100" rtlCol="0" anchor="t" upright="0">
         <a:spAutoFit/>
       </a:bodyPr>
       <a:lstStyle>
@@ -6585,7 +6376,7 @@
           <a:buFontTx/>
           <a:buNone/>
           <a:tabLst/>
-          <a:defRPr kumimoji="0" sz="1400" b="0" i="0" u="none" strike="noStrike" cap="none" spc="0" normalizeH="0" baseline="0">
+          <a:defRPr b="0" baseline="0" cap="none" i="0" spc="0" strike="noStrike" sz="1400" u="none" kumimoji="0" normalizeH="0">
             <a:ln>
               <a:noFill/>
             </a:ln>
@@ -6597,7 +6388,7 @@
             <a:latin typeface="+mj-lt"/>
             <a:ea typeface="+mj-ea"/>
             <a:cs typeface="+mj-cs"/>
-            <a:sym typeface="Arial"/>
+            <a:sym typeface="Helvetica"/>
           </a:defRPr>
         </a:defPPr>
         <a:lvl1pPr marL="0" marR="0" indent="0" algn="l" defTabSz="914400" rtl="0" fontAlgn="auto" latinLnBrk="1" hangingPunct="0">
@@ -6615,7 +6406,7 @@
           <a:buFontTx/>
           <a:buNone/>
           <a:tabLst/>
-          <a:defRPr kumimoji="0" sz="1800" b="0" i="0" u="none" strike="noStrike" cap="none" spc="0" normalizeH="0" baseline="0">
+          <a:defRPr b="0" baseline="0" cap="none" i="0" spc="0" strike="noStrike" sz="1800" u="none" kumimoji="0" normalizeH="0">
             <a:ln>
               <a:noFill/>
             </a:ln>
@@ -6641,7 +6432,7 @@
           <a:buFontTx/>
           <a:buNone/>
           <a:tabLst/>
-          <a:defRPr kumimoji="0" sz="1800" b="0" i="0" u="none" strike="noStrike" cap="none" spc="0" normalizeH="0" baseline="0">
+          <a:defRPr b="0" baseline="0" cap="none" i="0" spc="0" strike="noStrike" sz="1800" u="none" kumimoji="0" normalizeH="0">
             <a:ln>
               <a:noFill/>
             </a:ln>
@@ -6667,7 +6458,7 @@
           <a:buFontTx/>
           <a:buNone/>
           <a:tabLst/>
-          <a:defRPr kumimoji="0" sz="1800" b="0" i="0" u="none" strike="noStrike" cap="none" spc="0" normalizeH="0" baseline="0">
+          <a:defRPr b="0" baseline="0" cap="none" i="0" spc="0" strike="noStrike" sz="1800" u="none" kumimoji="0" normalizeH="0">
             <a:ln>
               <a:noFill/>
             </a:ln>
@@ -6693,7 +6484,7 @@
           <a:buFontTx/>
           <a:buNone/>
           <a:tabLst/>
-          <a:defRPr kumimoji="0" sz="1800" b="0" i="0" u="none" strike="noStrike" cap="none" spc="0" normalizeH="0" baseline="0">
+          <a:defRPr b="0" baseline="0" cap="none" i="0" spc="0" strike="noStrike" sz="1800" u="none" kumimoji="0" normalizeH="0">
             <a:ln>
               <a:noFill/>
             </a:ln>
@@ -6719,7 +6510,7 @@
           <a:buFontTx/>
           <a:buNone/>
           <a:tabLst/>
-          <a:defRPr kumimoji="0" sz="1800" b="0" i="0" u="none" strike="noStrike" cap="none" spc="0" normalizeH="0" baseline="0">
+          <a:defRPr b="0" baseline="0" cap="none" i="0" spc="0" strike="noStrike" sz="1800" u="none" kumimoji="0" normalizeH="0">
             <a:ln>
               <a:noFill/>
             </a:ln>
@@ -6745,7 +6536,7 @@
           <a:buFontTx/>
           <a:buNone/>
           <a:tabLst/>
-          <a:defRPr kumimoji="0" sz="1800" b="0" i="0" u="none" strike="noStrike" cap="none" spc="0" normalizeH="0" baseline="0">
+          <a:defRPr b="0" baseline="0" cap="none" i="0" spc="0" strike="noStrike" sz="1800" u="none" kumimoji="0" normalizeH="0">
             <a:ln>
               <a:noFill/>
             </a:ln>
@@ -6771,7 +6562,7 @@
           <a:buFontTx/>
           <a:buNone/>
           <a:tabLst/>
-          <a:defRPr kumimoji="0" sz="1800" b="0" i="0" u="none" strike="noStrike" cap="none" spc="0" normalizeH="0" baseline="0">
+          <a:defRPr b="0" baseline="0" cap="none" i="0" spc="0" strike="noStrike" sz="1800" u="none" kumimoji="0" normalizeH="0">
             <a:ln>
               <a:noFill/>
             </a:ln>
@@ -6797,7 +6588,7 @@
           <a:buFontTx/>
           <a:buNone/>
           <a:tabLst/>
-          <a:defRPr kumimoji="0" sz="1800" b="0" i="0" u="none" strike="noStrike" cap="none" spc="0" normalizeH="0" baseline="0">
+          <a:defRPr b="0" baseline="0" cap="none" i="0" spc="0" strike="noStrike" sz="1800" u="none" kumimoji="0" normalizeH="0">
             <a:ln>
               <a:noFill/>
             </a:ln>
@@ -6823,7 +6614,7 @@
           <a:buFontTx/>
           <a:buNone/>
           <a:tabLst/>
-          <a:defRPr kumimoji="0" sz="1800" b="0" i="0" u="none" strike="noStrike" cap="none" spc="0" normalizeH="0" baseline="0">
+          <a:defRPr b="0" baseline="0" cap="none" i="0" spc="0" strike="noStrike" sz="1800" u="none" kumimoji="0" normalizeH="0">
             <a:ln>
               <a:noFill/>
             </a:ln>
@@ -6836,19 +6627,12 @@
         </a:lvl9pPr>
       </a:lstStyle>
       <a:style>
-        <a:lnRef idx="0">
-          <a:scrgbClr r="0" g="0" b="0"/>
-        </a:lnRef>
-        <a:fillRef idx="0">
-          <a:scrgbClr r="0" g="0" b="0"/>
-        </a:fillRef>
-        <a:effectRef idx="0">
-          <a:scrgbClr r="0" g="0" b="0"/>
-        </a:effectRef>
+        <a:lnRef idx="0"/>
+        <a:fillRef idx="0"/>
+        <a:effectRef idx="0"/>
         <a:fontRef idx="none"/>
       </a:style>
     </a:txDef>
   </a:objectDefaults>
-  <a:extraClrSchemeLst/>
 </a:theme>
 </file>
--- a/kmppt.pptx
+++ b/kmppt.pptx
@@ -1,28 +1,35 @@
 
 <file path=ppt/presentation.xml><?xml version="1.0" encoding="utf-8"?>
-<p:presentation xmlns:a="http://schemas.openxmlformats.org/drawingml/2006/main" xmlns:r="http://schemas.openxmlformats.org/officeDocument/2006/relationships" xmlns:p="http://schemas.openxmlformats.org/presentationml/2006/main" xmlns:m="http://schemas.openxmlformats.org/officeDocument/2006/math" xmlns:a14="http://schemas.microsoft.com/office/drawing/2010/main">
+<p:presentation xmlns:a="http://schemas.openxmlformats.org/drawingml/2006/main" xmlns:r="http://schemas.openxmlformats.org/officeDocument/2006/relationships" xmlns:p="http://schemas.openxmlformats.org/presentationml/2006/main">
   <p:sldMasterIdLst>
-    <p:sldMasterId id="2147483648" r:id="rId5"/>
+    <p:sldMasterId id="2147483648" r:id="rId1"/>
   </p:sldMasterIdLst>
   <p:notesMasterIdLst>
-    <p:notesMasterId r:id="rId7"/>
+    <p:notesMasterId r:id="rId22"/>
   </p:notesMasterIdLst>
   <p:sldIdLst>
-    <p:sldId id="256" r:id="rId8"/>
-    <p:sldId id="257" r:id="rId9"/>
-    <p:sldId id="258" r:id="rId10"/>
-    <p:sldId id="259" r:id="rId11"/>
-    <p:sldId id="260" r:id="rId12"/>
-    <p:sldId id="261" r:id="rId13"/>
-    <p:sldId id="262" r:id="rId14"/>
-    <p:sldId id="263" r:id="rId15"/>
-    <p:sldId id="264" r:id="rId16"/>
-    <p:sldId id="265" r:id="rId17"/>
-    <p:sldId id="266" r:id="rId18"/>
+    <p:sldId id="256" r:id="rId2"/>
+    <p:sldId id="276" r:id="rId3"/>
+    <p:sldId id="257" r:id="rId4"/>
+    <p:sldId id="271" r:id="rId5"/>
+    <p:sldId id="258" r:id="rId6"/>
+    <p:sldId id="259" r:id="rId7"/>
+    <p:sldId id="269" r:id="rId8"/>
+    <p:sldId id="260" r:id="rId9"/>
+    <p:sldId id="261" r:id="rId10"/>
+    <p:sldId id="262" r:id="rId11"/>
+    <p:sldId id="263" r:id="rId12"/>
+    <p:sldId id="264" r:id="rId13"/>
+    <p:sldId id="272" r:id="rId14"/>
+    <p:sldId id="265" r:id="rId15"/>
+    <p:sldId id="273" r:id="rId16"/>
+    <p:sldId id="266" r:id="rId17"/>
+    <p:sldId id="274" r:id="rId18"/>
     <p:sldId id="267" r:id="rId19"/>
-    <p:sldId id="268" r:id="rId20"/>
+    <p:sldId id="275" r:id="rId20"/>
+    <p:sldId id="268" r:id="rId21"/>
   </p:sldIdLst>
-  <p:sldSz cx="9144000" cy="6858000"/>
+  <p:sldSz cx="9144000" cy="6858000" type="screen4x3"/>
   <p:notesSz cx="6858000" cy="9144000"/>
   <p:defaultTextStyle>
     <a:defPPr marL="0" marR="0" indent="0" algn="l" defTabSz="914400" rtl="0" fontAlgn="auto" latinLnBrk="1" hangingPunct="0">
@@ -40,7 +47,7 @@
       <a:buFontTx/>
       <a:buNone/>
       <a:tabLst/>
-      <a:defRPr b="0" baseline="0" cap="none" i="0" spc="0" strike="noStrike" sz="1800" u="none" kumimoji="0" normalizeH="0">
+      <a:defRPr kumimoji="0" sz="1800" b="0" i="0" u="none" strike="noStrike" cap="none" spc="0" normalizeH="0" baseline="0">
         <a:ln>
           <a:noFill/>
         </a:ln>
@@ -66,7 +73,7 @@
       <a:buFontTx/>
       <a:buNone/>
       <a:tabLst/>
-      <a:defRPr b="0" baseline="0" cap="none" i="0" spc="0" strike="noStrike" sz="1400" u="none" kumimoji="0" normalizeH="0">
+      <a:defRPr kumimoji="0" sz="1400" b="0" i="0" u="none" strike="noStrike" cap="none" spc="0" normalizeH="0" baseline="0">
         <a:ln>
           <a:noFill/>
         </a:ln>
@@ -96,7 +103,7 @@
       <a:buFontTx/>
       <a:buNone/>
       <a:tabLst/>
-      <a:defRPr b="0" baseline="0" cap="none" i="0" spc="0" strike="noStrike" sz="1400" u="none" kumimoji="0" normalizeH="0">
+      <a:defRPr kumimoji="0" sz="1400" b="0" i="0" u="none" strike="noStrike" cap="none" spc="0" normalizeH="0" baseline="0">
         <a:ln>
           <a:noFill/>
         </a:ln>
@@ -126,7 +133,7 @@
       <a:buFontTx/>
       <a:buNone/>
       <a:tabLst/>
-      <a:defRPr b="0" baseline="0" cap="none" i="0" spc="0" strike="noStrike" sz="1400" u="none" kumimoji="0" normalizeH="0">
+      <a:defRPr kumimoji="0" sz="1400" b="0" i="0" u="none" strike="noStrike" cap="none" spc="0" normalizeH="0" baseline="0">
         <a:ln>
           <a:noFill/>
         </a:ln>
@@ -156,7 +163,7 @@
       <a:buFontTx/>
       <a:buNone/>
       <a:tabLst/>
-      <a:defRPr b="0" baseline="0" cap="none" i="0" spc="0" strike="noStrike" sz="1400" u="none" kumimoji="0" normalizeH="0">
+      <a:defRPr kumimoji="0" sz="1400" b="0" i="0" u="none" strike="noStrike" cap="none" spc="0" normalizeH="0" baseline="0">
         <a:ln>
           <a:noFill/>
         </a:ln>
@@ -186,7 +193,7 @@
       <a:buFontTx/>
       <a:buNone/>
       <a:tabLst/>
-      <a:defRPr b="0" baseline="0" cap="none" i="0" spc="0" strike="noStrike" sz="1400" u="none" kumimoji="0" normalizeH="0">
+      <a:defRPr kumimoji="0" sz="1400" b="0" i="0" u="none" strike="noStrike" cap="none" spc="0" normalizeH="0" baseline="0">
         <a:ln>
           <a:noFill/>
         </a:ln>
@@ -216,7 +223,7 @@
       <a:buFontTx/>
       <a:buNone/>
       <a:tabLst/>
-      <a:defRPr b="0" baseline="0" cap="none" i="0" spc="0" strike="noStrike" sz="1400" u="none" kumimoji="0" normalizeH="0">
+      <a:defRPr kumimoji="0" sz="1400" b="0" i="0" u="none" strike="noStrike" cap="none" spc="0" normalizeH="0" baseline="0">
         <a:ln>
           <a:noFill/>
         </a:ln>
@@ -246,7 +253,7 @@
       <a:buFontTx/>
       <a:buNone/>
       <a:tabLst/>
-      <a:defRPr b="0" baseline="0" cap="none" i="0" spc="0" strike="noStrike" sz="1400" u="none" kumimoji="0" normalizeH="0">
+      <a:defRPr kumimoji="0" sz="1400" b="0" i="0" u="none" strike="noStrike" cap="none" spc="0" normalizeH="0" baseline="0">
         <a:ln>
           <a:noFill/>
         </a:ln>
@@ -276,7 +283,7 @@
       <a:buFontTx/>
       <a:buNone/>
       <a:tabLst/>
-      <a:defRPr b="0" baseline="0" cap="none" i="0" spc="0" strike="noStrike" sz="1400" u="none" kumimoji="0" normalizeH="0">
+      <a:defRPr kumimoji="0" sz="1400" b="0" i="0" u="none" strike="noStrike" cap="none" spc="0" normalizeH="0" baseline="0">
         <a:ln>
           <a:noFill/>
         </a:ln>
@@ -306,7 +313,7 @@
       <a:buFontTx/>
       <a:buNone/>
       <a:tabLst/>
-      <a:defRPr b="0" baseline="0" cap="none" i="0" spc="0" strike="noStrike" sz="1400" u="none" kumimoji="0" normalizeH="0">
+      <a:defRPr kumimoji="0" sz="1400" b="0" i="0" u="none" strike="noStrike" cap="none" spc="0" normalizeH="0" baseline="0">
         <a:ln>
           <a:noFill/>
         </a:ln>
@@ -322,16 +329,22 @@
       </a:defRPr>
     </a:lvl9pPr>
   </p:defaultTextStyle>
+  <p:extLst>
+    <p:ext uri="{EFAFB233-063F-42B5-8137-9DF3F51BA10A}">
+      <p15:sldGuideLst xmlns:p15="http://schemas.microsoft.com/office/powerpoint/2012/main"/>
+    </p:ext>
+  </p:extLst>
 </p:presentation>
 </file>
 
-<file path=ppt/commentAuthors.xml><?xml version="1.0" encoding="utf-8"?>
-<p:cmAuthorLst xmlns:a="http://schemas.openxmlformats.org/drawingml/2006/main" xmlns:r="http://schemas.openxmlformats.org/officeDocument/2006/relationships" xmlns:p="http://schemas.openxmlformats.org/presentationml/2006/main" xmlns:m="http://schemas.openxmlformats.org/officeDocument/2006/math" xmlns:a14="http://schemas.microsoft.com/office/drawing/2010/main"/>
-</file>
-
 <file path=ppt/notesMasters/notesMaster1.xml><?xml version="1.0" encoding="utf-8"?>
-<p:notesMaster xmlns:a="http://schemas.openxmlformats.org/drawingml/2006/main" xmlns:r="http://schemas.openxmlformats.org/officeDocument/2006/relationships" xmlns:p="http://schemas.openxmlformats.org/presentationml/2006/main" xmlns:m="http://schemas.openxmlformats.org/officeDocument/2006/math" xmlns:a14="http://schemas.microsoft.com/office/drawing/2010/main">
+<p:notesMaster xmlns:a="http://schemas.openxmlformats.org/drawingml/2006/main" xmlns:r="http://schemas.openxmlformats.org/officeDocument/2006/relationships" xmlns:p="http://schemas.openxmlformats.org/presentationml/2006/main">
   <p:cSld>
+    <p:bg>
+      <p:bgRef idx="1001">
+        <a:schemeClr val="bg1"/>
+      </p:bgRef>
+    </p:bg>
     <p:spTree>
       <p:nvGrpSpPr>
         <p:cNvPr id="1" name=""/>
@@ -349,7 +362,9 @@
       <p:sp>
         <p:nvSpPr>
           <p:cNvPr id="24" name="Shape 24"/>
-          <p:cNvSpPr/>
+          <p:cNvSpPr>
+            <a:spLocks noGrp="1" noRot="1" noChangeAspect="1"/>
+          </p:cNvSpPr>
           <p:nvPr>
             <p:ph type="sldImg"/>
           </p:nvPr>
@@ -367,14 +382,16 @@
           <a:bodyPr/>
           <a:lstStyle/>
           <a:p>
-            <a:pPr/>
+            <a:endParaRPr/>
           </a:p>
         </p:txBody>
       </p:sp>
       <p:sp>
         <p:nvSpPr>
           <p:cNvPr id="25" name="Shape 25"/>
-          <p:cNvSpPr/>
+          <p:cNvSpPr>
+            <a:spLocks noGrp="1"/>
+          </p:cNvSpPr>
           <p:nvPr>
             <p:ph type="body" sz="quarter" idx="1"/>
           </p:nvPr>
@@ -392,7 +409,7 @@
           <a:bodyPr/>
           <a:lstStyle/>
           <a:p>
-            <a:pPr/>
+            <a:endParaRPr/>
           </a:p>
         </p:txBody>
       </p:sp>
@@ -477,7 +494,7 @@
 </file>
 
 <file path=ppt/slideLayouts/slideLayout1.xml><?xml version="1.0" encoding="utf-8"?>
-<p:sldLayout xmlns:a="http://schemas.openxmlformats.org/drawingml/2006/main" xmlns:r="http://schemas.openxmlformats.org/officeDocument/2006/relationships" xmlns:p="http://schemas.openxmlformats.org/presentationml/2006/main" xmlns:m="http://schemas.openxmlformats.org/officeDocument/2006/math" xmlns:a14="http://schemas.microsoft.com/office/drawing/2010/main" type="title" showMasterSp="1" showMasterPhAnim="1">
+<p:sldLayout xmlns:a="http://schemas.openxmlformats.org/drawingml/2006/main" xmlns:r="http://schemas.openxmlformats.org/officeDocument/2006/relationships" xmlns:p="http://schemas.openxmlformats.org/presentationml/2006/main" type="title">
   <p:cSld name="BLANK">
     <p:spTree>
       <p:nvGrpSpPr>
@@ -496,7 +513,9 @@
       <p:sp>
         <p:nvSpPr>
           <p:cNvPr id="18" name="Slide Number"/>
-          <p:cNvSpPr txBox="1"/>
+          <p:cNvSpPr txBox="1">
+            <a:spLocks noGrp="1"/>
+          </p:cNvSpPr>
           <p:nvPr>
             <p:ph type="sldNum" sz="quarter" idx="2"/>
           </p:nvPr>
@@ -510,8 +529,10 @@
           <a:bodyPr/>
           <a:lstStyle/>
           <a:p>
-            <a:pPr/>
-            <a:fld id="{86CB4B4D-7CA3-9044-876B-883B54F8677D}" type="slidenum"/>
+            <a:fld id="{86CB4B4D-7CA3-9044-876B-883B54F8677D}" type="slidenum">
+              <a:t>‹#›</a:t>
+            </a:fld>
+            <a:endParaRPr/>
           </a:p>
         </p:txBody>
       </p:sp>
@@ -520,18 +541,19 @@
   <p:clrMapOvr>
     <a:masterClrMapping/>
   </p:clrMapOvr>
-  <p:transition xmlns:p14="http://schemas.microsoft.com/office/powerpoint/2010/main" spd="med" advClick="1"/>
+  <p:transition spd="med"/>
 </p:sldLayout>
 </file>
 
 <file path=ppt/slideMasters/slideMaster1.xml><?xml version="1.0" encoding="utf-8"?>
-<p:sldMaster xmlns:a="http://schemas.openxmlformats.org/drawingml/2006/main" xmlns:r="http://schemas.openxmlformats.org/officeDocument/2006/relationships" xmlns:p="http://schemas.openxmlformats.org/presentationml/2006/main" xmlns:m="http://schemas.openxmlformats.org/officeDocument/2006/math" xmlns:a14="http://schemas.microsoft.com/office/drawing/2010/main">
+<p:sldMaster xmlns:a="http://schemas.openxmlformats.org/drawingml/2006/main" xmlns:r="http://schemas.openxmlformats.org/officeDocument/2006/relationships" xmlns:p="http://schemas.openxmlformats.org/presentationml/2006/main">
   <p:cSld>
     <p:bg>
       <p:bgPr>
         <a:solidFill>
           <a:srgbClr val="FFFFFF"/>
         </a:solidFill>
+        <a:effectLst/>
       </p:bgPr>
     </p:bg>
     <p:spTree>
@@ -557,9 +579,7 @@
           <p:nvPr/>
         </p:nvPicPr>
         <p:blipFill>
-          <a:blip r:embed="rId2">
-            <a:extLst/>
-          </a:blip>
+          <a:blip r:embed="rId3"/>
           <a:stretch>
             <a:fillRect/>
           </a:stretch>
@@ -610,6 +630,7 @@
                 <a:sym typeface="Arial"/>
               </a:defRPr>
             </a:pPr>
+            <a:endParaRPr/>
           </a:p>
         </p:txBody>
       </p:sp>
@@ -622,9 +643,7 @@
           <p:nvPr/>
         </p:nvPicPr>
         <p:blipFill>
-          <a:blip r:embed="rId3">
-            <a:extLst/>
-          </a:blip>
+          <a:blip r:embed="rId4"/>
           <a:stretch>
             <a:fillRect/>
           </a:stretch>
@@ -675,6 +694,7 @@
                 <a:sym typeface="Arial"/>
               </a:defRPr>
             </a:pPr>
+            <a:endParaRPr/>
           </a:p>
         </p:txBody>
       </p:sp>
@@ -687,9 +707,7 @@
           <p:nvPr/>
         </p:nvPicPr>
         <p:blipFill>
-          <a:blip r:embed="rId3">
-            <a:extLst/>
-          </a:blip>
+          <a:blip r:embed="rId4"/>
           <a:stretch>
             <a:fillRect/>
           </a:stretch>
@@ -716,9 +734,7 @@
           <p:nvPr/>
         </p:nvPicPr>
         <p:blipFill>
-          <a:blip r:embed="rId4">
-            <a:extLst/>
-          </a:blip>
+          <a:blip r:embed="rId5"/>
           <a:stretch>
             <a:fillRect/>
           </a:stretch>
@@ -745,9 +761,7 @@
           <p:nvPr/>
         </p:nvPicPr>
         <p:blipFill>
-          <a:blip r:embed="rId5">
-            <a:extLst/>
-          </a:blip>
+          <a:blip r:embed="rId6"/>
           <a:stretch>
             <a:fillRect/>
           </a:stretch>
@@ -768,7 +782,9 @@
       <p:sp>
         <p:nvSpPr>
           <p:cNvPr id="9" name="Title Text"/>
-          <p:cNvSpPr txBox="1"/>
+          <p:cNvSpPr txBox="1">
+            <a:spLocks noGrp="1"/>
+          </p:cNvSpPr>
           <p:nvPr>
             <p:ph type="title"/>
           </p:nvPr>
@@ -786,7 +802,7 @@
           </a:ln>
           <a:extLst>
             <a:ext uri="{C572A759-6A51-4108-AA02-DFA0A04FC94B}">
-              <ma14:wrappingTextBoxFlag xmlns:ma14="http://schemas.microsoft.com/office/mac/drawingml/2011/main" val="1"/>
+              <ma14:wrappingTextBoxFlag xmlns="" xmlns:m="http://schemas.openxmlformats.org/officeDocument/2006/math" xmlns:a14="http://schemas.microsoft.com/office/drawing/2010/main" xmlns:ma14="http://schemas.microsoft.com/office/mac/drawingml/2011/main" val="1"/>
             </a:ext>
           </a:extLst>
         </p:spPr>
@@ -794,7 +810,6 @@
           <a:bodyPr lIns="45718" tIns="45718" rIns="45718" bIns="45718" anchor="ctr"/>
           <a:lstStyle/>
           <a:p>
-            <a:pPr/>
             <a:r>
               <a:t>Title Text</a:t>
             </a:r>
@@ -804,7 +819,9 @@
       <p:sp>
         <p:nvSpPr>
           <p:cNvPr id="10" name="Body Level One…"/>
-          <p:cNvSpPr txBox="1"/>
+          <p:cNvSpPr txBox="1">
+            <a:spLocks noGrp="1"/>
+          </p:cNvSpPr>
           <p:nvPr>
             <p:ph type="body" idx="1"/>
           </p:nvPr>
@@ -822,7 +839,7 @@
           </a:ln>
           <a:extLst>
             <a:ext uri="{C572A759-6A51-4108-AA02-DFA0A04FC94B}">
-              <ma14:wrappingTextBoxFlag xmlns:ma14="http://schemas.microsoft.com/office/mac/drawingml/2011/main" val="1"/>
+              <ma14:wrappingTextBoxFlag xmlns="" xmlns:m="http://schemas.openxmlformats.org/officeDocument/2006/math" xmlns:a14="http://schemas.microsoft.com/office/drawing/2010/main" xmlns:ma14="http://schemas.microsoft.com/office/mac/drawingml/2011/main" val="1"/>
             </a:ext>
           </a:extLst>
         </p:spPr>
@@ -830,7 +847,6 @@
           <a:bodyPr lIns="45718" tIns="45718" rIns="45718" bIns="45718"/>
           <a:lstStyle/>
           <a:p>
-            <a:pPr/>
             <a:r>
               <a:t>Body Level One</a:t>
             </a:r>
@@ -864,7 +880,9 @@
       <p:sp>
         <p:nvSpPr>
           <p:cNvPr id="11" name="Slide Number"/>
-          <p:cNvSpPr txBox="1"/>
+          <p:cNvSpPr txBox="1">
+            <a:spLocks noGrp="1"/>
+          </p:cNvSpPr>
           <p:nvPr>
             <p:ph type="sldNum" sz="quarter" idx="2"/>
           </p:nvPr>
@@ -896,8 +914,10 @@
             </a:lvl1pPr>
           </a:lstStyle>
           <a:p>
-            <a:pPr/>
-            <a:fld id="{86CB4B4D-7CA3-9044-876B-883B54F8677D}" type="slidenum"/>
+            <a:fld id="{86CB4B4D-7CA3-9044-876B-883B54F8677D}" type="slidenum">
+              <a:t>‹#›</a:t>
+            </a:fld>
+            <a:endParaRPr/>
           </a:p>
         </p:txBody>
       </p:sp>
@@ -905,9 +925,9 @@
   </p:cSld>
   <p:clrMap bg1="lt1" tx1="dk1" bg2="lt2" tx2="dk2" accent1="accent1" accent2="accent2" accent3="accent3" accent4="accent4" accent5="accent5" accent6="accent6" hlink="hlink" folHlink="folHlink"/>
   <p:sldLayoutIdLst>
-    <p:sldLayoutId id="2147483649" r:id="rId6"/>
+    <p:sldLayoutId id="2147483649" r:id="rId1"/>
   </p:sldLayoutIdLst>
-  <p:transition xmlns:p14="http://schemas.microsoft.com/office/powerpoint/2010/main" spd="med" advClick="1"/>
+  <p:transition spd="med"/>
   <p:txStyles>
     <p:titleStyle>
       <a:lvl1pPr marL="0" marR="0" indent="0" algn="l" defTabSz="914400" rtl="0" latinLnBrk="0">
@@ -925,7 +945,7 @@
         <a:buFontTx/>
         <a:buNone/>
         <a:tabLst/>
-        <a:defRPr b="0" baseline="0" cap="none" i="0" spc="0" strike="noStrike" sz="1400" u="none">
+        <a:defRPr sz="1400" b="0" i="0" u="none" strike="noStrike" cap="none" spc="0" baseline="0">
           <a:solidFill>
             <a:srgbClr val="000000"/>
           </a:solidFill>
@@ -951,7 +971,7 @@
         <a:buFontTx/>
         <a:buNone/>
         <a:tabLst/>
-        <a:defRPr b="0" baseline="0" cap="none" i="0" spc="0" strike="noStrike" sz="1400" u="none">
+        <a:defRPr sz="1400" b="0" i="0" u="none" strike="noStrike" cap="none" spc="0" baseline="0">
           <a:solidFill>
             <a:srgbClr val="000000"/>
           </a:solidFill>
@@ -977,7 +997,7 @@
         <a:buFontTx/>
         <a:buNone/>
         <a:tabLst/>
-        <a:defRPr b="0" baseline="0" cap="none" i="0" spc="0" strike="noStrike" sz="1400" u="none">
+        <a:defRPr sz="1400" b="0" i="0" u="none" strike="noStrike" cap="none" spc="0" baseline="0">
           <a:solidFill>
             <a:srgbClr val="000000"/>
           </a:solidFill>
@@ -1003,7 +1023,7 @@
         <a:buFontTx/>
         <a:buNone/>
         <a:tabLst/>
-        <a:defRPr b="0" baseline="0" cap="none" i="0" spc="0" strike="noStrike" sz="1400" u="none">
+        <a:defRPr sz="1400" b="0" i="0" u="none" strike="noStrike" cap="none" spc="0" baseline="0">
           <a:solidFill>
             <a:srgbClr val="000000"/>
           </a:solidFill>
@@ -1029,7 +1049,7 @@
         <a:buFontTx/>
         <a:buNone/>
         <a:tabLst/>
-        <a:defRPr b="0" baseline="0" cap="none" i="0" spc="0" strike="noStrike" sz="1400" u="none">
+        <a:defRPr sz="1400" b="0" i="0" u="none" strike="noStrike" cap="none" spc="0" baseline="0">
           <a:solidFill>
             <a:srgbClr val="000000"/>
           </a:solidFill>
@@ -1055,7 +1075,7 @@
         <a:buFontTx/>
         <a:buNone/>
         <a:tabLst/>
-        <a:defRPr b="0" baseline="0" cap="none" i="0" spc="0" strike="noStrike" sz="1400" u="none">
+        <a:defRPr sz="1400" b="0" i="0" u="none" strike="noStrike" cap="none" spc="0" baseline="0">
           <a:solidFill>
             <a:srgbClr val="000000"/>
           </a:solidFill>
@@ -1081,7 +1101,7 @@
         <a:buFontTx/>
         <a:buNone/>
         <a:tabLst/>
-        <a:defRPr b="0" baseline="0" cap="none" i="0" spc="0" strike="noStrike" sz="1400" u="none">
+        <a:defRPr sz="1400" b="0" i="0" u="none" strike="noStrike" cap="none" spc="0" baseline="0">
           <a:solidFill>
             <a:srgbClr val="000000"/>
           </a:solidFill>
@@ -1107,7 +1127,7 @@
         <a:buFontTx/>
         <a:buNone/>
         <a:tabLst/>
-        <a:defRPr b="0" baseline="0" cap="none" i="0" spc="0" strike="noStrike" sz="1400" u="none">
+        <a:defRPr sz="1400" b="0" i="0" u="none" strike="noStrike" cap="none" spc="0" baseline="0">
           <a:solidFill>
             <a:srgbClr val="000000"/>
           </a:solidFill>
@@ -1133,7 +1153,7 @@
         <a:buFontTx/>
         <a:buNone/>
         <a:tabLst/>
-        <a:defRPr b="0" baseline="0" cap="none" i="0" spc="0" strike="noStrike" sz="1400" u="none">
+        <a:defRPr sz="1400" b="0" i="0" u="none" strike="noStrike" cap="none" spc="0" baseline="0">
           <a:solidFill>
             <a:srgbClr val="000000"/>
           </a:solidFill>
@@ -1161,7 +1181,7 @@
         <a:buFontTx/>
         <a:buNone/>
         <a:tabLst/>
-        <a:defRPr b="0" baseline="0" cap="none" i="0" spc="0" strike="noStrike" sz="1400" u="none">
+        <a:defRPr sz="1400" b="0" i="0" u="none" strike="noStrike" cap="none" spc="0" baseline="0">
           <a:solidFill>
             <a:srgbClr val="000000"/>
           </a:solidFill>
@@ -1187,7 +1207,7 @@
         <a:buFontTx/>
         <a:buNone/>
         <a:tabLst/>
-        <a:defRPr b="0" baseline="0" cap="none" i="0" spc="0" strike="noStrike" sz="1400" u="none">
+        <a:defRPr sz="1400" b="0" i="0" u="none" strike="noStrike" cap="none" spc="0" baseline="0">
           <a:solidFill>
             <a:srgbClr val="000000"/>
           </a:solidFill>
@@ -1213,7 +1233,7 @@
         <a:buFontTx/>
         <a:buNone/>
         <a:tabLst/>
-        <a:defRPr b="0" baseline="0" cap="none" i="0" spc="0" strike="noStrike" sz="1400" u="none">
+        <a:defRPr sz="1400" b="0" i="0" u="none" strike="noStrike" cap="none" spc="0" baseline="0">
           <a:solidFill>
             <a:srgbClr val="000000"/>
           </a:solidFill>
@@ -1239,7 +1259,7 @@
         <a:buFontTx/>
         <a:buNone/>
         <a:tabLst/>
-        <a:defRPr b="0" baseline="0" cap="none" i="0" spc="0" strike="noStrike" sz="1400" u="none">
+        <a:defRPr sz="1400" b="0" i="0" u="none" strike="noStrike" cap="none" spc="0" baseline="0">
           <a:solidFill>
             <a:srgbClr val="000000"/>
           </a:solidFill>
@@ -1265,7 +1285,7 @@
         <a:buFontTx/>
         <a:buNone/>
         <a:tabLst/>
-        <a:defRPr b="0" baseline="0" cap="none" i="0" spc="0" strike="noStrike" sz="1400" u="none">
+        <a:defRPr sz="1400" b="0" i="0" u="none" strike="noStrike" cap="none" spc="0" baseline="0">
           <a:solidFill>
             <a:srgbClr val="000000"/>
           </a:solidFill>
@@ -1291,7 +1311,7 @@
         <a:buFontTx/>
         <a:buNone/>
         <a:tabLst/>
-        <a:defRPr b="0" baseline="0" cap="none" i="0" spc="0" strike="noStrike" sz="1400" u="none">
+        <a:defRPr sz="1400" b="0" i="0" u="none" strike="noStrike" cap="none" spc="0" baseline="0">
           <a:solidFill>
             <a:srgbClr val="000000"/>
           </a:solidFill>
@@ -1317,7 +1337,7 @@
         <a:buFontTx/>
         <a:buNone/>
         <a:tabLst/>
-        <a:defRPr b="0" baseline="0" cap="none" i="0" spc="0" strike="noStrike" sz="1400" u="none">
+        <a:defRPr sz="1400" b="0" i="0" u="none" strike="noStrike" cap="none" spc="0" baseline="0">
           <a:solidFill>
             <a:srgbClr val="000000"/>
           </a:solidFill>
@@ -1343,7 +1363,7 @@
         <a:buFontTx/>
         <a:buNone/>
         <a:tabLst/>
-        <a:defRPr b="0" baseline="0" cap="none" i="0" spc="0" strike="noStrike" sz="1400" u="none">
+        <a:defRPr sz="1400" b="0" i="0" u="none" strike="noStrike" cap="none" spc="0" baseline="0">
           <a:solidFill>
             <a:srgbClr val="000000"/>
           </a:solidFill>
@@ -1369,7 +1389,7 @@
         <a:buFontTx/>
         <a:buNone/>
         <a:tabLst/>
-        <a:defRPr b="0" baseline="0" cap="none" i="0" spc="0" strike="noStrike" sz="1400" u="none">
+        <a:defRPr sz="1400" b="0" i="0" u="none" strike="noStrike" cap="none" spc="0" baseline="0">
           <a:solidFill>
             <a:srgbClr val="000000"/>
           </a:solidFill>
@@ -1397,7 +1417,7 @@
         <a:buFontTx/>
         <a:buNone/>
         <a:tabLst/>
-        <a:defRPr b="0" baseline="0" cap="none" i="0" spc="0" strike="noStrike" sz="1200" u="none">
+        <a:defRPr sz="1200" b="0" i="0" u="none" strike="noStrike" cap="none" spc="0" baseline="0">
           <a:solidFill>
             <a:schemeClr val="tx1"/>
           </a:solidFill>
@@ -1423,7 +1443,7 @@
         <a:buFontTx/>
         <a:buNone/>
         <a:tabLst/>
-        <a:defRPr b="0" baseline="0" cap="none" i="0" spc="0" strike="noStrike" sz="1200" u="none">
+        <a:defRPr sz="1200" b="0" i="0" u="none" strike="noStrike" cap="none" spc="0" baseline="0">
           <a:solidFill>
             <a:schemeClr val="tx1"/>
           </a:solidFill>
@@ -1449,7 +1469,7 @@
         <a:buFontTx/>
         <a:buNone/>
         <a:tabLst/>
-        <a:defRPr b="0" baseline="0" cap="none" i="0" spc="0" strike="noStrike" sz="1200" u="none">
+        <a:defRPr sz="1200" b="0" i="0" u="none" strike="noStrike" cap="none" spc="0" baseline="0">
           <a:solidFill>
             <a:schemeClr val="tx1"/>
           </a:solidFill>
@@ -1475,7 +1495,7 @@
         <a:buFontTx/>
         <a:buNone/>
         <a:tabLst/>
-        <a:defRPr b="0" baseline="0" cap="none" i="0" spc="0" strike="noStrike" sz="1200" u="none">
+        <a:defRPr sz="1200" b="0" i="0" u="none" strike="noStrike" cap="none" spc="0" baseline="0">
           <a:solidFill>
             <a:schemeClr val="tx1"/>
           </a:solidFill>
@@ -1501,7 +1521,7 @@
         <a:buFontTx/>
         <a:buNone/>
         <a:tabLst/>
-        <a:defRPr b="0" baseline="0" cap="none" i="0" spc="0" strike="noStrike" sz="1200" u="none">
+        <a:defRPr sz="1200" b="0" i="0" u="none" strike="noStrike" cap="none" spc="0" baseline="0">
           <a:solidFill>
             <a:schemeClr val="tx1"/>
           </a:solidFill>
@@ -1527,7 +1547,7 @@
         <a:buFontTx/>
         <a:buNone/>
         <a:tabLst/>
-        <a:defRPr b="0" baseline="0" cap="none" i="0" spc="0" strike="noStrike" sz="1200" u="none">
+        <a:defRPr sz="1200" b="0" i="0" u="none" strike="noStrike" cap="none" spc="0" baseline="0">
           <a:solidFill>
             <a:schemeClr val="tx1"/>
           </a:solidFill>
@@ -1553,7 +1573,7 @@
         <a:buFontTx/>
         <a:buNone/>
         <a:tabLst/>
-        <a:defRPr b="0" baseline="0" cap="none" i="0" spc="0" strike="noStrike" sz="1200" u="none">
+        <a:defRPr sz="1200" b="0" i="0" u="none" strike="noStrike" cap="none" spc="0" baseline="0">
           <a:solidFill>
             <a:schemeClr val="tx1"/>
           </a:solidFill>
@@ -1579,7 +1599,7 @@
         <a:buFontTx/>
         <a:buNone/>
         <a:tabLst/>
-        <a:defRPr b="0" baseline="0" cap="none" i="0" spc="0" strike="noStrike" sz="1200" u="none">
+        <a:defRPr sz="1200" b="0" i="0" u="none" strike="noStrike" cap="none" spc="0" baseline="0">
           <a:solidFill>
             <a:schemeClr val="tx1"/>
           </a:solidFill>
@@ -1605,7 +1625,7 @@
         <a:buFontTx/>
         <a:buNone/>
         <a:tabLst/>
-        <a:defRPr b="0" baseline="0" cap="none" i="0" spc="0" strike="noStrike" sz="1200" u="none">
+        <a:defRPr sz="1200" b="0" i="0" u="none" strike="noStrike" cap="none" spc="0" baseline="0">
           <a:solidFill>
             <a:schemeClr val="tx1"/>
           </a:solidFill>
@@ -1622,7 +1642,7 @@
 </file>
 
 <file path=ppt/slides/slide1.xml><?xml version="1.0" encoding="utf-8"?>
-<p:sld xmlns:a="http://schemas.openxmlformats.org/drawingml/2006/main" xmlns:r="http://schemas.openxmlformats.org/officeDocument/2006/relationships" xmlns:p="http://schemas.openxmlformats.org/presentationml/2006/main" xmlns:m="http://schemas.openxmlformats.org/officeDocument/2006/math" xmlns:a14="http://schemas.microsoft.com/office/drawing/2010/main" showMasterSp="1" showMasterPhAnim="1">
+<p:sld xmlns:a="http://schemas.openxmlformats.org/drawingml/2006/main" xmlns:r="http://schemas.openxmlformats.org/officeDocument/2006/relationships" xmlns:p="http://schemas.openxmlformats.org/presentationml/2006/main">
   <p:cSld>
     <p:spTree>
       <p:nvGrpSpPr>
@@ -1646,8 +1666,8 @@
         </p:nvSpPr>
         <p:spPr>
           <a:xfrm>
-            <a:off x="548398" y="1519288"/>
-            <a:ext cx="7743983" cy="1437639"/>
+            <a:off x="521407" y="1519288"/>
+            <a:ext cx="7797965" cy="1508101"/>
           </a:xfrm>
           <a:prstGeom prst="rect">
             <a:avLst/>
@@ -1657,7 +1677,7 @@
           </a:ln>
           <a:extLst>
             <a:ext uri="{C572A759-6A51-4108-AA02-DFA0A04FC94B}">
-              <ma14:wrappingTextBoxFlag xmlns:ma14="http://schemas.microsoft.com/office/mac/drawingml/2011/main" val="1"/>
+              <ma14:wrappingTextBoxFlag xmlns="" xmlns:m="http://schemas.openxmlformats.org/officeDocument/2006/math" xmlns:a14="http://schemas.microsoft.com/office/drawing/2010/main" xmlns:ma14="http://schemas.microsoft.com/office/mac/drawingml/2011/main" val="1"/>
             </a:ext>
           </a:extLst>
         </p:spPr>
@@ -1679,6 +1699,7 @@
               </a:defRPr>
             </a:pPr>
             <a:r>
+              <a:rPr dirty="0"/>
               <a:t>Department of Computer Science &amp; Engineering</a:t>
             </a:r>
           </a:p>
@@ -1694,6 +1715,7 @@
                 <a:sym typeface="Trebuchet MS"/>
               </a:defRPr>
             </a:pPr>
+            <a:endParaRPr dirty="0"/>
           </a:p>
           <a:p>
             <a:pPr algn="ctr">
@@ -1708,8 +1730,30 @@
               </a:defRPr>
             </a:pPr>
             <a:r>
-              <a:t>UE17CS342 – knowledge management</a:t>
-            </a:r>
+              <a:rPr dirty="0"/>
+              <a:t>UE17CS342 – </a:t>
+            </a:r>
+            <a:r>
+              <a:rPr lang="en-IN" dirty="0"/>
+              <a:t>K</a:t>
+            </a:r>
+            <a:r>
+              <a:rPr dirty="0" err="1"/>
+              <a:t>nowledge</a:t>
+            </a:r>
+            <a:r>
+              <a:rPr dirty="0"/>
+              <a:t> </a:t>
+            </a:r>
+            <a:r>
+              <a:rPr lang="en-IN" dirty="0"/>
+              <a:t>M</a:t>
+            </a:r>
+            <a:r>
+              <a:rPr dirty="0" err="1"/>
+              <a:t>anagement</a:t>
+            </a:r>
+            <a:endParaRPr dirty="0"/>
           </a:p>
         </p:txBody>
       </p:sp>
@@ -1732,7 +1776,7 @@
           </a:ln>
           <a:extLst>
             <a:ext uri="{C572A759-6A51-4108-AA02-DFA0A04FC94B}">
-              <ma14:wrappingTextBoxFlag xmlns:ma14="http://schemas.microsoft.com/office/mac/drawingml/2011/main" val="1"/>
+              <ma14:wrappingTextBoxFlag xmlns="" xmlns:m="http://schemas.openxmlformats.org/officeDocument/2006/math" xmlns:a14="http://schemas.microsoft.com/office/drawing/2010/main" xmlns:ma14="http://schemas.microsoft.com/office/mac/drawingml/2011/main" val="1"/>
             </a:ext>
           </a:extLst>
         </p:spPr>
@@ -1749,7 +1793,7 @@
               <a:spcBef>
                 <a:spcPts val="1500"/>
               </a:spcBef>
-              <a:defRPr spc="-18" sz="1800">
+              <a:defRPr sz="1800" spc="-18">
                 <a:latin typeface="Bahnschrift SemiBold"/>
                 <a:ea typeface="Bahnschrift SemiBold"/>
                 <a:cs typeface="Bahnschrift SemiBold"/>
@@ -1765,21 +1809,8 @@
                   <a:srgbClr val="008CB4"/>
                 </a:solidFill>
               </a:rPr>
-              <a:t> </a:t>
-            </a:r>
-            <a:r>
-              <a:rPr>
-                <a:solidFill>
-                  <a:srgbClr val="008CB4"/>
-                </a:solidFill>
-              </a:rPr>
-              <a:t>–</a:t>
-            </a:r>
-            <a:endParaRPr>
-              <a:solidFill>
-                <a:srgbClr val="008CB4"/>
-              </a:solidFill>
-            </a:endParaRPr>
+              <a:t> –</a:t>
+            </a:r>
           </a:p>
           <a:p>
             <a:pPr defTabSz="457200">
@@ -1789,7 +1820,7 @@
               <a:spcBef>
                 <a:spcPts val="1500"/>
               </a:spcBef>
-              <a:defRPr spc="-18" sz="1800">
+              <a:defRPr sz="1800" spc="-18">
                 <a:solidFill>
                   <a:srgbClr val="020202"/>
                 </a:solidFill>
@@ -1800,10 +1831,7 @@
               </a:defRPr>
             </a:pPr>
             <a:r>
-              <a:t>Nikunj Goyal:</a:t>
-            </a:r>
-            <a:r>
-              <a:t> PES1201700020</a:t>
+              <a:t>Nikunj Goyal: PES1201700020</a:t>
             </a:r>
           </a:p>
           <a:p>
@@ -1814,7 +1842,7 @@
               <a:spcBef>
                 <a:spcPts val="1500"/>
               </a:spcBef>
-              <a:defRPr spc="-18" sz="1800">
+              <a:defRPr sz="1800" spc="-18">
                 <a:solidFill>
                   <a:srgbClr val="000001"/>
                 </a:solidFill>
@@ -1825,16 +1853,7 @@
               </a:defRPr>
             </a:pPr>
             <a:r>
-              <a:t>Ritwik</a:t>
-            </a:r>
-            <a:r>
-              <a:t> Sinha</a:t>
-            </a:r>
-            <a:r>
-              <a:t>:</a:t>
-            </a:r>
-            <a:r>
-              <a:t> PES1201700085</a:t>
+              <a:t>Ritwik Sinha: PES1201700085</a:t>
             </a:r>
           </a:p>
           <a:p>
@@ -1845,7 +1864,7 @@
               <a:spcBef>
                 <a:spcPts val="1500"/>
               </a:spcBef>
-              <a:defRPr spc="-18" sz="1800">
+              <a:defRPr sz="1800" spc="-18">
                 <a:solidFill>
                   <a:srgbClr val="020202"/>
                 </a:solidFill>
@@ -1856,10 +1875,7 @@
               </a:defRPr>
             </a:pPr>
             <a:r>
-              <a:t>Priyanshu Gupta:</a:t>
-            </a:r>
-            <a:r>
-              <a:t> PES1201700110</a:t>
+              <a:t>Priyanshu Gupta: PES1201700110</a:t>
             </a:r>
           </a:p>
           <a:p>
@@ -1870,7 +1886,7 @@
               <a:spcBef>
                 <a:spcPts val="1500"/>
               </a:spcBef>
-              <a:defRPr spc="-18" sz="1800">
+              <a:defRPr sz="1800" spc="-18">
                 <a:solidFill>
                   <a:srgbClr val="020202"/>
                 </a:solidFill>
@@ -1881,16 +1897,7 @@
               </a:defRPr>
             </a:pPr>
             <a:r>
-              <a:t>Anand Singhania</a:t>
-            </a:r>
-            <a:r>
-              <a:t> </a:t>
-            </a:r>
-            <a:r>
-              <a:t>:</a:t>
-            </a:r>
-            <a:r>
-              <a:t> PES1201700130</a:t>
+              <a:t>Anand Singhania : PES1201700130</a:t>
             </a:r>
             <a:endParaRPr>
               <a:solidFill>
@@ -1910,7 +1917,7 @@
               <a:spcBef>
                 <a:spcPts val="1500"/>
               </a:spcBef>
-              <a:defRPr spc="-18" sz="1800">
+              <a:defRPr sz="1800" spc="-18">
                 <a:solidFill>
                   <a:srgbClr val="020202"/>
                 </a:solidFill>
@@ -1921,10 +1928,7 @@
               </a:defRPr>
             </a:pPr>
             <a:r>
-              <a:t>Jasraj Anand</a:t>
-            </a:r>
-            <a:r>
-              <a:t>: PES1201700171</a:t>
+              <a:t>Jasraj Anand: PES1201700171</a:t>
             </a:r>
           </a:p>
           <a:p>
@@ -1935,7 +1939,7 @@
               <a:spcBef>
                 <a:spcPts val="1500"/>
               </a:spcBef>
-              <a:defRPr spc="-18" sz="1800">
+              <a:defRPr sz="1800" spc="-18">
                 <a:solidFill>
                   <a:srgbClr val="020202"/>
                 </a:solidFill>
@@ -1960,9 +1964,7 @@
           <p:nvPr/>
         </p:nvPicPr>
         <p:blipFill>
-          <a:blip r:embed="rId2">
-            <a:extLst/>
-          </a:blip>
+          <a:blip r:embed="rId2"/>
           <a:stretch>
             <a:fillRect/>
           </a:stretch>
@@ -1985,12 +1987,659 @@
   <p:clrMapOvr>
     <a:masterClrMapping/>
   </p:clrMapOvr>
-  <p:transition xmlns:p14="http://schemas.microsoft.com/office/powerpoint/2010/main" spd="med" advClick="1"/>
+  <p:transition spd="med"/>
 </p:sld>
 </file>
 
 <file path=ppt/slides/slide10.xml><?xml version="1.0" encoding="utf-8"?>
-<p:sld xmlns:a="http://schemas.openxmlformats.org/drawingml/2006/main" xmlns:r="http://schemas.openxmlformats.org/officeDocument/2006/relationships" xmlns:p="http://schemas.openxmlformats.org/presentationml/2006/main" xmlns:m="http://schemas.openxmlformats.org/officeDocument/2006/math" xmlns:a14="http://schemas.microsoft.com/office/drawing/2010/main" showMasterSp="1" showMasterPhAnim="1">
+<p:sld xmlns:a="http://schemas.openxmlformats.org/drawingml/2006/main" xmlns:r="http://schemas.openxmlformats.org/officeDocument/2006/relationships" xmlns:p="http://schemas.openxmlformats.org/presentationml/2006/main">
+  <p:cSld>
+    <p:spTree>
+      <p:nvGrpSpPr>
+        <p:cNvPr id="1" name=""/>
+        <p:cNvGrpSpPr/>
+        <p:nvPr/>
+      </p:nvGrpSpPr>
+      <p:grpSpPr>
+        <a:xfrm>
+          <a:off x="0" y="0"/>
+          <a:ext cx="0" cy="0"/>
+          <a:chOff x="0" y="0"/>
+          <a:chExt cx="0" cy="0"/>
+        </a:xfrm>
+      </p:grpSpPr>
+      <p:sp>
+        <p:nvSpPr>
+          <p:cNvPr id="50" name="Knowledge management with regard to communication and feedback at the Wal-Mart"/>
+          <p:cNvSpPr txBox="1"/>
+          <p:nvPr/>
+        </p:nvSpPr>
+        <p:spPr>
+          <a:xfrm>
+            <a:off x="847423" y="1282480"/>
+            <a:ext cx="8256684" cy="338376"/>
+          </a:xfrm>
+          <a:prstGeom prst="rect">
+            <a:avLst/>
+          </a:prstGeom>
+          <a:ln w="12700">
+            <a:miter lim="400000"/>
+          </a:ln>
+          <a:extLst>
+            <a:ext uri="{C572A759-6A51-4108-AA02-DFA0A04FC94B}">
+              <ma14:wrappingTextBoxFlag xmlns="" xmlns:m="http://schemas.openxmlformats.org/officeDocument/2006/math" xmlns:a14="http://schemas.microsoft.com/office/drawing/2010/main" xmlns:ma14="http://schemas.microsoft.com/office/mac/drawingml/2011/main" val="1"/>
+            </a:ext>
+          </a:extLst>
+        </p:spPr>
+        <p:txBody>
+          <a:bodyPr wrap="none" lIns="45718" tIns="45718" rIns="45718" bIns="45718">
+            <a:spAutoFit/>
+          </a:bodyPr>
+          <a:lstStyle>
+            <a:lvl1pPr>
+              <a:defRPr sz="1700">
+                <a:solidFill>
+                  <a:srgbClr val="FF2600"/>
+                </a:solidFill>
+                <a:latin typeface="+mn-lt"/>
+                <a:ea typeface="+mn-ea"/>
+                <a:cs typeface="+mn-cs"/>
+                <a:sym typeface="Arial"/>
+              </a:defRPr>
+            </a:lvl1pPr>
+          </a:lstStyle>
+          <a:p>
+            <a:r>
+              <a:t>Knowledge management with regard to communication and feedback at the Wal-Mart</a:t>
+            </a:r>
+          </a:p>
+        </p:txBody>
+      </p:sp>
+      <p:sp>
+        <p:nvSpPr>
+          <p:cNvPr id="51" name="At the Wal-Mart stores, knowledge management is made into use with regard to conflict…"/>
+          <p:cNvSpPr txBox="1"/>
+          <p:nvPr/>
+        </p:nvSpPr>
+        <p:spPr>
+          <a:xfrm>
+            <a:off x="236675" y="2414686"/>
+            <a:ext cx="7271565" cy="3416316"/>
+          </a:xfrm>
+          <a:prstGeom prst="rect">
+            <a:avLst/>
+          </a:prstGeom>
+          <a:ln w="12700">
+            <a:miter lim="400000"/>
+          </a:ln>
+          <a:extLst>
+            <a:ext uri="{C572A759-6A51-4108-AA02-DFA0A04FC94B}">
+              <ma14:wrappingTextBoxFlag xmlns="" xmlns:m="http://schemas.openxmlformats.org/officeDocument/2006/math" xmlns:a14="http://schemas.microsoft.com/office/drawing/2010/main" xmlns:ma14="http://schemas.microsoft.com/office/mac/drawingml/2011/main" val="1"/>
+            </a:ext>
+          </a:extLst>
+        </p:spPr>
+        <p:txBody>
+          <a:bodyPr wrap="square" lIns="45718" tIns="45718" rIns="45718" bIns="45718">
+            <a:spAutoFit/>
+          </a:bodyPr>
+          <a:lstStyle/>
+          <a:p>
+            <a:pPr>
+              <a:defRPr>
+                <a:latin typeface="+mn-lt"/>
+                <a:ea typeface="+mn-ea"/>
+                <a:cs typeface="+mn-cs"/>
+                <a:sym typeface="Arial"/>
+              </a:defRPr>
+            </a:pPr>
+            <a:r>
+              <a:rPr lang="en-US" sz="1800" dirty="0">
+                <a:latin typeface="Palatino"/>
+              </a:rPr>
+              <a:t>At the Wal-Mart stores, knowledge management is made into use with regard to conflict</a:t>
+            </a:r>
+          </a:p>
+          <a:p>
+            <a:pPr>
+              <a:defRPr>
+                <a:latin typeface="+mn-lt"/>
+                <a:ea typeface="+mn-ea"/>
+                <a:cs typeface="+mn-cs"/>
+                <a:sym typeface="Arial"/>
+              </a:defRPr>
+            </a:pPr>
+            <a:r>
+              <a:rPr lang="en-US" sz="1800" dirty="0">
+                <a:latin typeface="Palatino"/>
+              </a:rPr>
+              <a:t>management and as such, a complex system of solving conflicts has been created. The company’s intellectual negotiation capability enables it to differentiate between principles and discover prone areas and discard them. </a:t>
+            </a:r>
+          </a:p>
+          <a:p>
+            <a:pPr>
+              <a:defRPr>
+                <a:latin typeface="+mn-lt"/>
+                <a:ea typeface="+mn-ea"/>
+                <a:cs typeface="+mn-cs"/>
+                <a:sym typeface="Arial"/>
+              </a:defRPr>
+            </a:pPr>
+            <a:endParaRPr sz="1800" dirty="0">
+              <a:latin typeface="Palatino"/>
+            </a:endParaRPr>
+          </a:p>
+          <a:p>
+            <a:pPr>
+              <a:defRPr>
+                <a:latin typeface="+mn-lt"/>
+                <a:ea typeface="+mn-ea"/>
+                <a:cs typeface="+mn-cs"/>
+                <a:sym typeface="Arial"/>
+              </a:defRPr>
+            </a:pPr>
+            <a:endParaRPr sz="1800" dirty="0">
+              <a:latin typeface="Palatino"/>
+            </a:endParaRPr>
+          </a:p>
+          <a:p>
+            <a:pPr>
+              <a:defRPr>
+                <a:latin typeface="+mn-lt"/>
+                <a:ea typeface="+mn-ea"/>
+                <a:cs typeface="+mn-cs"/>
+                <a:sym typeface="Arial"/>
+              </a:defRPr>
+            </a:pPr>
+            <a:r>
+              <a:rPr sz="1800" dirty="0">
+                <a:latin typeface="Palatino"/>
+              </a:rPr>
+              <a:t>Ascending principles and self-esteem are two key issues that have been addressed appropriately through subjective application of knowledge management in enhancing effective communication in company (</a:t>
+            </a:r>
+            <a:r>
+              <a:rPr sz="1800" dirty="0" err="1">
+                <a:latin typeface="Palatino"/>
+              </a:rPr>
+              <a:t>Zetie</a:t>
+            </a:r>
+            <a:r>
+              <a:rPr sz="1800" dirty="0">
+                <a:latin typeface="Palatino"/>
+              </a:rPr>
+              <a:t>, 2003)</a:t>
+            </a:r>
+          </a:p>
+        </p:txBody>
+      </p:sp>
+    </p:spTree>
+  </p:cSld>
+  <p:clrMapOvr>
+    <a:masterClrMapping/>
+  </p:clrMapOvr>
+  <p:transition spd="med"/>
+</p:sld>
+</file>
+
+<file path=ppt/slides/slide11.xml><?xml version="1.0" encoding="utf-8"?>
+<p:sld xmlns:a="http://schemas.openxmlformats.org/drawingml/2006/main" xmlns:r="http://schemas.openxmlformats.org/officeDocument/2006/relationships" xmlns:p="http://schemas.openxmlformats.org/presentationml/2006/main">
+  <p:cSld>
+    <p:spTree>
+      <p:nvGrpSpPr>
+        <p:cNvPr id="1" name=""/>
+        <p:cNvGrpSpPr/>
+        <p:nvPr/>
+      </p:nvGrpSpPr>
+      <p:grpSpPr>
+        <a:xfrm>
+          <a:off x="0" y="0"/>
+          <a:ext cx="0" cy="0"/>
+          <a:chOff x="0" y="0"/>
+          <a:chExt cx="0" cy="0"/>
+        </a:xfrm>
+      </p:grpSpPr>
+      <p:sp>
+        <p:nvSpPr>
+          <p:cNvPr id="53" name="Technology-push model of KM"/>
+          <p:cNvSpPr txBox="1"/>
+          <p:nvPr/>
+        </p:nvSpPr>
+        <p:spPr>
+          <a:xfrm>
+            <a:off x="5619191" y="1307256"/>
+            <a:ext cx="3350024" cy="362945"/>
+          </a:xfrm>
+          <a:prstGeom prst="rect">
+            <a:avLst/>
+          </a:prstGeom>
+          <a:ln w="12700">
+            <a:miter lim="400000"/>
+          </a:ln>
+          <a:extLst>
+            <a:ext uri="{C572A759-6A51-4108-AA02-DFA0A04FC94B}">
+              <ma14:wrappingTextBoxFlag xmlns="" xmlns:m="http://schemas.openxmlformats.org/officeDocument/2006/math" xmlns:a14="http://schemas.microsoft.com/office/drawing/2010/main" xmlns:ma14="http://schemas.microsoft.com/office/mac/drawingml/2011/main" val="1"/>
+            </a:ext>
+          </a:extLst>
+        </p:spPr>
+        <p:txBody>
+          <a:bodyPr wrap="none" lIns="45718" tIns="45718" rIns="45718" bIns="45718">
+            <a:spAutoFit/>
+          </a:bodyPr>
+          <a:lstStyle>
+            <a:lvl1pPr>
+              <a:defRPr sz="1900">
+                <a:solidFill>
+                  <a:srgbClr val="FF2600"/>
+                </a:solidFill>
+                <a:latin typeface="+mn-lt"/>
+                <a:ea typeface="+mn-ea"/>
+                <a:cs typeface="+mn-cs"/>
+                <a:sym typeface="Arial"/>
+              </a:defRPr>
+            </a:lvl1pPr>
+          </a:lstStyle>
+          <a:p>
+            <a:r>
+              <a:t>Technology-push model of KM</a:t>
+            </a:r>
+          </a:p>
+        </p:txBody>
+      </p:sp>
+      <p:pic>
+        <p:nvPicPr>
+          <p:cNvPr id="54" name="page6image19936464.jpg" descr="page6image19936464.jpg"/>
+          <p:cNvPicPr>
+            <a:picLocks noChangeAspect="1"/>
+          </p:cNvPicPr>
+          <p:nvPr/>
+        </p:nvPicPr>
+        <p:blipFill>
+          <a:blip r:embed="rId2"/>
+          <a:stretch>
+            <a:fillRect/>
+          </a:stretch>
+        </p:blipFill>
+        <p:spPr>
+          <a:xfrm>
+            <a:off x="230819" y="2244533"/>
+            <a:ext cx="7191662" cy="3747768"/>
+          </a:xfrm>
+          <a:prstGeom prst="rect">
+            <a:avLst/>
+          </a:prstGeom>
+          <a:ln w="12700">
+            <a:miter lim="400000"/>
+          </a:ln>
+        </p:spPr>
+      </p:pic>
+    </p:spTree>
+  </p:cSld>
+  <p:clrMapOvr>
+    <a:masterClrMapping/>
+  </p:clrMapOvr>
+  <p:transition spd="med"/>
+</p:sld>
+</file>
+
+<file path=ppt/slides/slide12.xml><?xml version="1.0" encoding="utf-8"?>
+<p:sld xmlns:a="http://schemas.openxmlformats.org/drawingml/2006/main" xmlns:r="http://schemas.openxmlformats.org/officeDocument/2006/relationships" xmlns:p="http://schemas.openxmlformats.org/presentationml/2006/main">
+  <p:cSld>
+    <p:spTree>
+      <p:nvGrpSpPr>
+        <p:cNvPr id="1" name=""/>
+        <p:cNvGrpSpPr/>
+        <p:nvPr/>
+      </p:nvGrpSpPr>
+      <p:grpSpPr>
+        <a:xfrm>
+          <a:off x="0" y="0"/>
+          <a:ext cx="0" cy="0"/>
+          <a:chOff x="0" y="0"/>
+          <a:chExt cx="0" cy="0"/>
+        </a:xfrm>
+      </p:grpSpPr>
+      <p:sp>
+        <p:nvSpPr>
+          <p:cNvPr id="56" name="Technology-push model of KM"/>
+          <p:cNvSpPr txBox="1"/>
+          <p:nvPr/>
+        </p:nvSpPr>
+        <p:spPr>
+          <a:xfrm>
+            <a:off x="5559657" y="1270196"/>
+            <a:ext cx="3350024" cy="362944"/>
+          </a:xfrm>
+          <a:prstGeom prst="rect">
+            <a:avLst/>
+          </a:prstGeom>
+          <a:ln w="12700">
+            <a:miter lim="400000"/>
+          </a:ln>
+          <a:extLst>
+            <a:ext uri="{C572A759-6A51-4108-AA02-DFA0A04FC94B}">
+              <ma14:wrappingTextBoxFlag xmlns="" xmlns:m="http://schemas.openxmlformats.org/officeDocument/2006/math" xmlns:a14="http://schemas.microsoft.com/office/drawing/2010/main" xmlns:ma14="http://schemas.microsoft.com/office/mac/drawingml/2011/main" val="1"/>
+            </a:ext>
+          </a:extLst>
+        </p:spPr>
+        <p:txBody>
+          <a:bodyPr wrap="none" lIns="45718" tIns="45718" rIns="45718" bIns="45718">
+            <a:spAutoFit/>
+          </a:bodyPr>
+          <a:lstStyle>
+            <a:lvl1pPr>
+              <a:defRPr sz="1900">
+                <a:solidFill>
+                  <a:srgbClr val="FF2600"/>
+                </a:solidFill>
+                <a:latin typeface="+mn-lt"/>
+                <a:ea typeface="+mn-ea"/>
+                <a:cs typeface="+mn-cs"/>
+                <a:sym typeface="Arial"/>
+              </a:defRPr>
+            </a:lvl1pPr>
+          </a:lstStyle>
+          <a:p>
+            <a:r>
+              <a:t>Technology-push model of KM</a:t>
+            </a:r>
+          </a:p>
+        </p:txBody>
+      </p:sp>
+      <p:sp>
+        <p:nvSpPr>
+          <p:cNvPr id="57" name="This framework generally serves the requirements of organizational performance given proper information and lesser types of systems within particular business environment.…"/>
+          <p:cNvSpPr txBox="1"/>
+          <p:nvPr/>
+        </p:nvSpPr>
+        <p:spPr>
+          <a:xfrm>
+            <a:off x="159339" y="1846754"/>
+            <a:ext cx="7267621" cy="4269370"/>
+          </a:xfrm>
+          <a:prstGeom prst="rect">
+            <a:avLst/>
+          </a:prstGeom>
+          <a:ln w="12700">
+            <a:miter lim="400000"/>
+          </a:ln>
+          <a:extLst>
+            <a:ext uri="{C572A759-6A51-4108-AA02-DFA0A04FC94B}">
+              <ma14:wrappingTextBoxFlag xmlns="" xmlns:m="http://schemas.openxmlformats.org/officeDocument/2006/math" xmlns:a14="http://schemas.microsoft.com/office/drawing/2010/main" xmlns:ma14="http://schemas.microsoft.com/office/mac/drawingml/2011/main" val="1"/>
+            </a:ext>
+          </a:extLst>
+        </p:spPr>
+        <p:txBody>
+          <a:bodyPr wrap="square" lIns="45718" tIns="45718" rIns="45718" bIns="45718">
+            <a:spAutoFit/>
+          </a:bodyPr>
+          <a:lstStyle/>
+          <a:p>
+            <a:pPr marL="140367" indent="-140367" defTabSz="457200">
+              <a:lnSpc>
+                <a:spcPts val="3400"/>
+              </a:lnSpc>
+              <a:spcBef>
+                <a:spcPts val="1200"/>
+              </a:spcBef>
+              <a:buSzPct val="100000"/>
+              <a:buChar char="•"/>
+              <a:defRPr>
+                <a:latin typeface="Times New Roman"/>
+                <a:ea typeface="Times New Roman"/>
+                <a:cs typeface="Times New Roman"/>
+                <a:sym typeface="Times New Roman"/>
+              </a:defRPr>
+            </a:pPr>
+            <a:r>
+              <a:rPr sz="1800" dirty="0">
+                <a:latin typeface="Palatino"/>
+              </a:rPr>
+              <a:t>This framework generally serves the requirements of organizational performance given proper information and lesser types of systems within particular business environment. </a:t>
+            </a:r>
+          </a:p>
+          <a:p>
+            <a:pPr marL="140367" indent="-140367" defTabSz="457200">
+              <a:lnSpc>
+                <a:spcPts val="3400"/>
+              </a:lnSpc>
+              <a:spcBef>
+                <a:spcPts val="1200"/>
+              </a:spcBef>
+              <a:buSzPct val="100000"/>
+              <a:buChar char="•"/>
+              <a:defRPr>
+                <a:latin typeface="Times New Roman"/>
+                <a:ea typeface="Times New Roman"/>
+                <a:cs typeface="Times New Roman"/>
+                <a:sym typeface="Times New Roman"/>
+              </a:defRPr>
+            </a:pPr>
+            <a:r>
+              <a:rPr sz="1800" dirty="0">
+                <a:latin typeface="Palatino"/>
+              </a:rPr>
+              <a:t>Therefore, with unprecedented increase in information, huge variety of new technologies and rapidly changing business environment, this particular framework has outlived utility.</a:t>
+            </a:r>
+          </a:p>
+          <a:p>
+            <a:pPr marL="140367" indent="-140367" defTabSz="457200">
+              <a:lnSpc>
+                <a:spcPts val="3400"/>
+              </a:lnSpc>
+              <a:spcBef>
+                <a:spcPts val="1200"/>
+              </a:spcBef>
+              <a:buSzPct val="100000"/>
+              <a:buChar char="•"/>
+              <a:defRPr>
+                <a:latin typeface="Times New Roman"/>
+                <a:ea typeface="Times New Roman"/>
+                <a:cs typeface="Times New Roman"/>
+                <a:sym typeface="Times New Roman"/>
+              </a:defRPr>
+            </a:pPr>
+            <a:r>
+              <a:rPr sz="1800" dirty="0">
+                <a:latin typeface="Palatino"/>
+              </a:rPr>
+              <a:t> This framework is specially attributable for inputs as well as processing drives the adoption of KM with greater emphasis on the information and business decisions (</a:t>
+            </a:r>
+            <a:r>
+              <a:rPr sz="1800" dirty="0">
+                <a:solidFill>
+                  <a:srgbClr val="222222"/>
+                </a:solidFill>
+                <a:latin typeface="Palatino"/>
+              </a:rPr>
+              <a:t>Wang and Wang 2012)</a:t>
+            </a:r>
+            <a:r>
+              <a:rPr sz="1800" dirty="0">
+                <a:latin typeface="Palatino"/>
+              </a:rPr>
+              <a:t>.</a:t>
+            </a:r>
+          </a:p>
+        </p:txBody>
+      </p:sp>
+    </p:spTree>
+  </p:cSld>
+  <p:clrMapOvr>
+    <a:masterClrMapping/>
+  </p:clrMapOvr>
+  <p:transition spd="med"/>
+</p:sld>
+</file>
+
+<file path=ppt/slides/slide13.xml><?xml version="1.0" encoding="utf-8"?>
+<p:sld xmlns:a="http://schemas.openxmlformats.org/drawingml/2006/main" xmlns:r="http://schemas.openxmlformats.org/officeDocument/2006/relationships" xmlns:p="http://schemas.openxmlformats.org/presentationml/2006/main">
+  <p:cSld>
+    <p:spTree>
+      <p:nvGrpSpPr>
+        <p:cNvPr id="1" name=""/>
+        <p:cNvGrpSpPr/>
+        <p:nvPr/>
+      </p:nvGrpSpPr>
+      <p:grpSpPr>
+        <a:xfrm>
+          <a:off x="0" y="0"/>
+          <a:ext cx="0" cy="0"/>
+          <a:chOff x="0" y="0"/>
+          <a:chExt cx="0" cy="0"/>
+        </a:xfrm>
+      </p:grpSpPr>
+      <p:sp>
+        <p:nvSpPr>
+          <p:cNvPr id="56" name="Technology-push model of KM"/>
+          <p:cNvSpPr txBox="1"/>
+          <p:nvPr/>
+        </p:nvSpPr>
+        <p:spPr>
+          <a:xfrm>
+            <a:off x="5559657" y="1270196"/>
+            <a:ext cx="3350024" cy="362944"/>
+          </a:xfrm>
+          <a:prstGeom prst="rect">
+            <a:avLst/>
+          </a:prstGeom>
+          <a:ln w="12700">
+            <a:miter lim="400000"/>
+          </a:ln>
+          <a:extLst>
+            <a:ext uri="{C572A759-6A51-4108-AA02-DFA0A04FC94B}">
+              <ma14:wrappingTextBoxFlag xmlns="" xmlns:m="http://schemas.openxmlformats.org/officeDocument/2006/math" xmlns:a14="http://schemas.microsoft.com/office/drawing/2010/main" xmlns:ma14="http://schemas.microsoft.com/office/mac/drawingml/2011/main" val="1"/>
+            </a:ext>
+          </a:extLst>
+        </p:spPr>
+        <p:txBody>
+          <a:bodyPr wrap="none" lIns="45718" tIns="45718" rIns="45718" bIns="45718">
+            <a:spAutoFit/>
+          </a:bodyPr>
+          <a:lstStyle>
+            <a:lvl1pPr>
+              <a:defRPr sz="1900">
+                <a:solidFill>
+                  <a:srgbClr val="FF2600"/>
+                </a:solidFill>
+                <a:latin typeface="+mn-lt"/>
+                <a:ea typeface="+mn-ea"/>
+                <a:cs typeface="+mn-cs"/>
+                <a:sym typeface="Arial"/>
+              </a:defRPr>
+            </a:lvl1pPr>
+          </a:lstStyle>
+          <a:p>
+            <a:r>
+              <a:t>Technology-push model of KM</a:t>
+            </a:r>
+          </a:p>
+        </p:txBody>
+      </p:sp>
+      <p:sp>
+        <p:nvSpPr>
+          <p:cNvPr id="57" name="This framework generally serves the requirements of organizational performance given proper information and lesser types of systems within particular business environment.…"/>
+          <p:cNvSpPr txBox="1"/>
+          <p:nvPr/>
+        </p:nvSpPr>
+        <p:spPr>
+          <a:xfrm>
+            <a:off x="159339" y="2344594"/>
+            <a:ext cx="7267621" cy="3686839"/>
+          </a:xfrm>
+          <a:prstGeom prst="rect">
+            <a:avLst/>
+          </a:prstGeom>
+          <a:ln w="12700">
+            <a:miter lim="400000"/>
+          </a:ln>
+          <a:extLst>
+            <a:ext uri="{C572A759-6A51-4108-AA02-DFA0A04FC94B}">
+              <ma14:wrappingTextBoxFlag xmlns="" xmlns:m="http://schemas.openxmlformats.org/officeDocument/2006/math" xmlns:a14="http://schemas.microsoft.com/office/drawing/2010/main" xmlns:ma14="http://schemas.microsoft.com/office/mac/drawingml/2011/main" val="1"/>
+            </a:ext>
+          </a:extLst>
+        </p:spPr>
+        <p:txBody>
+          <a:bodyPr wrap="square" lIns="45718" tIns="45718" rIns="45718" bIns="45718">
+            <a:spAutoFit/>
+          </a:bodyPr>
+          <a:lstStyle/>
+          <a:p>
+            <a:pPr marL="140367" indent="-140367" defTabSz="457200">
+              <a:lnSpc>
+                <a:spcPts val="3400"/>
+              </a:lnSpc>
+              <a:spcBef>
+                <a:spcPts val="1200"/>
+              </a:spcBef>
+              <a:buSzPct val="100000"/>
+              <a:buChar char="•"/>
+              <a:defRPr>
+                <a:latin typeface="Times New Roman"/>
+                <a:ea typeface="Times New Roman"/>
+                <a:cs typeface="Times New Roman"/>
+                <a:sym typeface="Times New Roman"/>
+              </a:defRPr>
+            </a:pPr>
+            <a:r>
+              <a:rPr lang="en-US" sz="1800" dirty="0">
+                <a:latin typeface="Palatino"/>
+              </a:rPr>
+              <a:t> It mainly relies upon only one loop automated, automatic and pre-program response for receiving stimulus. </a:t>
+            </a:r>
+            <a:r>
+              <a:rPr lang="en-US" sz="1800" dirty="0" err="1">
+                <a:latin typeface="Palatino"/>
+              </a:rPr>
+              <a:t>Wal-mart</a:t>
+            </a:r>
+            <a:r>
+              <a:rPr lang="en-US" sz="1800" dirty="0">
+                <a:latin typeface="Palatino"/>
+              </a:rPr>
+              <a:t> applies this model for enhancing the processes of creating knowledge, transfer, retrieval and application. </a:t>
+            </a:r>
+          </a:p>
+          <a:p>
+            <a:pPr marL="140367" indent="-140367" defTabSz="457200">
+              <a:lnSpc>
+                <a:spcPts val="3400"/>
+              </a:lnSpc>
+              <a:spcBef>
+                <a:spcPts val="1200"/>
+              </a:spcBef>
+              <a:buSzPct val="100000"/>
+              <a:buChar char="•"/>
+              <a:defRPr>
+                <a:latin typeface="Times New Roman"/>
+                <a:ea typeface="Times New Roman"/>
+                <a:cs typeface="Times New Roman"/>
+                <a:sym typeface="Times New Roman"/>
+              </a:defRPr>
+            </a:pPr>
+            <a:r>
+              <a:rPr lang="en-US" sz="1800" dirty="0">
+                <a:latin typeface="Palatino"/>
+              </a:rPr>
+              <a:t>The integration of this type of technology facilitates them in communicating with their customer and employee. Moreover, it also enhances the efficiency of the employees, which in increases overall productivity. </a:t>
+            </a:r>
+          </a:p>
+        </p:txBody>
+      </p:sp>
+    </p:spTree>
+    <p:extLst>
+      <p:ext uri="{BB962C8B-B14F-4D97-AF65-F5344CB8AC3E}">
+        <p14:creationId xmlns:p14="http://schemas.microsoft.com/office/powerpoint/2010/main" val="1239051292"/>
+      </p:ext>
+    </p:extLst>
+  </p:cSld>
+  <p:clrMapOvr>
+    <a:masterClrMapping/>
+  </p:clrMapOvr>
+  <p:transition spd="med"/>
+</p:sld>
+</file>
+
+<file path=ppt/slides/slide14.xml><?xml version="1.0" encoding="utf-8"?>
+<p:sld xmlns:a="http://schemas.openxmlformats.org/drawingml/2006/main" xmlns:r="http://schemas.openxmlformats.org/officeDocument/2006/relationships" xmlns:p="http://schemas.openxmlformats.org/presentationml/2006/main">
   <p:cSld>
     <p:spTree>
       <p:nvGrpSpPr>
@@ -2014,7 +2663,7 @@
         </p:nvSpPr>
         <p:spPr>
           <a:xfrm>
-            <a:off x="3430256" y="989887"/>
+            <a:off x="3430256" y="1081457"/>
             <a:ext cx="5636478" cy="608329"/>
           </a:xfrm>
           <a:prstGeom prst="rect">
@@ -2025,7 +2674,7 @@
           </a:ln>
           <a:extLst>
             <a:ext uri="{C572A759-6A51-4108-AA02-DFA0A04FC94B}">
-              <ma14:wrappingTextBoxFlag xmlns:ma14="http://schemas.microsoft.com/office/mac/drawingml/2011/main" val="1"/>
+              <ma14:wrappingTextBoxFlag xmlns="" xmlns:m="http://schemas.openxmlformats.org/officeDocument/2006/math" xmlns:a14="http://schemas.microsoft.com/office/drawing/2010/main" xmlns:ma14="http://schemas.microsoft.com/office/mac/drawingml/2011/main" val="1"/>
             </a:ext>
           </a:extLst>
         </p:spPr>
@@ -2053,8 +2702,8 @@
             </a:lvl1pPr>
           </a:lstStyle>
           <a:p>
-            <a:pPr/>
-            <a:r>
+            <a:r>
+              <a:rPr dirty="0"/>
               <a:t>Issues relating to knowledge management system</a:t>
             </a:r>
           </a:p>
@@ -2068,8 +2717,8 @@
         </p:nvSpPr>
         <p:spPr>
           <a:xfrm>
-            <a:off x="219639" y="1313179"/>
-            <a:ext cx="8572746" cy="5529732"/>
+            <a:off x="361879" y="1892299"/>
+            <a:ext cx="7268281" cy="4433838"/>
           </a:xfrm>
           <a:prstGeom prst="rect">
             <a:avLst/>
@@ -2079,12 +2728,12 @@
           </a:ln>
           <a:extLst>
             <a:ext uri="{C572A759-6A51-4108-AA02-DFA0A04FC94B}">
-              <ma14:wrappingTextBoxFlag xmlns:ma14="http://schemas.microsoft.com/office/mac/drawingml/2011/main" val="1"/>
+              <ma14:wrappingTextBoxFlag xmlns="" xmlns:m="http://schemas.openxmlformats.org/officeDocument/2006/math" xmlns:a14="http://schemas.microsoft.com/office/drawing/2010/main" xmlns:ma14="http://schemas.microsoft.com/office/mac/drawingml/2011/main" val="1"/>
             </a:ext>
           </a:extLst>
         </p:spPr>
         <p:txBody>
-          <a:bodyPr lIns="45718" tIns="45718" rIns="45718" bIns="45718">
+          <a:bodyPr wrap="square" lIns="45718" tIns="45718" rIns="45718" bIns="45718">
             <a:spAutoFit/>
           </a:bodyPr>
           <a:lstStyle/>
@@ -2104,7 +2753,22 @@
               </a:defRPr>
             </a:pPr>
             <a:r>
-              <a:t>Balancing data overload and useful content – This is vital issue that occurs in Walmart as the increase in both size and diversity involves implicit trade-off between present content and vital information.In addition, if the system is wider, then the risk of overloading of unrelated information may take place. </a:t>
+              <a:rPr sz="1800" dirty="0">
+                <a:latin typeface="Palatino"/>
+              </a:rPr>
+              <a:t>Balancing data overload and useful content – This is vital issue that occurs in Walmart as the increase in both size and diversity involves implicit trade-off between present content and vital </a:t>
+            </a:r>
+            <a:r>
+              <a:rPr sz="1800" dirty="0" err="1">
+                <a:latin typeface="Palatino"/>
+              </a:rPr>
+              <a:t>information.In</a:t>
+            </a:r>
+            <a:r>
+              <a:rPr sz="1800" dirty="0">
+                <a:latin typeface="Palatino"/>
+              </a:rPr>
+              <a:t> addition, if the system is wider, then the risk of overloading of unrelated information may take place. </a:t>
             </a:r>
           </a:p>
           <a:p>
@@ -2123,9 +2787,134 @@
               </a:defRPr>
             </a:pPr>
             <a:r>
-              <a:t>Improper flow of knowledge-When the content of knowledge is highly framed, proper effort is needed for ensuring appropriate structuring.The workers are also needed to append proper keywords and data on their documents for filling out questionnaires and extensive skills.</a:t>
-            </a:r>
-          </a:p>
+              <a:rPr sz="1800" dirty="0">
+                <a:latin typeface="Palatino"/>
+              </a:rPr>
+              <a:t>Improper flow of knowledge-When the content of knowledge is highly framed, proper effort is needed for ensuring appropriate </a:t>
+            </a:r>
+            <a:r>
+              <a:rPr sz="1800" dirty="0" err="1">
+                <a:latin typeface="Palatino"/>
+              </a:rPr>
+              <a:t>structuring.The</a:t>
+            </a:r>
+            <a:r>
+              <a:rPr sz="1800" dirty="0">
+                <a:latin typeface="Palatino"/>
+              </a:rPr>
+              <a:t> workers are also needed to append proper keywords and data on their documents for filling out questionnaires and extensive skills.</a:t>
+            </a:r>
+          </a:p>
+        </p:txBody>
+      </p:sp>
+    </p:spTree>
+  </p:cSld>
+  <p:clrMapOvr>
+    <a:masterClrMapping/>
+  </p:clrMapOvr>
+  <p:transition spd="med"/>
+</p:sld>
+</file>
+
+<file path=ppt/slides/slide15.xml><?xml version="1.0" encoding="utf-8"?>
+<p:sld xmlns:a="http://schemas.openxmlformats.org/drawingml/2006/main" xmlns:r="http://schemas.openxmlformats.org/officeDocument/2006/relationships" xmlns:p="http://schemas.openxmlformats.org/presentationml/2006/main">
+  <p:cSld>
+    <p:spTree>
+      <p:nvGrpSpPr>
+        <p:cNvPr id="1" name=""/>
+        <p:cNvGrpSpPr/>
+        <p:nvPr/>
+      </p:nvGrpSpPr>
+      <p:grpSpPr>
+        <a:xfrm>
+          <a:off x="0" y="0"/>
+          <a:ext cx="0" cy="0"/>
+          <a:chOff x="0" y="0"/>
+          <a:chExt cx="0" cy="0"/>
+        </a:xfrm>
+      </p:grpSpPr>
+      <p:sp>
+        <p:nvSpPr>
+          <p:cNvPr id="59" name="Issues relating to knowledge management system"/>
+          <p:cNvSpPr txBox="1"/>
+          <p:nvPr/>
+        </p:nvSpPr>
+        <p:spPr>
+          <a:xfrm>
+            <a:off x="3430256" y="1081457"/>
+            <a:ext cx="5636478" cy="608329"/>
+          </a:xfrm>
+          <a:prstGeom prst="rect">
+            <a:avLst/>
+          </a:prstGeom>
+          <a:ln w="12700">
+            <a:miter lim="400000"/>
+          </a:ln>
+          <a:extLst>
+            <a:ext uri="{C572A759-6A51-4108-AA02-DFA0A04FC94B}">
+              <ma14:wrappingTextBoxFlag xmlns="" xmlns:m="http://schemas.openxmlformats.org/officeDocument/2006/math" xmlns:a14="http://schemas.microsoft.com/office/drawing/2010/main" xmlns:ma14="http://schemas.microsoft.com/office/mac/drawingml/2011/main" val="1"/>
+            </a:ext>
+          </a:extLst>
+        </p:spPr>
+        <p:txBody>
+          <a:bodyPr wrap="none" lIns="45718" tIns="45718" rIns="45718" bIns="45718">
+            <a:spAutoFit/>
+          </a:bodyPr>
+          <a:lstStyle>
+            <a:lvl1pPr defTabSz="457200">
+              <a:lnSpc>
+                <a:spcPts val="4400"/>
+              </a:lnSpc>
+              <a:spcBef>
+                <a:spcPts val="1200"/>
+              </a:spcBef>
+              <a:defRPr sz="2200">
+                <a:solidFill>
+                  <a:srgbClr val="FF2600"/>
+                </a:solidFill>
+                <a:latin typeface="Times Roman"/>
+                <a:ea typeface="Times Roman"/>
+                <a:cs typeface="Times Roman"/>
+                <a:sym typeface="Times Roman"/>
+              </a:defRPr>
+            </a:lvl1pPr>
+          </a:lstStyle>
+          <a:p>
+            <a:r>
+              <a:rPr dirty="0"/>
+              <a:t>Issues relating to knowledge management system</a:t>
+            </a:r>
+          </a:p>
+        </p:txBody>
+      </p:sp>
+      <p:sp>
+        <p:nvSpPr>
+          <p:cNvPr id="60" name="Balancing data overload and useful content – This is vital issue that occurs in Walmart as the increase in both size and diversity involves implicit trade-off between present content and vital information.In addition, if the system is wider, then the ris"/>
+          <p:cNvSpPr txBox="1"/>
+          <p:nvPr/>
+        </p:nvSpPr>
+        <p:spPr>
+          <a:xfrm>
+            <a:off x="361879" y="1892299"/>
+            <a:ext cx="7268281" cy="4010646"/>
+          </a:xfrm>
+          <a:prstGeom prst="rect">
+            <a:avLst/>
+          </a:prstGeom>
+          <a:ln w="12700">
+            <a:miter lim="400000"/>
+          </a:ln>
+          <a:extLst>
+            <a:ext uri="{C572A759-6A51-4108-AA02-DFA0A04FC94B}">
+              <ma14:wrappingTextBoxFlag xmlns="" xmlns:m="http://schemas.openxmlformats.org/officeDocument/2006/math" xmlns:a14="http://schemas.microsoft.com/office/drawing/2010/main" xmlns:ma14="http://schemas.microsoft.com/office/mac/drawingml/2011/main" val="1"/>
+            </a:ext>
+          </a:extLst>
+        </p:spPr>
+        <p:txBody>
+          <a:bodyPr wrap="square" lIns="45718" tIns="45718" rIns="45718" bIns="45718">
+            <a:spAutoFit/>
+          </a:bodyPr>
+          <a:lstStyle/>
           <a:p>
             <a:pPr defTabSz="457200">
               <a:lnSpc>
@@ -2142,6 +2931,9 @@
               </a:defRPr>
             </a:pPr>
             <a:r>
+              <a:rPr lang="en-US" sz="1800" dirty="0">
+                <a:latin typeface="Palatino"/>
+              </a:rPr>
               <a:t>Long term impact of KMS – Exploitation as well as exploration – Another issue that has been raised in the long term effect of utilization of KMS on innovation and learning. The existing solutions bias the workers in adopting it rather than developing new solutions that might be effective .</a:t>
             </a:r>
           </a:p>
@@ -2161,25 +2953,30 @@
               </a:defRPr>
             </a:pPr>
             <a:r>
-              <a:t>Additionally, implementation of new technology in Wal -Mart generates new kind of problems and challenges. Some of the employees in this organization face difficulties in adopting with this technology and this adversely affects the organizational performa</a:t>
-            </a:r>
-            <a:r>
-              <a:t>nce. </a:t>
+              <a:rPr lang="en-US" sz="1800" dirty="0">
+                <a:latin typeface="Palatino"/>
+              </a:rPr>
+              <a:t>Additionally, implementation of new technology in Wal -Mart generates new kind of problems and challenges. Some of the employees in this organization face difficulties in adopting with this technology and this adversely affects the organizational performance. </a:t>
             </a:r>
           </a:p>
         </p:txBody>
       </p:sp>
     </p:spTree>
+    <p:extLst>
+      <p:ext uri="{BB962C8B-B14F-4D97-AF65-F5344CB8AC3E}">
+        <p14:creationId xmlns:p14="http://schemas.microsoft.com/office/powerpoint/2010/main" val="1661137893"/>
+      </p:ext>
+    </p:extLst>
   </p:cSld>
   <p:clrMapOvr>
     <a:masterClrMapping/>
   </p:clrMapOvr>
-  <p:transition xmlns:p14="http://schemas.microsoft.com/office/powerpoint/2010/main" spd="med" advClick="1"/>
+  <p:transition spd="med"/>
 </p:sld>
 </file>
 
-<file path=ppt/slides/slide11.xml><?xml version="1.0" encoding="utf-8"?>
-<p:sld xmlns:a="http://schemas.openxmlformats.org/drawingml/2006/main" xmlns:r="http://schemas.openxmlformats.org/officeDocument/2006/relationships" xmlns:p="http://schemas.openxmlformats.org/presentationml/2006/main" xmlns:m="http://schemas.openxmlformats.org/officeDocument/2006/math" xmlns:a14="http://schemas.microsoft.com/office/drawing/2010/main" showMasterSp="1" showMasterPhAnim="1">
+<file path=ppt/slides/slide16.xml><?xml version="1.0" encoding="utf-8"?>
+<p:sld xmlns:a="http://schemas.openxmlformats.org/drawingml/2006/main" xmlns:r="http://schemas.openxmlformats.org/officeDocument/2006/relationships" xmlns:p="http://schemas.openxmlformats.org/presentationml/2006/main">
   <p:cSld>
     <p:spTree>
       <p:nvGrpSpPr>
@@ -2203,7 +3000,7 @@
         </p:nvSpPr>
         <p:spPr>
           <a:xfrm>
-            <a:off x="4580747" y="1253548"/>
+            <a:off x="4572000" y="1101148"/>
             <a:ext cx="4463811" cy="581659"/>
           </a:xfrm>
           <a:prstGeom prst="rect">
@@ -2214,7 +3011,7 @@
           </a:ln>
           <a:extLst>
             <a:ext uri="{C572A759-6A51-4108-AA02-DFA0A04FC94B}">
-              <ma14:wrappingTextBoxFlag xmlns:ma14="http://schemas.microsoft.com/office/mac/drawingml/2011/main" val="1"/>
+              <ma14:wrappingTextBoxFlag xmlns="" xmlns:m="http://schemas.openxmlformats.org/officeDocument/2006/math" xmlns:a14="http://schemas.microsoft.com/office/drawing/2010/main" xmlns:ma14="http://schemas.microsoft.com/office/mac/drawingml/2011/main" val="1"/>
             </a:ext>
           </a:extLst>
         </p:spPr>
@@ -2242,8 +3039,8 @@
             </a:lvl1pPr>
           </a:lstStyle>
           <a:p>
-            <a:pPr/>
-            <a:r>
+            <a:r>
+              <a:rPr dirty="0"/>
               <a:t>Recommendations on improvement in KM</a:t>
             </a:r>
           </a:p>
@@ -2257,8 +3054,8 @@
         </p:nvSpPr>
         <p:spPr>
           <a:xfrm>
-            <a:off x="128799" y="1837458"/>
-            <a:ext cx="8886402" cy="4988712"/>
+            <a:off x="98319" y="2000018"/>
+            <a:ext cx="7186401" cy="4433838"/>
           </a:xfrm>
           <a:prstGeom prst="rect">
             <a:avLst/>
@@ -2268,12 +3065,12 @@
           </a:ln>
           <a:extLst>
             <a:ext uri="{C572A759-6A51-4108-AA02-DFA0A04FC94B}">
-              <ma14:wrappingTextBoxFlag xmlns:ma14="http://schemas.microsoft.com/office/mac/drawingml/2011/main" val="1"/>
+              <ma14:wrappingTextBoxFlag xmlns="" xmlns:m="http://schemas.openxmlformats.org/officeDocument/2006/math" xmlns:a14="http://schemas.microsoft.com/office/drawing/2010/main" xmlns:ma14="http://schemas.microsoft.com/office/mac/drawingml/2011/main" val="1"/>
             </a:ext>
           </a:extLst>
         </p:spPr>
         <p:txBody>
-          <a:bodyPr lIns="45718" tIns="45718" rIns="45718" bIns="45718">
+          <a:bodyPr wrap="square" lIns="45718" tIns="45718" rIns="45718" bIns="45718">
             <a:spAutoFit/>
           </a:bodyPr>
           <a:lstStyle/>
@@ -2298,21 +3095,46 @@
               </a:defRPr>
             </a:pPr>
             <a:r>
-              <a:t>Wal- Mart invests huge money in adopting new technology for dealing with huge sales and track total production (</a:t>
-            </a:r>
-            <a:r>
-              <a:rPr>
+              <a:rPr sz="1800" dirty="0">
+                <a:latin typeface="Palatino"/>
+              </a:rPr>
+              <a:t>Wal</a:t>
+            </a:r>
+            <a:r>
+              <a:rPr lang="en-IN" sz="1800">
+                <a:latin typeface="Palatino"/>
+              </a:rPr>
+              <a:t>m</a:t>
+            </a:r>
+            <a:r>
+              <a:rPr sz="1800">
+                <a:latin typeface="Palatino"/>
+              </a:rPr>
+              <a:t>art </a:t>
+            </a:r>
+            <a:r>
+              <a:rPr sz="1800" dirty="0">
+                <a:latin typeface="Palatino"/>
+              </a:rPr>
+              <a:t>invests huge money in adopting new technology for dealing with huge sales and track total production (</a:t>
+            </a:r>
+            <a:r>
+              <a:rPr sz="1800" dirty="0">
                 <a:solidFill>
                   <a:srgbClr val="222222"/>
                 </a:solidFill>
+                <a:latin typeface="Palatino"/>
               </a:rPr>
               <a:t>Wu 2012)</a:t>
             </a:r>
             <a:r>
+              <a:rPr sz="1800" dirty="0">
+                <a:latin typeface="Palatino"/>
+              </a:rPr>
               <a:t>. Therefore, it is suggested that the company must order their suppliers to provide them microchips for RFID in order to improve the system that is created by bar codes. </a:t>
             </a:r>
-            <a:endParaRPr>
-              <a:latin typeface="Times Roman"/>
+            <a:endParaRPr sz="1800" dirty="0">
+              <a:latin typeface="Palatino"/>
               <a:ea typeface="Times Roman"/>
               <a:cs typeface="Times Roman"/>
               <a:sym typeface="Times Roman"/>
@@ -2339,10 +3161,150 @@
               </a:defRPr>
             </a:pPr>
             <a:r>
-              <a:t>It is suggested that Wal- Mart must adopt DSS (decision support system resources) in order to improve the productivity of individual employees. As it is a web based knowledge repository, it will help this corporation in improving decision quality and solve the problem in less time. It will also facilitate Wal- Mart in increasing control within the organization. </a:t>
-            </a:r>
-            <a:endParaRPr>
-              <a:latin typeface="Times Roman"/>
+              <a:rPr sz="1800" dirty="0">
+                <a:latin typeface="Palatino"/>
+              </a:rPr>
+              <a:t>It is suggested that Wal- Mart must adopt DSS (decision support system resources) in order to improve the productivity of individual employees. As it is a web based knowledge repository, it will help this corporation in improving decision quality and solve the problem in less time. </a:t>
+            </a:r>
+          </a:p>
+        </p:txBody>
+      </p:sp>
+    </p:spTree>
+  </p:cSld>
+  <p:clrMapOvr>
+    <a:masterClrMapping/>
+  </p:clrMapOvr>
+  <p:transition spd="med"/>
+</p:sld>
+</file>
+
+<file path=ppt/slides/slide17.xml><?xml version="1.0" encoding="utf-8"?>
+<p:sld xmlns:a="http://schemas.openxmlformats.org/drawingml/2006/main" xmlns:r="http://schemas.openxmlformats.org/officeDocument/2006/relationships" xmlns:p="http://schemas.openxmlformats.org/presentationml/2006/main">
+  <p:cSld>
+    <p:spTree>
+      <p:nvGrpSpPr>
+        <p:cNvPr id="1" name=""/>
+        <p:cNvGrpSpPr/>
+        <p:nvPr/>
+      </p:nvGrpSpPr>
+      <p:grpSpPr>
+        <a:xfrm>
+          <a:off x="0" y="0"/>
+          <a:ext cx="0" cy="0"/>
+          <a:chOff x="0" y="0"/>
+          <a:chExt cx="0" cy="0"/>
+        </a:xfrm>
+      </p:grpSpPr>
+      <p:sp>
+        <p:nvSpPr>
+          <p:cNvPr id="62" name="Recommendations on improvement in KM"/>
+          <p:cNvSpPr txBox="1"/>
+          <p:nvPr/>
+        </p:nvSpPr>
+        <p:spPr>
+          <a:xfrm>
+            <a:off x="4572000" y="1114046"/>
+            <a:ext cx="4463811" cy="581659"/>
+          </a:xfrm>
+          <a:prstGeom prst="rect">
+            <a:avLst/>
+          </a:prstGeom>
+          <a:ln w="12700">
+            <a:miter lim="400000"/>
+          </a:ln>
+          <a:extLst>
+            <a:ext uri="{C572A759-6A51-4108-AA02-DFA0A04FC94B}">
+              <ma14:wrappingTextBoxFlag xmlns="" xmlns:m="http://schemas.openxmlformats.org/officeDocument/2006/math" xmlns:a14="http://schemas.microsoft.com/office/drawing/2010/main" xmlns:ma14="http://schemas.microsoft.com/office/mac/drawingml/2011/main" val="1"/>
+            </a:ext>
+          </a:extLst>
+        </p:spPr>
+        <p:txBody>
+          <a:bodyPr wrap="none" lIns="45718" tIns="45718" rIns="45718" bIns="45718">
+            <a:spAutoFit/>
+          </a:bodyPr>
+          <a:lstStyle>
+            <a:lvl1pPr defTabSz="457200">
+              <a:lnSpc>
+                <a:spcPts val="4200"/>
+              </a:lnSpc>
+              <a:spcBef>
+                <a:spcPts val="1200"/>
+              </a:spcBef>
+              <a:defRPr sz="2000">
+                <a:solidFill>
+                  <a:srgbClr val="FF7E79"/>
+                </a:solidFill>
+                <a:latin typeface="Times Roman"/>
+                <a:ea typeface="Times Roman"/>
+                <a:cs typeface="Times Roman"/>
+                <a:sym typeface="Times Roman"/>
+              </a:defRPr>
+            </a:lvl1pPr>
+          </a:lstStyle>
+          <a:p>
+            <a:r>
+              <a:rPr dirty="0"/>
+              <a:t>Recommendations on improvement in KM</a:t>
+            </a:r>
+          </a:p>
+        </p:txBody>
+      </p:sp>
+      <p:sp>
+        <p:nvSpPr>
+          <p:cNvPr id="63" name="Wal- Mart invests huge money in adopting new technology for dealing with huge sales and track total production (Wu 2012). Therefore, it is suggested that the company must order their suppliers to provide them microchips for RFID in order to improve the s"/>
+          <p:cNvSpPr txBox="1"/>
+          <p:nvPr/>
+        </p:nvSpPr>
+        <p:spPr>
+          <a:xfrm>
+            <a:off x="98319" y="2264178"/>
+            <a:ext cx="7186401" cy="3593865"/>
+          </a:xfrm>
+          <a:prstGeom prst="rect">
+            <a:avLst/>
+          </a:prstGeom>
+          <a:ln w="12700">
+            <a:miter lim="400000"/>
+          </a:ln>
+          <a:extLst>
+            <a:ext uri="{C572A759-6A51-4108-AA02-DFA0A04FC94B}">
+              <ma14:wrappingTextBoxFlag xmlns="" xmlns:m="http://schemas.openxmlformats.org/officeDocument/2006/math" xmlns:a14="http://schemas.microsoft.com/office/drawing/2010/main" xmlns:ma14="http://schemas.microsoft.com/office/mac/drawingml/2011/main" val="1"/>
+            </a:ext>
+          </a:extLst>
+        </p:spPr>
+        <p:txBody>
+          <a:bodyPr wrap="square" lIns="45718" tIns="45718" rIns="45718" bIns="45718">
+            <a:spAutoFit/>
+          </a:bodyPr>
+          <a:lstStyle/>
+          <a:p>
+            <a:pPr marL="163448" indent="-163448" defTabSz="457200">
+              <a:lnSpc>
+                <a:spcPts val="3300"/>
+              </a:lnSpc>
+              <a:spcBef>
+                <a:spcPts val="1200"/>
+              </a:spcBef>
+              <a:buClr>
+                <a:srgbClr val="008CB4"/>
+              </a:buClr>
+              <a:buSzPct val="75000"/>
+              <a:buChar char="•"/>
+              <a:defRPr sz="1300">
+                <a:latin typeface="Times New Roman"/>
+                <a:ea typeface="Times New Roman"/>
+                <a:cs typeface="Times New Roman"/>
+                <a:sym typeface="Times New Roman"/>
+              </a:defRPr>
+            </a:pPr>
+            <a:r>
+              <a:rPr lang="en-US" sz="1800" dirty="0">
+                <a:latin typeface="Palatino"/>
+              </a:rPr>
+              <a:t>It will also facilitate Wal- Mart in increasing control within the organization. </a:t>
+            </a:r>
+            <a:endParaRPr lang="en-US" sz="1800" dirty="0">
+              <a:latin typeface="Palatino"/>
               <a:ea typeface="Times Roman"/>
               <a:cs typeface="Times Roman"/>
               <a:sym typeface="Times Roman"/>
@@ -2370,10 +3332,13 @@
               </a:defRPr>
             </a:pPr>
             <a:r>
+              <a:rPr lang="en-US" sz="1800" dirty="0">
+                <a:latin typeface="Palatino"/>
+              </a:rPr>
               <a:t>Wal-Mart should recruit skilled workers so that they have the ability in adopting with the new technology and increase their efficiency. </a:t>
             </a:r>
-            <a:endParaRPr>
-              <a:latin typeface="Times Roman"/>
+            <a:endParaRPr lang="en-US" sz="1800" dirty="0">
+              <a:latin typeface="Palatino"/>
               <a:ea typeface="Times Roman"/>
               <a:cs typeface="Times Roman"/>
               <a:sym typeface="Times Roman"/>
@@ -2401,23 +3366,30 @@
               </a:defRPr>
             </a:pPr>
             <a:r>
+              <a:rPr lang="en-US" sz="1800" dirty="0">
+                <a:latin typeface="Palatino"/>
+              </a:rPr>
               <a:t>It is recommended that the Wal- Mart should provide incentives or bonus to the employees for knowledge sharing in order to make KMS successful within the organization. </a:t>
             </a:r>
-            <a:br/>
           </a:p>
         </p:txBody>
       </p:sp>
     </p:spTree>
+    <p:extLst>
+      <p:ext uri="{BB962C8B-B14F-4D97-AF65-F5344CB8AC3E}">
+        <p14:creationId xmlns:p14="http://schemas.microsoft.com/office/powerpoint/2010/main" val="2849432614"/>
+      </p:ext>
+    </p:extLst>
   </p:cSld>
   <p:clrMapOvr>
     <a:masterClrMapping/>
   </p:clrMapOvr>
-  <p:transition xmlns:p14="http://schemas.microsoft.com/office/powerpoint/2010/main" spd="med" advClick="1"/>
+  <p:transition spd="med"/>
 </p:sld>
 </file>
 
-<file path=ppt/slides/slide12.xml><?xml version="1.0" encoding="utf-8"?>
-<p:sld xmlns:a="http://schemas.openxmlformats.org/drawingml/2006/main" xmlns:r="http://schemas.openxmlformats.org/officeDocument/2006/relationships" xmlns:p="http://schemas.openxmlformats.org/presentationml/2006/main" xmlns:m="http://schemas.openxmlformats.org/officeDocument/2006/math" xmlns:a14="http://schemas.microsoft.com/office/drawing/2010/main" showMasterSp="1" showMasterPhAnim="1">
+<file path=ppt/slides/slide18.xml><?xml version="1.0" encoding="utf-8"?>
+<p:sld xmlns:a="http://schemas.openxmlformats.org/drawingml/2006/main" xmlns:r="http://schemas.openxmlformats.org/officeDocument/2006/relationships" xmlns:p="http://schemas.openxmlformats.org/presentationml/2006/main">
   <p:cSld>
     <p:spTree>
       <p:nvGrpSpPr>
@@ -2441,7 +3413,7 @@
         </p:nvSpPr>
         <p:spPr>
           <a:xfrm>
-            <a:off x="7297635" y="1220431"/>
+            <a:off x="7297635" y="1047711"/>
             <a:ext cx="1550563" cy="658495"/>
           </a:xfrm>
           <a:prstGeom prst="rect">
@@ -2452,7 +3424,7 @@
           </a:ln>
           <a:extLst>
             <a:ext uri="{C572A759-6A51-4108-AA02-DFA0A04FC94B}">
-              <ma14:wrappingTextBoxFlag xmlns:ma14="http://schemas.microsoft.com/office/mac/drawingml/2011/main" val="1"/>
+              <ma14:wrappingTextBoxFlag xmlns="" xmlns:m="http://schemas.openxmlformats.org/officeDocument/2006/math" xmlns:a14="http://schemas.microsoft.com/office/drawing/2010/main" xmlns:ma14="http://schemas.microsoft.com/office/mac/drawingml/2011/main" val="1"/>
             </a:ext>
           </a:extLst>
         </p:spPr>
@@ -2480,8 +3452,8 @@
             </a:lvl1pPr>
           </a:lstStyle>
           <a:p>
-            <a:pPr/>
-            <a:r>
+            <a:r>
+              <a:rPr dirty="0"/>
               <a:t>Conclusion</a:t>
             </a:r>
           </a:p>
@@ -2495,8 +3467,8 @@
         </p:nvSpPr>
         <p:spPr>
           <a:xfrm>
-            <a:off x="148773" y="1798450"/>
-            <a:ext cx="8846454" cy="4156006"/>
+            <a:off x="148773" y="2024168"/>
+            <a:ext cx="7318827" cy="2954907"/>
           </a:xfrm>
           <a:prstGeom prst="rect">
             <a:avLst/>
@@ -2506,12 +3478,12 @@
           </a:ln>
           <a:extLst>
             <a:ext uri="{C572A759-6A51-4108-AA02-DFA0A04FC94B}">
-              <ma14:wrappingTextBoxFlag xmlns:ma14="http://schemas.microsoft.com/office/mac/drawingml/2011/main" val="1"/>
+              <ma14:wrappingTextBoxFlag xmlns="" xmlns:m="http://schemas.openxmlformats.org/officeDocument/2006/math" xmlns:a14="http://schemas.microsoft.com/office/drawing/2010/main" xmlns:ma14="http://schemas.microsoft.com/office/mac/drawingml/2011/main" val="1"/>
             </a:ext>
           </a:extLst>
         </p:spPr>
         <p:txBody>
-          <a:bodyPr lIns="45718" tIns="45718" rIns="45718" bIns="45718">
+          <a:bodyPr wrap="square" lIns="45718" tIns="45718" rIns="45718" bIns="45718">
             <a:spAutoFit/>
           </a:bodyPr>
           <a:lstStyle/>
@@ -2533,6 +3505,9 @@
               </a:defRPr>
             </a:pPr>
             <a:r>
+              <a:rPr sz="1800" dirty="0">
+                <a:latin typeface="Palatino"/>
+              </a:rPr>
               <a:t>From the above discussion, it can be concluded that knowledge management system improves the performance of the organization. It also improves team effectiveness as well as delivery of outcomes.</a:t>
             </a:r>
           </a:p>
@@ -2554,9 +3529,122 @@
               </a:defRPr>
             </a:pPr>
             <a:r>
+              <a:rPr sz="1800" dirty="0">
+                <a:latin typeface="Palatino"/>
+              </a:rPr>
               <a:t> At Wal- Mart stores, KMS is used for solving the conflicts within the organization. Moreover, integration of KMS helps them in enhancing communication within the company. </a:t>
             </a:r>
           </a:p>
+        </p:txBody>
+      </p:sp>
+    </p:spTree>
+  </p:cSld>
+  <p:clrMapOvr>
+    <a:masterClrMapping/>
+  </p:clrMapOvr>
+  <p:transition spd="med"/>
+</p:sld>
+</file>
+
+<file path=ppt/slides/slide19.xml><?xml version="1.0" encoding="utf-8"?>
+<p:sld xmlns:a="http://schemas.openxmlformats.org/drawingml/2006/main" xmlns:r="http://schemas.openxmlformats.org/officeDocument/2006/relationships" xmlns:p="http://schemas.openxmlformats.org/presentationml/2006/main">
+  <p:cSld>
+    <p:spTree>
+      <p:nvGrpSpPr>
+        <p:cNvPr id="1" name=""/>
+        <p:cNvGrpSpPr/>
+        <p:nvPr/>
+      </p:nvGrpSpPr>
+      <p:grpSpPr>
+        <a:xfrm>
+          <a:off x="0" y="0"/>
+          <a:ext cx="0" cy="0"/>
+          <a:chOff x="0" y="0"/>
+          <a:chExt cx="0" cy="0"/>
+        </a:xfrm>
+      </p:grpSpPr>
+      <p:sp>
+        <p:nvSpPr>
+          <p:cNvPr id="65" name="Conclusion"/>
+          <p:cNvSpPr txBox="1"/>
+          <p:nvPr/>
+        </p:nvSpPr>
+        <p:spPr>
+          <a:xfrm>
+            <a:off x="7297635" y="1057871"/>
+            <a:ext cx="1550563" cy="658495"/>
+          </a:xfrm>
+          <a:prstGeom prst="rect">
+            <a:avLst/>
+          </a:prstGeom>
+          <a:ln w="12700">
+            <a:miter lim="400000"/>
+          </a:ln>
+          <a:extLst>
+            <a:ext uri="{C572A759-6A51-4108-AA02-DFA0A04FC94B}">
+              <ma14:wrappingTextBoxFlag xmlns="" xmlns:m="http://schemas.openxmlformats.org/officeDocument/2006/math" xmlns:a14="http://schemas.microsoft.com/office/drawing/2010/main" xmlns:ma14="http://schemas.microsoft.com/office/mac/drawingml/2011/main" val="1"/>
+            </a:ext>
+          </a:extLst>
+        </p:spPr>
+        <p:txBody>
+          <a:bodyPr wrap="none" lIns="45718" tIns="45718" rIns="45718" bIns="45718">
+            <a:spAutoFit/>
+          </a:bodyPr>
+          <a:lstStyle>
+            <a:lvl1pPr defTabSz="457200">
+              <a:lnSpc>
+                <a:spcPts val="4800"/>
+              </a:lnSpc>
+              <a:spcBef>
+                <a:spcPts val="1200"/>
+              </a:spcBef>
+              <a:defRPr sz="2500">
+                <a:solidFill>
+                  <a:srgbClr val="FF2600"/>
+                </a:solidFill>
+                <a:latin typeface="Times Roman"/>
+                <a:ea typeface="Times Roman"/>
+                <a:cs typeface="Times Roman"/>
+                <a:sym typeface="Times Roman"/>
+              </a:defRPr>
+            </a:lvl1pPr>
+          </a:lstStyle>
+          <a:p>
+            <a:r>
+              <a:rPr dirty="0"/>
+              <a:t>Conclusion</a:t>
+            </a:r>
+          </a:p>
+        </p:txBody>
+      </p:sp>
+      <p:sp>
+        <p:nvSpPr>
+          <p:cNvPr id="66" name="From the above discussion, it can be concluded that knowledge management system improves the performance of the organization. It also improves team effectiveness as well as delivery of outcomes.…"/>
+          <p:cNvSpPr txBox="1"/>
+          <p:nvPr/>
+        </p:nvSpPr>
+        <p:spPr>
+          <a:xfrm>
+            <a:off x="148773" y="2024168"/>
+            <a:ext cx="7318827" cy="2954907"/>
+          </a:xfrm>
+          <a:prstGeom prst="rect">
+            <a:avLst/>
+          </a:prstGeom>
+          <a:ln w="12700">
+            <a:miter lim="400000"/>
+          </a:ln>
+          <a:extLst>
+            <a:ext uri="{C572A759-6A51-4108-AA02-DFA0A04FC94B}">
+              <ma14:wrappingTextBoxFlag xmlns="" xmlns:m="http://schemas.openxmlformats.org/officeDocument/2006/math" xmlns:a14="http://schemas.microsoft.com/office/drawing/2010/main" xmlns:ma14="http://schemas.microsoft.com/office/mac/drawingml/2011/main" val="1"/>
+            </a:ext>
+          </a:extLst>
+        </p:spPr>
+        <p:txBody>
+          <a:bodyPr wrap="square" lIns="45718" tIns="45718" rIns="45718" bIns="45718">
+            <a:spAutoFit/>
+          </a:bodyPr>
+          <a:lstStyle/>
           <a:p>
             <a:pPr marL="130341" indent="-130341" defTabSz="457200">
               <a:lnSpc>
@@ -2575,6 +3663,9 @@
               </a:defRPr>
             </a:pPr>
             <a:r>
+              <a:rPr lang="en-US" sz="1800" dirty="0">
+                <a:latin typeface="Palatino"/>
+              </a:rPr>
               <a:t>As a part of KM, HRM (human resource management) strategies in Wal- Mart are also used for managing their business activities through employee’s coordination. </a:t>
             </a:r>
           </a:p>
@@ -2596,22 +3687,280 @@
               </a:defRPr>
             </a:pPr>
             <a:r>
+              <a:rPr lang="en-US" sz="1800" dirty="0">
+                <a:latin typeface="Palatino"/>
+              </a:rPr>
               <a:t>Thus, effective KM also guides the employees in acknowledging their significance within the organization. Overall, it helps this corporation in gaining competitive advantage against the competitors. </a:t>
             </a:r>
           </a:p>
         </p:txBody>
       </p:sp>
     </p:spTree>
+    <p:extLst>
+      <p:ext uri="{BB962C8B-B14F-4D97-AF65-F5344CB8AC3E}">
+        <p14:creationId xmlns:p14="http://schemas.microsoft.com/office/powerpoint/2010/main" val="4066494084"/>
+      </p:ext>
+    </p:extLst>
   </p:cSld>
   <p:clrMapOvr>
     <a:masterClrMapping/>
   </p:clrMapOvr>
-  <p:transition xmlns:p14="http://schemas.microsoft.com/office/powerpoint/2010/main" spd="med" advClick="1"/>
+  <p:transition spd="med"/>
 </p:sld>
 </file>
 
-<file path=ppt/slides/slide13.xml><?xml version="1.0" encoding="utf-8"?>
-<p:sld xmlns:a="http://schemas.openxmlformats.org/drawingml/2006/main" xmlns:r="http://schemas.openxmlformats.org/officeDocument/2006/relationships" xmlns:p="http://schemas.openxmlformats.org/presentationml/2006/main" xmlns:m="http://schemas.openxmlformats.org/officeDocument/2006/math" xmlns:a14="http://schemas.microsoft.com/office/drawing/2010/main" showMasterSp="1" showMasterPhAnim="1">
+<file path=ppt/slides/slide2.xml><?xml version="1.0" encoding="utf-8"?>
+<p:sld xmlns:a="http://schemas.openxmlformats.org/drawingml/2006/main" xmlns:r="http://schemas.openxmlformats.org/officeDocument/2006/relationships" xmlns:p="http://schemas.openxmlformats.org/presentationml/2006/main">
+  <p:cSld>
+    <p:spTree>
+      <p:nvGrpSpPr>
+        <p:cNvPr id="1" name=""/>
+        <p:cNvGrpSpPr/>
+        <p:nvPr/>
+      </p:nvGrpSpPr>
+      <p:grpSpPr>
+        <a:xfrm>
+          <a:off x="0" y="0"/>
+          <a:ext cx="0" cy="0"/>
+          <a:chOff x="0" y="0"/>
+          <a:chExt cx="0" cy="0"/>
+        </a:xfrm>
+      </p:grpSpPr>
+      <p:sp>
+        <p:nvSpPr>
+          <p:cNvPr id="2" name="TextBox 1">
+            <a:extLst>
+              <a:ext uri="{FF2B5EF4-FFF2-40B4-BE49-F238E27FC236}">
+                <a16:creationId xmlns:a16="http://schemas.microsoft.com/office/drawing/2014/main" id="{668DFA1A-3B6F-4D04-B1C9-F52661E7AE05}"/>
+              </a:ext>
+            </a:extLst>
+          </p:cNvPr>
+          <p:cNvSpPr txBox="1"/>
+          <p:nvPr/>
+        </p:nvSpPr>
+        <p:spPr>
+          <a:xfrm>
+            <a:off x="335280" y="1453036"/>
+            <a:ext cx="6807200" cy="5170642"/>
+          </a:xfrm>
+          <a:prstGeom prst="rect">
+            <a:avLst/>
+          </a:prstGeom>
+          <a:noFill/>
+          <a:ln w="12700" cap="flat">
+            <a:noFill/>
+            <a:miter lim="400000"/>
+          </a:ln>
+          <a:effectLst/>
+          <a:sp3d/>
+        </p:spPr>
+        <p:style>
+          <a:lnRef idx="0">
+            <a:scrgbClr r="0" g="0" b="0"/>
+          </a:lnRef>
+          <a:fillRef idx="0">
+            <a:scrgbClr r="0" g="0" b="0"/>
+          </a:fillRef>
+          <a:effectRef idx="0">
+            <a:scrgbClr r="0" g="0" b="0"/>
+          </a:effectRef>
+          <a:fontRef idx="none"/>
+        </p:style>
+        <p:txBody>
+          <a:bodyPr rot="0" spcFirstLastPara="1" vertOverflow="overflow" horzOverflow="overflow" vert="horz" wrap="square" lIns="45718" tIns="45718" rIns="45718" bIns="45718" numCol="1" spcCol="38100" rtlCol="0" anchor="t">
+            <a:spAutoFit/>
+          </a:bodyPr>
+          <a:lstStyle/>
+          <a:p>
+            <a:pPr marL="0" marR="0" indent="0" algn="ctr" defTabSz="914400" rtl="0" fontAlgn="auto" latinLnBrk="0" hangingPunct="0">
+              <a:lnSpc>
+                <a:spcPct val="150000"/>
+              </a:lnSpc>
+              <a:spcBef>
+                <a:spcPts val="0"/>
+              </a:spcBef>
+              <a:spcAft>
+                <a:spcPts val="0"/>
+              </a:spcAft>
+              <a:buClrTx/>
+              <a:buSzTx/>
+              <a:buFontTx/>
+              <a:buNone/>
+              <a:tabLst/>
+            </a:pPr>
+            <a:r>
+              <a:rPr kumimoji="0" lang="en-IN" sz="4400" i="0" u="sng" strike="noStrike" cap="none" spc="0" normalizeH="0" baseline="0" dirty="0">
+                <a:ln>
+                  <a:noFill/>
+                </a:ln>
+                <a:solidFill>
+                  <a:srgbClr val="FF0000"/>
+                </a:solidFill>
+                <a:effectLst/>
+                <a:uFillTx/>
+                <a:latin typeface="+mj-lt"/>
+                <a:ea typeface="+mj-ea"/>
+                <a:cs typeface="+mj-cs"/>
+                <a:sym typeface="Helvetica"/>
+              </a:rPr>
+              <a:t>CASE STUDY</a:t>
+            </a:r>
+          </a:p>
+          <a:p>
+            <a:pPr marL="0" marR="0" indent="0" algn="ctr" defTabSz="914400" rtl="0" fontAlgn="auto" latinLnBrk="0" hangingPunct="0">
+              <a:lnSpc>
+                <a:spcPct val="150000"/>
+              </a:lnSpc>
+              <a:spcBef>
+                <a:spcPts val="0"/>
+              </a:spcBef>
+              <a:spcAft>
+                <a:spcPts val="0"/>
+              </a:spcAft>
+              <a:buClrTx/>
+              <a:buSzTx/>
+              <a:buFontTx/>
+              <a:buNone/>
+              <a:tabLst/>
+            </a:pPr>
+            <a:r>
+              <a:rPr lang="en-IN" sz="4400" dirty="0"/>
+              <a:t>Knowledge Management Implementation </a:t>
+            </a:r>
+          </a:p>
+          <a:p>
+            <a:pPr marL="0" marR="0" indent="0" algn="ctr" defTabSz="914400" rtl="0" fontAlgn="auto" latinLnBrk="0" hangingPunct="0">
+              <a:lnSpc>
+                <a:spcPct val="150000"/>
+              </a:lnSpc>
+              <a:spcBef>
+                <a:spcPts val="0"/>
+              </a:spcBef>
+              <a:spcAft>
+                <a:spcPts val="0"/>
+              </a:spcAft>
+              <a:buClrTx/>
+              <a:buSzTx/>
+              <a:buFontTx/>
+              <a:buNone/>
+              <a:tabLst/>
+            </a:pPr>
+            <a:r>
+              <a:rPr kumimoji="0" lang="en-IN" sz="4400" i="0" u="none" strike="noStrike" cap="none" spc="0" normalizeH="0" baseline="0" dirty="0">
+                <a:ln>
+                  <a:noFill/>
+                </a:ln>
+                <a:solidFill>
+                  <a:srgbClr val="000000"/>
+                </a:solidFill>
+                <a:effectLst/>
+                <a:uFillTx/>
+                <a:latin typeface="+mj-lt"/>
+                <a:ea typeface="+mj-ea"/>
+                <a:cs typeface="+mj-cs"/>
+                <a:sym typeface="Helvetica"/>
+              </a:rPr>
+              <a:t>at</a:t>
+            </a:r>
+          </a:p>
+          <a:p>
+            <a:pPr marL="0" marR="0" indent="0" algn="ctr" defTabSz="914400" rtl="0" fontAlgn="auto" latinLnBrk="0" hangingPunct="0">
+              <a:lnSpc>
+                <a:spcPct val="150000"/>
+              </a:lnSpc>
+              <a:spcBef>
+                <a:spcPts val="0"/>
+              </a:spcBef>
+              <a:spcAft>
+                <a:spcPts val="0"/>
+              </a:spcAft>
+              <a:buClrTx/>
+              <a:buSzTx/>
+              <a:buFontTx/>
+              <a:buNone/>
+              <a:tabLst/>
+            </a:pPr>
+            <a:r>
+              <a:rPr lang="en-IN" sz="4400" u="sng" dirty="0"/>
+              <a:t>WALMART</a:t>
+            </a:r>
+            <a:endParaRPr kumimoji="0" lang="en-IN" sz="4400" i="0" u="sng" strike="noStrike" cap="none" spc="0" normalizeH="0" baseline="0" dirty="0">
+              <a:ln>
+                <a:noFill/>
+              </a:ln>
+              <a:solidFill>
+                <a:srgbClr val="000000"/>
+              </a:solidFill>
+              <a:effectLst/>
+              <a:uFillTx/>
+              <a:latin typeface="+mj-lt"/>
+              <a:ea typeface="+mj-ea"/>
+              <a:cs typeface="+mj-cs"/>
+              <a:sym typeface="Helvetica"/>
+            </a:endParaRPr>
+          </a:p>
+        </p:txBody>
+      </p:sp>
+      <p:pic>
+        <p:nvPicPr>
+          <p:cNvPr id="3" name="Unknown.png" descr="Unknown.png">
+            <a:extLst>
+              <a:ext uri="{FF2B5EF4-FFF2-40B4-BE49-F238E27FC236}">
+                <a16:creationId xmlns:a16="http://schemas.microsoft.com/office/drawing/2014/main" id="{CFC994E3-6FDB-471C-9BCE-4BC33E5C09D8}"/>
+              </a:ext>
+            </a:extLst>
+          </p:cNvPr>
+          <p:cNvPicPr>
+            <a:picLocks noChangeAspect="1"/>
+          </p:cNvPicPr>
+          <p:nvPr/>
+        </p:nvPicPr>
+        <p:blipFill>
+          <a:blip r:embed="rId2">
+            <a:clrChange>
+              <a:clrFrom>
+                <a:srgbClr val="FFFFFF"/>
+              </a:clrFrom>
+              <a:clrTo>
+                <a:srgbClr val="FFFFFF">
+                  <a:alpha val="0"/>
+                </a:srgbClr>
+              </a:clrTo>
+            </a:clrChange>
+          </a:blip>
+          <a:stretch>
+            <a:fillRect/>
+          </a:stretch>
+        </p:blipFill>
+        <p:spPr>
+          <a:xfrm>
+            <a:off x="4977018" y="4434597"/>
+            <a:ext cx="2842020" cy="2266166"/>
+          </a:xfrm>
+          <a:prstGeom prst="rect">
+            <a:avLst/>
+          </a:prstGeom>
+          <a:ln w="12700">
+            <a:miter lim="400000"/>
+          </a:ln>
+        </p:spPr>
+      </p:pic>
+    </p:spTree>
+    <p:extLst>
+      <p:ext uri="{BB962C8B-B14F-4D97-AF65-F5344CB8AC3E}">
+        <p14:creationId xmlns:p14="http://schemas.microsoft.com/office/powerpoint/2010/main" val="2319312417"/>
+      </p:ext>
+    </p:extLst>
+  </p:cSld>
+  <p:clrMapOvr>
+    <a:masterClrMapping/>
+  </p:clrMapOvr>
+  <p:transition spd="med"/>
+</p:sld>
+</file>
+
+<file path=ppt/slides/slide20.xml><?xml version="1.0" encoding="utf-8"?>
+<p:sld xmlns:a="http://schemas.openxmlformats.org/drawingml/2006/main" xmlns:r="http://schemas.openxmlformats.org/officeDocument/2006/relationships" xmlns:p="http://schemas.openxmlformats.org/presentationml/2006/main">
   <p:cSld>
     <p:spTree>
       <p:nvGrpSpPr>
@@ -2635,7 +3984,7 @@
         </p:nvSpPr>
         <p:spPr>
           <a:xfrm>
-            <a:off x="1198484" y="2423604"/>
+            <a:off x="2827536" y="3429000"/>
             <a:ext cx="3488927" cy="609466"/>
           </a:xfrm>
           <a:prstGeom prst="rect">
@@ -2646,7 +3995,7 @@
           </a:ln>
           <a:extLst>
             <a:ext uri="{C572A759-6A51-4108-AA02-DFA0A04FC94B}">
-              <ma14:wrappingTextBoxFlag xmlns:ma14="http://schemas.microsoft.com/office/mac/drawingml/2011/main" val="1"/>
+              <ma14:wrappingTextBoxFlag xmlns="" xmlns:m="http://schemas.openxmlformats.org/officeDocument/2006/math" xmlns:a14="http://schemas.microsoft.com/office/drawing/2010/main" xmlns:ma14="http://schemas.microsoft.com/office/mac/drawingml/2011/main" val="1"/>
             </a:ext>
           </a:extLst>
         </p:spPr>
@@ -2668,8 +4017,8 @@
             </a:lvl1pPr>
           </a:lstStyle>
           <a:p>
-            <a:pPr/>
-            <a:r>
+            <a:r>
+              <a:rPr dirty="0"/>
               <a:t>Thank You!!!</a:t>
             </a:r>
           </a:p>
@@ -2680,12 +4029,12 @@
   <p:clrMapOvr>
     <a:masterClrMapping/>
   </p:clrMapOvr>
-  <p:transition xmlns:p14="http://schemas.microsoft.com/office/powerpoint/2010/main" spd="med" advClick="1"/>
+  <p:transition spd="med"/>
 </p:sld>
 </file>
 
-<file path=ppt/slides/slide2.xml><?xml version="1.0" encoding="utf-8"?>
-<p:sld xmlns:a="http://schemas.openxmlformats.org/drawingml/2006/main" xmlns:r="http://schemas.openxmlformats.org/officeDocument/2006/relationships" xmlns:p="http://schemas.openxmlformats.org/presentationml/2006/main" xmlns:m="http://schemas.openxmlformats.org/officeDocument/2006/math" xmlns:a14="http://schemas.microsoft.com/office/drawing/2010/main" showMasterSp="1" showMasterPhAnim="1">
+<file path=ppt/slides/slide3.xml><?xml version="1.0" encoding="utf-8"?>
+<p:sld xmlns:a="http://schemas.openxmlformats.org/drawingml/2006/main" xmlns:r="http://schemas.openxmlformats.org/officeDocument/2006/relationships" xmlns:p="http://schemas.openxmlformats.org/presentationml/2006/main">
   <p:cSld>
     <p:spTree>
       <p:nvGrpSpPr>
@@ -2734,6 +4083,7 @@
                 <a:sym typeface="Arial"/>
               </a:defRPr>
             </a:pPr>
+            <a:endParaRPr/>
           </a:p>
         </p:txBody>
       </p:sp>
@@ -2756,7 +4106,7 @@
           </a:ln>
           <a:extLst>
             <a:ext uri="{C572A759-6A51-4108-AA02-DFA0A04FC94B}">
-              <ma14:wrappingTextBoxFlag xmlns:ma14="http://schemas.microsoft.com/office/mac/drawingml/2011/main" val="1"/>
+              <ma14:wrappingTextBoxFlag xmlns="" xmlns:m="http://schemas.openxmlformats.org/officeDocument/2006/math" xmlns:a14="http://schemas.microsoft.com/office/drawing/2010/main" xmlns:ma14="http://schemas.microsoft.com/office/mac/drawingml/2011/main" val="1"/>
             </a:ext>
           </a:extLst>
         </p:spPr>
@@ -2778,7 +4128,6 @@
             </a:lvl1pPr>
           </a:lstStyle>
           <a:p>
-            <a:pPr/>
             <a:r>
               <a:t>About walmart</a:t>
             </a:r>
@@ -2793,8 +4142,8 @@
         </p:nvSpPr>
         <p:spPr>
           <a:xfrm>
-            <a:off x="109261" y="1953277"/>
-            <a:ext cx="8483190" cy="4493259"/>
+            <a:off x="119421" y="2105043"/>
+            <a:ext cx="7246579" cy="3727107"/>
           </a:xfrm>
           <a:prstGeom prst="rect">
             <a:avLst/>
@@ -2804,12 +4153,12 @@
           </a:ln>
           <a:extLst>
             <a:ext uri="{C572A759-6A51-4108-AA02-DFA0A04FC94B}">
-              <ma14:wrappingTextBoxFlag xmlns:ma14="http://schemas.microsoft.com/office/mac/drawingml/2011/main" val="1"/>
+              <ma14:wrappingTextBoxFlag xmlns="" xmlns:m="http://schemas.openxmlformats.org/officeDocument/2006/math" xmlns:a14="http://schemas.microsoft.com/office/drawing/2010/main" xmlns:ma14="http://schemas.microsoft.com/office/mac/drawingml/2011/main" val="1"/>
             </a:ext>
           </a:extLst>
         </p:spPr>
         <p:txBody>
-          <a:bodyPr lIns="45718" tIns="45718" rIns="45718" bIns="45718">
+          <a:bodyPr wrap="square" lIns="45718" tIns="45718" rIns="45718" bIns="45718">
             <a:spAutoFit/>
           </a:bodyPr>
           <a:lstStyle/>
@@ -2828,26 +4177,8 @@
               </a:defRPr>
             </a:pPr>
             <a:r>
-              <a:t>Walmart is the multinational corporation in US that runs a chain of huge departmental </a:t>
-            </a:r>
-          </a:p>
-          <a:p>
-            <a:pPr indent="381000" defTabSz="457200">
-              <a:lnSpc>
-                <a:spcPct val="120000"/>
-              </a:lnSpc>
-              <a:defRPr>
-                <a:latin typeface="Palatino"/>
-                <a:ea typeface="Palatino"/>
-                <a:cs typeface="Palatino"/>
-                <a:sym typeface="Palatino"/>
-              </a:defRPr>
-            </a:pPr>
-            <a:r>
-              <a:t>stores as well as warehouse in various nations</a:t>
-            </a:r>
-            <a:r>
-              <a:t>.</a:t>
+              <a:rPr sz="1800" dirty="0"/>
+              <a:t>Walmart is the multinational corporation in US that runs a chain of huge departmental stores as well as warehouse in various nations.</a:t>
             </a:r>
           </a:p>
           <a:p>
@@ -2864,6 +4195,7 @@
                 <a:sym typeface="Palatino"/>
               </a:defRPr>
             </a:pPr>
+            <a:endParaRPr sz="1800" dirty="0"/>
           </a:p>
           <a:p>
             <a:pPr marL="511341" indent="-130341" defTabSz="457200">
@@ -2880,6 +4212,7 @@
               </a:defRPr>
             </a:pPr>
             <a:r>
+              <a:rPr sz="1800" dirty="0"/>
               <a:t> It is also one of the biggest private employers in globe with around 2.3 million total staffs</a:t>
             </a:r>
           </a:p>
@@ -2897,6 +4230,7 @@
                 <a:sym typeface="Palatino"/>
               </a:defRPr>
             </a:pPr>
+            <a:endParaRPr sz="1800" dirty="0"/>
           </a:p>
           <a:p>
             <a:pPr marL="511341" indent="-130341" defTabSz="457200">
@@ -2913,8 +4247,173 @@
               </a:defRPr>
             </a:pPr>
             <a:r>
+              <a:rPr sz="1800" dirty="0"/>
               <a:t>Although it operates under various banners in the international stores, all of them work towards one common goal that is enabling their consumers to save the cash for living in the better way.</a:t>
             </a:r>
+            <a:endParaRPr dirty="0"/>
+          </a:p>
+        </p:txBody>
+      </p:sp>
+    </p:spTree>
+  </p:cSld>
+  <p:clrMapOvr>
+    <a:masterClrMapping/>
+  </p:clrMapOvr>
+  <p:transition spd="med"/>
+</p:sld>
+</file>
+
+<file path=ppt/slides/slide4.xml><?xml version="1.0" encoding="utf-8"?>
+<p:sld xmlns:a="http://schemas.openxmlformats.org/drawingml/2006/main" xmlns:r="http://schemas.openxmlformats.org/officeDocument/2006/relationships" xmlns:p="http://schemas.openxmlformats.org/presentationml/2006/main">
+  <p:cSld>
+    <p:spTree>
+      <p:nvGrpSpPr>
+        <p:cNvPr id="1" name=""/>
+        <p:cNvGrpSpPr/>
+        <p:nvPr/>
+      </p:nvGrpSpPr>
+      <p:grpSpPr>
+        <a:xfrm>
+          <a:off x="0" y="0"/>
+          <a:ext cx="0" cy="0"/>
+          <a:chOff x="0" y="0"/>
+          <a:chExt cx="0" cy="0"/>
+        </a:xfrm>
+      </p:grpSpPr>
+      <p:sp>
+        <p:nvSpPr>
+          <p:cNvPr id="31" name="Google Shape;165;p20"/>
+          <p:cNvSpPr/>
+          <p:nvPr/>
+        </p:nvSpPr>
+        <p:spPr>
+          <a:xfrm>
+            <a:off x="1524000" y="1581150"/>
+            <a:ext cx="7620000" cy="36513"/>
+          </a:xfrm>
+          <a:prstGeom prst="rect">
+            <a:avLst/>
+          </a:prstGeom>
+          <a:solidFill>
+            <a:srgbClr val="33CCCC"/>
+          </a:solidFill>
+          <a:ln w="12700">
+            <a:miter lim="400000"/>
+          </a:ln>
+        </p:spPr>
+        <p:txBody>
+          <a:bodyPr lIns="45718" tIns="45718" rIns="45718" bIns="45718" anchor="ctr"/>
+          <a:lstStyle/>
+          <a:p>
+            <a:pPr>
+              <a:defRPr sz="1800">
+                <a:latin typeface="+mn-lt"/>
+                <a:ea typeface="+mn-ea"/>
+                <a:cs typeface="+mn-cs"/>
+                <a:sym typeface="Arial"/>
+              </a:defRPr>
+            </a:pPr>
+            <a:endParaRPr/>
+          </a:p>
+        </p:txBody>
+      </p:sp>
+      <p:sp>
+        <p:nvSpPr>
+          <p:cNvPr id="32" name="Google Shape;166;p20"/>
+          <p:cNvSpPr txBox="1"/>
+          <p:nvPr/>
+        </p:nvSpPr>
+        <p:spPr>
+          <a:xfrm>
+            <a:off x="2667000" y="1143000"/>
+            <a:ext cx="6477000" cy="461622"/>
+          </a:xfrm>
+          <a:prstGeom prst="rect">
+            <a:avLst/>
+          </a:prstGeom>
+          <a:ln w="12700">
+            <a:miter lim="400000"/>
+          </a:ln>
+          <a:extLst>
+            <a:ext uri="{C572A759-6A51-4108-AA02-DFA0A04FC94B}">
+              <ma14:wrappingTextBoxFlag xmlns="" xmlns:m="http://schemas.openxmlformats.org/officeDocument/2006/math" xmlns:a14="http://schemas.microsoft.com/office/drawing/2010/main" xmlns:ma14="http://schemas.microsoft.com/office/mac/drawingml/2011/main" val="1"/>
+            </a:ext>
+          </a:extLst>
+        </p:spPr>
+        <p:txBody>
+          <a:bodyPr lIns="45699" tIns="45699" rIns="45699" bIns="45699">
+            <a:spAutoFit/>
+          </a:bodyPr>
+          <a:lstStyle>
+            <a:lvl1pPr marL="342900" indent="-342900" algn="r">
+              <a:defRPr sz="2400">
+                <a:solidFill>
+                  <a:srgbClr val="FF0000"/>
+                </a:solidFill>
+                <a:latin typeface="Trebuchet MS"/>
+                <a:ea typeface="Trebuchet MS"/>
+                <a:cs typeface="Trebuchet MS"/>
+                <a:sym typeface="Trebuchet MS"/>
+              </a:defRPr>
+            </a:lvl1pPr>
+          </a:lstStyle>
+          <a:p>
+            <a:r>
+              <a:rPr dirty="0"/>
+              <a:t>About </a:t>
+            </a:r>
+            <a:r>
+              <a:rPr lang="en-IN" dirty="0"/>
+              <a:t>W</a:t>
+            </a:r>
+            <a:r>
+              <a:rPr dirty="0" err="1"/>
+              <a:t>almart</a:t>
+            </a:r>
+            <a:endParaRPr dirty="0"/>
+          </a:p>
+        </p:txBody>
+      </p:sp>
+      <p:sp>
+        <p:nvSpPr>
+          <p:cNvPr id="33" name="Walmart is the multinational corporation in US that runs a chain of huge departmental stores as well as warehouse in various nations…"/>
+          <p:cNvSpPr txBox="1"/>
+          <p:nvPr/>
+        </p:nvSpPr>
+        <p:spPr>
+          <a:xfrm>
+            <a:off x="251501" y="1942783"/>
+            <a:ext cx="7246579" cy="3970314"/>
+          </a:xfrm>
+          <a:prstGeom prst="rect">
+            <a:avLst/>
+          </a:prstGeom>
+          <a:ln w="12700">
+            <a:miter lim="400000"/>
+          </a:ln>
+          <a:extLst>
+            <a:ext uri="{C572A759-6A51-4108-AA02-DFA0A04FC94B}">
+              <ma14:wrappingTextBoxFlag xmlns="" xmlns:m="http://schemas.openxmlformats.org/officeDocument/2006/math" xmlns:a14="http://schemas.microsoft.com/office/drawing/2010/main" xmlns:ma14="http://schemas.microsoft.com/office/mac/drawingml/2011/main" val="1"/>
+            </a:ext>
+          </a:extLst>
+        </p:spPr>
+        <p:txBody>
+          <a:bodyPr wrap="square" lIns="45718" tIns="45718" rIns="45718" bIns="45718">
+            <a:spAutoFit/>
+          </a:bodyPr>
+          <a:lstStyle/>
+          <a:p>
+            <a:pPr defTabSz="457200">
+              <a:buSzPct val="100000"/>
+              <a:defRPr>
+                <a:solidFill>
+                  <a:srgbClr val="222222"/>
+                </a:solidFill>
+              </a:defRPr>
+            </a:pPr>
+            <a:endParaRPr lang="en-US" sz="1800" dirty="0">
+              <a:latin typeface="Palatino"/>
+            </a:endParaRPr>
           </a:p>
           <a:p>
             <a:pPr marL="140367" indent="-140367" defTabSz="457200">
@@ -2926,22 +4425,14 @@
                 </a:solidFill>
               </a:defRPr>
             </a:pPr>
-          </a:p>
-          <a:p>
-            <a:pPr marL="140367" indent="-140367" defTabSz="457200">
-              <a:buSzPct val="100000"/>
-              <a:buChar char="•"/>
-              <a:defRPr>
-                <a:solidFill>
-                  <a:srgbClr val="222222"/>
-                </a:solidFill>
-              </a:defRPr>
-            </a:pPr>
-            <a:r>
+            <a:r>
+              <a:rPr lang="en-US" sz="1800" dirty="0">
+                <a:latin typeface="Palatino"/>
+              </a:rPr>
               <a:t>It is a publicly traded family-owned business, as the company is controlled by the </a:t>
             </a:r>
             <a:r>
-              <a:rPr u="sng">
+              <a:rPr lang="en-US" sz="1800" u="sng" dirty="0">
                 <a:solidFill>
                   <a:srgbClr val="0000FF"/>
                 </a:solidFill>
@@ -2950,7 +4441,8 @@
                     <a:srgbClr val="0000FF"/>
                   </a:solidFill>
                 </a:uFill>
-                <a:hlinkClick r:id="rId2" invalidUrl="" action="" tgtFrame="" tooltip="" history="1" highlightClick="0" endSnd="0"/>
+                <a:latin typeface="Palatino"/>
+                <a:hlinkClick r:id="rId2"/>
               </a:rPr>
               <a:t>Walton family</a:t>
             </a:r>
@@ -2965,6 +4457,18 @@
                 </a:solidFill>
               </a:defRPr>
             </a:pPr>
+            <a:endParaRPr lang="en-US" sz="1800" u="sng" dirty="0">
+              <a:solidFill>
+                <a:srgbClr val="0000FF"/>
+              </a:solidFill>
+              <a:uFill>
+                <a:solidFill>
+                  <a:srgbClr val="0000FF"/>
+                </a:solidFill>
+              </a:uFill>
+              <a:latin typeface="Palatino"/>
+              <a:hlinkClick r:id="rId2"/>
+            </a:endParaRPr>
           </a:p>
           <a:p>
             <a:pPr marL="140367" indent="-140367" defTabSz="457200">
@@ -2977,6 +4481,9 @@
               </a:defRPr>
             </a:pPr>
             <a:r>
+              <a:rPr lang="en-US" sz="1800" dirty="0">
+                <a:latin typeface="Palatino"/>
+              </a:rPr>
               <a:t>Sam Walton's heirs own over 50 percent of Walmart through their holding company Walton Enterprises and through their individual holdings</a:t>
             </a:r>
           </a:p>
@@ -2990,6 +4497,9 @@
                 </a:solidFill>
               </a:defRPr>
             </a:pPr>
+            <a:endParaRPr lang="en-US" sz="1800" dirty="0">
+              <a:latin typeface="Palatino"/>
+            </a:endParaRPr>
           </a:p>
           <a:p>
             <a:pPr marL="140367" indent="-140367" defTabSz="457200">
@@ -3002,10 +4512,13 @@
               </a:defRPr>
             </a:pPr>
             <a:r>
+              <a:rPr lang="en-US" sz="1800" dirty="0">
+                <a:latin typeface="Palatino"/>
+              </a:rPr>
               <a:t>Walmart was listed on the </a:t>
             </a:r>
             <a:r>
-              <a:rPr u="sng">
+              <a:rPr lang="en-US" sz="1800" u="sng" dirty="0">
                 <a:solidFill>
                   <a:srgbClr val="0000FF"/>
                 </a:solidFill>
@@ -3014,11 +4527,15 @@
                     <a:srgbClr val="0000FF"/>
                   </a:solidFill>
                 </a:uFill>
-                <a:hlinkClick r:id="rId3" invalidUrl="" action="" tgtFrame="" tooltip="" history="1" highlightClick="0" endSnd="0"/>
+                <a:latin typeface="Palatino"/>
+                <a:hlinkClick r:id="rId3"/>
               </a:rPr>
               <a:t>New York Stock Exchange</a:t>
             </a:r>
             <a:r>
+              <a:rPr lang="en-US" sz="1800" dirty="0">
+                <a:latin typeface="Palatino"/>
+              </a:rPr>
               <a:t> in 1972. By 1988, it was the most profitable retailer in the U.S</a:t>
             </a:r>
           </a:p>
@@ -3032,6 +4549,9 @@
                 </a:solidFill>
               </a:defRPr>
             </a:pPr>
+            <a:endParaRPr lang="en-US" sz="1800" dirty="0">
+              <a:latin typeface="Palatino"/>
+            </a:endParaRPr>
           </a:p>
           <a:p>
             <a:pPr marL="140367" indent="-140367" defTabSz="457200">
@@ -3044,22 +4564,30 @@
               </a:defRPr>
             </a:pPr>
             <a:r>
+              <a:rPr lang="en-US" sz="1800" dirty="0">
+                <a:latin typeface="Palatino"/>
+              </a:rPr>
               <a:t>Its operations and subsidiaries in Canada, the United Kingdom, Central America, South America and China are highly successful, whereas its ventures failed in Germany and South Korea</a:t>
             </a:r>
           </a:p>
         </p:txBody>
       </p:sp>
     </p:spTree>
+    <p:extLst>
+      <p:ext uri="{BB962C8B-B14F-4D97-AF65-F5344CB8AC3E}">
+        <p14:creationId xmlns:p14="http://schemas.microsoft.com/office/powerpoint/2010/main" val="1077261725"/>
+      </p:ext>
+    </p:extLst>
   </p:cSld>
   <p:clrMapOvr>
     <a:masterClrMapping/>
   </p:clrMapOvr>
-  <p:transition xmlns:p14="http://schemas.microsoft.com/office/powerpoint/2010/main" spd="med" advClick="1"/>
+  <p:transition spd="med"/>
 </p:sld>
 </file>
 
-<file path=ppt/slides/slide3.xml><?xml version="1.0" encoding="utf-8"?>
-<p:sld xmlns:a="http://schemas.openxmlformats.org/drawingml/2006/main" xmlns:r="http://schemas.openxmlformats.org/officeDocument/2006/relationships" xmlns:p="http://schemas.openxmlformats.org/presentationml/2006/main" xmlns:m="http://schemas.openxmlformats.org/officeDocument/2006/math" xmlns:a14="http://schemas.microsoft.com/office/drawing/2010/main" showMasterSp="1" showMasterPhAnim="1">
+<file path=ppt/slides/slide5.xml><?xml version="1.0" encoding="utf-8"?>
+<p:sld xmlns:a="http://schemas.openxmlformats.org/drawingml/2006/main" xmlns:r="http://schemas.openxmlformats.org/officeDocument/2006/relationships" xmlns:p="http://schemas.openxmlformats.org/presentationml/2006/main">
   <p:cSld>
     <p:spTree>
       <p:nvGrpSpPr>
@@ -3108,6 +4636,7 @@
                 <a:sym typeface="Arial"/>
               </a:defRPr>
             </a:pPr>
+            <a:endParaRPr/>
           </a:p>
         </p:txBody>
       </p:sp>
@@ -3130,7 +4659,7 @@
           </a:ln>
           <a:extLst>
             <a:ext uri="{C572A759-6A51-4108-AA02-DFA0A04FC94B}">
-              <ma14:wrappingTextBoxFlag xmlns:ma14="http://schemas.microsoft.com/office/mac/drawingml/2011/main" val="1"/>
+              <ma14:wrappingTextBoxFlag xmlns="" xmlns:m="http://schemas.openxmlformats.org/officeDocument/2006/math" xmlns:a14="http://schemas.microsoft.com/office/drawing/2010/main" xmlns:ma14="http://schemas.microsoft.com/office/mac/drawingml/2011/main" val="1"/>
             </a:ext>
           </a:extLst>
         </p:spPr>
@@ -3152,7 +4681,6 @@
             </a:lvl1pPr>
           </a:lstStyle>
           <a:p>
-            <a:pPr/>
             <a:r>
               <a:t>Why organisations should consider KM</a:t>
             </a:r>
@@ -3167,8 +4695,8 @@
         </p:nvSpPr>
         <p:spPr>
           <a:xfrm>
-            <a:off x="292962" y="2476083"/>
-            <a:ext cx="5064180" cy="2599392"/>
+            <a:off x="320620" y="2414532"/>
+            <a:ext cx="6395140" cy="2862318"/>
           </a:xfrm>
           <a:prstGeom prst="rect">
             <a:avLst/>
@@ -3178,12 +4706,12 @@
           </a:ln>
           <a:extLst>
             <a:ext uri="{C572A759-6A51-4108-AA02-DFA0A04FC94B}">
-              <ma14:wrappingTextBoxFlag xmlns:ma14="http://schemas.microsoft.com/office/mac/drawingml/2011/main" val="1"/>
+              <ma14:wrappingTextBoxFlag xmlns="" xmlns:m="http://schemas.openxmlformats.org/officeDocument/2006/math" xmlns:a14="http://schemas.microsoft.com/office/drawing/2010/main" xmlns:ma14="http://schemas.microsoft.com/office/mac/drawingml/2011/main" val="1"/>
             </a:ext>
           </a:extLst>
         </p:spPr>
         <p:txBody>
-          <a:bodyPr lIns="45718" tIns="45718" rIns="45718" bIns="45718">
+          <a:bodyPr wrap="square" lIns="45718" tIns="45718" rIns="45718" bIns="45718">
             <a:spAutoFit/>
           </a:bodyPr>
           <a:lstStyle/>
@@ -3199,6 +4727,9 @@
               </a:defRPr>
             </a:pPr>
             <a:r>
+              <a:rPr sz="1800" dirty="0">
+                <a:latin typeface="Palatino"/>
+              </a:rPr>
               <a:t>Speed up access to information and knowledge</a:t>
             </a:r>
           </a:p>
@@ -3213,6 +4744,9 @@
                 <a:sym typeface="Arial"/>
               </a:defRPr>
             </a:pPr>
+            <a:endParaRPr sz="1800" dirty="0">
+              <a:latin typeface="Palatino"/>
+            </a:endParaRPr>
           </a:p>
           <a:p>
             <a:pPr marL="140367" indent="-140367">
@@ -3226,6 +4760,9 @@
               </a:defRPr>
             </a:pPr>
             <a:r>
+              <a:rPr sz="1800" dirty="0">
+                <a:latin typeface="Palatino"/>
+              </a:rPr>
               <a:t>Improve decision-making processes</a:t>
             </a:r>
           </a:p>
@@ -3240,6 +4777,9 @@
                 <a:sym typeface="Arial"/>
               </a:defRPr>
             </a:pPr>
+            <a:endParaRPr sz="1800" dirty="0">
+              <a:latin typeface="Palatino"/>
+            </a:endParaRPr>
           </a:p>
           <a:p>
             <a:pPr marL="140367" indent="-140367">
@@ -3253,6 +4793,9 @@
               </a:defRPr>
             </a:pPr>
             <a:r>
+              <a:rPr sz="1800" dirty="0">
+                <a:latin typeface="Palatino"/>
+              </a:rPr>
               <a:t>Promote innovation and cultural change</a:t>
             </a:r>
           </a:p>
@@ -3267,6 +4810,9 @@
                 <a:sym typeface="Arial"/>
               </a:defRPr>
             </a:pPr>
+            <a:endParaRPr sz="1800" dirty="0">
+              <a:latin typeface="Palatino"/>
+            </a:endParaRPr>
           </a:p>
           <a:p>
             <a:pPr marL="140367" indent="-140367">
@@ -3280,7 +4826,22 @@
               </a:defRPr>
             </a:pPr>
             <a:r>
+              <a:rPr sz="1800" dirty="0">
+                <a:latin typeface="Palatino"/>
+              </a:rPr>
               <a:t>Improve the efficiency of an organization’s operating</a:t>
+            </a:r>
+            <a:r>
+              <a:rPr lang="en-IN" sz="1800" dirty="0">
+                <a:latin typeface="Palatino"/>
+              </a:rPr>
+              <a:t> </a:t>
+            </a:r>
+            <a:r>
+              <a:rPr sz="1800" dirty="0">
+                <a:latin typeface="Palatino"/>
+              </a:rPr>
+              <a:t>units and business processes.</a:t>
             </a:r>
           </a:p>
           <a:p>
@@ -3294,6 +4855,9 @@
                 <a:sym typeface="Arial"/>
               </a:defRPr>
             </a:pPr>
+            <a:endParaRPr sz="1800" dirty="0">
+              <a:latin typeface="Palatino"/>
+            </a:endParaRPr>
           </a:p>
           <a:p>
             <a:pPr marL="140367" indent="-140367">
@@ -3307,33 +4871,9 @@
               </a:defRPr>
             </a:pPr>
             <a:r>
-              <a:t>units and business processes.</a:t>
-            </a:r>
-          </a:p>
-          <a:p>
-            <a:pPr marL="140367" indent="-140367">
-              <a:buSzPct val="100000"/>
-              <a:buChar char="•"/>
-              <a:defRPr sz="1600">
-                <a:latin typeface="+mn-lt"/>
-                <a:ea typeface="+mn-ea"/>
-                <a:cs typeface="+mn-cs"/>
-                <a:sym typeface="Arial"/>
-              </a:defRPr>
-            </a:pPr>
-          </a:p>
-          <a:p>
-            <a:pPr marL="140367" indent="-140367">
-              <a:buSzPct val="100000"/>
-              <a:buChar char="•"/>
-              <a:defRPr sz="1600">
-                <a:latin typeface="+mn-lt"/>
-                <a:ea typeface="+mn-ea"/>
-                <a:cs typeface="+mn-cs"/>
-                <a:sym typeface="Arial"/>
-              </a:defRPr>
-            </a:pPr>
-            <a:r>
+              <a:rPr sz="1800" dirty="0">
+                <a:latin typeface="Palatino"/>
+              </a:rPr>
               <a:t>Increase customer satisfaction.</a:t>
             </a:r>
           </a:p>
@@ -3344,12 +4884,12 @@
   <p:clrMapOvr>
     <a:masterClrMapping/>
   </p:clrMapOvr>
-  <p:transition xmlns:p14="http://schemas.microsoft.com/office/powerpoint/2010/main" spd="med" advClick="1"/>
+  <p:transition spd="med"/>
 </p:sld>
 </file>
 
-<file path=ppt/slides/slide4.xml><?xml version="1.0" encoding="utf-8"?>
-<p:sld xmlns:a="http://schemas.openxmlformats.org/drawingml/2006/main" xmlns:r="http://schemas.openxmlformats.org/officeDocument/2006/relationships" xmlns:p="http://schemas.openxmlformats.org/presentationml/2006/main" xmlns:m="http://schemas.openxmlformats.org/officeDocument/2006/math" xmlns:a14="http://schemas.microsoft.com/office/drawing/2010/main" showMasterSp="1" showMasterPhAnim="1">
+<file path=ppt/slides/slide6.xml><?xml version="1.0" encoding="utf-8"?>
+<p:sld xmlns:a="http://schemas.openxmlformats.org/drawingml/2006/main" xmlns:r="http://schemas.openxmlformats.org/officeDocument/2006/relationships" xmlns:p="http://schemas.openxmlformats.org/presentationml/2006/main">
   <p:cSld>
     <p:spTree>
       <p:nvGrpSpPr>
@@ -3398,6 +4938,7 @@
                 <a:sym typeface="Arial"/>
               </a:defRPr>
             </a:pPr>
+            <a:endParaRPr/>
           </a:p>
         </p:txBody>
       </p:sp>
@@ -3420,7 +4961,7 @@
           </a:ln>
           <a:extLst>
             <a:ext uri="{C572A759-6A51-4108-AA02-DFA0A04FC94B}">
-              <ma14:wrappingTextBoxFlag xmlns:ma14="http://schemas.microsoft.com/office/mac/drawingml/2011/main" val="1"/>
+              <ma14:wrappingTextBoxFlag xmlns="" xmlns:m="http://schemas.openxmlformats.org/officeDocument/2006/math" xmlns:a14="http://schemas.microsoft.com/office/drawing/2010/main" xmlns:ma14="http://schemas.microsoft.com/office/mac/drawingml/2011/main" val="1"/>
             </a:ext>
           </a:extLst>
         </p:spPr>
@@ -3442,7 +4983,6 @@
             </a:lvl1pPr>
           </a:lstStyle>
           <a:p>
-            <a:pPr/>
             <a:r>
               <a:t>Knowledge management</a:t>
             </a:r>
@@ -3457,8 +4997,8 @@
         </p:nvSpPr>
         <p:spPr>
           <a:xfrm>
-            <a:off x="147217" y="1438554"/>
-            <a:ext cx="8336907" cy="5273108"/>
+            <a:off x="153990" y="2046408"/>
+            <a:ext cx="7472783" cy="3734480"/>
           </a:xfrm>
           <a:prstGeom prst="rect">
             <a:avLst/>
@@ -3468,12 +5008,12 @@
           </a:ln>
           <a:extLst>
             <a:ext uri="{C572A759-6A51-4108-AA02-DFA0A04FC94B}">
-              <ma14:wrappingTextBoxFlag xmlns:ma14="http://schemas.microsoft.com/office/mac/drawingml/2011/main" val="1"/>
+              <ma14:wrappingTextBoxFlag xmlns="" xmlns:m="http://schemas.openxmlformats.org/officeDocument/2006/math" xmlns:a14="http://schemas.microsoft.com/office/drawing/2010/main" xmlns:ma14="http://schemas.microsoft.com/office/mac/drawingml/2011/main" val="1"/>
             </a:ext>
           </a:extLst>
         </p:spPr>
         <p:txBody>
-          <a:bodyPr lIns="45718" tIns="45718" rIns="45718" bIns="45718">
+          <a:bodyPr wrap="square" lIns="45718" tIns="45718" rIns="45718" bIns="45718">
             <a:spAutoFit/>
           </a:bodyPr>
           <a:lstStyle/>
@@ -3495,6 +5035,7 @@
               </a:defRPr>
             </a:pPr>
             <a:r>
+              <a:rPr sz="1800" dirty="0"/>
               <a:t>Knowledge management system in Walmart indicates that the practices as well as strategies that are used by the company are to create and enable implementation of particular experiences.</a:t>
             </a:r>
           </a:p>
@@ -3516,6 +5057,7 @@
               </a:defRPr>
             </a:pPr>
             <a:r>
+              <a:rPr sz="1800" dirty="0"/>
               <a:t>It identified four different dimensions of the KMS. These dimensions include connectedness, perspective, congruency and completeness. </a:t>
             </a:r>
           </a:p>
@@ -3537,9 +5079,155 @@
               </a:defRPr>
             </a:pPr>
             <a:r>
-              <a:t>It is identified that the gaps that occur within knowledge management might hinder in developing new goods and can create difficulty in making decision and solving any problem within the organisation</a:t>
-            </a:r>
-          </a:p>
+              <a:rPr sz="1800" dirty="0"/>
+              <a:t>It is identified that the gaps that occur within knowledge management might hinder in developing new goods and can create difficulty in making decision and solving any problem within the </a:t>
+            </a:r>
+            <a:r>
+              <a:rPr lang="en-IN" sz="1800" dirty="0"/>
+              <a:t>organization</a:t>
+            </a:r>
+            <a:endParaRPr sz="1800" dirty="0"/>
+          </a:p>
+        </p:txBody>
+      </p:sp>
+    </p:spTree>
+  </p:cSld>
+  <p:clrMapOvr>
+    <a:masterClrMapping/>
+  </p:clrMapOvr>
+  <p:transition spd="med"/>
+</p:sld>
+</file>
+
+<file path=ppt/slides/slide7.xml><?xml version="1.0" encoding="utf-8"?>
+<p:sld xmlns:a="http://schemas.openxmlformats.org/drawingml/2006/main" xmlns:r="http://schemas.openxmlformats.org/officeDocument/2006/relationships" xmlns:p="http://schemas.openxmlformats.org/presentationml/2006/main">
+  <p:cSld>
+    <p:spTree>
+      <p:nvGrpSpPr>
+        <p:cNvPr id="1" name=""/>
+        <p:cNvGrpSpPr/>
+        <p:nvPr/>
+      </p:nvGrpSpPr>
+      <p:grpSpPr>
+        <a:xfrm>
+          <a:off x="0" y="0"/>
+          <a:ext cx="0" cy="0"/>
+          <a:chOff x="0" y="0"/>
+          <a:chExt cx="0" cy="0"/>
+        </a:xfrm>
+      </p:grpSpPr>
+      <p:sp>
+        <p:nvSpPr>
+          <p:cNvPr id="39" name="Google Shape;165;p20"/>
+          <p:cNvSpPr/>
+          <p:nvPr/>
+        </p:nvSpPr>
+        <p:spPr>
+          <a:xfrm>
+            <a:off x="1524000" y="1581150"/>
+            <a:ext cx="7620000" cy="36513"/>
+          </a:xfrm>
+          <a:prstGeom prst="rect">
+            <a:avLst/>
+          </a:prstGeom>
+          <a:solidFill>
+            <a:srgbClr val="33CCCC"/>
+          </a:solidFill>
+          <a:ln w="12700">
+            <a:miter lim="400000"/>
+          </a:ln>
+        </p:spPr>
+        <p:txBody>
+          <a:bodyPr lIns="45718" tIns="45718" rIns="45718" bIns="45718" anchor="ctr"/>
+          <a:lstStyle/>
+          <a:p>
+            <a:pPr>
+              <a:defRPr sz="1800">
+                <a:latin typeface="+mn-lt"/>
+                <a:ea typeface="+mn-ea"/>
+                <a:cs typeface="+mn-cs"/>
+                <a:sym typeface="Arial"/>
+              </a:defRPr>
+            </a:pPr>
+            <a:endParaRPr/>
+          </a:p>
+        </p:txBody>
+      </p:sp>
+      <p:sp>
+        <p:nvSpPr>
+          <p:cNvPr id="40" name="Google Shape;166;p20"/>
+          <p:cNvSpPr txBox="1"/>
+          <p:nvPr/>
+        </p:nvSpPr>
+        <p:spPr>
+          <a:xfrm>
+            <a:off x="2667000" y="1152405"/>
+            <a:ext cx="6477000" cy="446999"/>
+          </a:xfrm>
+          <a:prstGeom prst="rect">
+            <a:avLst/>
+          </a:prstGeom>
+          <a:ln w="12700">
+            <a:miter lim="400000"/>
+          </a:ln>
+          <a:extLst>
+            <a:ext uri="{C572A759-6A51-4108-AA02-DFA0A04FC94B}">
+              <ma14:wrappingTextBoxFlag xmlns="" xmlns:m="http://schemas.openxmlformats.org/officeDocument/2006/math" xmlns:a14="http://schemas.microsoft.com/office/drawing/2010/main" xmlns:ma14="http://schemas.microsoft.com/office/mac/drawingml/2011/main" val="1"/>
+            </a:ext>
+          </a:extLst>
+        </p:spPr>
+        <p:txBody>
+          <a:bodyPr lIns="45699" tIns="45699" rIns="45699" bIns="45699">
+            <a:spAutoFit/>
+          </a:bodyPr>
+          <a:lstStyle>
+            <a:lvl1pPr marL="342900" indent="-342900" algn="r">
+              <a:defRPr sz="2400">
+                <a:solidFill>
+                  <a:srgbClr val="FF0000"/>
+                </a:solidFill>
+                <a:latin typeface="Trebuchet MS"/>
+                <a:ea typeface="Trebuchet MS"/>
+                <a:cs typeface="Trebuchet MS"/>
+                <a:sym typeface="Trebuchet MS"/>
+              </a:defRPr>
+            </a:lvl1pPr>
+          </a:lstStyle>
+          <a:p>
+            <a:r>
+              <a:t>Knowledge management</a:t>
+            </a:r>
+          </a:p>
+        </p:txBody>
+      </p:sp>
+      <p:sp>
+        <p:nvSpPr>
+          <p:cNvPr id="41" name="Knowledge management system in Walmart indicates that the practices as well as strategies that are used by the company are to create and enable implementation of particular experiences.…"/>
+          <p:cNvSpPr txBox="1"/>
+          <p:nvPr/>
+        </p:nvSpPr>
+        <p:spPr>
+          <a:xfrm>
+            <a:off x="206483" y="2115600"/>
+            <a:ext cx="7353416" cy="3164260"/>
+          </a:xfrm>
+          <a:prstGeom prst="rect">
+            <a:avLst/>
+          </a:prstGeom>
+          <a:ln w="12700">
+            <a:miter lim="400000"/>
+          </a:ln>
+          <a:extLst>
+            <a:ext uri="{C572A759-6A51-4108-AA02-DFA0A04FC94B}">
+              <ma14:wrappingTextBoxFlag xmlns="" xmlns:m="http://schemas.openxmlformats.org/officeDocument/2006/math" xmlns:a14="http://schemas.microsoft.com/office/drawing/2010/main" xmlns:ma14="http://schemas.microsoft.com/office/mac/drawingml/2011/main" val="1"/>
+            </a:ext>
+          </a:extLst>
+        </p:spPr>
+        <p:txBody>
+          <a:bodyPr wrap="square" lIns="45718" tIns="45718" rIns="45718" bIns="45718">
+            <a:spAutoFit/>
+          </a:bodyPr>
+          <a:lstStyle/>
           <a:p>
             <a:pPr marL="130341" indent="-130341" defTabSz="457200">
               <a:lnSpc>
@@ -3558,6 +5246,7 @@
               </a:defRPr>
             </a:pPr>
             <a:r>
+              <a:rPr sz="1800" dirty="0"/>
               <a:t>There are few models for decision making that facilitate in the knowledge management. This framework generally involves assessment and identification of alternatives by processing data as well as knowledge that is gathered until date.</a:t>
             </a:r>
           </a:p>
@@ -3579,22 +5268,36 @@
               </a:defRPr>
             </a:pPr>
             <a:r>
-              <a:t>The organisations knowledge management integrates some vital issues that include formal apprenticeship, corporate libraries, professional training, discussion forums and mentoring </a:t>
+              <a:rPr sz="1800" dirty="0"/>
+              <a:t>The </a:t>
+            </a:r>
+            <a:r>
+              <a:rPr lang="en-IN" sz="1800" dirty="0"/>
+              <a:t>organizations</a:t>
+            </a:r>
+            <a:r>
+              <a:rPr sz="1800" dirty="0"/>
+              <a:t> knowledge management integrates some vital issues that include formal apprenticeship, corporate libraries, professional training, discussion forums and mentoring </a:t>
             </a:r>
           </a:p>
         </p:txBody>
       </p:sp>
     </p:spTree>
+    <p:extLst>
+      <p:ext uri="{BB962C8B-B14F-4D97-AF65-F5344CB8AC3E}">
+        <p14:creationId xmlns:p14="http://schemas.microsoft.com/office/powerpoint/2010/main" val="2870163248"/>
+      </p:ext>
+    </p:extLst>
   </p:cSld>
   <p:clrMapOvr>
     <a:masterClrMapping/>
   </p:clrMapOvr>
-  <p:transition xmlns:p14="http://schemas.microsoft.com/office/powerpoint/2010/main" spd="med" advClick="1"/>
+  <p:transition spd="med"/>
 </p:sld>
 </file>
 
-<file path=ppt/slides/slide5.xml><?xml version="1.0" encoding="utf-8"?>
-<p:sld xmlns:a="http://schemas.openxmlformats.org/drawingml/2006/main" xmlns:r="http://schemas.openxmlformats.org/officeDocument/2006/relationships" xmlns:p="http://schemas.openxmlformats.org/presentationml/2006/main" xmlns:m="http://schemas.openxmlformats.org/officeDocument/2006/math" xmlns:a14="http://schemas.microsoft.com/office/drawing/2010/main" showMasterSp="1" showMasterPhAnim="1">
+<file path=ppt/slides/slide8.xml><?xml version="1.0" encoding="utf-8"?>
+<p:sld xmlns:a="http://schemas.openxmlformats.org/drawingml/2006/main" xmlns:r="http://schemas.openxmlformats.org/officeDocument/2006/relationships" xmlns:p="http://schemas.openxmlformats.org/presentationml/2006/main">
   <p:cSld>
     <p:spTree>
       <p:nvGrpSpPr>
@@ -3643,6 +5346,7 @@
                 <a:sym typeface="Arial"/>
               </a:defRPr>
             </a:pPr>
+            <a:endParaRPr/>
           </a:p>
         </p:txBody>
       </p:sp>
@@ -3655,7 +5359,7 @@
         <p:spPr>
           <a:xfrm>
             <a:off x="2667000" y="1036468"/>
-            <a:ext cx="6477000" cy="558124"/>
+            <a:ext cx="6477000" cy="534143"/>
           </a:xfrm>
           <a:prstGeom prst="rect">
             <a:avLst/>
@@ -3665,7 +5369,7 @@
           </a:ln>
           <a:extLst>
             <a:ext uri="{C572A759-6A51-4108-AA02-DFA0A04FC94B}">
-              <ma14:wrappingTextBoxFlag xmlns:ma14="http://schemas.microsoft.com/office/mac/drawingml/2011/main" val="1"/>
+              <ma14:wrappingTextBoxFlag xmlns="" xmlns:m="http://schemas.openxmlformats.org/officeDocument/2006/math" xmlns:a14="http://schemas.microsoft.com/office/drawing/2010/main" xmlns:ma14="http://schemas.microsoft.com/office/mac/drawingml/2011/main" val="1"/>
             </a:ext>
           </a:extLst>
         </p:spPr>
@@ -3693,10 +5397,19 @@
               </a:defRPr>
             </a:pPr>
             <a:r>
-              <a:t>Importance of knowledge management at the Wal-Mart stores</a:t>
-            </a:r>
-            <a:r>
-              <a:rPr sz="1400"/>
+              <a:rPr dirty="0"/>
+              <a:t>Importance of knowledge management at the Wal</a:t>
+            </a:r>
+            <a:r>
+              <a:rPr lang="en-IN" dirty="0"/>
+              <a:t>m</a:t>
+            </a:r>
+            <a:r>
+              <a:rPr dirty="0"/>
+              <a:t>art stores</a:t>
+            </a:r>
+            <a:r>
+              <a:rPr sz="1400" dirty="0"/>
               <a:t> </a:t>
             </a:r>
           </a:p>
@@ -3710,8 +5423,8 @@
         </p:nvSpPr>
         <p:spPr>
           <a:xfrm>
-            <a:off x="159044" y="1762869"/>
-            <a:ext cx="8197583" cy="4300219"/>
+            <a:off x="159045" y="1617663"/>
+            <a:ext cx="7278076" cy="5724897"/>
           </a:xfrm>
           <a:prstGeom prst="rect">
             <a:avLst/>
@@ -3721,12 +5434,12 @@
           </a:ln>
           <a:extLst>
             <a:ext uri="{C572A759-6A51-4108-AA02-DFA0A04FC94B}">
-              <ma14:wrappingTextBoxFlag xmlns:ma14="http://schemas.microsoft.com/office/mac/drawingml/2011/main" val="1"/>
+              <ma14:wrappingTextBoxFlag xmlns="" xmlns:m="http://schemas.openxmlformats.org/officeDocument/2006/math" xmlns:a14="http://schemas.microsoft.com/office/drawing/2010/main" xmlns:ma14="http://schemas.microsoft.com/office/mac/drawingml/2011/main" val="1"/>
             </a:ext>
           </a:extLst>
         </p:spPr>
         <p:txBody>
-          <a:bodyPr lIns="45718" tIns="45718" rIns="45718" bIns="45718">
+          <a:bodyPr wrap="square" lIns="45718" tIns="45718" rIns="45718" bIns="45718">
             <a:spAutoFit/>
           </a:bodyPr>
           <a:lstStyle/>
@@ -3749,7 +5462,28 @@
               </a:defRPr>
             </a:pPr>
             <a:r>
-              <a:t> The giant chain store has an overwhelmingly effective knowledge management program that has enabled it to retain its competitive advantage even at times of turbulent economic situations. The corporation’s goals are being achieved simultaneously by strictly adhering to business aims and balancing operations with the economic growth.</a:t>
+              <a:rPr sz="1800" dirty="0">
+                <a:latin typeface="Palatino"/>
+              </a:rPr>
+              <a:t>The giant chain store has an overwhelmingly effective knowledge management program that has enabled it to retain its competitive advantage even at times of turbulent economic situations.</a:t>
+            </a:r>
+            <a:r>
+              <a:rPr lang="en-IN" sz="1800" dirty="0">
+                <a:latin typeface="Palatino"/>
+              </a:rPr>
+              <a:t> </a:t>
+            </a:r>
+            <a:r>
+              <a:rPr sz="1800" dirty="0">
+                <a:latin typeface="Palatino"/>
+              </a:rPr>
+              <a:t>The corporation’s goals are being achieved simultaneously by strictly adhering to business aims and balancing operations with the economic growth</a:t>
+            </a:r>
+            <a:r>
+              <a:rPr lang="en-IN" sz="1800" dirty="0">
+                <a:latin typeface="Palatino"/>
+              </a:rPr>
+              <a:t>.</a:t>
             </a:r>
           </a:p>
           <a:p>
@@ -3771,10 +5505,13 @@
               </a:defRPr>
             </a:pPr>
             <a:r>
-              <a:t> Accordingly, economic gin as a result of positive knowledge management strategies is achieved throughout. The corporations’ knowledge management strategies have enabled it to focus its strategic business operations into cutting operational cots and building up a value for its shareholders. </a:t>
-            </a:r>
-            <a:endParaRPr sz="1200">
-              <a:latin typeface="Times Roman"/>
+              <a:rPr lang="en-US" sz="1800" dirty="0">
+                <a:latin typeface="Palatino"/>
+              </a:rPr>
+              <a:t>Accordingly, economic gin as a result of positive knowledge management strategies is achieved throughout. The corporations’ knowledge management strategies have enabled it to focus its strategic business operations into cutting operational cots and building up a value for its shareholders. </a:t>
+            </a:r>
+            <a:endParaRPr lang="en-US" sz="1800" dirty="0">
+              <a:latin typeface="Palatino"/>
               <a:ea typeface="Times Roman"/>
               <a:cs typeface="Times Roman"/>
               <a:sym typeface="Times Roman"/>
@@ -3792,6 +5529,12 @@
                 <a:sym typeface="Times Roman"/>
               </a:defRPr>
             </a:pPr>
+            <a:endParaRPr lang="en-IN" sz="1800" dirty="0">
+              <a:latin typeface="Palatino"/>
+              <a:ea typeface="Times Roman"/>
+              <a:cs typeface="Times Roman"/>
+              <a:sym typeface="Times Roman"/>
+            </a:endParaRPr>
           </a:p>
           <a:p>
             <a:pPr defTabSz="457200">
@@ -3805,6 +5548,12 @@
                 <a:sym typeface="Times Roman"/>
               </a:defRPr>
             </a:pPr>
+            <a:endParaRPr lang="en-IN" sz="1800" dirty="0">
+              <a:latin typeface="Palatino"/>
+              <a:ea typeface="Times Roman"/>
+              <a:cs typeface="Times Roman"/>
+              <a:sym typeface="Times Roman"/>
+            </a:endParaRPr>
           </a:p>
         </p:txBody>
       </p:sp>
@@ -3813,12 +5562,12 @@
   <p:clrMapOvr>
     <a:masterClrMapping/>
   </p:clrMapOvr>
-  <p:transition xmlns:p14="http://schemas.microsoft.com/office/powerpoint/2010/main" spd="med" advClick="1"/>
+  <p:transition spd="med"/>
 </p:sld>
 </file>
 
-<file path=ppt/slides/slide6.xml><?xml version="1.0" encoding="utf-8"?>
-<p:sld xmlns:a="http://schemas.openxmlformats.org/drawingml/2006/main" xmlns:r="http://schemas.openxmlformats.org/officeDocument/2006/relationships" xmlns:p="http://schemas.openxmlformats.org/presentationml/2006/main" xmlns:m="http://schemas.openxmlformats.org/officeDocument/2006/math" xmlns:a14="http://schemas.microsoft.com/office/drawing/2010/main" showMasterSp="1" showMasterPhAnim="1">
+<file path=ppt/slides/slide9.xml><?xml version="1.0" encoding="utf-8"?>
+<p:sld xmlns:a="http://schemas.openxmlformats.org/drawingml/2006/main" xmlns:r="http://schemas.openxmlformats.org/officeDocument/2006/relationships" xmlns:p="http://schemas.openxmlformats.org/presentationml/2006/main">
   <p:cSld>
     <p:spTree>
       <p:nvGrpSpPr>
@@ -3853,7 +5602,7 @@
           </a:ln>
           <a:extLst>
             <a:ext uri="{C572A759-6A51-4108-AA02-DFA0A04FC94B}">
-              <ma14:wrappingTextBoxFlag xmlns:ma14="http://schemas.microsoft.com/office/mac/drawingml/2011/main" val="1"/>
+              <ma14:wrappingTextBoxFlag xmlns="" xmlns:m="http://schemas.openxmlformats.org/officeDocument/2006/math" xmlns:a14="http://schemas.microsoft.com/office/drawing/2010/main" xmlns:ma14="http://schemas.microsoft.com/office/mac/drawingml/2011/main" val="1"/>
             </a:ext>
           </a:extLst>
         </p:spPr>
@@ -3875,7 +5624,6 @@
             </a:lvl1pPr>
           </a:lstStyle>
           <a:p>
-            <a:pPr/>
             <a:r>
               <a:t>How the stores apply Knowledge Management in Human Resource Management</a:t>
             </a:r>
@@ -3890,8 +5638,8 @@
         </p:nvSpPr>
         <p:spPr>
           <a:xfrm>
-            <a:off x="275965" y="2270656"/>
-            <a:ext cx="8236392" cy="2117623"/>
+            <a:off x="255645" y="2128416"/>
+            <a:ext cx="7161155" cy="3693315"/>
           </a:xfrm>
           <a:prstGeom prst="rect">
             <a:avLst/>
@@ -3901,12 +5649,12 @@
           </a:ln>
           <a:extLst>
             <a:ext uri="{C572A759-6A51-4108-AA02-DFA0A04FC94B}">
-              <ma14:wrappingTextBoxFlag xmlns:ma14="http://schemas.microsoft.com/office/mac/drawingml/2011/main" val="1"/>
+              <ma14:wrappingTextBoxFlag xmlns="" xmlns:m="http://schemas.openxmlformats.org/officeDocument/2006/math" xmlns:a14="http://schemas.microsoft.com/office/drawing/2010/main" xmlns:ma14="http://schemas.microsoft.com/office/mac/drawingml/2011/main" val="1"/>
             </a:ext>
           </a:extLst>
         </p:spPr>
         <p:txBody>
-          <a:bodyPr lIns="45718" tIns="45718" rIns="45718" bIns="45718">
+          <a:bodyPr wrap="square" lIns="45718" tIns="45718" rIns="45718" bIns="45718">
             <a:spAutoFit/>
           </a:bodyPr>
           <a:lstStyle/>
@@ -3920,6 +5668,9 @@
               </a:defRPr>
             </a:pPr>
             <a:r>
+              <a:rPr sz="1800" dirty="0">
+                <a:latin typeface="Palatino"/>
+              </a:rPr>
               <a:t>Human resource strategies refer to the ways in organizations and business firms select, recruit, train and nurture their workforces for effective performance and delivery of services. Different human</a:t>
             </a:r>
           </a:p>
@@ -3933,6 +5684,9 @@
               </a:defRPr>
             </a:pPr>
             <a:r>
+              <a:rPr sz="1800" dirty="0">
+                <a:latin typeface="Palatino"/>
+              </a:rPr>
               <a:t>resource strategies are implemented by different organization and much as this would be different, they all achieve similar or almost same goals.</a:t>
             </a:r>
           </a:p>
@@ -3945,6 +5699,9 @@
                 <a:sym typeface="Arial"/>
               </a:defRPr>
             </a:pPr>
+            <a:endParaRPr sz="1800" dirty="0">
+              <a:latin typeface="Palatino"/>
+            </a:endParaRPr>
           </a:p>
           <a:p>
             <a:pPr>
@@ -3956,6 +5713,9 @@
               </a:defRPr>
             </a:pPr>
             <a:r>
+              <a:rPr sz="1800" dirty="0">
+                <a:latin typeface="Palatino"/>
+              </a:rPr>
               <a:t> </a:t>
             </a:r>
           </a:p>
@@ -3969,6 +5729,9 @@
               </a:defRPr>
             </a:pPr>
             <a:r>
+              <a:rPr sz="1800" dirty="0">
+                <a:latin typeface="Palatino"/>
+              </a:rPr>
               <a:t>Effective human resource strategies have enabled Wal-Mart to implement policies for management of its vast human resource. The application of effective human resource management strategies in the company is not a new phenomenon and this has enabled it receive much recognition in the recent years all over the world.</a:t>
             </a:r>
           </a:p>
@@ -3979,498 +5742,12 @@
   <p:clrMapOvr>
     <a:masterClrMapping/>
   </p:clrMapOvr>
-  <p:transition xmlns:p14="http://schemas.microsoft.com/office/powerpoint/2010/main" spd="med" advClick="1"/>
-</p:sld>
-</file>
-
-<file path=ppt/slides/slide7.xml><?xml version="1.0" encoding="utf-8"?>
-<p:sld xmlns:a="http://schemas.openxmlformats.org/drawingml/2006/main" xmlns:r="http://schemas.openxmlformats.org/officeDocument/2006/relationships" xmlns:p="http://schemas.openxmlformats.org/presentationml/2006/main" xmlns:m="http://schemas.openxmlformats.org/officeDocument/2006/math" xmlns:a14="http://schemas.microsoft.com/office/drawing/2010/main" showMasterSp="1" showMasterPhAnim="1">
-  <p:cSld>
-    <p:spTree>
-      <p:nvGrpSpPr>
-        <p:cNvPr id="1" name=""/>
-        <p:cNvGrpSpPr/>
-        <p:nvPr/>
-      </p:nvGrpSpPr>
-      <p:grpSpPr>
-        <a:xfrm>
-          <a:off x="0" y="0"/>
-          <a:ext cx="0" cy="0"/>
-          <a:chOff x="0" y="0"/>
-          <a:chExt cx="0" cy="0"/>
-        </a:xfrm>
-      </p:grpSpPr>
-      <p:sp>
-        <p:nvSpPr>
-          <p:cNvPr id="50" name="Knowledge management with regard to communication and feedback at the Wal-Mart"/>
-          <p:cNvSpPr txBox="1"/>
-          <p:nvPr/>
-        </p:nvSpPr>
-        <p:spPr>
-          <a:xfrm>
-            <a:off x="847423" y="1282480"/>
-            <a:ext cx="8256684" cy="338376"/>
-          </a:xfrm>
-          <a:prstGeom prst="rect">
-            <a:avLst/>
-          </a:prstGeom>
-          <a:ln w="12700">
-            <a:miter lim="400000"/>
-          </a:ln>
-          <a:extLst>
-            <a:ext uri="{C572A759-6A51-4108-AA02-DFA0A04FC94B}">
-              <ma14:wrappingTextBoxFlag xmlns:ma14="http://schemas.microsoft.com/office/mac/drawingml/2011/main" val="1"/>
-            </a:ext>
-          </a:extLst>
-        </p:spPr>
-        <p:txBody>
-          <a:bodyPr wrap="none" lIns="45718" tIns="45718" rIns="45718" bIns="45718">
-            <a:spAutoFit/>
-          </a:bodyPr>
-          <a:lstStyle>
-            <a:lvl1pPr>
-              <a:defRPr sz="1700">
-                <a:solidFill>
-                  <a:srgbClr val="FF2600"/>
-                </a:solidFill>
-                <a:latin typeface="+mn-lt"/>
-                <a:ea typeface="+mn-ea"/>
-                <a:cs typeface="+mn-cs"/>
-                <a:sym typeface="Arial"/>
-              </a:defRPr>
-            </a:lvl1pPr>
-          </a:lstStyle>
-          <a:p>
-            <a:pPr/>
-            <a:r>
-              <a:t>Knowledge management with regard to communication and feedback at the Wal-Mart</a:t>
-            </a:r>
-          </a:p>
-        </p:txBody>
-      </p:sp>
-      <p:sp>
-        <p:nvSpPr>
-          <p:cNvPr id="51" name="At the Wal-Mart stores, knowledge management is made into use with regard to conflict…"/>
-          <p:cNvSpPr txBox="1"/>
-          <p:nvPr/>
-        </p:nvSpPr>
-        <p:spPr>
-          <a:xfrm>
-            <a:off x="236675" y="2414686"/>
-            <a:ext cx="8040308" cy="1914423"/>
-          </a:xfrm>
-          <a:prstGeom prst="rect">
-            <a:avLst/>
-          </a:prstGeom>
-          <a:ln w="12700">
-            <a:miter lim="400000"/>
-          </a:ln>
-          <a:extLst>
-            <a:ext uri="{C572A759-6A51-4108-AA02-DFA0A04FC94B}">
-              <ma14:wrappingTextBoxFlag xmlns:ma14="http://schemas.microsoft.com/office/mac/drawingml/2011/main" val="1"/>
-            </a:ext>
-          </a:extLst>
-        </p:spPr>
-        <p:txBody>
-          <a:bodyPr lIns="45718" tIns="45718" rIns="45718" bIns="45718">
-            <a:spAutoFit/>
-          </a:bodyPr>
-          <a:lstStyle/>
-          <a:p>
-            <a:pPr>
-              <a:defRPr>
-                <a:latin typeface="+mn-lt"/>
-                <a:ea typeface="+mn-ea"/>
-                <a:cs typeface="+mn-cs"/>
-                <a:sym typeface="Arial"/>
-              </a:defRPr>
-            </a:pPr>
-            <a:r>
-              <a:t>At the Wal-Mart stores, knowledge management is made into use with regard to conflict</a:t>
-            </a:r>
-          </a:p>
-          <a:p>
-            <a:pPr>
-              <a:defRPr>
-                <a:latin typeface="+mn-lt"/>
-                <a:ea typeface="+mn-ea"/>
-                <a:cs typeface="+mn-cs"/>
-                <a:sym typeface="Arial"/>
-              </a:defRPr>
-            </a:pPr>
-            <a:r>
-              <a:t>management and as such, a complex system of solving conflicts has been created. The company’s intellectual negotiation capability enables it to differentiate between principles and discover prone areas and discard them. </a:t>
-            </a:r>
-          </a:p>
-          <a:p>
-            <a:pPr>
-              <a:defRPr>
-                <a:latin typeface="+mn-lt"/>
-                <a:ea typeface="+mn-ea"/>
-                <a:cs typeface="+mn-cs"/>
-                <a:sym typeface="Arial"/>
-              </a:defRPr>
-            </a:pPr>
-          </a:p>
-          <a:p>
-            <a:pPr>
-              <a:defRPr>
-                <a:latin typeface="+mn-lt"/>
-                <a:ea typeface="+mn-ea"/>
-                <a:cs typeface="+mn-cs"/>
-                <a:sym typeface="Arial"/>
-              </a:defRPr>
-            </a:pPr>
-          </a:p>
-          <a:p>
-            <a:pPr>
-              <a:defRPr>
-                <a:latin typeface="+mn-lt"/>
-                <a:ea typeface="+mn-ea"/>
-                <a:cs typeface="+mn-cs"/>
-                <a:sym typeface="Arial"/>
-              </a:defRPr>
-            </a:pPr>
-            <a:r>
-              <a:t>Ascending principles and self-esteem are two key issues that have been addressed appropriately through subjective application of knowledge management in enhancing effective communication in company (Zetie, 2003)</a:t>
-            </a:r>
-          </a:p>
-        </p:txBody>
-      </p:sp>
-    </p:spTree>
-  </p:cSld>
-  <p:clrMapOvr>
-    <a:masterClrMapping/>
-  </p:clrMapOvr>
-  <p:transition xmlns:p14="http://schemas.microsoft.com/office/powerpoint/2010/main" spd="med" advClick="1"/>
-</p:sld>
-</file>
-
-<file path=ppt/slides/slide8.xml><?xml version="1.0" encoding="utf-8"?>
-<p:sld xmlns:a="http://schemas.openxmlformats.org/drawingml/2006/main" xmlns:r="http://schemas.openxmlformats.org/officeDocument/2006/relationships" xmlns:p="http://schemas.openxmlformats.org/presentationml/2006/main" xmlns:m="http://schemas.openxmlformats.org/officeDocument/2006/math" xmlns:a14="http://schemas.microsoft.com/office/drawing/2010/main" showMasterSp="1" showMasterPhAnim="1">
-  <p:cSld>
-    <p:spTree>
-      <p:nvGrpSpPr>
-        <p:cNvPr id="1" name=""/>
-        <p:cNvGrpSpPr/>
-        <p:nvPr/>
-      </p:nvGrpSpPr>
-      <p:grpSpPr>
-        <a:xfrm>
-          <a:off x="0" y="0"/>
-          <a:ext cx="0" cy="0"/>
-          <a:chOff x="0" y="0"/>
-          <a:chExt cx="0" cy="0"/>
-        </a:xfrm>
-      </p:grpSpPr>
-      <p:sp>
-        <p:nvSpPr>
-          <p:cNvPr id="53" name="Technology-push model of KM"/>
-          <p:cNvSpPr txBox="1"/>
-          <p:nvPr/>
-        </p:nvSpPr>
-        <p:spPr>
-          <a:xfrm>
-            <a:off x="5619191" y="1307256"/>
-            <a:ext cx="3350024" cy="362945"/>
-          </a:xfrm>
-          <a:prstGeom prst="rect">
-            <a:avLst/>
-          </a:prstGeom>
-          <a:ln w="12700">
-            <a:miter lim="400000"/>
-          </a:ln>
-          <a:extLst>
-            <a:ext uri="{C572A759-6A51-4108-AA02-DFA0A04FC94B}">
-              <ma14:wrappingTextBoxFlag xmlns:ma14="http://schemas.microsoft.com/office/mac/drawingml/2011/main" val="1"/>
-            </a:ext>
-          </a:extLst>
-        </p:spPr>
-        <p:txBody>
-          <a:bodyPr wrap="none" lIns="45718" tIns="45718" rIns="45718" bIns="45718">
-            <a:spAutoFit/>
-          </a:bodyPr>
-          <a:lstStyle>
-            <a:lvl1pPr>
-              <a:defRPr sz="1900">
-                <a:solidFill>
-                  <a:srgbClr val="FF2600"/>
-                </a:solidFill>
-                <a:latin typeface="+mn-lt"/>
-                <a:ea typeface="+mn-ea"/>
-                <a:cs typeface="+mn-cs"/>
-                <a:sym typeface="Arial"/>
-              </a:defRPr>
-            </a:lvl1pPr>
-          </a:lstStyle>
-          <a:p>
-            <a:pPr/>
-            <a:r>
-              <a:t>Technology-push model of KM</a:t>
-            </a:r>
-          </a:p>
-        </p:txBody>
-      </p:sp>
-      <p:pic>
-        <p:nvPicPr>
-          <p:cNvPr id="54" name="page6image19936464.jpg" descr="page6image19936464.jpg"/>
-          <p:cNvPicPr>
-            <a:picLocks noChangeAspect="1"/>
-          </p:cNvPicPr>
-          <p:nvPr/>
-        </p:nvPicPr>
-        <p:blipFill>
-          <a:blip r:embed="rId2">
-            <a:extLst/>
-          </a:blip>
-          <a:stretch>
-            <a:fillRect/>
-          </a:stretch>
-        </p:blipFill>
-        <p:spPr>
-          <a:xfrm>
-            <a:off x="230819" y="2244533"/>
-            <a:ext cx="7191662" cy="3747768"/>
-          </a:xfrm>
-          <a:prstGeom prst="rect">
-            <a:avLst/>
-          </a:prstGeom>
-          <a:ln w="12700">
-            <a:miter lim="400000"/>
-          </a:ln>
-        </p:spPr>
-      </p:pic>
-    </p:spTree>
-  </p:cSld>
-  <p:clrMapOvr>
-    <a:masterClrMapping/>
-  </p:clrMapOvr>
-  <p:transition xmlns:p14="http://schemas.microsoft.com/office/powerpoint/2010/main" spd="med" advClick="1"/>
-</p:sld>
-</file>
-
-<file path=ppt/slides/slide9.xml><?xml version="1.0" encoding="utf-8"?>
-<p:sld xmlns:a="http://schemas.openxmlformats.org/drawingml/2006/main" xmlns:r="http://schemas.openxmlformats.org/officeDocument/2006/relationships" xmlns:p="http://schemas.openxmlformats.org/presentationml/2006/main" xmlns:m="http://schemas.openxmlformats.org/officeDocument/2006/math" xmlns:a14="http://schemas.microsoft.com/office/drawing/2010/main" showMasterSp="1" showMasterPhAnim="1">
-  <p:cSld>
-    <p:spTree>
-      <p:nvGrpSpPr>
-        <p:cNvPr id="1" name=""/>
-        <p:cNvGrpSpPr/>
-        <p:nvPr/>
-      </p:nvGrpSpPr>
-      <p:grpSpPr>
-        <a:xfrm>
-          <a:off x="0" y="0"/>
-          <a:ext cx="0" cy="0"/>
-          <a:chOff x="0" y="0"/>
-          <a:chExt cx="0" cy="0"/>
-        </a:xfrm>
-      </p:grpSpPr>
-      <p:sp>
-        <p:nvSpPr>
-          <p:cNvPr id="56" name="Technology-push model of KM"/>
-          <p:cNvSpPr txBox="1"/>
-          <p:nvPr/>
-        </p:nvSpPr>
-        <p:spPr>
-          <a:xfrm>
-            <a:off x="5559657" y="1270196"/>
-            <a:ext cx="3350024" cy="362944"/>
-          </a:xfrm>
-          <a:prstGeom prst="rect">
-            <a:avLst/>
-          </a:prstGeom>
-          <a:ln w="12700">
-            <a:miter lim="400000"/>
-          </a:ln>
-          <a:extLst>
-            <a:ext uri="{C572A759-6A51-4108-AA02-DFA0A04FC94B}">
-              <ma14:wrappingTextBoxFlag xmlns:ma14="http://schemas.microsoft.com/office/mac/drawingml/2011/main" val="1"/>
-            </a:ext>
-          </a:extLst>
-        </p:spPr>
-        <p:txBody>
-          <a:bodyPr wrap="none" lIns="45718" tIns="45718" rIns="45718" bIns="45718">
-            <a:spAutoFit/>
-          </a:bodyPr>
-          <a:lstStyle>
-            <a:lvl1pPr>
-              <a:defRPr sz="1900">
-                <a:solidFill>
-                  <a:srgbClr val="FF2600"/>
-                </a:solidFill>
-                <a:latin typeface="+mn-lt"/>
-                <a:ea typeface="+mn-ea"/>
-                <a:cs typeface="+mn-cs"/>
-                <a:sym typeface="Arial"/>
-              </a:defRPr>
-            </a:lvl1pPr>
-          </a:lstStyle>
-          <a:p>
-            <a:pPr/>
-            <a:r>
-              <a:t>Technology-push model of KM</a:t>
-            </a:r>
-          </a:p>
-        </p:txBody>
-      </p:sp>
-      <p:sp>
-        <p:nvSpPr>
-          <p:cNvPr id="57" name="This framework generally serves the requirements of organizational performance given proper information and lesser types of systems within particular business environment.…"/>
-          <p:cNvSpPr txBox="1"/>
-          <p:nvPr/>
-        </p:nvSpPr>
-        <p:spPr>
-          <a:xfrm>
-            <a:off x="118699" y="1336199"/>
-            <a:ext cx="8118221" cy="5402939"/>
-          </a:xfrm>
-          <a:prstGeom prst="rect">
-            <a:avLst/>
-          </a:prstGeom>
-          <a:ln w="12700">
-            <a:miter lim="400000"/>
-          </a:ln>
-          <a:extLst>
-            <a:ext uri="{C572A759-6A51-4108-AA02-DFA0A04FC94B}">
-              <ma14:wrappingTextBoxFlag xmlns:ma14="http://schemas.microsoft.com/office/mac/drawingml/2011/main" val="1"/>
-            </a:ext>
-          </a:extLst>
-        </p:spPr>
-        <p:txBody>
-          <a:bodyPr lIns="45718" tIns="45718" rIns="45718" bIns="45718">
-            <a:spAutoFit/>
-          </a:bodyPr>
-          <a:lstStyle/>
-          <a:p>
-            <a:pPr marL="140367" indent="-140367" defTabSz="457200">
-              <a:lnSpc>
-                <a:spcPts val="3400"/>
-              </a:lnSpc>
-              <a:spcBef>
-                <a:spcPts val="1200"/>
-              </a:spcBef>
-              <a:buSzPct val="100000"/>
-              <a:buChar char="•"/>
-              <a:defRPr>
-                <a:latin typeface="Times New Roman"/>
-                <a:ea typeface="Times New Roman"/>
-                <a:cs typeface="Times New Roman"/>
-                <a:sym typeface="Times New Roman"/>
-              </a:defRPr>
-            </a:pPr>
-            <a:r>
-              <a:t>This framework generally serves the requirements of organizational performance given proper information and lesser types of systems within particular business environment. </a:t>
-            </a:r>
-          </a:p>
-          <a:p>
-            <a:pPr marL="140367" indent="-140367" defTabSz="457200">
-              <a:lnSpc>
-                <a:spcPts val="3400"/>
-              </a:lnSpc>
-              <a:spcBef>
-                <a:spcPts val="1200"/>
-              </a:spcBef>
-              <a:buSzPct val="100000"/>
-              <a:buChar char="•"/>
-              <a:defRPr>
-                <a:latin typeface="Times New Roman"/>
-                <a:ea typeface="Times New Roman"/>
-                <a:cs typeface="Times New Roman"/>
-                <a:sym typeface="Times New Roman"/>
-              </a:defRPr>
-            </a:pPr>
-            <a:r>
-              <a:t>Therefore, with unprecedented increase in information, huge variety of new technologies and rapidly changing business environment, this particular framework has outlived utility.</a:t>
-            </a:r>
-          </a:p>
-          <a:p>
-            <a:pPr marL="140367" indent="-140367" defTabSz="457200">
-              <a:lnSpc>
-                <a:spcPts val="3400"/>
-              </a:lnSpc>
-              <a:spcBef>
-                <a:spcPts val="1200"/>
-              </a:spcBef>
-              <a:buSzPct val="100000"/>
-              <a:buChar char="•"/>
-              <a:defRPr>
-                <a:latin typeface="Times New Roman"/>
-                <a:ea typeface="Times New Roman"/>
-                <a:cs typeface="Times New Roman"/>
-                <a:sym typeface="Times New Roman"/>
-              </a:defRPr>
-            </a:pPr>
-            <a:r>
-              <a:t> This framework is specially attributable for inputs as well as processing drives the adoption of KM with greater emphasis on the information and business decisions (</a:t>
-            </a:r>
-            <a:r>
-              <a:rPr>
-                <a:solidFill>
-                  <a:srgbClr val="222222"/>
-                </a:solidFill>
-              </a:rPr>
-              <a:t>Wang and Wang 2012)</a:t>
-            </a:r>
-            <a:r>
-              <a:t>.</a:t>
-            </a:r>
-          </a:p>
-          <a:p>
-            <a:pPr marL="140367" indent="-140367" defTabSz="457200">
-              <a:lnSpc>
-                <a:spcPts val="3400"/>
-              </a:lnSpc>
-              <a:spcBef>
-                <a:spcPts val="1200"/>
-              </a:spcBef>
-              <a:buSzPct val="100000"/>
-              <a:buChar char="•"/>
-              <a:defRPr>
-                <a:latin typeface="Times New Roman"/>
-                <a:ea typeface="Times New Roman"/>
-                <a:cs typeface="Times New Roman"/>
-                <a:sym typeface="Times New Roman"/>
-              </a:defRPr>
-            </a:pPr>
-            <a:r>
-              <a:t> It mainly relies upon only one loop automated, automatic and pre-program response for receiving stimulus. Wal-mart applies this model for enhancing the processes of creating knowledge, transfer, retrieval and application. </a:t>
-            </a:r>
-          </a:p>
-          <a:p>
-            <a:pPr marL="140367" indent="-140367" defTabSz="457200">
-              <a:lnSpc>
-                <a:spcPts val="3400"/>
-              </a:lnSpc>
-              <a:spcBef>
-                <a:spcPts val="1200"/>
-              </a:spcBef>
-              <a:buSzPct val="100000"/>
-              <a:buChar char="•"/>
-              <a:defRPr>
-                <a:latin typeface="Times New Roman"/>
-                <a:ea typeface="Times New Roman"/>
-                <a:cs typeface="Times New Roman"/>
-                <a:sym typeface="Times New Roman"/>
-              </a:defRPr>
-            </a:pPr>
-            <a:r>
-              <a:t>The integration of this type of technology facilitates them in communicating with their customer and employee. Moreover, it also enhances the efficiency of the employees, which in increases overall productivity. </a:t>
-            </a:r>
-          </a:p>
-        </p:txBody>
-      </p:sp>
-    </p:spTree>
-  </p:cSld>
-  <p:clrMapOvr>
-    <a:masterClrMapping/>
-  </p:clrMapOvr>
-  <p:transition xmlns:p14="http://schemas.microsoft.com/office/powerpoint/2010/main" spd="med" advClick="1"/>
+  <p:transition spd="med"/>
 </p:sld>
 </file>
 
 <file path=ppt/theme/theme1.xml><?xml version="1.0" encoding="utf-8"?>
-<a:theme xmlns:a="http://schemas.openxmlformats.org/drawingml/2006/main" xmlns:r="http://schemas.openxmlformats.org/officeDocument/2006/relationships" name="Default Design">
+<a:theme xmlns:a="http://schemas.openxmlformats.org/drawingml/2006/main" name="Default Design">
   <a:themeElements>
     <a:clrScheme name="Default Design">
       <a:dk1>
@@ -4596,7 +5873,7 @@
       <a:effectStyleLst>
         <a:effectStyle>
           <a:effectLst>
-            <a:outerShdw sx="100000" sy="100000" kx="0" ky="0" algn="b" rotWithShape="0" blurRad="38100" dist="23000" dir="5400000">
+            <a:outerShdw blurRad="38100" dist="23000" dir="5400000" rotWithShape="0">
               <a:srgbClr val="000000">
                 <a:alpha val="35000"/>
               </a:srgbClr>
@@ -4605,7 +5882,7 @@
         </a:effectStyle>
         <a:effectStyle>
           <a:effectLst>
-            <a:outerShdw sx="100000" sy="100000" kx="0" ky="0" algn="b" rotWithShape="0" blurRad="38100" dist="23000" dir="5400000">
+            <a:outerShdw blurRad="38100" dist="23000" dir="5400000" rotWithShape="0">
               <a:srgbClr val="000000">
                 <a:alpha val="35000"/>
               </a:srgbClr>
@@ -4614,7 +5891,7 @@
         </a:effectStyle>
         <a:effectStyle>
           <a:effectLst>
-            <a:outerShdw sx="100000" sy="100000" kx="0" ky="0" algn="b" rotWithShape="0" blurRad="38100" dist="23000" dir="5400000">
+            <a:outerShdw blurRad="38100" dist="23000" dir="5400000" rotWithShape="0">
               <a:srgbClr val="000000">
                 <a:alpha val="35000"/>
               </a:srgbClr>
@@ -4688,7 +5965,7 @@
           <a:round/>
         </a:ln>
         <a:effectLst>
-          <a:outerShdw sx="100000" sy="100000" kx="0" ky="0" algn="b" rotWithShape="0" blurRad="38100" dist="23000" dir="5400000">
+          <a:outerShdw blurRad="38100" dist="23000" dir="5400000" rotWithShape="0">
             <a:srgbClr val="000000">
               <a:alpha val="35000"/>
             </a:srgbClr>
@@ -4696,7 +5973,7 @@
         </a:effectLst>
         <a:sp3d/>
       </a:spPr>
-      <a:bodyPr rot="0" spcFirstLastPara="1" vertOverflow="overflow" horzOverflow="overflow" vert="horz" wrap="square" lIns="45718" tIns="45718" rIns="45718" bIns="45718" numCol="1" spcCol="38100" rtlCol="0" anchor="ctr" upright="0">
+      <a:bodyPr rot="0" spcFirstLastPara="1" vertOverflow="overflow" horzOverflow="overflow" vert="horz" wrap="square" lIns="45718" tIns="45718" rIns="45718" bIns="45718" numCol="1" spcCol="38100" rtlCol="0" anchor="ctr">
         <a:spAutoFit/>
       </a:bodyPr>
       <a:lstStyle>
@@ -4715,7 +5992,7 @@
           <a:buFontTx/>
           <a:buNone/>
           <a:tabLst/>
-          <a:defRPr b="0" baseline="0" cap="none" i="0" spc="0" strike="noStrike" sz="1400" u="none" kumimoji="0" normalizeH="0">
+          <a:defRPr kumimoji="0" sz="1400" b="0" i="0" u="none" strike="noStrike" cap="none" spc="0" normalizeH="0" baseline="0">
             <a:ln>
               <a:noFill/>
             </a:ln>
@@ -4745,7 +6022,7 @@
           <a:buFontTx/>
           <a:buNone/>
           <a:tabLst/>
-          <a:defRPr b="0" baseline="0" cap="none" i="0" spc="0" strike="noStrike" sz="1800" u="none" kumimoji="0" normalizeH="0">
+          <a:defRPr kumimoji="0" sz="1800" b="0" i="0" u="none" strike="noStrike" cap="none" spc="0" normalizeH="0" baseline="0">
             <a:ln>
               <a:noFill/>
             </a:ln>
@@ -4771,7 +6048,7 @@
           <a:buFontTx/>
           <a:buNone/>
           <a:tabLst/>
-          <a:defRPr b="0" baseline="0" cap="none" i="0" spc="0" strike="noStrike" sz="1800" u="none" kumimoji="0" normalizeH="0">
+          <a:defRPr kumimoji="0" sz="1800" b="0" i="0" u="none" strike="noStrike" cap="none" spc="0" normalizeH="0" baseline="0">
             <a:ln>
               <a:noFill/>
             </a:ln>
@@ -4797,7 +6074,7 @@
           <a:buFontTx/>
           <a:buNone/>
           <a:tabLst/>
-          <a:defRPr b="0" baseline="0" cap="none" i="0" spc="0" strike="noStrike" sz="1800" u="none" kumimoji="0" normalizeH="0">
+          <a:defRPr kumimoji="0" sz="1800" b="0" i="0" u="none" strike="noStrike" cap="none" spc="0" normalizeH="0" baseline="0">
             <a:ln>
               <a:noFill/>
             </a:ln>
@@ -4823,7 +6100,7 @@
           <a:buFontTx/>
           <a:buNone/>
           <a:tabLst/>
-          <a:defRPr b="0" baseline="0" cap="none" i="0" spc="0" strike="noStrike" sz="1800" u="none" kumimoji="0" normalizeH="0">
+          <a:defRPr kumimoji="0" sz="1800" b="0" i="0" u="none" strike="noStrike" cap="none" spc="0" normalizeH="0" baseline="0">
             <a:ln>
               <a:noFill/>
             </a:ln>
@@ -4849,7 +6126,7 @@
           <a:buFontTx/>
           <a:buNone/>
           <a:tabLst/>
-          <a:defRPr b="0" baseline="0" cap="none" i="0" spc="0" strike="noStrike" sz="1800" u="none" kumimoji="0" normalizeH="0">
+          <a:defRPr kumimoji="0" sz="1800" b="0" i="0" u="none" strike="noStrike" cap="none" spc="0" normalizeH="0" baseline="0">
             <a:ln>
               <a:noFill/>
             </a:ln>
@@ -4875,7 +6152,7 @@
           <a:buFontTx/>
           <a:buNone/>
           <a:tabLst/>
-          <a:defRPr b="0" baseline="0" cap="none" i="0" spc="0" strike="noStrike" sz="1800" u="none" kumimoji="0" normalizeH="0">
+          <a:defRPr kumimoji="0" sz="1800" b="0" i="0" u="none" strike="noStrike" cap="none" spc="0" normalizeH="0" baseline="0">
             <a:ln>
               <a:noFill/>
             </a:ln>
@@ -4901,7 +6178,7 @@
           <a:buFontTx/>
           <a:buNone/>
           <a:tabLst/>
-          <a:defRPr b="0" baseline="0" cap="none" i="0" spc="0" strike="noStrike" sz="1800" u="none" kumimoji="0" normalizeH="0">
+          <a:defRPr kumimoji="0" sz="1800" b="0" i="0" u="none" strike="noStrike" cap="none" spc="0" normalizeH="0" baseline="0">
             <a:ln>
               <a:noFill/>
             </a:ln>
@@ -4927,7 +6204,7 @@
           <a:buFontTx/>
           <a:buNone/>
           <a:tabLst/>
-          <a:defRPr b="0" baseline="0" cap="none" i="0" spc="0" strike="noStrike" sz="1800" u="none" kumimoji="0" normalizeH="0">
+          <a:defRPr kumimoji="0" sz="1800" b="0" i="0" u="none" strike="noStrike" cap="none" spc="0" normalizeH="0" baseline="0">
             <a:ln>
               <a:noFill/>
             </a:ln>
@@ -4953,7 +6230,7 @@
           <a:buFontTx/>
           <a:buNone/>
           <a:tabLst/>
-          <a:defRPr b="0" baseline="0" cap="none" i="0" spc="0" strike="noStrike" sz="1800" u="none" kumimoji="0" normalizeH="0">
+          <a:defRPr kumimoji="0" sz="1800" b="0" i="0" u="none" strike="noStrike" cap="none" spc="0" normalizeH="0" baseline="0">
             <a:ln>
               <a:noFill/>
             </a:ln>
@@ -4966,9 +6243,15 @@
         </a:lvl9pPr>
       </a:lstStyle>
       <a:style>
-        <a:lnRef idx="0"/>
-        <a:fillRef idx="0"/>
-        <a:effectRef idx="0"/>
+        <a:lnRef idx="0">
+          <a:scrgbClr r="0" g="0" b="0"/>
+        </a:lnRef>
+        <a:fillRef idx="0">
+          <a:scrgbClr r="0" g="0" b="0"/>
+        </a:fillRef>
+        <a:effectRef idx="0">
+          <a:scrgbClr r="0" g="0" b="0"/>
+        </a:effectRef>
         <a:fontRef idx="none"/>
       </a:style>
     </a:spDef>
@@ -4983,7 +6266,7 @@
           <a:round/>
         </a:ln>
         <a:effectLst>
-          <a:outerShdw sx="100000" sy="100000" kx="0" ky="0" algn="b" rotWithShape="0" blurRad="38100" dist="23000" dir="5400000">
+          <a:outerShdw blurRad="38100" dist="23000" dir="5400000" rotWithShape="0">
             <a:srgbClr val="000000">
               <a:alpha val="35000"/>
             </a:srgbClr>
@@ -4991,7 +6274,7 @@
         </a:effectLst>
         <a:sp3d/>
       </a:spPr>
-      <a:bodyPr rot="0" spcFirstLastPara="1" vertOverflow="overflow" horzOverflow="overflow" vert="horz" wrap="square" lIns="91439" tIns="45719" rIns="91439" bIns="45719" numCol="1" spcCol="38100" rtlCol="0" anchor="t" upright="0">
+      <a:bodyPr rot="0" spcFirstLastPara="1" vertOverflow="overflow" horzOverflow="overflow" vert="horz" wrap="square" lIns="91439" tIns="45719" rIns="91439" bIns="45719" numCol="1" spcCol="38100" rtlCol="0" anchor="t">
         <a:noAutofit/>
       </a:bodyPr>
       <a:lstStyle>
@@ -5010,7 +6293,7 @@
           <a:buFontTx/>
           <a:buNone/>
           <a:tabLst/>
-          <a:defRPr b="0" baseline="0" cap="none" i="0" spc="0" strike="noStrike" sz="1800" u="none" kumimoji="0" normalizeH="0">
+          <a:defRPr kumimoji="0" sz="1800" b="0" i="0" u="none" strike="noStrike" cap="none" spc="0" normalizeH="0" baseline="0">
             <a:ln>
               <a:noFill/>
             </a:ln>
@@ -5036,7 +6319,7 @@
           <a:buFontTx/>
           <a:buNone/>
           <a:tabLst/>
-          <a:defRPr b="0" baseline="0" cap="none" i="0" spc="0" strike="noStrike" sz="1800" u="none" kumimoji="0" normalizeH="0">
+          <a:defRPr kumimoji="0" sz="1800" b="0" i="0" u="none" strike="noStrike" cap="none" spc="0" normalizeH="0" baseline="0">
             <a:ln>
               <a:noFill/>
             </a:ln>
@@ -5062,7 +6345,7 @@
           <a:buFontTx/>
           <a:buNone/>
           <a:tabLst/>
-          <a:defRPr b="0" baseline="0" cap="none" i="0" spc="0" strike="noStrike" sz="1800" u="none" kumimoji="0" normalizeH="0">
+          <a:defRPr kumimoji="0" sz="1800" b="0" i="0" u="none" strike="noStrike" cap="none" spc="0" normalizeH="0" baseline="0">
             <a:ln>
               <a:noFill/>
             </a:ln>
@@ -5088,7 +6371,7 @@
           <a:buFontTx/>
           <a:buNone/>
           <a:tabLst/>
-          <a:defRPr b="0" baseline="0" cap="none" i="0" spc="0" strike="noStrike" sz="1800" u="none" kumimoji="0" normalizeH="0">
+          <a:defRPr kumimoji="0" sz="1800" b="0" i="0" u="none" strike="noStrike" cap="none" spc="0" normalizeH="0" baseline="0">
             <a:ln>
               <a:noFill/>
             </a:ln>
@@ -5114,7 +6397,7 @@
           <a:buFontTx/>
           <a:buNone/>
           <a:tabLst/>
-          <a:defRPr b="0" baseline="0" cap="none" i="0" spc="0" strike="noStrike" sz="1800" u="none" kumimoji="0" normalizeH="0">
+          <a:defRPr kumimoji="0" sz="1800" b="0" i="0" u="none" strike="noStrike" cap="none" spc="0" normalizeH="0" baseline="0">
             <a:ln>
               <a:noFill/>
             </a:ln>
@@ -5140,7 +6423,7 @@
           <a:buFontTx/>
           <a:buNone/>
           <a:tabLst/>
-          <a:defRPr b="0" baseline="0" cap="none" i="0" spc="0" strike="noStrike" sz="1800" u="none" kumimoji="0" normalizeH="0">
+          <a:defRPr kumimoji="0" sz="1800" b="0" i="0" u="none" strike="noStrike" cap="none" spc="0" normalizeH="0" baseline="0">
             <a:ln>
               <a:noFill/>
             </a:ln>
@@ -5166,7 +6449,7 @@
           <a:buFontTx/>
           <a:buNone/>
           <a:tabLst/>
-          <a:defRPr b="0" baseline="0" cap="none" i="0" spc="0" strike="noStrike" sz="1800" u="none" kumimoji="0" normalizeH="0">
+          <a:defRPr kumimoji="0" sz="1800" b="0" i="0" u="none" strike="noStrike" cap="none" spc="0" normalizeH="0" baseline="0">
             <a:ln>
               <a:noFill/>
             </a:ln>
@@ -5192,7 +6475,7 @@
           <a:buFontTx/>
           <a:buNone/>
           <a:tabLst/>
-          <a:defRPr b="0" baseline="0" cap="none" i="0" spc="0" strike="noStrike" sz="1800" u="none" kumimoji="0" normalizeH="0">
+          <a:defRPr kumimoji="0" sz="1800" b="0" i="0" u="none" strike="noStrike" cap="none" spc="0" normalizeH="0" baseline="0">
             <a:ln>
               <a:noFill/>
             </a:ln>
@@ -5218,7 +6501,7 @@
           <a:buFontTx/>
           <a:buNone/>
           <a:tabLst/>
-          <a:defRPr b="0" baseline="0" cap="none" i="0" spc="0" strike="noStrike" sz="1800" u="none" kumimoji="0" normalizeH="0">
+          <a:defRPr kumimoji="0" sz="1800" b="0" i="0" u="none" strike="noStrike" cap="none" spc="0" normalizeH="0" baseline="0">
             <a:ln>
               <a:noFill/>
             </a:ln>
@@ -5244,7 +6527,7 @@
           <a:buFontTx/>
           <a:buNone/>
           <a:tabLst/>
-          <a:defRPr b="0" baseline="0" cap="none" i="0" spc="0" strike="noStrike" sz="1800" u="none" kumimoji="0" normalizeH="0">
+          <a:defRPr kumimoji="0" sz="1800" b="0" i="0" u="none" strike="noStrike" cap="none" spc="0" normalizeH="0" baseline="0">
             <a:ln>
               <a:noFill/>
             </a:ln>
@@ -5257,9 +6540,15 @@
         </a:lvl9pPr>
       </a:lstStyle>
       <a:style>
-        <a:lnRef idx="0"/>
-        <a:fillRef idx="0"/>
-        <a:effectRef idx="0"/>
+        <a:lnRef idx="0">
+          <a:scrgbClr r="0" g="0" b="0"/>
+        </a:lnRef>
+        <a:fillRef idx="0">
+          <a:scrgbClr r="0" g="0" b="0"/>
+        </a:fillRef>
+        <a:effectRef idx="0">
+          <a:scrgbClr r="0" g="0" b="0"/>
+        </a:effectRef>
         <a:fontRef idx="none"/>
       </a:style>
     </a:lnDef>
@@ -5273,7 +6562,7 @@
         <a:effectLst/>
         <a:sp3d/>
       </a:spPr>
-      <a:bodyPr rot="0" spcFirstLastPara="1" vertOverflow="overflow" horzOverflow="overflow" vert="horz" wrap="square" lIns="45718" tIns="45718" rIns="45718" bIns="45718" numCol="1" spcCol="38100" rtlCol="0" anchor="t" upright="0">
+      <a:bodyPr rot="0" spcFirstLastPara="1" vertOverflow="overflow" horzOverflow="overflow" vert="horz" wrap="square" lIns="45718" tIns="45718" rIns="45718" bIns="45718" numCol="1" spcCol="38100" rtlCol="0" anchor="t">
         <a:spAutoFit/>
       </a:bodyPr>
       <a:lstStyle>
@@ -5292,7 +6581,7 @@
           <a:buFontTx/>
           <a:buNone/>
           <a:tabLst/>
-          <a:defRPr b="0" baseline="0" cap="none" i="0" spc="0" strike="noStrike" sz="1400" u="none" kumimoji="0" normalizeH="0">
+          <a:defRPr kumimoji="0" sz="1400" b="0" i="0" u="none" strike="noStrike" cap="none" spc="0" normalizeH="0" baseline="0">
             <a:ln>
               <a:noFill/>
             </a:ln>
@@ -5322,7 +6611,7 @@
           <a:buFontTx/>
           <a:buNone/>
           <a:tabLst/>
-          <a:defRPr b="0" baseline="0" cap="none" i="0" spc="0" strike="noStrike" sz="1800" u="none" kumimoji="0" normalizeH="0">
+          <a:defRPr kumimoji="0" sz="1800" b="0" i="0" u="none" strike="noStrike" cap="none" spc="0" normalizeH="0" baseline="0">
             <a:ln>
               <a:noFill/>
             </a:ln>
@@ -5348,7 +6637,7 @@
           <a:buFontTx/>
           <a:buNone/>
           <a:tabLst/>
-          <a:defRPr b="0" baseline="0" cap="none" i="0" spc="0" strike="noStrike" sz="1800" u="none" kumimoji="0" normalizeH="0">
+          <a:defRPr kumimoji="0" sz="1800" b="0" i="0" u="none" strike="noStrike" cap="none" spc="0" normalizeH="0" baseline="0">
             <a:ln>
               <a:noFill/>
             </a:ln>
@@ -5374,7 +6663,7 @@
           <a:buFontTx/>
           <a:buNone/>
           <a:tabLst/>
-          <a:defRPr b="0" baseline="0" cap="none" i="0" spc="0" strike="noStrike" sz="1800" u="none" kumimoji="0" normalizeH="0">
+          <a:defRPr kumimoji="0" sz="1800" b="0" i="0" u="none" strike="noStrike" cap="none" spc="0" normalizeH="0" baseline="0">
             <a:ln>
               <a:noFill/>
             </a:ln>
@@ -5400,7 +6689,7 @@
           <a:buFontTx/>
           <a:buNone/>
           <a:tabLst/>
-          <a:defRPr b="0" baseline="0" cap="none" i="0" spc="0" strike="noStrike" sz="1800" u="none" kumimoji="0" normalizeH="0">
+          <a:defRPr kumimoji="0" sz="1800" b="0" i="0" u="none" strike="noStrike" cap="none" spc="0" normalizeH="0" baseline="0">
             <a:ln>
               <a:noFill/>
             </a:ln>
@@ -5426,7 +6715,7 @@
           <a:buFontTx/>
           <a:buNone/>
           <a:tabLst/>
-          <a:defRPr b="0" baseline="0" cap="none" i="0" spc="0" strike="noStrike" sz="1800" u="none" kumimoji="0" normalizeH="0">
+          <a:defRPr kumimoji="0" sz="1800" b="0" i="0" u="none" strike="noStrike" cap="none" spc="0" normalizeH="0" baseline="0">
             <a:ln>
               <a:noFill/>
             </a:ln>
@@ -5452,7 +6741,7 @@
           <a:buFontTx/>
           <a:buNone/>
           <a:tabLst/>
-          <a:defRPr b="0" baseline="0" cap="none" i="0" spc="0" strike="noStrike" sz="1800" u="none" kumimoji="0" normalizeH="0">
+          <a:defRPr kumimoji="0" sz="1800" b="0" i="0" u="none" strike="noStrike" cap="none" spc="0" normalizeH="0" baseline="0">
             <a:ln>
               <a:noFill/>
             </a:ln>
@@ -5478,7 +6767,7 @@
           <a:buFontTx/>
           <a:buNone/>
           <a:tabLst/>
-          <a:defRPr b="0" baseline="0" cap="none" i="0" spc="0" strike="noStrike" sz="1800" u="none" kumimoji="0" normalizeH="0">
+          <a:defRPr kumimoji="0" sz="1800" b="0" i="0" u="none" strike="noStrike" cap="none" spc="0" normalizeH="0" baseline="0">
             <a:ln>
               <a:noFill/>
             </a:ln>
@@ -5504,7 +6793,7 @@
           <a:buFontTx/>
           <a:buNone/>
           <a:tabLst/>
-          <a:defRPr b="0" baseline="0" cap="none" i="0" spc="0" strike="noStrike" sz="1800" u="none" kumimoji="0" normalizeH="0">
+          <a:defRPr kumimoji="0" sz="1800" b="0" i="0" u="none" strike="noStrike" cap="none" spc="0" normalizeH="0" baseline="0">
             <a:ln>
               <a:noFill/>
             </a:ln>
@@ -5530,7 +6819,7 @@
           <a:buFontTx/>
           <a:buNone/>
           <a:tabLst/>
-          <a:defRPr b="0" baseline="0" cap="none" i="0" spc="0" strike="noStrike" sz="1800" u="none" kumimoji="0" normalizeH="0">
+          <a:defRPr kumimoji="0" sz="1800" b="0" i="0" u="none" strike="noStrike" cap="none" spc="0" normalizeH="0" baseline="0">
             <a:ln>
               <a:noFill/>
             </a:ln>
@@ -5543,18 +6832,25 @@
         </a:lvl9pPr>
       </a:lstStyle>
       <a:style>
-        <a:lnRef idx="0"/>
-        <a:fillRef idx="0"/>
-        <a:effectRef idx="0"/>
+        <a:lnRef idx="0">
+          <a:scrgbClr r="0" g="0" b="0"/>
+        </a:lnRef>
+        <a:fillRef idx="0">
+          <a:scrgbClr r="0" g="0" b="0"/>
+        </a:fillRef>
+        <a:effectRef idx="0">
+          <a:scrgbClr r="0" g="0" b="0"/>
+        </a:effectRef>
         <a:fontRef idx="none"/>
       </a:style>
     </a:txDef>
   </a:objectDefaults>
+  <a:extraClrSchemeLst/>
 </a:theme>
 </file>
 
 <file path=ppt/theme/theme2.xml><?xml version="1.0" encoding="utf-8"?>
-<a:theme xmlns:a="http://schemas.openxmlformats.org/drawingml/2006/main" xmlns:r="http://schemas.openxmlformats.org/officeDocument/2006/relationships" name="Default Design">
+<a:theme xmlns:a="http://schemas.openxmlformats.org/drawingml/2006/main" name="Default Design">
   <a:themeElements>
     <a:clrScheme name="Default Design">
       <a:dk1>
@@ -5680,7 +6976,7 @@
       <a:effectStyleLst>
         <a:effectStyle>
           <a:effectLst>
-            <a:outerShdw sx="100000" sy="100000" kx="0" ky="0" algn="b" rotWithShape="0" blurRad="38100" dist="23000" dir="5400000">
+            <a:outerShdw blurRad="38100" dist="23000" dir="5400000" rotWithShape="0">
               <a:srgbClr val="000000">
                 <a:alpha val="35000"/>
               </a:srgbClr>
@@ -5689,7 +6985,7 @@
         </a:effectStyle>
         <a:effectStyle>
           <a:effectLst>
-            <a:outerShdw sx="100000" sy="100000" kx="0" ky="0" algn="b" rotWithShape="0" blurRad="38100" dist="23000" dir="5400000">
+            <a:outerShdw blurRad="38100" dist="23000" dir="5400000" rotWithShape="0">
               <a:srgbClr val="000000">
                 <a:alpha val="35000"/>
               </a:srgbClr>
@@ -5698,7 +6994,7 @@
         </a:effectStyle>
         <a:effectStyle>
           <a:effectLst>
-            <a:outerShdw sx="100000" sy="100000" kx="0" ky="0" algn="b" rotWithShape="0" blurRad="38100" dist="23000" dir="5400000">
+            <a:outerShdw blurRad="38100" dist="23000" dir="5400000" rotWithShape="0">
               <a:srgbClr val="000000">
                 <a:alpha val="35000"/>
               </a:srgbClr>
@@ -5772,7 +7068,7 @@
           <a:round/>
         </a:ln>
         <a:effectLst>
-          <a:outerShdw sx="100000" sy="100000" kx="0" ky="0" algn="b" rotWithShape="0" blurRad="38100" dist="23000" dir="5400000">
+          <a:outerShdw blurRad="38100" dist="23000" dir="5400000" rotWithShape="0">
             <a:srgbClr val="000000">
               <a:alpha val="35000"/>
             </a:srgbClr>
@@ -5780,7 +7076,7 @@
         </a:effectLst>
         <a:sp3d/>
       </a:spPr>
-      <a:bodyPr rot="0" spcFirstLastPara="1" vertOverflow="overflow" horzOverflow="overflow" vert="horz" wrap="square" lIns="45718" tIns="45718" rIns="45718" bIns="45718" numCol="1" spcCol="38100" rtlCol="0" anchor="ctr" upright="0">
+      <a:bodyPr rot="0" spcFirstLastPara="1" vertOverflow="overflow" horzOverflow="overflow" vert="horz" wrap="square" lIns="45718" tIns="45718" rIns="45718" bIns="45718" numCol="1" spcCol="38100" rtlCol="0" anchor="ctr">
         <a:spAutoFit/>
       </a:bodyPr>
       <a:lstStyle>
@@ -5799,7 +7095,7 @@
           <a:buFontTx/>
           <a:buNone/>
           <a:tabLst/>
-          <a:defRPr b="0" baseline="0" cap="none" i="0" spc="0" strike="noStrike" sz="1400" u="none" kumimoji="0" normalizeH="0">
+          <a:defRPr kumimoji="0" sz="1400" b="0" i="0" u="none" strike="noStrike" cap="none" spc="0" normalizeH="0" baseline="0">
             <a:ln>
               <a:noFill/>
             </a:ln>
@@ -5829,7 +7125,7 @@
           <a:buFontTx/>
           <a:buNone/>
           <a:tabLst/>
-          <a:defRPr b="0" baseline="0" cap="none" i="0" spc="0" strike="noStrike" sz="1800" u="none" kumimoji="0" normalizeH="0">
+          <a:defRPr kumimoji="0" sz="1800" b="0" i="0" u="none" strike="noStrike" cap="none" spc="0" normalizeH="0" baseline="0">
             <a:ln>
               <a:noFill/>
             </a:ln>
@@ -5855,7 +7151,7 @@
           <a:buFontTx/>
           <a:buNone/>
           <a:tabLst/>
-          <a:defRPr b="0" baseline="0" cap="none" i="0" spc="0" strike="noStrike" sz="1800" u="none" kumimoji="0" normalizeH="0">
+          <a:defRPr kumimoji="0" sz="1800" b="0" i="0" u="none" strike="noStrike" cap="none" spc="0" normalizeH="0" baseline="0">
             <a:ln>
               <a:noFill/>
             </a:ln>
@@ -5881,7 +7177,7 @@
           <a:buFontTx/>
           <a:buNone/>
           <a:tabLst/>
-          <a:defRPr b="0" baseline="0" cap="none" i="0" spc="0" strike="noStrike" sz="1800" u="none" kumimoji="0" normalizeH="0">
+          <a:defRPr kumimoji="0" sz="1800" b="0" i="0" u="none" strike="noStrike" cap="none" spc="0" normalizeH="0" baseline="0">
             <a:ln>
               <a:noFill/>
             </a:ln>
@@ -5907,7 +7203,7 @@
           <a:buFontTx/>
           <a:buNone/>
           <a:tabLst/>
-          <a:defRPr b="0" baseline="0" cap="none" i="0" spc="0" strike="noStrike" sz="1800" u="none" kumimoji="0" normalizeH="0">
+          <a:defRPr kumimoji="0" sz="1800" b="0" i="0" u="none" strike="noStrike" cap="none" spc="0" normalizeH="0" baseline="0">
             <a:ln>
               <a:noFill/>
             </a:ln>
@@ -5933,7 +7229,7 @@
           <a:buFontTx/>
           <a:buNone/>
           <a:tabLst/>
-          <a:defRPr b="0" baseline="0" cap="none" i="0" spc="0" strike="noStrike" sz="1800" u="none" kumimoji="0" normalizeH="0">
+          <a:defRPr kumimoji="0" sz="1800" b="0" i="0" u="none" strike="noStrike" cap="none" spc="0" normalizeH="0" baseline="0">
             <a:ln>
               <a:noFill/>
             </a:ln>
@@ -5959,7 +7255,7 @@
           <a:buFontTx/>
           <a:buNone/>
           <a:tabLst/>
-          <a:defRPr b="0" baseline="0" cap="none" i="0" spc="0" strike="noStrike" sz="1800" u="none" kumimoji="0" normalizeH="0">
+          <a:defRPr kumimoji="0" sz="1800" b="0" i="0" u="none" strike="noStrike" cap="none" spc="0" normalizeH="0" baseline="0">
             <a:ln>
               <a:noFill/>
             </a:ln>
@@ -5985,7 +7281,7 @@
           <a:buFontTx/>
           <a:buNone/>
           <a:tabLst/>
-          <a:defRPr b="0" baseline="0" cap="none" i="0" spc="0" strike="noStrike" sz="1800" u="none" kumimoji="0" normalizeH="0">
+          <a:defRPr kumimoji="0" sz="1800" b="0" i="0" u="none" strike="noStrike" cap="none" spc="0" normalizeH="0" baseline="0">
             <a:ln>
               <a:noFill/>
             </a:ln>
@@ -6011,7 +7307,7 @@
           <a:buFontTx/>
           <a:buNone/>
           <a:tabLst/>
-          <a:defRPr b="0" baseline="0" cap="none" i="0" spc="0" strike="noStrike" sz="1800" u="none" kumimoji="0" normalizeH="0">
+          <a:defRPr kumimoji="0" sz="1800" b="0" i="0" u="none" strike="noStrike" cap="none" spc="0" normalizeH="0" baseline="0">
             <a:ln>
               <a:noFill/>
             </a:ln>
@@ -6037,7 +7333,7 @@
           <a:buFontTx/>
           <a:buNone/>
           <a:tabLst/>
-          <a:defRPr b="0" baseline="0" cap="none" i="0" spc="0" strike="noStrike" sz="1800" u="none" kumimoji="0" normalizeH="0">
+          <a:defRPr kumimoji="0" sz="1800" b="0" i="0" u="none" strike="noStrike" cap="none" spc="0" normalizeH="0" baseline="0">
             <a:ln>
               <a:noFill/>
             </a:ln>
@@ -6050,9 +7346,15 @@
         </a:lvl9pPr>
       </a:lstStyle>
       <a:style>
-        <a:lnRef idx="0"/>
-        <a:fillRef idx="0"/>
-        <a:effectRef idx="0"/>
+        <a:lnRef idx="0">
+          <a:scrgbClr r="0" g="0" b="0"/>
+        </a:lnRef>
+        <a:fillRef idx="0">
+          <a:scrgbClr r="0" g="0" b="0"/>
+        </a:fillRef>
+        <a:effectRef idx="0">
+          <a:scrgbClr r="0" g="0" b="0"/>
+        </a:effectRef>
         <a:fontRef idx="none"/>
       </a:style>
     </a:spDef>
@@ -6067,7 +7369,7 @@
           <a:round/>
         </a:ln>
         <a:effectLst>
-          <a:outerShdw sx="100000" sy="100000" kx="0" ky="0" algn="b" rotWithShape="0" blurRad="38100" dist="23000" dir="5400000">
+          <a:outerShdw blurRad="38100" dist="23000" dir="5400000" rotWithShape="0">
             <a:srgbClr val="000000">
               <a:alpha val="35000"/>
             </a:srgbClr>
@@ -6075,7 +7377,7 @@
         </a:effectLst>
         <a:sp3d/>
       </a:spPr>
-      <a:bodyPr rot="0" spcFirstLastPara="1" vertOverflow="overflow" horzOverflow="overflow" vert="horz" wrap="square" lIns="91439" tIns="45719" rIns="91439" bIns="45719" numCol="1" spcCol="38100" rtlCol="0" anchor="t" upright="0">
+      <a:bodyPr rot="0" spcFirstLastPara="1" vertOverflow="overflow" horzOverflow="overflow" vert="horz" wrap="square" lIns="91439" tIns="45719" rIns="91439" bIns="45719" numCol="1" spcCol="38100" rtlCol="0" anchor="t">
         <a:noAutofit/>
       </a:bodyPr>
       <a:lstStyle>
@@ -6094,7 +7396,7 @@
           <a:buFontTx/>
           <a:buNone/>
           <a:tabLst/>
-          <a:defRPr b="0" baseline="0" cap="none" i="0" spc="0" strike="noStrike" sz="1800" u="none" kumimoji="0" normalizeH="0">
+          <a:defRPr kumimoji="0" sz="1800" b="0" i="0" u="none" strike="noStrike" cap="none" spc="0" normalizeH="0" baseline="0">
             <a:ln>
               <a:noFill/>
             </a:ln>
@@ -6120,7 +7422,7 @@
           <a:buFontTx/>
           <a:buNone/>
           <a:tabLst/>
-          <a:defRPr b="0" baseline="0" cap="none" i="0" spc="0" strike="noStrike" sz="1800" u="none" kumimoji="0" normalizeH="0">
+          <a:defRPr kumimoji="0" sz="1800" b="0" i="0" u="none" strike="noStrike" cap="none" spc="0" normalizeH="0" baseline="0">
             <a:ln>
               <a:noFill/>
             </a:ln>
@@ -6146,7 +7448,7 @@
           <a:buFontTx/>
           <a:buNone/>
           <a:tabLst/>
-          <a:defRPr b="0" baseline="0" cap="none" i="0" spc="0" strike="noStrike" sz="1800" u="none" kumimoji="0" normalizeH="0">
+          <a:defRPr kumimoji="0" sz="1800" b="0" i="0" u="none" strike="noStrike" cap="none" spc="0" normalizeH="0" baseline="0">
             <a:ln>
               <a:noFill/>
             </a:ln>
@@ -6172,7 +7474,7 @@
           <a:buFontTx/>
           <a:buNone/>
           <a:tabLst/>
-          <a:defRPr b="0" baseline="0" cap="none" i="0" spc="0" strike="noStrike" sz="1800" u="none" kumimoji="0" normalizeH="0">
+          <a:defRPr kumimoji="0" sz="1800" b="0" i="0" u="none" strike="noStrike" cap="none" spc="0" normalizeH="0" baseline="0">
             <a:ln>
               <a:noFill/>
             </a:ln>
@@ -6198,7 +7500,7 @@
           <a:buFontTx/>
           <a:buNone/>
           <a:tabLst/>
-          <a:defRPr b="0" baseline="0" cap="none" i="0" spc="0" strike="noStrike" sz="1800" u="none" kumimoji="0" normalizeH="0">
+          <a:defRPr kumimoji="0" sz="1800" b="0" i="0" u="none" strike="noStrike" cap="none" spc="0" normalizeH="0" baseline="0">
             <a:ln>
               <a:noFill/>
             </a:ln>
@@ -6224,7 +7526,7 @@
           <a:buFontTx/>
           <a:buNone/>
           <a:tabLst/>
-          <a:defRPr b="0" baseline="0" cap="none" i="0" spc="0" strike="noStrike" sz="1800" u="none" kumimoji="0" normalizeH="0">
+          <a:defRPr kumimoji="0" sz="1800" b="0" i="0" u="none" strike="noStrike" cap="none" spc="0" normalizeH="0" baseline="0">
             <a:ln>
               <a:noFill/>
             </a:ln>
@@ -6250,7 +7552,7 @@
           <a:buFontTx/>
           <a:buNone/>
           <a:tabLst/>
-          <a:defRPr b="0" baseline="0" cap="none" i="0" spc="0" strike="noStrike" sz="1800" u="none" kumimoji="0" normalizeH="0">
+          <a:defRPr kumimoji="0" sz="1800" b="0" i="0" u="none" strike="noStrike" cap="none" spc="0" normalizeH="0" baseline="0">
             <a:ln>
               <a:noFill/>
             </a:ln>
@@ -6276,7 +7578,7 @@
           <a:buFontTx/>
           <a:buNone/>
           <a:tabLst/>
-          <a:defRPr b="0" baseline="0" cap="none" i="0" spc="0" strike="noStrike" sz="1800" u="none" kumimoji="0" normalizeH="0">
+          <a:defRPr kumimoji="0" sz="1800" b="0" i="0" u="none" strike="noStrike" cap="none" spc="0" normalizeH="0" baseline="0">
             <a:ln>
               <a:noFill/>
             </a:ln>
@@ -6302,7 +7604,7 @@
           <a:buFontTx/>
           <a:buNone/>
           <a:tabLst/>
-          <a:defRPr b="0" baseline="0" cap="none" i="0" spc="0" strike="noStrike" sz="1800" u="none" kumimoji="0" normalizeH="0">
+          <a:defRPr kumimoji="0" sz="1800" b="0" i="0" u="none" strike="noStrike" cap="none" spc="0" normalizeH="0" baseline="0">
             <a:ln>
               <a:noFill/>
             </a:ln>
@@ -6328,7 +7630,7 @@
           <a:buFontTx/>
           <a:buNone/>
           <a:tabLst/>
-          <a:defRPr b="0" baseline="0" cap="none" i="0" spc="0" strike="noStrike" sz="1800" u="none" kumimoji="0" normalizeH="0">
+          <a:defRPr kumimoji="0" sz="1800" b="0" i="0" u="none" strike="noStrike" cap="none" spc="0" normalizeH="0" baseline="0">
             <a:ln>
               <a:noFill/>
             </a:ln>
@@ -6341,9 +7643,15 @@
         </a:lvl9pPr>
       </a:lstStyle>
       <a:style>
-        <a:lnRef idx="0"/>
-        <a:fillRef idx="0"/>
-        <a:effectRef idx="0"/>
+        <a:lnRef idx="0">
+          <a:scrgbClr r="0" g="0" b="0"/>
+        </a:lnRef>
+        <a:fillRef idx="0">
+          <a:scrgbClr r="0" g="0" b="0"/>
+        </a:fillRef>
+        <a:effectRef idx="0">
+          <a:scrgbClr r="0" g="0" b="0"/>
+        </a:effectRef>
         <a:fontRef idx="none"/>
       </a:style>
     </a:lnDef>
@@ -6357,7 +7665,7 @@
         <a:effectLst/>
         <a:sp3d/>
       </a:spPr>
-      <a:bodyPr rot="0" spcFirstLastPara="1" vertOverflow="overflow" horzOverflow="overflow" vert="horz" wrap="square" lIns="45718" tIns="45718" rIns="45718" bIns="45718" numCol="1" spcCol="38100" rtlCol="0" anchor="t" upright="0">
+      <a:bodyPr rot="0" spcFirstLastPara="1" vertOverflow="overflow" horzOverflow="overflow" vert="horz" wrap="square" lIns="45718" tIns="45718" rIns="45718" bIns="45718" numCol="1" spcCol="38100" rtlCol="0" anchor="t">
         <a:spAutoFit/>
       </a:bodyPr>
       <a:lstStyle>
@@ -6376,7 +7684,7 @@
           <a:buFontTx/>
           <a:buNone/>
           <a:tabLst/>
-          <a:defRPr b="0" baseline="0" cap="none" i="0" spc="0" strike="noStrike" sz="1400" u="none" kumimoji="0" normalizeH="0">
+          <a:defRPr kumimoji="0" sz="1400" b="0" i="0" u="none" strike="noStrike" cap="none" spc="0" normalizeH="0" baseline="0">
             <a:ln>
               <a:noFill/>
             </a:ln>
@@ -6406,7 +7714,7 @@
           <a:buFontTx/>
           <a:buNone/>
           <a:tabLst/>
-          <a:defRPr b="0" baseline="0" cap="none" i="0" spc="0" strike="noStrike" sz="1800" u="none" kumimoji="0" normalizeH="0">
+          <a:defRPr kumimoji="0" sz="1800" b="0" i="0" u="none" strike="noStrike" cap="none" spc="0" normalizeH="0" baseline="0">
             <a:ln>
               <a:noFill/>
             </a:ln>
@@ -6432,7 +7740,7 @@
           <a:buFontTx/>
           <a:buNone/>
           <a:tabLst/>
-          <a:defRPr b="0" baseline="0" cap="none" i="0" spc="0" strike="noStrike" sz="1800" u="none" kumimoji="0" normalizeH="0">
+          <a:defRPr kumimoji="0" sz="1800" b="0" i="0" u="none" strike="noStrike" cap="none" spc="0" normalizeH="0" baseline="0">
             <a:ln>
               <a:noFill/>
             </a:ln>
@@ -6458,7 +7766,7 @@
           <a:buFontTx/>
           <a:buNone/>
           <a:tabLst/>
-          <a:defRPr b="0" baseline="0" cap="none" i="0" spc="0" strike="noStrike" sz="1800" u="none" kumimoji="0" normalizeH="0">
+          <a:defRPr kumimoji="0" sz="1800" b="0" i="0" u="none" strike="noStrike" cap="none" spc="0" normalizeH="0" baseline="0">
             <a:ln>
               <a:noFill/>
             </a:ln>
@@ -6484,7 +7792,7 @@
           <a:buFontTx/>
           <a:buNone/>
           <a:tabLst/>
-          <a:defRPr b="0" baseline="0" cap="none" i="0" spc="0" strike="noStrike" sz="1800" u="none" kumimoji="0" normalizeH="0">
+          <a:defRPr kumimoji="0" sz="1800" b="0" i="0" u="none" strike="noStrike" cap="none" spc="0" normalizeH="0" baseline="0">
             <a:ln>
               <a:noFill/>
             </a:ln>
@@ -6510,7 +7818,7 @@
           <a:buFontTx/>
           <a:buNone/>
           <a:tabLst/>
-          <a:defRPr b="0" baseline="0" cap="none" i="0" spc="0" strike="noStrike" sz="1800" u="none" kumimoji="0" normalizeH="0">
+          <a:defRPr kumimoji="0" sz="1800" b="0" i="0" u="none" strike="noStrike" cap="none" spc="0" normalizeH="0" baseline="0">
             <a:ln>
               <a:noFill/>
             </a:ln>
@@ -6536,7 +7844,7 @@
           <a:buFontTx/>
           <a:buNone/>
           <a:tabLst/>
-          <a:defRPr b="0" baseline="0" cap="none" i="0" spc="0" strike="noStrike" sz="1800" u="none" kumimoji="0" normalizeH="0">
+          <a:defRPr kumimoji="0" sz="1800" b="0" i="0" u="none" strike="noStrike" cap="none" spc="0" normalizeH="0" baseline="0">
             <a:ln>
               <a:noFill/>
             </a:ln>
@@ -6562,7 +7870,7 @@
           <a:buFontTx/>
           <a:buNone/>
           <a:tabLst/>
-          <a:defRPr b="0" baseline="0" cap="none" i="0" spc="0" strike="noStrike" sz="1800" u="none" kumimoji="0" normalizeH="0">
+          <a:defRPr kumimoji="0" sz="1800" b="0" i="0" u="none" strike="noStrike" cap="none" spc="0" normalizeH="0" baseline="0">
             <a:ln>
               <a:noFill/>
             </a:ln>
@@ -6588,7 +7896,7 @@
           <a:buFontTx/>
           <a:buNone/>
           <a:tabLst/>
-          <a:defRPr b="0" baseline="0" cap="none" i="0" spc="0" strike="noStrike" sz="1800" u="none" kumimoji="0" normalizeH="0">
+          <a:defRPr kumimoji="0" sz="1800" b="0" i="0" u="none" strike="noStrike" cap="none" spc="0" normalizeH="0" baseline="0">
             <a:ln>
               <a:noFill/>
             </a:ln>
@@ -6614,7 +7922,7 @@
           <a:buFontTx/>
           <a:buNone/>
           <a:tabLst/>
-          <a:defRPr b="0" baseline="0" cap="none" i="0" spc="0" strike="noStrike" sz="1800" u="none" kumimoji="0" normalizeH="0">
+          <a:defRPr kumimoji="0" sz="1800" b="0" i="0" u="none" strike="noStrike" cap="none" spc="0" normalizeH="0" baseline="0">
             <a:ln>
               <a:noFill/>
             </a:ln>
@@ -6627,12 +7935,19 @@
         </a:lvl9pPr>
       </a:lstStyle>
       <a:style>
-        <a:lnRef idx="0"/>
-        <a:fillRef idx="0"/>
-        <a:effectRef idx="0"/>
+        <a:lnRef idx="0">
+          <a:scrgbClr r="0" g="0" b="0"/>
+        </a:lnRef>
+        <a:fillRef idx="0">
+          <a:scrgbClr r="0" g="0" b="0"/>
+        </a:fillRef>
+        <a:effectRef idx="0">
+          <a:scrgbClr r="0" g="0" b="0"/>
+        </a:effectRef>
         <a:fontRef idx="none"/>
       </a:style>
     </a:txDef>
   </a:objectDefaults>
+  <a:extraClrSchemeLst/>
 </a:theme>
 </file>